--- a/Review/Android.pptx
+++ b/Review/Android.pptx
@@ -3,28 +3,36 @@
 <p:presentation xmlns:a="http://schemas.openxmlformats.org/drawingml/2006/main" xmlns:r="http://schemas.openxmlformats.org/officeDocument/2006/relationships" xmlns:p="http://schemas.openxmlformats.org/presentationml/2006/main" showSpecialPlsOnTitleSld="0" saveSubsetFonts="1">
   <p:sldMasterIdLst>
     <p:sldMasterId id="2147483648" r:id="rId1"/>
+    <p:sldMasterId id="2147483662" r:id="rId2"/>
   </p:sldMasterIdLst>
   <p:notesMasterIdLst>
-    <p:notesMasterId r:id="rId19"/>
+    <p:notesMasterId r:id="rId27"/>
   </p:notesMasterIdLst>
   <p:sldIdLst>
-    <p:sldId id="279" r:id="rId2"/>
-    <p:sldId id="257" r:id="rId3"/>
-    <p:sldId id="281" r:id="rId4"/>
-    <p:sldId id="282" r:id="rId5"/>
-    <p:sldId id="289" r:id="rId6"/>
-    <p:sldId id="290" r:id="rId7"/>
-    <p:sldId id="284" r:id="rId8"/>
-    <p:sldId id="297" r:id="rId9"/>
-    <p:sldId id="298" r:id="rId10"/>
-    <p:sldId id="300" r:id="rId11"/>
-    <p:sldId id="301" r:id="rId12"/>
-    <p:sldId id="291" r:id="rId13"/>
-    <p:sldId id="292" r:id="rId14"/>
-    <p:sldId id="293" r:id="rId15"/>
-    <p:sldId id="294" r:id="rId16"/>
-    <p:sldId id="295" r:id="rId17"/>
-    <p:sldId id="296" r:id="rId18"/>
+    <p:sldId id="279" r:id="rId3"/>
+    <p:sldId id="257" r:id="rId4"/>
+    <p:sldId id="281" r:id="rId5"/>
+    <p:sldId id="282" r:id="rId6"/>
+    <p:sldId id="289" r:id="rId7"/>
+    <p:sldId id="290" r:id="rId8"/>
+    <p:sldId id="284" r:id="rId9"/>
+    <p:sldId id="297" r:id="rId10"/>
+    <p:sldId id="298" r:id="rId11"/>
+    <p:sldId id="300" r:id="rId12"/>
+    <p:sldId id="301" r:id="rId13"/>
+    <p:sldId id="291" r:id="rId14"/>
+    <p:sldId id="292" r:id="rId15"/>
+    <p:sldId id="293" r:id="rId16"/>
+    <p:sldId id="294" r:id="rId17"/>
+    <p:sldId id="295" r:id="rId18"/>
+    <p:sldId id="296" r:id="rId19"/>
+    <p:sldId id="302" r:id="rId20"/>
+    <p:sldId id="303" r:id="rId21"/>
+    <p:sldId id="304" r:id="rId22"/>
+    <p:sldId id="305" r:id="rId23"/>
+    <p:sldId id="306" r:id="rId24"/>
+    <p:sldId id="307" r:id="rId25"/>
+    <p:sldId id="308" r:id="rId26"/>
   </p:sldIdLst>
   <p:sldSz cx="9144000" cy="6858000" type="screen4x3"/>
   <p:notesSz cx="7099300" cy="10234613"/>
@@ -852,6 +860,406 @@
 </p:sldLayout>
 </file>
 
+<file path=ppt/slideLayouts/slideLayout10.xml><?xml version="1.0" encoding="utf-8"?>
+<p:sldLayout xmlns:a="http://schemas.openxmlformats.org/drawingml/2006/main" xmlns:r="http://schemas.openxmlformats.org/officeDocument/2006/relationships" xmlns:p="http://schemas.openxmlformats.org/presentationml/2006/main" preserve="1" userDrawn="1">
+  <p:cSld name="Gliederung">
+    <p:spTree>
+      <p:nvGrpSpPr>
+        <p:cNvPr id="1" name=""/>
+        <p:cNvGrpSpPr/>
+        <p:nvPr/>
+      </p:nvGrpSpPr>
+      <p:grpSpPr>
+        <a:xfrm>
+          <a:off x="0" y="0"/>
+          <a:ext cx="0" cy="0"/>
+          <a:chOff x="0" y="0"/>
+          <a:chExt cx="0" cy="0"/>
+        </a:xfrm>
+      </p:grpSpPr>
+      <p:sp>
+        <p:nvSpPr>
+          <p:cNvPr id="3" name="Rectangle 6"/>
+          <p:cNvSpPr>
+            <a:spLocks noChangeArrowheads="1"/>
+          </p:cNvSpPr>
+          <p:nvPr userDrawn="1"/>
+        </p:nvSpPr>
+        <p:spPr bwMode="auto">
+          <a:xfrm>
+            <a:off x="0" y="0"/>
+            <a:ext cx="9144000" cy="1133475"/>
+          </a:xfrm>
+          <a:prstGeom prst="rect">
+            <a:avLst/>
+          </a:prstGeom>
+          <a:solidFill>
+            <a:schemeClr val="hlink"/>
+          </a:solidFill>
+          <a:ln w="0">
+            <a:noFill/>
+            <a:miter lim="800000"/>
+            <a:headEnd/>
+            <a:tailEnd/>
+          </a:ln>
+          <a:effectLst/>
+        </p:spPr>
+        <p:txBody>
+          <a:bodyPr wrap="none" anchor="ctr"/>
+          <a:lstStyle/>
+          <a:p>
+            <a:pPr algn="ctr"/>
+            <a:endParaRPr lang="de-DE">
+              <a:solidFill>
+                <a:srgbClr val="4DA6CB"/>
+              </a:solidFill>
+            </a:endParaRPr>
+          </a:p>
+        </p:txBody>
+      </p:sp>
+      <p:sp>
+        <p:nvSpPr>
+          <p:cNvPr id="2" name="Titel 1"/>
+          <p:cNvSpPr>
+            <a:spLocks noGrp="1"/>
+          </p:cNvSpPr>
+          <p:nvPr>
+            <p:ph type="title"/>
+          </p:nvPr>
+        </p:nvSpPr>
+        <p:spPr/>
+        <p:txBody>
+          <a:bodyPr/>
+          <a:lstStyle>
+            <a:lvl1pPr>
+              <a:defRPr>
+                <a:solidFill>
+                  <a:schemeClr val="bg1"/>
+                </a:solidFill>
+              </a:defRPr>
+            </a:lvl1pPr>
+          </a:lstStyle>
+          <a:p>
+            <a:r>
+              <a:rPr lang="de-DE" dirty="0" smtClean="0"/>
+              <a:t>Titelmasterformat durch Klicken bearbeiten</a:t>
+            </a:r>
+            <a:endParaRPr lang="de-DE" dirty="0"/>
+          </a:p>
+        </p:txBody>
+      </p:sp>
+      <p:sp>
+        <p:nvSpPr>
+          <p:cNvPr id="4" name="Rectangle 3"/>
+          <p:cNvSpPr>
+            <a:spLocks noGrp="1" noChangeArrowheads="1"/>
+          </p:cNvSpPr>
+          <p:nvPr userDrawn="1">
+            <p:ph type="body" idx="1"/>
+          </p:nvPr>
+        </p:nvSpPr>
+        <p:spPr bwMode="gray">
+          <a:xfrm>
+            <a:off x="431800" y="1339851"/>
+            <a:ext cx="8370888" cy="4622800"/>
+          </a:xfrm>
+          <a:noFill/>
+        </p:spPr>
+        <p:txBody>
+          <a:bodyPr/>
+          <a:lstStyle/>
+          <a:p>
+            <a:pPr lvl="1">
+              <a:buClr>
+                <a:srgbClr val="C0C0C0"/>
+              </a:buClr>
+            </a:pPr>
+            <a:r>
+              <a:rPr lang="de-DE" sz="2000" dirty="0" err="1">
+                <a:solidFill>
+                  <a:srgbClr val="C0C0C0"/>
+                </a:solidFill>
+              </a:rPr>
+              <a:t>Kisuaeli</a:t>
+            </a:r>
+            <a:r>
+              <a:rPr lang="de-DE" sz="2000" dirty="0">
+                <a:solidFill>
+                  <a:srgbClr val="C0C0C0"/>
+                </a:solidFill>
+              </a:rPr>
+              <a:t> </a:t>
+            </a:r>
+            <a:r>
+              <a:rPr lang="de-DE" sz="2000" dirty="0" err="1">
+                <a:solidFill>
+                  <a:srgbClr val="C0C0C0"/>
+                </a:solidFill>
+              </a:rPr>
+              <a:t>antux</a:t>
+            </a:r>
+            <a:r>
+              <a:rPr lang="de-DE" sz="2000" dirty="0">
+                <a:solidFill>
+                  <a:srgbClr val="C0C0C0"/>
+                </a:solidFill>
+              </a:rPr>
+              <a:t> in </a:t>
+            </a:r>
+            <a:r>
+              <a:rPr lang="de-DE" sz="2000" dirty="0" err="1">
+                <a:solidFill>
+                  <a:srgbClr val="C0C0C0"/>
+                </a:solidFill>
+              </a:rPr>
+              <a:t>weimi</a:t>
+            </a:r>
+            <a:r>
+              <a:rPr lang="de-DE" sz="2000" dirty="0">
+                <a:solidFill>
+                  <a:srgbClr val="C0C0C0"/>
+                </a:solidFill>
+              </a:rPr>
+              <a:t> </a:t>
+            </a:r>
+            <a:r>
+              <a:rPr lang="de-DE" sz="2000" dirty="0" err="1">
+                <a:solidFill>
+                  <a:srgbClr val="C0C0C0"/>
+                </a:solidFill>
+              </a:rPr>
+              <a:t>kameran</a:t>
+            </a:r>
+            <a:r>
+              <a:rPr lang="de-DE" sz="2000" dirty="0"/>
+              <a:t> </a:t>
+            </a:r>
+          </a:p>
+          <a:p>
+            <a:pPr lvl="1">
+              <a:buClr>
+                <a:srgbClr val="C0C0C0"/>
+              </a:buClr>
+            </a:pPr>
+            <a:r>
+              <a:rPr lang="de-DE" sz="2000" dirty="0" err="1">
+                <a:solidFill>
+                  <a:srgbClr val="C0C0C0"/>
+                </a:solidFill>
+              </a:rPr>
+              <a:t>Populario</a:t>
+            </a:r>
+            <a:r>
+              <a:rPr lang="de-DE" sz="2000" dirty="0">
+                <a:solidFill>
+                  <a:srgbClr val="C0C0C0"/>
+                </a:solidFill>
+              </a:rPr>
+              <a:t> </a:t>
+            </a:r>
+            <a:r>
+              <a:rPr lang="de-DE" sz="2000" dirty="0" err="1">
+                <a:solidFill>
+                  <a:srgbClr val="C0C0C0"/>
+                </a:solidFill>
+              </a:rPr>
+              <a:t>falst</a:t>
+            </a:r>
+            <a:endParaRPr lang="de-DE" sz="2000" dirty="0">
+              <a:solidFill>
+                <a:srgbClr val="C0C0C0"/>
+              </a:solidFill>
+            </a:endParaRPr>
+          </a:p>
+          <a:p>
+            <a:pPr lvl="1"/>
+            <a:r>
+              <a:rPr lang="de-DE" sz="2000" dirty="0" err="1"/>
+              <a:t>Quol</a:t>
+            </a:r>
+            <a:r>
+              <a:rPr lang="de-DE" sz="2000" dirty="0"/>
+              <a:t> </a:t>
+            </a:r>
+            <a:r>
+              <a:rPr lang="de-DE" sz="2000" dirty="0" err="1"/>
+              <a:t>damnarin</a:t>
+            </a:r>
+            <a:r>
+              <a:rPr lang="de-DE" sz="2000" dirty="0"/>
+              <a:t> </a:t>
+            </a:r>
+            <a:r>
+              <a:rPr lang="de-DE" sz="2000" dirty="0" err="1"/>
+              <a:t>Tropi</a:t>
+            </a:r>
+            <a:r>
+              <a:rPr lang="de-DE" sz="2000" dirty="0"/>
+              <a:t> zu </a:t>
+            </a:r>
+            <a:r>
+              <a:rPr lang="de-DE" sz="2000" dirty="0" err="1"/>
+              <a:t>klenne</a:t>
+            </a:r>
+            <a:r>
+              <a:rPr lang="de-DE" sz="2000" dirty="0"/>
+              <a:t> </a:t>
+            </a:r>
+            <a:r>
+              <a:rPr lang="de-DE" sz="2000" dirty="0" err="1"/>
+              <a:t>perdi</a:t>
+            </a:r>
+            <a:r>
+              <a:rPr lang="de-DE" sz="2000" dirty="0"/>
+              <a:t> </a:t>
+            </a:r>
+          </a:p>
+          <a:p>
+            <a:pPr lvl="1">
+              <a:buClr>
+                <a:srgbClr val="C0C0C0"/>
+              </a:buClr>
+            </a:pPr>
+            <a:r>
+              <a:rPr lang="de-DE" sz="2000" dirty="0" err="1">
+                <a:solidFill>
+                  <a:srgbClr val="C0C0C0"/>
+                </a:solidFill>
+              </a:rPr>
+              <a:t>Utilira</a:t>
+            </a:r>
+            <a:r>
+              <a:rPr lang="de-DE" sz="2000" dirty="0">
+                <a:solidFill>
+                  <a:srgbClr val="C0C0C0"/>
+                </a:solidFill>
+              </a:rPr>
+              <a:t> </a:t>
+            </a:r>
+            <a:r>
+              <a:rPr lang="de-DE" sz="2000" dirty="0" err="1">
+                <a:solidFill>
+                  <a:srgbClr val="C0C0C0"/>
+                </a:solidFill>
+              </a:rPr>
+              <a:t>regau</a:t>
+            </a:r>
+            <a:r>
+              <a:rPr lang="de-DE" sz="2000" dirty="0">
+                <a:solidFill>
+                  <a:srgbClr val="C0C0C0"/>
+                </a:solidFill>
+              </a:rPr>
+              <a:t> </a:t>
+            </a:r>
+            <a:r>
+              <a:rPr lang="de-DE" sz="2000" dirty="0" err="1">
+                <a:solidFill>
+                  <a:srgbClr val="C0C0C0"/>
+                </a:solidFill>
+              </a:rPr>
+              <a:t>socht</a:t>
+            </a:r>
+            <a:r>
+              <a:rPr lang="de-DE" sz="2000" dirty="0">
+                <a:solidFill>
+                  <a:srgbClr val="C0C0C0"/>
+                </a:solidFill>
+              </a:rPr>
+              <a:t> mol sunt</a:t>
+            </a:r>
+          </a:p>
+          <a:p>
+            <a:pPr lvl="1">
+              <a:buClr>
+                <a:srgbClr val="C0C0C0"/>
+              </a:buClr>
+            </a:pPr>
+            <a:r>
+              <a:rPr lang="de-DE" sz="2000" dirty="0">
+                <a:solidFill>
+                  <a:srgbClr val="C0C0C0"/>
+                </a:solidFill>
+              </a:rPr>
+              <a:t>Her </a:t>
+            </a:r>
+            <a:r>
+              <a:rPr lang="de-DE" sz="2000" dirty="0" err="1">
+                <a:solidFill>
+                  <a:srgbClr val="C0C0C0"/>
+                </a:solidFill>
+              </a:rPr>
+              <a:t>mitant</a:t>
+            </a:r>
+            <a:r>
+              <a:rPr lang="de-DE" sz="2000" dirty="0">
+                <a:solidFill>
+                  <a:srgbClr val="C0C0C0"/>
+                </a:solidFill>
+              </a:rPr>
+              <a:t> </a:t>
+            </a:r>
+            <a:r>
+              <a:rPr lang="de-DE" sz="2000" dirty="0" err="1">
+                <a:solidFill>
+                  <a:srgbClr val="C0C0C0"/>
+                </a:solidFill>
+              </a:rPr>
+              <a:t>dur</a:t>
+            </a:r>
+            <a:r>
+              <a:rPr lang="de-DE" sz="2000" dirty="0">
+                <a:solidFill>
+                  <a:srgbClr val="C0C0C0"/>
+                </a:solidFill>
+              </a:rPr>
+              <a:t> </a:t>
+            </a:r>
+            <a:r>
+              <a:rPr lang="de-DE" sz="2000" dirty="0" err="1">
+                <a:solidFill>
+                  <a:srgbClr val="C0C0C0"/>
+                </a:solidFill>
+              </a:rPr>
+              <a:t>Wolche</a:t>
+            </a:r>
+            <a:r>
+              <a:rPr lang="de-DE" sz="2000" dirty="0">
+                <a:solidFill>
+                  <a:srgbClr val="C0C0C0"/>
+                </a:solidFill>
+              </a:rPr>
+              <a:t> to </a:t>
+            </a:r>
+            <a:r>
+              <a:rPr lang="de-DE" sz="2000" dirty="0" err="1">
+                <a:solidFill>
+                  <a:srgbClr val="C0C0C0"/>
+                </a:solidFill>
+              </a:rPr>
+              <a:t>illemit</a:t>
+            </a:r>
+            <a:endParaRPr lang="de-DE" sz="2000" dirty="0">
+              <a:solidFill>
+                <a:srgbClr val="C0C0C0"/>
+              </a:solidFill>
+            </a:endParaRPr>
+          </a:p>
+        </p:txBody>
+      </p:sp>
+    </p:spTree>
+    <p:extLst>
+      <p:ext uri="{BB962C8B-B14F-4D97-AF65-F5344CB8AC3E}">
+        <p14:creationId xmlns:p14="http://schemas.microsoft.com/office/powerpoint/2010/main" val="3070766477"/>
+      </p:ext>
+    </p:extLst>
+  </p:cSld>
+  <p:clrMapOvr>
+    <a:masterClrMapping/>
+  </p:clrMapOvr>
+</p:sldLayout>
+</file>
+
 <file path=ppt/slideLayouts/slideLayout2.xml><?xml version="1.0" encoding="utf-8"?>
 <p:sldLayout xmlns:a="http://schemas.openxmlformats.org/drawingml/2006/main" xmlns:r="http://schemas.openxmlformats.org/officeDocument/2006/relationships" xmlns:p="http://schemas.openxmlformats.org/presentationml/2006/main" type="obj" preserve="1">
   <p:cSld name="Titel und Inhalt">
@@ -1465,6 +1873,523 @@
         </p:txBody>
       </p:sp>
     </p:spTree>
+  </p:cSld>
+  <p:clrMapOvr>
+    <a:masterClrMapping/>
+  </p:clrMapOvr>
+</p:sldLayout>
+</file>
+
+<file path=ppt/slideLayouts/slideLayout6.xml><?xml version="1.0" encoding="utf-8"?>
+<p:sldLayout xmlns:a="http://schemas.openxmlformats.org/drawingml/2006/main" xmlns:r="http://schemas.openxmlformats.org/officeDocument/2006/relationships" xmlns:p="http://schemas.openxmlformats.org/presentationml/2006/main" showMasterSp="0" type="title" preserve="1">
+  <p:cSld name="Titelfolie">
+    <p:spTree>
+      <p:nvGrpSpPr>
+        <p:cNvPr id="1" name=""/>
+        <p:cNvGrpSpPr/>
+        <p:nvPr/>
+      </p:nvGrpSpPr>
+      <p:grpSpPr>
+        <a:xfrm>
+          <a:off x="0" y="0"/>
+          <a:ext cx="0" cy="0"/>
+          <a:chOff x="0" y="0"/>
+          <a:chExt cx="0" cy="0"/>
+        </a:xfrm>
+      </p:grpSpPr>
+      <p:sp>
+        <p:nvSpPr>
+          <p:cNvPr id="3094" name="Rectangle 22"/>
+          <p:cNvSpPr>
+            <a:spLocks noChangeArrowheads="1"/>
+          </p:cNvSpPr>
+          <p:nvPr userDrawn="1"/>
+        </p:nvSpPr>
+        <p:spPr bwMode="auto">
+          <a:xfrm>
+            <a:off x="296863" y="1449388"/>
+            <a:ext cx="8550275" cy="2654300"/>
+          </a:xfrm>
+          <a:prstGeom prst="rect">
+            <a:avLst/>
+          </a:prstGeom>
+          <a:solidFill>
+            <a:srgbClr val="EAEAEA"/>
+          </a:solidFill>
+          <a:ln w="9525">
+            <a:noFill/>
+            <a:miter lim="800000"/>
+            <a:headEnd/>
+            <a:tailEnd/>
+          </a:ln>
+          <a:effectLst/>
+        </p:spPr>
+        <p:txBody>
+          <a:bodyPr wrap="none" anchor="ctr"/>
+          <a:lstStyle/>
+          <a:p>
+            <a:pPr algn="ctr"/>
+            <a:r>
+              <a:rPr lang="de-DE">
+                <a:solidFill>
+                  <a:srgbClr val="000000"/>
+                </a:solidFill>
+              </a:rPr>
+              <a:t>Platzhalter für Bild, Bild auf Titelfolie hinter das Logo einsetzen</a:t>
+            </a:r>
+          </a:p>
+        </p:txBody>
+      </p:sp>
+      <p:sp>
+        <p:nvSpPr>
+          <p:cNvPr id="5" name="Rectangle 17"/>
+          <p:cNvSpPr>
+            <a:spLocks noChangeArrowheads="1"/>
+          </p:cNvSpPr>
+          <p:nvPr userDrawn="1"/>
+        </p:nvSpPr>
+        <p:spPr bwMode="auto">
+          <a:xfrm>
+            <a:off x="287338" y="4103688"/>
+            <a:ext cx="8583612" cy="2192337"/>
+          </a:xfrm>
+          <a:prstGeom prst="rect">
+            <a:avLst/>
+          </a:prstGeom>
+          <a:solidFill>
+            <a:srgbClr val="FFF0B2"/>
+          </a:solidFill>
+          <a:ln w="9525">
+            <a:noFill/>
+            <a:miter lim="800000"/>
+            <a:headEnd/>
+            <a:tailEnd/>
+          </a:ln>
+          <a:effectLst/>
+        </p:spPr>
+        <p:txBody>
+          <a:bodyPr wrap="none" anchor="ctr"/>
+          <a:lstStyle/>
+          <a:p>
+            <a:pPr algn="ctr"/>
+            <a:r>
+              <a:rPr lang="de-DE">
+                <a:solidFill>
+                  <a:srgbClr val="000000"/>
+                </a:solidFill>
+              </a:rPr>
+              <a:t>   </a:t>
+            </a:r>
+          </a:p>
+        </p:txBody>
+      </p:sp>
+      <p:pic>
+        <p:nvPicPr>
+          <p:cNvPr id="6" name="Picture 16" descr="TU_Braunschweig_02"/>
+          <p:cNvPicPr>
+            <a:picLocks noChangeAspect="1" noChangeArrowheads="1"/>
+          </p:cNvPicPr>
+          <p:nvPr userDrawn="1"/>
+        </p:nvPicPr>
+        <p:blipFill>
+          <a:blip r:embed="rId2" cstate="print"/>
+          <a:srcRect/>
+          <a:stretch>
+            <a:fillRect/>
+          </a:stretch>
+        </p:blipFill>
+        <p:spPr bwMode="auto">
+          <a:xfrm>
+            <a:off x="287338" y="1438275"/>
+            <a:ext cx="8580437" cy="2665413"/>
+          </a:xfrm>
+          <a:prstGeom prst="rect">
+            <a:avLst/>
+          </a:prstGeom>
+          <a:noFill/>
+          <a:ln w="9525">
+            <a:noFill/>
+            <a:miter lim="800000"/>
+            <a:headEnd/>
+            <a:tailEnd/>
+          </a:ln>
+        </p:spPr>
+      </p:pic>
+      <p:pic>
+        <p:nvPicPr>
+          <p:cNvPr id="7" name="Picture 13" descr="TUBS_CO_150dpi"/>
+          <p:cNvPicPr>
+            <a:picLocks noChangeAspect="1" noChangeArrowheads="1"/>
+          </p:cNvPicPr>
+          <p:nvPr userDrawn="1"/>
+        </p:nvPicPr>
+        <p:blipFill>
+          <a:blip r:embed="rId3" cstate="print"/>
+          <a:srcRect/>
+          <a:stretch>
+            <a:fillRect/>
+          </a:stretch>
+        </p:blipFill>
+        <p:spPr bwMode="auto">
+          <a:xfrm>
+            <a:off x="0" y="741363"/>
+            <a:ext cx="2517775" cy="939800"/>
+          </a:xfrm>
+          <a:prstGeom prst="rect">
+            <a:avLst/>
+          </a:prstGeom>
+          <a:noFill/>
+        </p:spPr>
+      </p:pic>
+      <p:sp>
+        <p:nvSpPr>
+          <p:cNvPr id="8" name="Rectangle 18"/>
+          <p:cNvSpPr>
+            <a:spLocks noChangeArrowheads="1"/>
+          </p:cNvSpPr>
+          <p:nvPr userDrawn="1"/>
+        </p:nvSpPr>
+        <p:spPr bwMode="auto">
+          <a:xfrm>
+            <a:off x="287338" y="6297613"/>
+            <a:ext cx="8583612" cy="287337"/>
+          </a:xfrm>
+          <a:prstGeom prst="rect">
+            <a:avLst/>
+          </a:prstGeom>
+          <a:solidFill>
+            <a:srgbClr val="BE1E3C"/>
+          </a:solidFill>
+          <a:ln w="9525">
+            <a:noFill/>
+            <a:miter lim="800000"/>
+            <a:headEnd/>
+            <a:tailEnd/>
+          </a:ln>
+          <a:effectLst/>
+        </p:spPr>
+        <p:txBody>
+          <a:bodyPr wrap="none" anchor="ctr"/>
+          <a:lstStyle/>
+          <a:p>
+            <a:endParaRPr lang="de-DE">
+              <a:solidFill>
+                <a:srgbClr val="000000"/>
+              </a:solidFill>
+            </a:endParaRPr>
+          </a:p>
+        </p:txBody>
+      </p:sp>
+      <p:sp>
+        <p:nvSpPr>
+          <p:cNvPr id="3074" name="Rectangle 2"/>
+          <p:cNvSpPr>
+            <a:spLocks noGrp="1" noChangeArrowheads="1"/>
+          </p:cNvSpPr>
+          <p:nvPr>
+            <p:ph type="ctrTitle" hasCustomPrompt="1"/>
+          </p:nvPr>
+        </p:nvSpPr>
+        <p:spPr>
+          <a:xfrm>
+            <a:off x="831850" y="4356100"/>
+            <a:ext cx="7772400" cy="873125"/>
+          </a:xfrm>
+        </p:spPr>
+        <p:txBody>
+          <a:bodyPr/>
+          <a:lstStyle>
+            <a:lvl1pPr>
+              <a:defRPr/>
+            </a:lvl1pPr>
+          </a:lstStyle>
+          <a:p>
+            <a:r>
+              <a:rPr lang="de-DE" dirty="0" smtClean="0"/>
+              <a:t>Titel der Präsentation</a:t>
+            </a:r>
+            <a:endParaRPr lang="de-DE" dirty="0"/>
+          </a:p>
+        </p:txBody>
+      </p:sp>
+      <p:sp>
+        <p:nvSpPr>
+          <p:cNvPr id="3075" name="Rectangle 3"/>
+          <p:cNvSpPr>
+            <a:spLocks noGrp="1" noChangeArrowheads="1"/>
+          </p:cNvSpPr>
+          <p:nvPr>
+            <p:ph type="subTitle" idx="1" hasCustomPrompt="1"/>
+          </p:nvPr>
+        </p:nvSpPr>
+        <p:spPr>
+          <a:xfrm>
+            <a:off x="830263" y="5499100"/>
+            <a:ext cx="7747000" cy="333375"/>
+          </a:xfrm>
+        </p:spPr>
+        <p:txBody>
+          <a:bodyPr/>
+          <a:lstStyle>
+            <a:lvl1pPr>
+              <a:defRPr/>
+            </a:lvl1pPr>
+          </a:lstStyle>
+          <a:p>
+            <a:r>
+              <a:rPr lang="de-DE" dirty="0" smtClean="0"/>
+              <a:t>Vorname, Nachname des Referenten, Datum</a:t>
+            </a:r>
+            <a:endParaRPr lang="de-DE" dirty="0"/>
+          </a:p>
+        </p:txBody>
+      </p:sp>
+    </p:spTree>
+    <p:extLst>
+      <p:ext uri="{BB962C8B-B14F-4D97-AF65-F5344CB8AC3E}">
+        <p14:creationId xmlns:p14="http://schemas.microsoft.com/office/powerpoint/2010/main" val="77505768"/>
+      </p:ext>
+    </p:extLst>
+  </p:cSld>
+  <p:clrMapOvr>
+    <a:masterClrMapping/>
+  </p:clrMapOvr>
+</p:sldLayout>
+</file>
+
+<file path=ppt/slideLayouts/slideLayout7.xml><?xml version="1.0" encoding="utf-8"?>
+<p:sldLayout xmlns:a="http://schemas.openxmlformats.org/drawingml/2006/main" xmlns:r="http://schemas.openxmlformats.org/officeDocument/2006/relationships" xmlns:p="http://schemas.openxmlformats.org/presentationml/2006/main" type="obj" preserve="1">
+  <p:cSld name="Titel und Inhalt">
+    <p:spTree>
+      <p:nvGrpSpPr>
+        <p:cNvPr id="1" name=""/>
+        <p:cNvGrpSpPr/>
+        <p:nvPr/>
+      </p:nvGrpSpPr>
+      <p:grpSpPr>
+        <a:xfrm>
+          <a:off x="0" y="0"/>
+          <a:ext cx="0" cy="0"/>
+          <a:chOff x="0" y="0"/>
+          <a:chExt cx="0" cy="0"/>
+        </a:xfrm>
+      </p:grpSpPr>
+      <p:sp>
+        <p:nvSpPr>
+          <p:cNvPr id="2" name="Titel 1"/>
+          <p:cNvSpPr>
+            <a:spLocks noGrp="1"/>
+          </p:cNvSpPr>
+          <p:nvPr>
+            <p:ph type="title"/>
+          </p:nvPr>
+        </p:nvSpPr>
+        <p:spPr/>
+        <p:txBody>
+          <a:bodyPr/>
+          <a:lstStyle/>
+          <a:p>
+            <a:r>
+              <a:rPr lang="de-DE" smtClean="0"/>
+              <a:t>Titelmasterformat durch Klicken bearbeiten</a:t>
+            </a:r>
+            <a:endParaRPr lang="de-DE"/>
+          </a:p>
+        </p:txBody>
+      </p:sp>
+      <p:sp>
+        <p:nvSpPr>
+          <p:cNvPr id="3" name="Inhaltsplatzhalter 2"/>
+          <p:cNvSpPr>
+            <a:spLocks noGrp="1"/>
+          </p:cNvSpPr>
+          <p:nvPr>
+            <p:ph idx="1"/>
+          </p:nvPr>
+        </p:nvSpPr>
+        <p:spPr/>
+        <p:txBody>
+          <a:bodyPr/>
+          <a:lstStyle/>
+          <a:p>
+            <a:pPr lvl="0"/>
+            <a:r>
+              <a:rPr lang="de-DE" dirty="0" smtClean="0"/>
+              <a:t>Textmasterformate durch Klicken bearbeiten</a:t>
+            </a:r>
+          </a:p>
+          <a:p>
+            <a:pPr lvl="1"/>
+            <a:r>
+              <a:rPr lang="de-DE" dirty="0" smtClean="0"/>
+              <a:t>Zweite Ebene</a:t>
+            </a:r>
+          </a:p>
+          <a:p>
+            <a:pPr lvl="2"/>
+            <a:r>
+              <a:rPr lang="de-DE" dirty="0" smtClean="0"/>
+              <a:t>Dritte Ebene</a:t>
+            </a:r>
+          </a:p>
+          <a:p>
+            <a:pPr lvl="3"/>
+            <a:r>
+              <a:rPr lang="de-DE" dirty="0" smtClean="0"/>
+              <a:t>Vierte Ebene</a:t>
+            </a:r>
+          </a:p>
+          <a:p>
+            <a:pPr lvl="4"/>
+            <a:r>
+              <a:rPr lang="de-DE" dirty="0" smtClean="0"/>
+              <a:t>Fünfte Ebene</a:t>
+            </a:r>
+            <a:endParaRPr lang="de-DE" dirty="0"/>
+          </a:p>
+        </p:txBody>
+      </p:sp>
+    </p:spTree>
+    <p:extLst>
+      <p:ext uri="{BB962C8B-B14F-4D97-AF65-F5344CB8AC3E}">
+        <p14:creationId xmlns:p14="http://schemas.microsoft.com/office/powerpoint/2010/main" val="129339928"/>
+      </p:ext>
+    </p:extLst>
+  </p:cSld>
+  <p:clrMapOvr>
+    <a:masterClrMapping/>
+  </p:clrMapOvr>
+</p:sldLayout>
+</file>
+
+<file path=ppt/slideLayouts/slideLayout8.xml><?xml version="1.0" encoding="utf-8"?>
+<p:sldLayout xmlns:a="http://schemas.openxmlformats.org/drawingml/2006/main" xmlns:r="http://schemas.openxmlformats.org/officeDocument/2006/relationships" xmlns:p="http://schemas.openxmlformats.org/presentationml/2006/main" type="titleOnly" preserve="1">
+  <p:cSld name="Nur Titel">
+    <p:spTree>
+      <p:nvGrpSpPr>
+        <p:cNvPr id="1" name=""/>
+        <p:cNvGrpSpPr/>
+        <p:nvPr/>
+      </p:nvGrpSpPr>
+      <p:grpSpPr>
+        <a:xfrm>
+          <a:off x="0" y="0"/>
+          <a:ext cx="0" cy="0"/>
+          <a:chOff x="0" y="0"/>
+          <a:chExt cx="0" cy="0"/>
+        </a:xfrm>
+      </p:grpSpPr>
+      <p:sp>
+        <p:nvSpPr>
+          <p:cNvPr id="2" name="Titel 1"/>
+          <p:cNvSpPr>
+            <a:spLocks noGrp="1"/>
+          </p:cNvSpPr>
+          <p:nvPr>
+            <p:ph type="title"/>
+          </p:nvPr>
+        </p:nvSpPr>
+        <p:spPr/>
+        <p:txBody>
+          <a:bodyPr/>
+          <a:lstStyle/>
+          <a:p>
+            <a:r>
+              <a:rPr lang="de-DE" smtClean="0"/>
+              <a:t>Titelmasterformat durch Klicken bearbeiten</a:t>
+            </a:r>
+            <a:endParaRPr lang="de-DE"/>
+          </a:p>
+        </p:txBody>
+      </p:sp>
+    </p:spTree>
+    <p:extLst>
+      <p:ext uri="{BB962C8B-B14F-4D97-AF65-F5344CB8AC3E}">
+        <p14:creationId xmlns:p14="http://schemas.microsoft.com/office/powerpoint/2010/main" val="1500143997"/>
+      </p:ext>
+    </p:extLst>
+  </p:cSld>
+  <p:clrMapOvr>
+    <a:masterClrMapping/>
+  </p:clrMapOvr>
+</p:sldLayout>
+</file>
+
+<file path=ppt/slideLayouts/slideLayout9.xml><?xml version="1.0" encoding="utf-8"?>
+<p:sldLayout xmlns:a="http://schemas.openxmlformats.org/drawingml/2006/main" xmlns:r="http://schemas.openxmlformats.org/officeDocument/2006/relationships" xmlns:p="http://schemas.openxmlformats.org/presentationml/2006/main" type="chart" preserve="1">
+  <p:cSld name="Titel und Diagramm">
+    <p:spTree>
+      <p:nvGrpSpPr>
+        <p:cNvPr id="1" name=""/>
+        <p:cNvGrpSpPr/>
+        <p:nvPr/>
+      </p:nvGrpSpPr>
+      <p:grpSpPr>
+        <a:xfrm>
+          <a:off x="0" y="0"/>
+          <a:ext cx="0" cy="0"/>
+          <a:chOff x="0" y="0"/>
+          <a:chExt cx="0" cy="0"/>
+        </a:xfrm>
+      </p:grpSpPr>
+      <p:sp>
+        <p:nvSpPr>
+          <p:cNvPr id="2" name="Titel 1"/>
+          <p:cNvSpPr>
+            <a:spLocks noGrp="1"/>
+          </p:cNvSpPr>
+          <p:nvPr>
+            <p:ph type="title"/>
+          </p:nvPr>
+        </p:nvSpPr>
+        <p:spPr>
+          <a:xfrm>
+            <a:off x="431800" y="111125"/>
+            <a:ext cx="8375650" cy="708025"/>
+          </a:xfrm>
+        </p:spPr>
+        <p:txBody>
+          <a:bodyPr/>
+          <a:lstStyle/>
+          <a:p>
+            <a:r>
+              <a:rPr lang="de-DE" smtClean="0"/>
+              <a:t>Titelmasterformat durch Klicken bearbeiten</a:t>
+            </a:r>
+            <a:endParaRPr lang="de-DE"/>
+          </a:p>
+        </p:txBody>
+      </p:sp>
+      <p:sp>
+        <p:nvSpPr>
+          <p:cNvPr id="3" name="Diagrammplatzhalter 2"/>
+          <p:cNvSpPr>
+            <a:spLocks noGrp="1"/>
+          </p:cNvSpPr>
+          <p:nvPr>
+            <p:ph type="chart" idx="1"/>
+          </p:nvPr>
+        </p:nvSpPr>
+        <p:spPr>
+          <a:xfrm>
+            <a:off x="431800" y="1042988"/>
+            <a:ext cx="8375650" cy="4772025"/>
+          </a:xfrm>
+        </p:spPr>
+        <p:txBody>
+          <a:bodyPr/>
+          <a:lstStyle/>
+          <a:p>
+            <a:endParaRPr lang="de-DE"/>
+          </a:p>
+        </p:txBody>
+      </p:sp>
+    </p:spTree>
+    <p:extLst>
+      <p:ext uri="{BB962C8B-B14F-4D97-AF65-F5344CB8AC3E}">
+        <p14:creationId xmlns:p14="http://schemas.microsoft.com/office/powerpoint/2010/main" val="3158898877"/>
+      </p:ext>
+    </p:extLst>
   </p:cSld>
   <p:clrMapOvr>
     <a:masterClrMapping/>
@@ -1759,11 +2684,7 @@
             </a:pPr>
             <a:r>
               <a:rPr lang="de-DE" sz="800" dirty="0" smtClean="0"/>
-              <a:t>5. Februar 2015 | </a:t>
-            </a:r>
-            <a:r>
-              <a:rPr lang="de-DE" sz="800" dirty="0" smtClean="0"/>
-              <a:t>Björn </a:t>
+              <a:t>5. Februar 2015 | Björn </a:t>
             </a:r>
             <a:r>
               <a:rPr lang="de-DE" sz="800" dirty="0" err="1" smtClean="0"/>
@@ -1838,6 +2759,719 @@
     <p:sldLayoutId id="2147483654" r:id="rId3"/>
     <p:sldLayoutId id="2147483660" r:id="rId4"/>
     <p:sldLayoutId id="2147483661" r:id="rId5"/>
+  </p:sldLayoutIdLst>
+  <p:hf sldNum="0" hdr="0" ftr="0" dt="0"/>
+  <p:txStyles>
+    <p:titleStyle>
+      <a:lvl1pPr algn="l" rtl="0" fontAlgn="base">
+        <a:spcBef>
+          <a:spcPct val="0"/>
+        </a:spcBef>
+        <a:spcAft>
+          <a:spcPct val="0"/>
+        </a:spcAft>
+        <a:defRPr sz="2200" b="1">
+          <a:solidFill>
+            <a:schemeClr val="tx1"/>
+          </a:solidFill>
+          <a:latin typeface="+mj-lt"/>
+          <a:ea typeface="+mj-ea"/>
+          <a:cs typeface="+mj-cs"/>
+        </a:defRPr>
+      </a:lvl1pPr>
+      <a:lvl2pPr algn="l" rtl="0" fontAlgn="base">
+        <a:spcBef>
+          <a:spcPct val="0"/>
+        </a:spcBef>
+        <a:spcAft>
+          <a:spcPct val="0"/>
+        </a:spcAft>
+        <a:defRPr sz="2200" b="1">
+          <a:solidFill>
+            <a:schemeClr val="tx1"/>
+          </a:solidFill>
+          <a:latin typeface="Arial" charset="0"/>
+        </a:defRPr>
+      </a:lvl2pPr>
+      <a:lvl3pPr algn="l" rtl="0" fontAlgn="base">
+        <a:spcBef>
+          <a:spcPct val="0"/>
+        </a:spcBef>
+        <a:spcAft>
+          <a:spcPct val="0"/>
+        </a:spcAft>
+        <a:defRPr sz="2200" b="1">
+          <a:solidFill>
+            <a:schemeClr val="tx1"/>
+          </a:solidFill>
+          <a:latin typeface="Arial" charset="0"/>
+        </a:defRPr>
+      </a:lvl3pPr>
+      <a:lvl4pPr algn="l" rtl="0" fontAlgn="base">
+        <a:spcBef>
+          <a:spcPct val="0"/>
+        </a:spcBef>
+        <a:spcAft>
+          <a:spcPct val="0"/>
+        </a:spcAft>
+        <a:defRPr sz="2200" b="1">
+          <a:solidFill>
+            <a:schemeClr val="tx1"/>
+          </a:solidFill>
+          <a:latin typeface="Arial" charset="0"/>
+        </a:defRPr>
+      </a:lvl4pPr>
+      <a:lvl5pPr algn="l" rtl="0" fontAlgn="base">
+        <a:spcBef>
+          <a:spcPct val="0"/>
+        </a:spcBef>
+        <a:spcAft>
+          <a:spcPct val="0"/>
+        </a:spcAft>
+        <a:defRPr sz="2200" b="1">
+          <a:solidFill>
+            <a:schemeClr val="tx1"/>
+          </a:solidFill>
+          <a:latin typeface="Arial" charset="0"/>
+        </a:defRPr>
+      </a:lvl5pPr>
+      <a:lvl6pPr marL="457200" algn="l" rtl="0" fontAlgn="base">
+        <a:spcBef>
+          <a:spcPct val="0"/>
+        </a:spcBef>
+        <a:spcAft>
+          <a:spcPct val="0"/>
+        </a:spcAft>
+        <a:defRPr sz="2200" b="1">
+          <a:solidFill>
+            <a:schemeClr val="tx1"/>
+          </a:solidFill>
+          <a:latin typeface="Arial" charset="0"/>
+        </a:defRPr>
+      </a:lvl6pPr>
+      <a:lvl7pPr marL="914400" algn="l" rtl="0" fontAlgn="base">
+        <a:spcBef>
+          <a:spcPct val="0"/>
+        </a:spcBef>
+        <a:spcAft>
+          <a:spcPct val="0"/>
+        </a:spcAft>
+        <a:defRPr sz="2200" b="1">
+          <a:solidFill>
+            <a:schemeClr val="tx1"/>
+          </a:solidFill>
+          <a:latin typeface="Arial" charset="0"/>
+        </a:defRPr>
+      </a:lvl7pPr>
+      <a:lvl8pPr marL="1371600" algn="l" rtl="0" fontAlgn="base">
+        <a:spcBef>
+          <a:spcPct val="0"/>
+        </a:spcBef>
+        <a:spcAft>
+          <a:spcPct val="0"/>
+        </a:spcAft>
+        <a:defRPr sz="2200" b="1">
+          <a:solidFill>
+            <a:schemeClr val="tx1"/>
+          </a:solidFill>
+          <a:latin typeface="Arial" charset="0"/>
+        </a:defRPr>
+      </a:lvl8pPr>
+      <a:lvl9pPr marL="1828800" algn="l" rtl="0" fontAlgn="base">
+        <a:spcBef>
+          <a:spcPct val="0"/>
+        </a:spcBef>
+        <a:spcAft>
+          <a:spcPct val="0"/>
+        </a:spcAft>
+        <a:defRPr sz="2200" b="1">
+          <a:solidFill>
+            <a:schemeClr val="tx1"/>
+          </a:solidFill>
+          <a:latin typeface="Arial" charset="0"/>
+        </a:defRPr>
+      </a:lvl9pPr>
+    </p:titleStyle>
+    <p:bodyStyle>
+      <a:lvl1pPr algn="l" rtl="0" fontAlgn="base">
+        <a:spcBef>
+          <a:spcPct val="20000"/>
+        </a:spcBef>
+        <a:spcAft>
+          <a:spcPct val="0"/>
+        </a:spcAft>
+        <a:defRPr sz="1600">
+          <a:solidFill>
+            <a:schemeClr val="tx1"/>
+          </a:solidFill>
+          <a:latin typeface="+mn-lt"/>
+          <a:ea typeface="+mn-ea"/>
+          <a:cs typeface="+mn-cs"/>
+        </a:defRPr>
+      </a:lvl1pPr>
+      <a:lvl2pPr marL="190500" indent="-188913" algn="l" rtl="0" fontAlgn="base">
+        <a:spcBef>
+          <a:spcPct val="20000"/>
+        </a:spcBef>
+        <a:spcAft>
+          <a:spcPct val="0"/>
+        </a:spcAft>
+        <a:buClr>
+          <a:schemeClr val="tx1"/>
+        </a:buClr>
+        <a:buFont typeface="Wingdings" pitchFamily="2" charset="2"/>
+        <a:buChar char="§"/>
+        <a:defRPr sz="1600">
+          <a:solidFill>
+            <a:schemeClr val="tx1"/>
+          </a:solidFill>
+          <a:latin typeface="+mn-lt"/>
+        </a:defRPr>
+      </a:lvl2pPr>
+      <a:lvl3pPr marL="361950" indent="-169863" algn="l" rtl="0" fontAlgn="base">
+        <a:spcBef>
+          <a:spcPct val="20000"/>
+        </a:spcBef>
+        <a:spcAft>
+          <a:spcPct val="0"/>
+        </a:spcAft>
+        <a:buClr>
+          <a:schemeClr val="tx1"/>
+        </a:buClr>
+        <a:buFont typeface="Wingdings" pitchFamily="2" charset="2"/>
+        <a:buChar char="§"/>
+        <a:defRPr sz="1600">
+          <a:solidFill>
+            <a:schemeClr val="tx1"/>
+          </a:solidFill>
+          <a:latin typeface="+mn-lt"/>
+        </a:defRPr>
+      </a:lvl3pPr>
+      <a:lvl4pPr marL="542925" indent="-179388" algn="l" rtl="0" fontAlgn="base">
+        <a:spcBef>
+          <a:spcPct val="20000"/>
+        </a:spcBef>
+        <a:spcAft>
+          <a:spcPct val="0"/>
+        </a:spcAft>
+        <a:buClr>
+          <a:schemeClr val="tx1"/>
+        </a:buClr>
+        <a:buFont typeface="Wingdings" pitchFamily="2" charset="2"/>
+        <a:buChar char="§"/>
+        <a:defRPr sz="1600">
+          <a:solidFill>
+            <a:schemeClr val="tx1"/>
+          </a:solidFill>
+          <a:latin typeface="+mn-lt"/>
+        </a:defRPr>
+      </a:lvl4pPr>
+      <a:lvl5pPr marL="742950" indent="-198438" algn="l" rtl="0" fontAlgn="base">
+        <a:spcBef>
+          <a:spcPct val="20000"/>
+        </a:spcBef>
+        <a:spcAft>
+          <a:spcPct val="0"/>
+        </a:spcAft>
+        <a:buClr>
+          <a:schemeClr val="tx1"/>
+        </a:buClr>
+        <a:buFont typeface="Wingdings" pitchFamily="2" charset="2"/>
+        <a:buChar char="§"/>
+        <a:defRPr sz="1600">
+          <a:solidFill>
+            <a:schemeClr val="tx1"/>
+          </a:solidFill>
+          <a:latin typeface="+mn-lt"/>
+        </a:defRPr>
+      </a:lvl5pPr>
+      <a:lvl6pPr marL="1200150" indent="-198438" algn="l" rtl="0" fontAlgn="base">
+        <a:spcBef>
+          <a:spcPct val="20000"/>
+        </a:spcBef>
+        <a:spcAft>
+          <a:spcPct val="0"/>
+        </a:spcAft>
+        <a:buFont typeface="Wingdings" pitchFamily="2" charset="2"/>
+        <a:buChar char="§"/>
+        <a:defRPr sz="1600">
+          <a:solidFill>
+            <a:schemeClr val="tx1"/>
+          </a:solidFill>
+          <a:latin typeface="+mn-lt"/>
+        </a:defRPr>
+      </a:lvl6pPr>
+      <a:lvl7pPr marL="1657350" indent="-198438" algn="l" rtl="0" fontAlgn="base">
+        <a:spcBef>
+          <a:spcPct val="20000"/>
+        </a:spcBef>
+        <a:spcAft>
+          <a:spcPct val="0"/>
+        </a:spcAft>
+        <a:buFont typeface="Wingdings" pitchFamily="2" charset="2"/>
+        <a:buChar char="§"/>
+        <a:defRPr sz="1600">
+          <a:solidFill>
+            <a:schemeClr val="tx1"/>
+          </a:solidFill>
+          <a:latin typeface="+mn-lt"/>
+        </a:defRPr>
+      </a:lvl7pPr>
+      <a:lvl8pPr marL="2114550" indent="-198438" algn="l" rtl="0" fontAlgn="base">
+        <a:spcBef>
+          <a:spcPct val="20000"/>
+        </a:spcBef>
+        <a:spcAft>
+          <a:spcPct val="0"/>
+        </a:spcAft>
+        <a:buFont typeface="Wingdings" pitchFamily="2" charset="2"/>
+        <a:buChar char="§"/>
+        <a:defRPr sz="1600">
+          <a:solidFill>
+            <a:schemeClr val="tx1"/>
+          </a:solidFill>
+          <a:latin typeface="+mn-lt"/>
+        </a:defRPr>
+      </a:lvl8pPr>
+      <a:lvl9pPr marL="2571750" indent="-198438" algn="l" rtl="0" fontAlgn="base">
+        <a:spcBef>
+          <a:spcPct val="20000"/>
+        </a:spcBef>
+        <a:spcAft>
+          <a:spcPct val="0"/>
+        </a:spcAft>
+        <a:buFont typeface="Wingdings" pitchFamily="2" charset="2"/>
+        <a:buChar char="§"/>
+        <a:defRPr sz="1600">
+          <a:solidFill>
+            <a:schemeClr val="tx1"/>
+          </a:solidFill>
+          <a:latin typeface="+mn-lt"/>
+        </a:defRPr>
+      </a:lvl9pPr>
+    </p:bodyStyle>
+    <p:otherStyle>
+      <a:defPPr>
+        <a:defRPr lang="de-DE"/>
+      </a:defPPr>
+      <a:lvl1pPr marL="0" algn="l" defTabSz="914400" rtl="0" eaLnBrk="1" latinLnBrk="0" hangingPunct="1">
+        <a:defRPr sz="1800" kern="1200">
+          <a:solidFill>
+            <a:schemeClr val="tx1"/>
+          </a:solidFill>
+          <a:latin typeface="+mn-lt"/>
+          <a:ea typeface="+mn-ea"/>
+          <a:cs typeface="+mn-cs"/>
+        </a:defRPr>
+      </a:lvl1pPr>
+      <a:lvl2pPr marL="457200" algn="l" defTabSz="914400" rtl="0" eaLnBrk="1" latinLnBrk="0" hangingPunct="1">
+        <a:defRPr sz="1800" kern="1200">
+          <a:solidFill>
+            <a:schemeClr val="tx1"/>
+          </a:solidFill>
+          <a:latin typeface="+mn-lt"/>
+          <a:ea typeface="+mn-ea"/>
+          <a:cs typeface="+mn-cs"/>
+        </a:defRPr>
+      </a:lvl2pPr>
+      <a:lvl3pPr marL="914400" algn="l" defTabSz="914400" rtl="0" eaLnBrk="1" latinLnBrk="0" hangingPunct="1">
+        <a:defRPr sz="1800" kern="1200">
+          <a:solidFill>
+            <a:schemeClr val="tx1"/>
+          </a:solidFill>
+          <a:latin typeface="+mn-lt"/>
+          <a:ea typeface="+mn-ea"/>
+          <a:cs typeface="+mn-cs"/>
+        </a:defRPr>
+      </a:lvl3pPr>
+      <a:lvl4pPr marL="1371600" algn="l" defTabSz="914400" rtl="0" eaLnBrk="1" latinLnBrk="0" hangingPunct="1">
+        <a:defRPr sz="1800" kern="1200">
+          <a:solidFill>
+            <a:schemeClr val="tx1"/>
+          </a:solidFill>
+          <a:latin typeface="+mn-lt"/>
+          <a:ea typeface="+mn-ea"/>
+          <a:cs typeface="+mn-cs"/>
+        </a:defRPr>
+      </a:lvl4pPr>
+      <a:lvl5pPr marL="1828800" algn="l" defTabSz="914400" rtl="0" eaLnBrk="1" latinLnBrk="0" hangingPunct="1">
+        <a:defRPr sz="1800" kern="1200">
+          <a:solidFill>
+            <a:schemeClr val="tx1"/>
+          </a:solidFill>
+          <a:latin typeface="+mn-lt"/>
+          <a:ea typeface="+mn-ea"/>
+          <a:cs typeface="+mn-cs"/>
+        </a:defRPr>
+      </a:lvl5pPr>
+      <a:lvl6pPr marL="2286000" algn="l" defTabSz="914400" rtl="0" eaLnBrk="1" latinLnBrk="0" hangingPunct="1">
+        <a:defRPr sz="1800" kern="1200">
+          <a:solidFill>
+            <a:schemeClr val="tx1"/>
+          </a:solidFill>
+          <a:latin typeface="+mn-lt"/>
+          <a:ea typeface="+mn-ea"/>
+          <a:cs typeface="+mn-cs"/>
+        </a:defRPr>
+      </a:lvl6pPr>
+      <a:lvl7pPr marL="2743200" algn="l" defTabSz="914400" rtl="0" eaLnBrk="1" latinLnBrk="0" hangingPunct="1">
+        <a:defRPr sz="1800" kern="1200">
+          <a:solidFill>
+            <a:schemeClr val="tx1"/>
+          </a:solidFill>
+          <a:latin typeface="+mn-lt"/>
+          <a:ea typeface="+mn-ea"/>
+          <a:cs typeface="+mn-cs"/>
+        </a:defRPr>
+      </a:lvl7pPr>
+      <a:lvl8pPr marL="3200400" algn="l" defTabSz="914400" rtl="0" eaLnBrk="1" latinLnBrk="0" hangingPunct="1">
+        <a:defRPr sz="1800" kern="1200">
+          <a:solidFill>
+            <a:schemeClr val="tx1"/>
+          </a:solidFill>
+          <a:latin typeface="+mn-lt"/>
+          <a:ea typeface="+mn-ea"/>
+          <a:cs typeface="+mn-cs"/>
+        </a:defRPr>
+      </a:lvl8pPr>
+      <a:lvl9pPr marL="3657600" algn="l" defTabSz="914400" rtl="0" eaLnBrk="1" latinLnBrk="0" hangingPunct="1">
+        <a:defRPr sz="1800" kern="1200">
+          <a:solidFill>
+            <a:schemeClr val="tx1"/>
+          </a:solidFill>
+          <a:latin typeface="+mn-lt"/>
+          <a:ea typeface="+mn-ea"/>
+          <a:cs typeface="+mn-cs"/>
+        </a:defRPr>
+      </a:lvl9pPr>
+    </p:otherStyle>
+  </p:txStyles>
+</p:sldMaster>
+</file>
+
+<file path=ppt/slideMasters/slideMaster2.xml><?xml version="1.0" encoding="utf-8"?>
+<p:sldMaster xmlns:a="http://schemas.openxmlformats.org/drawingml/2006/main" xmlns:r="http://schemas.openxmlformats.org/officeDocument/2006/relationships" xmlns:p="http://schemas.openxmlformats.org/presentationml/2006/main">
+  <p:cSld>
+    <p:bg>
+      <p:bgPr>
+        <a:solidFill>
+          <a:schemeClr val="bg1"/>
+        </a:solidFill>
+        <a:effectLst/>
+      </p:bgPr>
+    </p:bg>
+    <p:spTree>
+      <p:nvGrpSpPr>
+        <p:cNvPr id="1" name=""/>
+        <p:cNvGrpSpPr/>
+        <p:nvPr/>
+      </p:nvGrpSpPr>
+      <p:grpSpPr>
+        <a:xfrm>
+          <a:off x="0" y="0"/>
+          <a:ext cx="0" cy="0"/>
+          <a:chOff x="0" y="0"/>
+          <a:chExt cx="0" cy="0"/>
+        </a:xfrm>
+      </p:grpSpPr>
+      <p:sp>
+        <p:nvSpPr>
+          <p:cNvPr id="1042" name="Rectangle 18"/>
+          <p:cNvSpPr>
+            <a:spLocks noChangeArrowheads="1"/>
+          </p:cNvSpPr>
+          <p:nvPr userDrawn="1"/>
+        </p:nvSpPr>
+        <p:spPr bwMode="auto">
+          <a:xfrm>
+            <a:off x="0" y="0"/>
+            <a:ext cx="9144000" cy="863600"/>
+          </a:xfrm>
+          <a:prstGeom prst="rect">
+            <a:avLst/>
+          </a:prstGeom>
+          <a:solidFill>
+            <a:srgbClr val="DDDDDD"/>
+          </a:solidFill>
+          <a:ln w="0">
+            <a:noFill/>
+            <a:miter lim="800000"/>
+            <a:headEnd/>
+            <a:tailEnd/>
+          </a:ln>
+          <a:effectLst/>
+        </p:spPr>
+        <p:txBody>
+          <a:bodyPr wrap="none" anchor="ctr"/>
+          <a:lstStyle/>
+          <a:p>
+            <a:pPr algn="ctr"/>
+            <a:endParaRPr lang="de-DE">
+              <a:solidFill>
+                <a:srgbClr val="4DA6CB"/>
+              </a:solidFill>
+            </a:endParaRPr>
+          </a:p>
+        </p:txBody>
+      </p:sp>
+      <p:sp>
+        <p:nvSpPr>
+          <p:cNvPr id="1038" name="Line 14"/>
+          <p:cNvSpPr>
+            <a:spLocks noChangeShapeType="1"/>
+          </p:cNvSpPr>
+          <p:nvPr userDrawn="1"/>
+        </p:nvSpPr>
+        <p:spPr bwMode="auto">
+          <a:xfrm>
+            <a:off x="0" y="6091238"/>
+            <a:ext cx="9144000" cy="0"/>
+          </a:xfrm>
+          <a:prstGeom prst="line">
+            <a:avLst/>
+          </a:prstGeom>
+          <a:noFill/>
+          <a:ln w="9525">
+            <a:solidFill>
+              <a:srgbClr val="BE1E3C"/>
+            </a:solidFill>
+            <a:round/>
+            <a:headEnd/>
+            <a:tailEnd/>
+          </a:ln>
+          <a:effectLst/>
+        </p:spPr>
+        <p:txBody>
+          <a:bodyPr/>
+          <a:lstStyle/>
+          <a:p>
+            <a:endParaRPr lang="de-DE">
+              <a:solidFill>
+                <a:srgbClr val="000000"/>
+              </a:solidFill>
+            </a:endParaRPr>
+          </a:p>
+        </p:txBody>
+      </p:sp>
+      <p:sp>
+        <p:nvSpPr>
+          <p:cNvPr id="1026" name="Rectangle 2"/>
+          <p:cNvSpPr>
+            <a:spLocks noGrp="1" noChangeArrowheads="1"/>
+          </p:cNvSpPr>
+          <p:nvPr>
+            <p:ph type="title"/>
+          </p:nvPr>
+        </p:nvSpPr>
+        <p:spPr bwMode="auto">
+          <a:xfrm>
+            <a:off x="431800" y="111125"/>
+            <a:ext cx="8375650" cy="708025"/>
+          </a:xfrm>
+          <a:prstGeom prst="rect">
+            <a:avLst/>
+          </a:prstGeom>
+          <a:noFill/>
+          <a:ln w="9525">
+            <a:noFill/>
+            <a:miter lim="800000"/>
+            <a:headEnd/>
+            <a:tailEnd/>
+          </a:ln>
+          <a:effectLst/>
+        </p:spPr>
+        <p:txBody>
+          <a:bodyPr vert="horz" wrap="square" lIns="0" tIns="0" rIns="0" bIns="0" numCol="1" anchor="b" anchorCtr="0" compatLnSpc="1">
+            <a:prstTxWarp prst="textNoShape">
+              <a:avLst/>
+            </a:prstTxWarp>
+          </a:bodyPr>
+          <a:lstStyle/>
+          <a:p>
+            <a:pPr lvl="0"/>
+            <a:r>
+              <a:rPr lang="de-DE" smtClean="0"/>
+              <a:t>Mastertitelformat bearbeiten</a:t>
+            </a:r>
+          </a:p>
+        </p:txBody>
+      </p:sp>
+      <p:sp>
+        <p:nvSpPr>
+          <p:cNvPr id="1027" name="Rectangle 3"/>
+          <p:cNvSpPr>
+            <a:spLocks noGrp="1" noChangeArrowheads="1"/>
+          </p:cNvSpPr>
+          <p:nvPr>
+            <p:ph type="body" idx="1"/>
+          </p:nvPr>
+        </p:nvSpPr>
+        <p:spPr bwMode="auto">
+          <a:xfrm>
+            <a:off x="431800" y="1042988"/>
+            <a:ext cx="8375650" cy="4772025"/>
+          </a:xfrm>
+          <a:prstGeom prst="rect">
+            <a:avLst/>
+          </a:prstGeom>
+          <a:noFill/>
+          <a:ln w="9525">
+            <a:noFill/>
+            <a:miter lim="800000"/>
+            <a:headEnd/>
+            <a:tailEnd/>
+          </a:ln>
+          <a:effectLst/>
+        </p:spPr>
+        <p:txBody>
+          <a:bodyPr vert="horz" wrap="square" lIns="0" tIns="0" rIns="0" bIns="0" numCol="1" anchor="t" anchorCtr="0" compatLnSpc="1">
+            <a:prstTxWarp prst="textNoShape">
+              <a:avLst/>
+            </a:prstTxWarp>
+          </a:bodyPr>
+          <a:lstStyle/>
+          <a:p>
+            <a:pPr lvl="0"/>
+            <a:r>
+              <a:rPr lang="de-DE" dirty="0" smtClean="0"/>
+              <a:t>Mastertextformat bearbeiten</a:t>
+            </a:r>
+          </a:p>
+          <a:p>
+            <a:pPr lvl="1"/>
+            <a:r>
+              <a:rPr lang="de-DE" dirty="0" smtClean="0"/>
+              <a:t>Zweite Ebene</a:t>
+            </a:r>
+          </a:p>
+          <a:p>
+            <a:pPr lvl="2"/>
+            <a:r>
+              <a:rPr lang="de-DE" dirty="0" smtClean="0"/>
+              <a:t>Dritte Ebene</a:t>
+            </a:r>
+          </a:p>
+          <a:p>
+            <a:pPr lvl="3"/>
+            <a:r>
+              <a:rPr lang="de-DE" dirty="0" smtClean="0"/>
+              <a:t>Vierte Ebene</a:t>
+            </a:r>
+          </a:p>
+          <a:p>
+            <a:pPr lvl="4"/>
+            <a:r>
+              <a:rPr lang="de-DE" dirty="0" smtClean="0"/>
+              <a:t>Fünfte Ebene</a:t>
+            </a:r>
+          </a:p>
+        </p:txBody>
+      </p:sp>
+      <p:pic>
+        <p:nvPicPr>
+          <p:cNvPr id="1044" name="Picture 20" descr="TUBS_CO_70vH_150dpi"/>
+          <p:cNvPicPr>
+            <a:picLocks noChangeAspect="1" noChangeArrowheads="1"/>
+          </p:cNvPicPr>
+          <p:nvPr userDrawn="1"/>
+        </p:nvPicPr>
+        <p:blipFill>
+          <a:blip r:embed="rId7" cstate="print"/>
+          <a:srcRect/>
+          <a:stretch>
+            <a:fillRect/>
+          </a:stretch>
+        </p:blipFill>
+        <p:spPr bwMode="auto">
+          <a:xfrm>
+            <a:off x="0" y="5915025"/>
+            <a:ext cx="1762125" cy="652463"/>
+          </a:xfrm>
+          <a:prstGeom prst="rect">
+            <a:avLst/>
+          </a:prstGeom>
+          <a:noFill/>
+          <a:ln w="9525">
+            <a:noFill/>
+            <a:miter lim="800000"/>
+            <a:headEnd/>
+            <a:tailEnd/>
+          </a:ln>
+        </p:spPr>
+      </p:pic>
+      <p:sp>
+        <p:nvSpPr>
+          <p:cNvPr id="8" name="Textfeld 7"/>
+          <p:cNvSpPr txBox="1"/>
+          <p:nvPr userDrawn="1"/>
+        </p:nvSpPr>
+        <p:spPr>
+          <a:xfrm>
+            <a:off x="1821600" y="6140450"/>
+            <a:ext cx="4982400" cy="208800"/>
+          </a:xfrm>
+          <a:prstGeom prst="rect">
+            <a:avLst/>
+          </a:prstGeom>
+          <a:noFill/>
+        </p:spPr>
+        <p:txBody>
+          <a:bodyPr wrap="none" lIns="0" tIns="0" rIns="0" bIns="0" rtlCol="0">
+            <a:spAutoFit/>
+          </a:bodyPr>
+          <a:lstStyle/>
+          <a:p>
+            <a:pPr>
+              <a:defRPr/>
+            </a:pPr>
+            <a:r>
+              <a:rPr lang="de-DE" sz="800" dirty="0" smtClean="0">
+                <a:solidFill>
+                  <a:srgbClr val="000000"/>
+                </a:solidFill>
+              </a:rPr>
+              <a:t>1. April 2010 | Referent | Kurztitel der Präsentation (bitte im Master einfügen) | Seite </a:t>
+            </a:r>
+            <a:fld id="{54091A06-E49E-4F45-A4ED-27B9A60B04AE}" type="slidenum">
+              <a:rPr lang="de-DE" sz="800" smtClean="0">
+                <a:solidFill>
+                  <a:srgbClr val="000000"/>
+                </a:solidFill>
+              </a:rPr>
+              <a:pPr>
+                <a:defRPr/>
+              </a:pPr>
+              <a:t>‹Nr.›</a:t>
+            </a:fld>
+            <a:endParaRPr lang="de-DE" sz="800" dirty="0" smtClean="0">
+              <a:solidFill>
+                <a:srgbClr val="000000"/>
+              </a:solidFill>
+            </a:endParaRPr>
+          </a:p>
+          <a:p>
+            <a:endParaRPr lang="de-DE" sz="800" dirty="0">
+              <a:solidFill>
+                <a:srgbClr val="000000"/>
+              </a:solidFill>
+            </a:endParaRPr>
+          </a:p>
+        </p:txBody>
+      </p:sp>
+    </p:spTree>
+    <p:extLst>
+      <p:ext uri="{BB962C8B-B14F-4D97-AF65-F5344CB8AC3E}">
+        <p14:creationId xmlns:p14="http://schemas.microsoft.com/office/powerpoint/2010/main" val="524037821"/>
+      </p:ext>
+    </p:extLst>
+  </p:cSld>
+  <p:clrMap bg1="lt1" tx1="dk1" bg2="lt2" tx2="dk2" accent1="accent1" accent2="accent2" accent3="accent3" accent4="accent4" accent5="accent5" accent6="accent6" hlink="hlink" folHlink="folHlink"/>
+  <p:sldLayoutIdLst>
+    <p:sldLayoutId id="2147483663" r:id="rId1"/>
+    <p:sldLayoutId id="2147483664" r:id="rId2"/>
+    <p:sldLayoutId id="2147483665" r:id="rId3"/>
+    <p:sldLayoutId id="2147483666" r:id="rId4"/>
+    <p:sldLayoutId id="2147483667" r:id="rId5"/>
   </p:sldLayoutIdLst>
   <p:hf sldNum="0" hdr="0" ftr="0" dt="0"/>
   <p:txStyles>
@@ -2398,11 +4032,7 @@
             </a:pPr>
             <a:r>
               <a:rPr lang="de-DE" sz="2000" dirty="0" smtClean="0"/>
-              <a:t>Nutzung </a:t>
-            </a:r>
-            <a:r>
-              <a:rPr lang="de-DE" sz="2000" dirty="0" smtClean="0"/>
-              <a:t>von Google Protocol </a:t>
+              <a:t>Nutzung von Google Protocol </a:t>
             </a:r>
             <a:r>
               <a:rPr lang="de-DE" sz="2000" dirty="0" err="1" smtClean="0"/>
@@ -2422,15 +4052,7 @@
             </a:r>
             <a:r>
               <a:rPr lang="de-DE" sz="2000" dirty="0" smtClean="0"/>
-              <a:t> </a:t>
-            </a:r>
-            <a:r>
-              <a:rPr lang="de-DE" sz="2000" dirty="0" smtClean="0"/>
-              <a:t>von </a:t>
-            </a:r>
-            <a:r>
-              <a:rPr lang="de-DE" sz="2000" dirty="0" smtClean="0"/>
-              <a:t>Daten mittels Binärformat</a:t>
+              <a:t> von Daten mittels Binärformat</a:t>
             </a:r>
           </a:p>
           <a:p>
@@ -5040,6 +6662,720 @@
 </p:sld>
 </file>
 
+<file path=ppt/slides/slide18.xml><?xml version="1.0" encoding="utf-8"?>
+<p:sld xmlns:a="http://schemas.openxmlformats.org/drawingml/2006/main" xmlns:r="http://schemas.openxmlformats.org/officeDocument/2006/relationships" xmlns:p="http://schemas.openxmlformats.org/presentationml/2006/main">
+  <p:cSld>
+    <p:spTree>
+      <p:nvGrpSpPr>
+        <p:cNvPr id="1" name=""/>
+        <p:cNvGrpSpPr/>
+        <p:nvPr/>
+      </p:nvGrpSpPr>
+      <p:grpSpPr>
+        <a:xfrm>
+          <a:off x="0" y="0"/>
+          <a:ext cx="0" cy="0"/>
+          <a:chOff x="0" y="0"/>
+          <a:chExt cx="0" cy="0"/>
+        </a:xfrm>
+      </p:grpSpPr>
+      <p:sp>
+        <p:nvSpPr>
+          <p:cNvPr id="2" name="Titel 1"/>
+          <p:cNvSpPr>
+            <a:spLocks noGrp="1"/>
+          </p:cNvSpPr>
+          <p:nvPr>
+            <p:ph type="title"/>
+          </p:nvPr>
+        </p:nvSpPr>
+        <p:spPr/>
+        <p:txBody>
+          <a:bodyPr/>
+          <a:lstStyle/>
+          <a:p>
+            <a:r>
+              <a:rPr lang="de-DE" dirty="0" smtClean="0"/>
+              <a:t>Architektur</a:t>
+            </a:r>
+            <a:endParaRPr lang="de-DE" dirty="0"/>
+          </a:p>
+        </p:txBody>
+      </p:sp>
+      <p:pic>
+        <p:nvPicPr>
+          <p:cNvPr id="4" name="Picture 3" descr="C:\Users\Bjoern\Documents\Studium\AndroidLab\Präsentation\contacts.png"/>
+          <p:cNvPicPr>
+            <a:picLocks noChangeAspect="1" noChangeArrowheads="1"/>
+          </p:cNvPicPr>
+          <p:nvPr/>
+        </p:nvPicPr>
+        <p:blipFill>
+          <a:blip r:embed="rId2">
+            <a:extLst>
+              <a:ext uri="{28A0092B-C50C-407E-A947-70E740481C1C}">
+                <a14:useLocalDpi xmlns:a14="http://schemas.microsoft.com/office/drawing/2010/main" val="0"/>
+              </a:ext>
+            </a:extLst>
+          </a:blip>
+          <a:srcRect/>
+          <a:stretch>
+            <a:fillRect/>
+          </a:stretch>
+        </p:blipFill>
+        <p:spPr bwMode="auto">
+          <a:xfrm>
+            <a:off x="1961710" y="3320317"/>
+            <a:ext cx="1556945" cy="2223918"/>
+          </a:xfrm>
+          <a:prstGeom prst="rect">
+            <a:avLst/>
+          </a:prstGeom>
+          <a:noFill/>
+          <a:extLst>
+            <a:ext uri="{909E8E84-426E-40DD-AFC4-6F175D3DCCD1}">
+              <a14:hiddenFill xmlns:a14="http://schemas.microsoft.com/office/drawing/2010/main">
+                <a:solidFill>
+                  <a:srgbClr val="FFFFFF"/>
+                </a:solidFill>
+              </a14:hiddenFill>
+            </a:ext>
+          </a:extLst>
+        </p:spPr>
+      </p:pic>
+      <p:pic>
+        <p:nvPicPr>
+          <p:cNvPr id="6" name="Picture 4" descr="C:\Users\Bjoern\Documents\Studium\AndroidLab\Präsentation\map.png"/>
+          <p:cNvPicPr>
+            <a:picLocks noChangeAspect="1" noChangeArrowheads="1"/>
+          </p:cNvPicPr>
+          <p:nvPr/>
+        </p:nvPicPr>
+        <p:blipFill>
+          <a:blip r:embed="rId3">
+            <a:extLst>
+              <a:ext uri="{28A0092B-C50C-407E-A947-70E740481C1C}">
+                <a14:useLocalDpi xmlns:a14="http://schemas.microsoft.com/office/drawing/2010/main" val="0"/>
+              </a:ext>
+            </a:extLst>
+          </a:blip>
+          <a:srcRect/>
+          <a:stretch>
+            <a:fillRect/>
+          </a:stretch>
+        </p:blipFill>
+        <p:spPr bwMode="auto">
+          <a:xfrm>
+            <a:off x="3086835" y="3455241"/>
+            <a:ext cx="1556945" cy="2213781"/>
+          </a:xfrm>
+          <a:prstGeom prst="rect">
+            <a:avLst/>
+          </a:prstGeom>
+          <a:noFill/>
+          <a:extLst>
+            <a:ext uri="{909E8E84-426E-40DD-AFC4-6F175D3DCCD1}">
+              <a14:hiddenFill xmlns:a14="http://schemas.microsoft.com/office/drawing/2010/main">
+                <a:solidFill>
+                  <a:srgbClr val="FFFFFF"/>
+                </a:solidFill>
+              </a14:hiddenFill>
+            </a:ext>
+          </a:extLst>
+        </p:spPr>
+      </p:pic>
+      <p:pic>
+        <p:nvPicPr>
+          <p:cNvPr id="5" name="Picture 2" descr="C:\Users\Bjoern\Documents\Studium\AndroidLab\Präsentation\chat.png"/>
+          <p:cNvPicPr>
+            <a:picLocks noChangeAspect="1" noChangeArrowheads="1"/>
+          </p:cNvPicPr>
+          <p:nvPr/>
+        </p:nvPicPr>
+        <p:blipFill>
+          <a:blip r:embed="rId4">
+            <a:extLst>
+              <a:ext uri="{28A0092B-C50C-407E-A947-70E740481C1C}">
+                <a14:useLocalDpi xmlns:a14="http://schemas.microsoft.com/office/drawing/2010/main" val="0"/>
+              </a:ext>
+            </a:extLst>
+          </a:blip>
+          <a:srcRect/>
+          <a:stretch>
+            <a:fillRect/>
+          </a:stretch>
+        </p:blipFill>
+        <p:spPr bwMode="auto">
+          <a:xfrm>
+            <a:off x="4211960" y="3609020"/>
+            <a:ext cx="1536712" cy="2195017"/>
+          </a:xfrm>
+          <a:prstGeom prst="rect">
+            <a:avLst/>
+          </a:prstGeom>
+          <a:noFill/>
+          <a:extLst>
+            <a:ext uri="{909E8E84-426E-40DD-AFC4-6F175D3DCCD1}">
+              <a14:hiddenFill xmlns:a14="http://schemas.microsoft.com/office/drawing/2010/main">
+                <a:solidFill>
+                  <a:srgbClr val="FFFFFF"/>
+                </a:solidFill>
+              </a14:hiddenFill>
+            </a:ext>
+          </a:extLst>
+        </p:spPr>
+      </p:pic>
+      <p:sp>
+        <p:nvSpPr>
+          <p:cNvPr id="7" name="Rechteck 6"/>
+          <p:cNvSpPr/>
+          <p:nvPr/>
+        </p:nvSpPr>
+        <p:spPr>
+          <a:xfrm>
+            <a:off x="5344599" y="3744035"/>
+            <a:ext cx="1477651" cy="2205245"/>
+          </a:xfrm>
+          <a:prstGeom prst="rect">
+            <a:avLst/>
+          </a:prstGeom>
+          <a:solidFill>
+            <a:schemeClr val="accent3">
+              <a:lumMod val="20000"/>
+              <a:lumOff val="80000"/>
+            </a:schemeClr>
+          </a:solidFill>
+          <a:ln/>
+        </p:spPr>
+        <p:style>
+          <a:lnRef idx="2">
+            <a:schemeClr val="accent2"/>
+          </a:lnRef>
+          <a:fillRef idx="1">
+            <a:schemeClr val="lt1"/>
+          </a:fillRef>
+          <a:effectRef idx="0">
+            <a:schemeClr val="accent2"/>
+          </a:effectRef>
+          <a:fontRef idx="minor">
+            <a:schemeClr val="dk1"/>
+          </a:fontRef>
+        </p:style>
+        <p:txBody>
+          <a:bodyPr rtlCol="0" anchor="ctr"/>
+          <a:lstStyle/>
+          <a:p>
+            <a:pPr algn="ctr"/>
+            <a:r>
+              <a:rPr lang="de-DE" sz="2400" dirty="0" smtClean="0">
+                <a:solidFill>
+                  <a:srgbClr val="000000"/>
+                </a:solidFill>
+              </a:rPr>
+              <a:t>…</a:t>
+            </a:r>
+          </a:p>
+        </p:txBody>
+      </p:sp>
+      <p:sp>
+        <p:nvSpPr>
+          <p:cNvPr id="8" name="Rechteck 7"/>
+          <p:cNvSpPr/>
+          <p:nvPr/>
+        </p:nvSpPr>
+        <p:spPr>
+          <a:xfrm>
+            <a:off x="1556665" y="2483895"/>
+            <a:ext cx="6120680" cy="630070"/>
+          </a:xfrm>
+          <a:prstGeom prst="rect">
+            <a:avLst/>
+          </a:prstGeom>
+          <a:ln/>
+        </p:spPr>
+        <p:style>
+          <a:lnRef idx="1">
+            <a:schemeClr val="accent1"/>
+          </a:lnRef>
+          <a:fillRef idx="2">
+            <a:schemeClr val="accent1"/>
+          </a:fillRef>
+          <a:effectRef idx="1">
+            <a:schemeClr val="accent1"/>
+          </a:effectRef>
+          <a:fontRef idx="minor">
+            <a:schemeClr val="dk1"/>
+          </a:fontRef>
+        </p:style>
+        <p:txBody>
+          <a:bodyPr rtlCol="0" anchor="ctr"/>
+          <a:lstStyle/>
+          <a:p>
+            <a:pPr algn="ctr"/>
+            <a:r>
+              <a:rPr lang="de-DE" sz="2400" dirty="0" smtClean="0">
+                <a:solidFill>
+                  <a:srgbClr val="000000"/>
+                </a:solidFill>
+              </a:rPr>
+              <a:t>Service</a:t>
+            </a:r>
+          </a:p>
+        </p:txBody>
+      </p:sp>
+      <p:sp>
+        <p:nvSpPr>
+          <p:cNvPr id="11" name="Pfeil nach oben und unten 10"/>
+          <p:cNvSpPr/>
+          <p:nvPr/>
+        </p:nvSpPr>
+        <p:spPr>
+          <a:xfrm>
+            <a:off x="2588509" y="3068960"/>
+            <a:ext cx="273301" cy="855094"/>
+          </a:xfrm>
+          <a:prstGeom prst="upDownArrow">
+            <a:avLst>
+              <a:gd name="adj1" fmla="val 28825"/>
+              <a:gd name="adj2" fmla="val 30750"/>
+            </a:avLst>
+          </a:prstGeom>
+          <a:ln w="19050"/>
+        </p:spPr>
+        <p:style>
+          <a:lnRef idx="2">
+            <a:schemeClr val="accent5">
+              <a:shade val="50000"/>
+            </a:schemeClr>
+          </a:lnRef>
+          <a:fillRef idx="1">
+            <a:schemeClr val="accent5"/>
+          </a:fillRef>
+          <a:effectRef idx="0">
+            <a:schemeClr val="accent5"/>
+          </a:effectRef>
+          <a:fontRef idx="minor">
+            <a:schemeClr val="lt1"/>
+          </a:fontRef>
+        </p:style>
+        <p:txBody>
+          <a:bodyPr rtlCol="0" anchor="ctr"/>
+          <a:lstStyle/>
+          <a:p>
+            <a:pPr algn="ctr"/>
+            <a:endParaRPr lang="de-DE" dirty="0" smtClean="0">
+              <a:solidFill>
+                <a:srgbClr val="FFFFFF"/>
+              </a:solidFill>
+            </a:endParaRPr>
+          </a:p>
+        </p:txBody>
+      </p:sp>
+      <p:sp>
+        <p:nvSpPr>
+          <p:cNvPr id="12" name="Pfeil nach oben und unten 11"/>
+          <p:cNvSpPr/>
+          <p:nvPr/>
+        </p:nvSpPr>
+        <p:spPr>
+          <a:xfrm>
+            <a:off x="3865307" y="3068960"/>
+            <a:ext cx="273301" cy="855094"/>
+          </a:xfrm>
+          <a:prstGeom prst="upDownArrow">
+            <a:avLst>
+              <a:gd name="adj1" fmla="val 28825"/>
+              <a:gd name="adj2" fmla="val 30750"/>
+            </a:avLst>
+          </a:prstGeom>
+          <a:ln w="19050"/>
+        </p:spPr>
+        <p:style>
+          <a:lnRef idx="2">
+            <a:schemeClr val="accent5">
+              <a:shade val="50000"/>
+            </a:schemeClr>
+          </a:lnRef>
+          <a:fillRef idx="1">
+            <a:schemeClr val="accent5"/>
+          </a:fillRef>
+          <a:effectRef idx="0">
+            <a:schemeClr val="accent5"/>
+          </a:effectRef>
+          <a:fontRef idx="minor">
+            <a:schemeClr val="lt1"/>
+          </a:fontRef>
+        </p:style>
+        <p:txBody>
+          <a:bodyPr rtlCol="0" anchor="ctr"/>
+          <a:lstStyle/>
+          <a:p>
+            <a:pPr algn="ctr"/>
+            <a:endParaRPr lang="de-DE" dirty="0" smtClean="0">
+              <a:solidFill>
+                <a:srgbClr val="FFFFFF"/>
+              </a:solidFill>
+            </a:endParaRPr>
+          </a:p>
+        </p:txBody>
+      </p:sp>
+      <p:sp>
+        <p:nvSpPr>
+          <p:cNvPr id="13" name="Pfeil nach oben und unten 12"/>
+          <p:cNvSpPr/>
+          <p:nvPr/>
+        </p:nvSpPr>
+        <p:spPr>
+          <a:xfrm>
+            <a:off x="4906055" y="3068960"/>
+            <a:ext cx="273301" cy="855094"/>
+          </a:xfrm>
+          <a:prstGeom prst="upDownArrow">
+            <a:avLst>
+              <a:gd name="adj1" fmla="val 28825"/>
+              <a:gd name="adj2" fmla="val 30750"/>
+            </a:avLst>
+          </a:prstGeom>
+          <a:ln w="19050"/>
+        </p:spPr>
+        <p:style>
+          <a:lnRef idx="2">
+            <a:schemeClr val="accent5">
+              <a:shade val="50000"/>
+            </a:schemeClr>
+          </a:lnRef>
+          <a:fillRef idx="1">
+            <a:schemeClr val="accent5"/>
+          </a:fillRef>
+          <a:effectRef idx="0">
+            <a:schemeClr val="accent5"/>
+          </a:effectRef>
+          <a:fontRef idx="minor">
+            <a:schemeClr val="lt1"/>
+          </a:fontRef>
+        </p:style>
+        <p:txBody>
+          <a:bodyPr rtlCol="0" anchor="ctr"/>
+          <a:lstStyle/>
+          <a:p>
+            <a:pPr algn="ctr"/>
+            <a:endParaRPr lang="de-DE" dirty="0" smtClean="0">
+              <a:solidFill>
+                <a:srgbClr val="FFFFFF"/>
+              </a:solidFill>
+            </a:endParaRPr>
+          </a:p>
+        </p:txBody>
+      </p:sp>
+      <p:sp>
+        <p:nvSpPr>
+          <p:cNvPr id="14" name="Pfeil nach oben und unten 13"/>
+          <p:cNvSpPr/>
+          <p:nvPr/>
+        </p:nvSpPr>
+        <p:spPr>
+          <a:xfrm>
+            <a:off x="5918879" y="3068959"/>
+            <a:ext cx="273301" cy="855095"/>
+          </a:xfrm>
+          <a:prstGeom prst="upDownArrow">
+            <a:avLst>
+              <a:gd name="adj1" fmla="val 28825"/>
+              <a:gd name="adj2" fmla="val 30750"/>
+            </a:avLst>
+          </a:prstGeom>
+          <a:ln w="19050"/>
+        </p:spPr>
+        <p:style>
+          <a:lnRef idx="2">
+            <a:schemeClr val="accent5">
+              <a:shade val="50000"/>
+            </a:schemeClr>
+          </a:lnRef>
+          <a:fillRef idx="1">
+            <a:schemeClr val="accent5"/>
+          </a:fillRef>
+          <a:effectRef idx="0">
+            <a:schemeClr val="accent5"/>
+          </a:effectRef>
+          <a:fontRef idx="minor">
+            <a:schemeClr val="lt1"/>
+          </a:fontRef>
+        </p:style>
+        <p:txBody>
+          <a:bodyPr rtlCol="0" anchor="ctr"/>
+          <a:lstStyle/>
+          <a:p>
+            <a:pPr algn="ctr"/>
+            <a:endParaRPr lang="de-DE" dirty="0" smtClean="0">
+              <a:solidFill>
+                <a:srgbClr val="FFFFFF"/>
+              </a:solidFill>
+            </a:endParaRPr>
+          </a:p>
+        </p:txBody>
+      </p:sp>
+      <p:pic>
+        <p:nvPicPr>
+          <p:cNvPr id="2050" name="Picture 2" descr="http://icons.iconarchive.com/icons/icons-land/vista-hardware-devices/256/Home-Server-icon.png"/>
+          <p:cNvPicPr>
+            <a:picLocks noChangeAspect="1" noChangeArrowheads="1"/>
+          </p:cNvPicPr>
+          <p:nvPr/>
+        </p:nvPicPr>
+        <p:blipFill>
+          <a:blip r:embed="rId5">
+            <a:extLst>
+              <a:ext uri="{28A0092B-C50C-407E-A947-70E740481C1C}">
+                <a14:useLocalDpi xmlns:a14="http://schemas.microsoft.com/office/drawing/2010/main" val="0"/>
+              </a:ext>
+            </a:extLst>
+          </a:blip>
+          <a:srcRect/>
+          <a:stretch>
+            <a:fillRect/>
+          </a:stretch>
+        </p:blipFill>
+        <p:spPr bwMode="auto">
+          <a:xfrm>
+            <a:off x="3920947" y="593685"/>
+            <a:ext cx="1445665" cy="1445665"/>
+          </a:xfrm>
+          <a:prstGeom prst="rect">
+            <a:avLst/>
+          </a:prstGeom>
+          <a:noFill/>
+          <a:extLst>
+            <a:ext uri="{909E8E84-426E-40DD-AFC4-6F175D3DCCD1}">
+              <a14:hiddenFill xmlns:a14="http://schemas.microsoft.com/office/drawing/2010/main">
+                <a:solidFill>
+                  <a:srgbClr val="FFFFFF"/>
+                </a:solidFill>
+              </a14:hiddenFill>
+            </a:ext>
+          </a:extLst>
+        </p:spPr>
+      </p:pic>
+      <p:sp>
+        <p:nvSpPr>
+          <p:cNvPr id="10" name="Pfeil nach oben und unten 9"/>
+          <p:cNvSpPr/>
+          <p:nvPr/>
+        </p:nvSpPr>
+        <p:spPr>
+          <a:xfrm>
+            <a:off x="4480354" y="1853825"/>
+            <a:ext cx="273301" cy="720079"/>
+          </a:xfrm>
+          <a:prstGeom prst="upDownArrow">
+            <a:avLst>
+              <a:gd name="adj1" fmla="val 28825"/>
+              <a:gd name="adj2" fmla="val 30750"/>
+            </a:avLst>
+          </a:prstGeom>
+          <a:ln w="19050"/>
+        </p:spPr>
+        <p:style>
+          <a:lnRef idx="2">
+            <a:schemeClr val="accent5">
+              <a:shade val="50000"/>
+            </a:schemeClr>
+          </a:lnRef>
+          <a:fillRef idx="1">
+            <a:schemeClr val="accent5"/>
+          </a:fillRef>
+          <a:effectRef idx="0">
+            <a:schemeClr val="accent5"/>
+          </a:effectRef>
+          <a:fontRef idx="minor">
+            <a:schemeClr val="lt1"/>
+          </a:fontRef>
+        </p:style>
+        <p:txBody>
+          <a:bodyPr rtlCol="0" anchor="ctr"/>
+          <a:lstStyle/>
+          <a:p>
+            <a:pPr algn="ctr"/>
+            <a:endParaRPr lang="de-DE" dirty="0" smtClean="0">
+              <a:solidFill>
+                <a:srgbClr val="FFFFFF"/>
+              </a:solidFill>
+            </a:endParaRPr>
+          </a:p>
+        </p:txBody>
+      </p:sp>
+    </p:spTree>
+    <p:extLst>
+      <p:ext uri="{BB962C8B-B14F-4D97-AF65-F5344CB8AC3E}">
+        <p14:creationId xmlns:p14="http://schemas.microsoft.com/office/powerpoint/2010/main" val="2992768944"/>
+      </p:ext>
+    </p:extLst>
+  </p:cSld>
+  <p:clrMapOvr>
+    <a:masterClrMapping/>
+  </p:clrMapOvr>
+  <p:timing>
+    <p:tnLst>
+      <p:par>
+        <p:cTn id="1" dur="indefinite" restart="never" nodeType="tmRoot"/>
+      </p:par>
+    </p:tnLst>
+  </p:timing>
+</p:sld>
+</file>
+
+<file path=ppt/slides/slide19.xml><?xml version="1.0" encoding="utf-8"?>
+<p:sld xmlns:a="http://schemas.openxmlformats.org/drawingml/2006/main" xmlns:r="http://schemas.openxmlformats.org/officeDocument/2006/relationships" xmlns:p="http://schemas.openxmlformats.org/presentationml/2006/main">
+  <p:cSld>
+    <p:spTree>
+      <p:nvGrpSpPr>
+        <p:cNvPr id="1" name=""/>
+        <p:cNvGrpSpPr/>
+        <p:nvPr/>
+      </p:nvGrpSpPr>
+      <p:grpSpPr>
+        <a:xfrm>
+          <a:off x="0" y="0"/>
+          <a:ext cx="0" cy="0"/>
+          <a:chOff x="0" y="0"/>
+          <a:chExt cx="0" cy="0"/>
+        </a:xfrm>
+      </p:grpSpPr>
+      <p:sp>
+        <p:nvSpPr>
+          <p:cNvPr id="2" name="Titel 1"/>
+          <p:cNvSpPr>
+            <a:spLocks noGrp="1"/>
+          </p:cNvSpPr>
+          <p:nvPr>
+            <p:ph type="title"/>
+          </p:nvPr>
+        </p:nvSpPr>
+        <p:spPr/>
+        <p:txBody>
+          <a:bodyPr/>
+          <a:lstStyle/>
+          <a:p>
+            <a:r>
+              <a:rPr lang="de-DE" dirty="0" smtClean="0"/>
+              <a:t>Android Services</a:t>
+            </a:r>
+            <a:endParaRPr lang="de-DE" dirty="0"/>
+          </a:p>
+        </p:txBody>
+      </p:sp>
+      <p:sp>
+        <p:nvSpPr>
+          <p:cNvPr id="3" name="Inhaltsplatzhalter 2"/>
+          <p:cNvSpPr>
+            <a:spLocks noGrp="1"/>
+          </p:cNvSpPr>
+          <p:nvPr>
+            <p:ph idx="1"/>
+          </p:nvPr>
+        </p:nvSpPr>
+        <p:spPr/>
+        <p:txBody>
+          <a:bodyPr/>
+          <a:lstStyle/>
+          <a:p>
+            <a:r>
+              <a:rPr lang="de-DE" sz="2400" dirty="0" smtClean="0"/>
+              <a:t>Idee:</a:t>
+            </a:r>
+          </a:p>
+          <a:p>
+            <a:pPr marL="342900" indent="-342900">
+              <a:buFont typeface="Arial" panose="020B0604020202020204" pitchFamily="34" charset="0"/>
+              <a:buChar char="•"/>
+            </a:pPr>
+            <a:r>
+              <a:rPr lang="de-DE" sz="2400" dirty="0" smtClean="0"/>
+              <a:t>Bearbeitet komplexere Aufgaben</a:t>
+            </a:r>
+          </a:p>
+          <a:p>
+            <a:pPr marL="342900" indent="-342900">
+              <a:buFont typeface="Arial" panose="020B0604020202020204" pitchFamily="34" charset="0"/>
+              <a:buChar char="•"/>
+            </a:pPr>
+            <a:r>
+              <a:rPr lang="de-DE" sz="2400" dirty="0" smtClean="0"/>
+              <a:t>Läuft im Hintergrund</a:t>
+            </a:r>
+          </a:p>
+          <a:p>
+            <a:pPr marL="342900" indent="-342900">
+              <a:buFont typeface="Arial" panose="020B0604020202020204" pitchFamily="34" charset="0"/>
+              <a:buChar char="•"/>
+            </a:pPr>
+            <a:r>
+              <a:rPr lang="de-DE" sz="2400" dirty="0" smtClean="0"/>
+              <a:t>Hat keine eigene UI</a:t>
+            </a:r>
+          </a:p>
+          <a:p>
+            <a:endParaRPr lang="de-DE" sz="2400" dirty="0"/>
+          </a:p>
+          <a:p>
+            <a:r>
+              <a:rPr lang="de-DE" sz="2400" dirty="0" smtClean="0"/>
+              <a:t>Beispiele:</a:t>
+            </a:r>
+          </a:p>
+          <a:p>
+            <a:pPr marL="342900" indent="-342900">
+              <a:buFont typeface="Arial" panose="020B0604020202020204" pitchFamily="34" charset="0"/>
+              <a:buChar char="•"/>
+            </a:pPr>
+            <a:r>
+              <a:rPr lang="de-DE" sz="2400" dirty="0" smtClean="0"/>
+              <a:t>Herunterladen von Daten aus dem Internet</a:t>
+            </a:r>
+          </a:p>
+          <a:p>
+            <a:pPr marL="342900" indent="-342900">
+              <a:buFont typeface="Arial" panose="020B0604020202020204" pitchFamily="34" charset="0"/>
+              <a:buChar char="•"/>
+            </a:pPr>
+            <a:r>
+              <a:rPr lang="de-DE" sz="2400" dirty="0" smtClean="0"/>
+              <a:t>Abspielen von Musik</a:t>
+            </a:r>
+          </a:p>
+          <a:p>
+            <a:pPr marL="342900" indent="-342900">
+              <a:buFont typeface="Arial" panose="020B0604020202020204" pitchFamily="34" charset="0"/>
+              <a:buChar char="•"/>
+            </a:pPr>
+            <a:r>
+              <a:rPr lang="de-DE" sz="2400" dirty="0" smtClean="0"/>
+              <a:t>Verarbeiten von Dateien</a:t>
+            </a:r>
+            <a:endParaRPr lang="de-DE" sz="2400" dirty="0"/>
+          </a:p>
+        </p:txBody>
+      </p:sp>
+    </p:spTree>
+    <p:extLst>
+      <p:ext uri="{BB962C8B-B14F-4D97-AF65-F5344CB8AC3E}">
+        <p14:creationId xmlns:p14="http://schemas.microsoft.com/office/powerpoint/2010/main" val="3912646582"/>
+      </p:ext>
+    </p:extLst>
+  </p:cSld>
+  <p:clrMapOvr>
+    <a:masterClrMapping/>
+  </p:clrMapOvr>
+  <p:timing>
+    <p:tnLst>
+      <p:par>
+        <p:cTn id="1" dur="indefinite" restart="never" nodeType="tmRoot"/>
+      </p:par>
+    </p:tnLst>
+  </p:timing>
+</p:sld>
+</file>
+
 <file path=ppt/slides/slide2.xml><?xml version="1.0" encoding="utf-8"?>
 <p:sld xmlns:a="http://schemas.openxmlformats.org/drawingml/2006/main" xmlns:r="http://schemas.openxmlformats.org/officeDocument/2006/relationships" xmlns:p="http://schemas.openxmlformats.org/presentationml/2006/main">
   <p:cSld>
@@ -5143,22 +7479,14 @@
             <a:pPr marL="533400" lvl="1" indent="-342900"/>
             <a:r>
               <a:rPr lang="de-DE" sz="2000" dirty="0" smtClean="0"/>
-              <a:t>Erstellen von </a:t>
-            </a:r>
+              <a:t>Erstellen von Veranstaltungen</a:t>
+            </a:r>
+          </a:p>
+          <a:p>
+            <a:pPr marL="533400" lvl="1" indent="-342900"/>
             <a:r>
               <a:rPr lang="de-DE" sz="2000" dirty="0" smtClean="0"/>
-              <a:t>Veranstaltungen</a:t>
-            </a:r>
-          </a:p>
-          <a:p>
-            <a:pPr marL="533400" lvl="1" indent="-342900"/>
-            <a:r>
-              <a:rPr lang="de-DE" sz="2000" dirty="0" smtClean="0"/>
-              <a:t>Teilnehmen </a:t>
-            </a:r>
-            <a:r>
-              <a:rPr lang="de-DE" sz="2000" dirty="0" smtClean="0"/>
-              <a:t>an Veranstaltungen</a:t>
+              <a:t>Teilnehmen an Veranstaltungen</a:t>
             </a:r>
           </a:p>
           <a:p>
@@ -5204,6 +7532,2194 @@
         </p:txBody>
       </p:sp>
     </p:spTree>
+  </p:cSld>
+  <p:clrMapOvr>
+    <a:masterClrMapping/>
+  </p:clrMapOvr>
+  <p:timing>
+    <p:tnLst>
+      <p:par>
+        <p:cTn id="1" dur="indefinite" restart="never" nodeType="tmRoot"/>
+      </p:par>
+    </p:tnLst>
+  </p:timing>
+</p:sld>
+</file>
+
+<file path=ppt/slides/slide20.xml><?xml version="1.0" encoding="utf-8"?>
+<p:sld xmlns:a="http://schemas.openxmlformats.org/drawingml/2006/main" xmlns:r="http://schemas.openxmlformats.org/officeDocument/2006/relationships" xmlns:p="http://schemas.openxmlformats.org/presentationml/2006/main">
+  <p:cSld>
+    <p:spTree>
+      <p:nvGrpSpPr>
+        <p:cNvPr id="1" name=""/>
+        <p:cNvGrpSpPr/>
+        <p:nvPr/>
+      </p:nvGrpSpPr>
+      <p:grpSpPr>
+        <a:xfrm>
+          <a:off x="0" y="0"/>
+          <a:ext cx="0" cy="0"/>
+          <a:chOff x="0" y="0"/>
+          <a:chExt cx="0" cy="0"/>
+        </a:xfrm>
+      </p:grpSpPr>
+      <p:sp>
+        <p:nvSpPr>
+          <p:cNvPr id="2" name="Titel 1"/>
+          <p:cNvSpPr>
+            <a:spLocks noGrp="1"/>
+          </p:cNvSpPr>
+          <p:nvPr>
+            <p:ph type="title"/>
+          </p:nvPr>
+        </p:nvSpPr>
+        <p:spPr/>
+        <p:txBody>
+          <a:bodyPr/>
+          <a:lstStyle/>
+          <a:p>
+            <a:r>
+              <a:rPr lang="de-DE" dirty="0" smtClean="0"/>
+              <a:t>Android Services: </a:t>
+            </a:r>
+            <a:r>
+              <a:rPr lang="de-DE" dirty="0" err="1" smtClean="0"/>
+              <a:t>Lifecycle</a:t>
+            </a:r>
+            <a:r>
+              <a:rPr lang="de-DE" dirty="0" smtClean="0"/>
+              <a:t> </a:t>
+            </a:r>
+            <a:endParaRPr lang="de-DE" dirty="0"/>
+          </a:p>
+        </p:txBody>
+      </p:sp>
+      <p:sp>
+        <p:nvSpPr>
+          <p:cNvPr id="24" name="Rechteck 23"/>
+          <p:cNvSpPr/>
+          <p:nvPr/>
+        </p:nvSpPr>
+        <p:spPr>
+          <a:xfrm>
+            <a:off x="476544" y="2654233"/>
+            <a:ext cx="8145906" cy="1665185"/>
+          </a:xfrm>
+          <a:prstGeom prst="rect">
+            <a:avLst/>
+          </a:prstGeom>
+          <a:ln w="19050"/>
+        </p:spPr>
+        <p:style>
+          <a:lnRef idx="2">
+            <a:schemeClr val="accent5">
+              <a:shade val="50000"/>
+            </a:schemeClr>
+          </a:lnRef>
+          <a:fillRef idx="1">
+            <a:schemeClr val="accent5"/>
+          </a:fillRef>
+          <a:effectRef idx="0">
+            <a:schemeClr val="accent5"/>
+          </a:effectRef>
+          <a:fontRef idx="minor">
+            <a:schemeClr val="lt1"/>
+          </a:fontRef>
+        </p:style>
+        <p:txBody>
+          <a:bodyPr rtlCol="0" anchor="ctr"/>
+          <a:lstStyle/>
+          <a:p>
+            <a:pPr algn="ctr"/>
+            <a:endParaRPr lang="de-DE" sz="2800" dirty="0" smtClean="0">
+              <a:solidFill>
+                <a:srgbClr val="FFFFFF"/>
+              </a:solidFill>
+            </a:endParaRPr>
+          </a:p>
+        </p:txBody>
+      </p:sp>
+      <p:sp>
+        <p:nvSpPr>
+          <p:cNvPr id="25" name="Abgerundetes Rechteck 24"/>
+          <p:cNvSpPr/>
+          <p:nvPr/>
+        </p:nvSpPr>
+        <p:spPr>
+          <a:xfrm>
+            <a:off x="656565" y="3248980"/>
+            <a:ext cx="1800200" cy="450050"/>
+          </a:xfrm>
+          <a:prstGeom prst="roundRect">
+            <a:avLst/>
+          </a:prstGeom>
+          <a:ln/>
+        </p:spPr>
+        <p:style>
+          <a:lnRef idx="2">
+            <a:schemeClr val="accent3">
+              <a:shade val="50000"/>
+            </a:schemeClr>
+          </a:lnRef>
+          <a:fillRef idx="1">
+            <a:schemeClr val="accent3"/>
+          </a:fillRef>
+          <a:effectRef idx="0">
+            <a:schemeClr val="accent3"/>
+          </a:effectRef>
+          <a:fontRef idx="minor">
+            <a:schemeClr val="lt1"/>
+          </a:fontRef>
+        </p:style>
+        <p:txBody>
+          <a:bodyPr rtlCol="0" anchor="ctr"/>
+          <a:lstStyle/>
+          <a:p>
+            <a:pPr algn="ctr"/>
+            <a:r>
+              <a:rPr lang="de-DE" sz="2400" dirty="0" smtClean="0">
+                <a:solidFill>
+                  <a:srgbClr val="FFFFFF"/>
+                </a:solidFill>
+              </a:rPr>
+              <a:t>gestartet</a:t>
+            </a:r>
+          </a:p>
+        </p:txBody>
+      </p:sp>
+      <p:sp>
+        <p:nvSpPr>
+          <p:cNvPr id="26" name="Abgerundetes Rechteck 25"/>
+          <p:cNvSpPr/>
+          <p:nvPr/>
+        </p:nvSpPr>
+        <p:spPr>
+          <a:xfrm>
+            <a:off x="5742130" y="2888939"/>
+            <a:ext cx="2385265" cy="1125125"/>
+          </a:xfrm>
+          <a:prstGeom prst="roundRect">
+            <a:avLst/>
+          </a:prstGeom>
+          <a:ln/>
+        </p:spPr>
+        <p:style>
+          <a:lnRef idx="2">
+            <a:schemeClr val="accent3">
+              <a:shade val="50000"/>
+            </a:schemeClr>
+          </a:lnRef>
+          <a:fillRef idx="1">
+            <a:schemeClr val="accent3"/>
+          </a:fillRef>
+          <a:effectRef idx="0">
+            <a:schemeClr val="accent3"/>
+          </a:effectRef>
+          <a:fontRef idx="minor">
+            <a:schemeClr val="lt1"/>
+          </a:fontRef>
+        </p:style>
+        <p:txBody>
+          <a:bodyPr rtlCol="0" anchor="ctr"/>
+          <a:lstStyle/>
+          <a:p>
+            <a:pPr algn="ctr"/>
+            <a:r>
+              <a:rPr lang="de-DE" sz="2400" dirty="0" smtClean="0">
+                <a:solidFill>
+                  <a:srgbClr val="FFFFFF"/>
+                </a:solidFill>
+              </a:rPr>
+              <a:t>mit anderen Komponenten verbunden</a:t>
+            </a:r>
+          </a:p>
+        </p:txBody>
+      </p:sp>
+      <p:sp>
+        <p:nvSpPr>
+          <p:cNvPr id="27" name="Rechteck 26"/>
+          <p:cNvSpPr/>
+          <p:nvPr/>
+        </p:nvSpPr>
+        <p:spPr>
+          <a:xfrm>
+            <a:off x="3086835" y="3175810"/>
+            <a:ext cx="2222083" cy="523220"/>
+          </a:xfrm>
+          <a:prstGeom prst="rect">
+            <a:avLst/>
+          </a:prstGeom>
+        </p:spPr>
+        <p:txBody>
+          <a:bodyPr wrap="none">
+            <a:spAutoFit/>
+          </a:bodyPr>
+          <a:lstStyle/>
+          <a:p>
+            <a:pPr algn="ctr"/>
+            <a:r>
+              <a:rPr lang="de-DE" sz="2800" dirty="0" smtClean="0">
+                <a:solidFill>
+                  <a:srgbClr val="FFFFFF"/>
+                </a:solidFill>
+              </a:rPr>
+              <a:t>Service aktiv</a:t>
+            </a:r>
+            <a:endParaRPr lang="de-DE" sz="2800" dirty="0">
+              <a:solidFill>
+                <a:srgbClr val="FFFFFF"/>
+              </a:solidFill>
+            </a:endParaRPr>
+          </a:p>
+        </p:txBody>
+      </p:sp>
+      <p:cxnSp>
+        <p:nvCxnSpPr>
+          <p:cNvPr id="28" name="Gerade Verbindung mit Pfeil 27"/>
+          <p:cNvCxnSpPr>
+            <a:endCxn id="25" idx="0"/>
+          </p:cNvCxnSpPr>
+          <p:nvPr/>
+        </p:nvCxnSpPr>
+        <p:spPr>
+          <a:xfrm>
+            <a:off x="1556665" y="1178750"/>
+            <a:ext cx="0" cy="2070230"/>
+          </a:xfrm>
+          <a:prstGeom prst="straightConnector1">
+            <a:avLst/>
+          </a:prstGeom>
+          <a:ln w="57150">
+            <a:tailEnd type="arrow"/>
+          </a:ln>
+        </p:spPr>
+        <p:style>
+          <a:lnRef idx="2">
+            <a:schemeClr val="dk1"/>
+          </a:lnRef>
+          <a:fillRef idx="0">
+            <a:schemeClr val="dk1"/>
+          </a:fillRef>
+          <a:effectRef idx="1">
+            <a:schemeClr val="dk1"/>
+          </a:effectRef>
+          <a:fontRef idx="minor">
+            <a:schemeClr val="tx1"/>
+          </a:fontRef>
+        </p:style>
+      </p:cxnSp>
+      <p:cxnSp>
+        <p:nvCxnSpPr>
+          <p:cNvPr id="29" name="Gerade Verbindung mit Pfeil 28"/>
+          <p:cNvCxnSpPr/>
+          <p:nvPr/>
+        </p:nvCxnSpPr>
+        <p:spPr>
+          <a:xfrm>
+            <a:off x="6901008" y="1358770"/>
+            <a:ext cx="33754" cy="1530169"/>
+          </a:xfrm>
+          <a:prstGeom prst="straightConnector1">
+            <a:avLst/>
+          </a:prstGeom>
+          <a:ln w="57150">
+            <a:tailEnd type="arrow"/>
+          </a:ln>
+        </p:spPr>
+        <p:style>
+          <a:lnRef idx="2">
+            <a:schemeClr val="dk1"/>
+          </a:lnRef>
+          <a:fillRef idx="0">
+            <a:schemeClr val="dk1"/>
+          </a:fillRef>
+          <a:effectRef idx="1">
+            <a:schemeClr val="dk1"/>
+          </a:effectRef>
+          <a:fontRef idx="minor">
+            <a:schemeClr val="tx1"/>
+          </a:fontRef>
+        </p:style>
+      </p:cxnSp>
+      <p:sp>
+        <p:nvSpPr>
+          <p:cNvPr id="30" name="Abgerundetes Rechteck 29"/>
+          <p:cNvSpPr/>
+          <p:nvPr/>
+        </p:nvSpPr>
+        <p:spPr>
+          <a:xfrm>
+            <a:off x="1556665" y="1755275"/>
+            <a:ext cx="2070230" cy="540060"/>
+          </a:xfrm>
+          <a:prstGeom prst="roundRect">
+            <a:avLst/>
+          </a:prstGeom>
+          <a:ln/>
+        </p:spPr>
+        <p:style>
+          <a:lnRef idx="2">
+            <a:schemeClr val="accent1">
+              <a:shade val="50000"/>
+            </a:schemeClr>
+          </a:lnRef>
+          <a:fillRef idx="1">
+            <a:schemeClr val="accent1"/>
+          </a:fillRef>
+          <a:effectRef idx="0">
+            <a:schemeClr val="accent1"/>
+          </a:effectRef>
+          <a:fontRef idx="minor">
+            <a:schemeClr val="lt1"/>
+          </a:fontRef>
+        </p:style>
+        <p:txBody>
+          <a:bodyPr rtlCol="0" anchor="ctr"/>
+          <a:lstStyle/>
+          <a:p>
+            <a:pPr algn="ctr"/>
+            <a:r>
+              <a:rPr lang="de-DE" sz="2400" dirty="0" err="1" smtClean="0">
+                <a:solidFill>
+                  <a:srgbClr val="FFFFFF"/>
+                </a:solidFill>
+              </a:rPr>
+              <a:t>startService</a:t>
+            </a:r>
+            <a:r>
+              <a:rPr lang="de-DE" sz="2400" dirty="0" smtClean="0">
+                <a:solidFill>
+                  <a:srgbClr val="FFFFFF"/>
+                </a:solidFill>
+              </a:rPr>
+              <a:t>()</a:t>
+            </a:r>
+          </a:p>
+        </p:txBody>
+      </p:sp>
+      <p:sp>
+        <p:nvSpPr>
+          <p:cNvPr id="31" name="Abgerundetes Rechteck 30"/>
+          <p:cNvSpPr/>
+          <p:nvPr/>
+        </p:nvSpPr>
+        <p:spPr>
+          <a:xfrm>
+            <a:off x="4549497" y="4509120"/>
+            <a:ext cx="2461502" cy="540060"/>
+          </a:xfrm>
+          <a:prstGeom prst="roundRect">
+            <a:avLst/>
+          </a:prstGeom>
+          <a:ln/>
+        </p:spPr>
+        <p:style>
+          <a:lnRef idx="2">
+            <a:schemeClr val="accent1">
+              <a:shade val="50000"/>
+            </a:schemeClr>
+          </a:lnRef>
+          <a:fillRef idx="1">
+            <a:schemeClr val="accent1"/>
+          </a:fillRef>
+          <a:effectRef idx="0">
+            <a:schemeClr val="accent1"/>
+          </a:effectRef>
+          <a:fontRef idx="minor">
+            <a:schemeClr val="lt1"/>
+          </a:fontRef>
+        </p:style>
+        <p:txBody>
+          <a:bodyPr rtlCol="0" anchor="ctr"/>
+          <a:lstStyle/>
+          <a:p>
+            <a:pPr algn="ctr"/>
+            <a:r>
+              <a:rPr lang="de-DE" sz="2400" dirty="0" err="1" smtClean="0">
+                <a:solidFill>
+                  <a:srgbClr val="FFFFFF"/>
+                </a:solidFill>
+              </a:rPr>
+              <a:t>unbindService</a:t>
+            </a:r>
+            <a:r>
+              <a:rPr lang="de-DE" sz="2400" dirty="0" smtClean="0">
+                <a:solidFill>
+                  <a:srgbClr val="FFFFFF"/>
+                </a:solidFill>
+              </a:rPr>
+              <a:t>()</a:t>
+            </a:r>
+          </a:p>
+        </p:txBody>
+      </p:sp>
+      <p:cxnSp>
+        <p:nvCxnSpPr>
+          <p:cNvPr id="32" name="Gerade Verbindung mit Pfeil 31"/>
+          <p:cNvCxnSpPr/>
+          <p:nvPr/>
+        </p:nvCxnSpPr>
+        <p:spPr>
+          <a:xfrm>
+            <a:off x="1556665" y="3699030"/>
+            <a:ext cx="0" cy="2070230"/>
+          </a:xfrm>
+          <a:prstGeom prst="straightConnector1">
+            <a:avLst/>
+          </a:prstGeom>
+          <a:ln w="57150">
+            <a:tailEnd type="arrow"/>
+          </a:ln>
+        </p:spPr>
+        <p:style>
+          <a:lnRef idx="2">
+            <a:schemeClr val="dk1"/>
+          </a:lnRef>
+          <a:fillRef idx="0">
+            <a:schemeClr val="dk1"/>
+          </a:fillRef>
+          <a:effectRef idx="1">
+            <a:schemeClr val="dk1"/>
+          </a:effectRef>
+          <a:fontRef idx="minor">
+            <a:schemeClr val="tx1"/>
+          </a:fontRef>
+        </p:style>
+      </p:cxnSp>
+      <p:cxnSp>
+        <p:nvCxnSpPr>
+          <p:cNvPr id="33" name="Gerade Verbindung mit Pfeil 32"/>
+          <p:cNvCxnSpPr/>
+          <p:nvPr/>
+        </p:nvCxnSpPr>
+        <p:spPr>
+          <a:xfrm>
+            <a:off x="6957265" y="4014066"/>
+            <a:ext cx="33754" cy="1530169"/>
+          </a:xfrm>
+          <a:prstGeom prst="straightConnector1">
+            <a:avLst/>
+          </a:prstGeom>
+          <a:ln w="57150">
+            <a:tailEnd type="arrow"/>
+          </a:ln>
+        </p:spPr>
+        <p:style>
+          <a:lnRef idx="2">
+            <a:schemeClr val="dk1"/>
+          </a:lnRef>
+          <a:fillRef idx="0">
+            <a:schemeClr val="dk1"/>
+          </a:fillRef>
+          <a:effectRef idx="1">
+            <a:schemeClr val="dk1"/>
+          </a:effectRef>
+          <a:fontRef idx="minor">
+            <a:schemeClr val="tx1"/>
+          </a:fontRef>
+        </p:style>
+      </p:cxnSp>
+      <p:sp>
+        <p:nvSpPr>
+          <p:cNvPr id="34" name="Abgerundetes Rechteck 33"/>
+          <p:cNvSpPr/>
+          <p:nvPr/>
+        </p:nvSpPr>
+        <p:spPr>
+          <a:xfrm>
+            <a:off x="4842030" y="1763815"/>
+            <a:ext cx="2070230" cy="540060"/>
+          </a:xfrm>
+          <a:prstGeom prst="roundRect">
+            <a:avLst/>
+          </a:prstGeom>
+          <a:ln/>
+        </p:spPr>
+        <p:style>
+          <a:lnRef idx="2">
+            <a:schemeClr val="accent1">
+              <a:shade val="50000"/>
+            </a:schemeClr>
+          </a:lnRef>
+          <a:fillRef idx="1">
+            <a:schemeClr val="accent1"/>
+          </a:fillRef>
+          <a:effectRef idx="0">
+            <a:schemeClr val="accent1"/>
+          </a:effectRef>
+          <a:fontRef idx="minor">
+            <a:schemeClr val="lt1"/>
+          </a:fontRef>
+        </p:style>
+        <p:txBody>
+          <a:bodyPr rtlCol="0" anchor="ctr"/>
+          <a:lstStyle/>
+          <a:p>
+            <a:pPr algn="ctr"/>
+            <a:r>
+              <a:rPr lang="de-DE" sz="2400" dirty="0" err="1" smtClean="0">
+                <a:solidFill>
+                  <a:srgbClr val="FFFFFF"/>
+                </a:solidFill>
+              </a:rPr>
+              <a:t>bindService</a:t>
+            </a:r>
+            <a:r>
+              <a:rPr lang="de-DE" sz="2400" dirty="0" smtClean="0">
+                <a:solidFill>
+                  <a:srgbClr val="FFFFFF"/>
+                </a:solidFill>
+              </a:rPr>
+              <a:t>()</a:t>
+            </a:r>
+          </a:p>
+        </p:txBody>
+      </p:sp>
+      <p:sp>
+        <p:nvSpPr>
+          <p:cNvPr id="35" name="Abgerundetes Rechteck 34"/>
+          <p:cNvSpPr/>
+          <p:nvPr/>
+        </p:nvSpPr>
+        <p:spPr>
+          <a:xfrm>
+            <a:off x="1570438" y="4509120"/>
+            <a:ext cx="2461502" cy="882715"/>
+          </a:xfrm>
+          <a:prstGeom prst="roundRect">
+            <a:avLst/>
+          </a:prstGeom>
+          <a:ln/>
+        </p:spPr>
+        <p:style>
+          <a:lnRef idx="2">
+            <a:schemeClr val="accent1">
+              <a:shade val="50000"/>
+            </a:schemeClr>
+          </a:lnRef>
+          <a:fillRef idx="1">
+            <a:schemeClr val="accent1"/>
+          </a:fillRef>
+          <a:effectRef idx="0">
+            <a:schemeClr val="accent1"/>
+          </a:effectRef>
+          <a:fontRef idx="minor">
+            <a:schemeClr val="lt1"/>
+          </a:fontRef>
+        </p:style>
+        <p:txBody>
+          <a:bodyPr rtlCol="0" anchor="ctr"/>
+          <a:lstStyle/>
+          <a:p>
+            <a:pPr algn="ctr"/>
+            <a:r>
+              <a:rPr lang="de-DE" sz="2400" dirty="0" err="1" smtClean="0">
+                <a:solidFill>
+                  <a:srgbClr val="FFFFFF"/>
+                </a:solidFill>
+              </a:rPr>
+              <a:t>stopService</a:t>
+            </a:r>
+            <a:r>
+              <a:rPr lang="de-DE" sz="2400" dirty="0" smtClean="0">
+                <a:solidFill>
+                  <a:srgbClr val="FFFFFF"/>
+                </a:solidFill>
+              </a:rPr>
+              <a:t>()</a:t>
+            </a:r>
+          </a:p>
+          <a:p>
+            <a:pPr algn="ctr"/>
+            <a:r>
+              <a:rPr lang="de-DE" sz="2400" dirty="0" err="1" smtClean="0">
+                <a:solidFill>
+                  <a:srgbClr val="FFFFFF"/>
+                </a:solidFill>
+              </a:rPr>
+              <a:t>stopSelf</a:t>
+            </a:r>
+            <a:r>
+              <a:rPr lang="de-DE" sz="2400" dirty="0" smtClean="0">
+                <a:solidFill>
+                  <a:srgbClr val="FFFFFF"/>
+                </a:solidFill>
+              </a:rPr>
+              <a:t>()</a:t>
+            </a:r>
+          </a:p>
+        </p:txBody>
+      </p:sp>
+    </p:spTree>
+    <p:extLst>
+      <p:ext uri="{BB962C8B-B14F-4D97-AF65-F5344CB8AC3E}">
+        <p14:creationId xmlns:p14="http://schemas.microsoft.com/office/powerpoint/2010/main" val="2728520049"/>
+      </p:ext>
+    </p:extLst>
+  </p:cSld>
+  <p:clrMapOvr>
+    <a:masterClrMapping/>
+  </p:clrMapOvr>
+  <p:timing>
+    <p:tnLst>
+      <p:par>
+        <p:cTn id="1" dur="indefinite" restart="never" nodeType="tmRoot"/>
+      </p:par>
+    </p:tnLst>
+  </p:timing>
+</p:sld>
+</file>
+
+<file path=ppt/slides/slide21.xml><?xml version="1.0" encoding="utf-8"?>
+<p:sld xmlns:a="http://schemas.openxmlformats.org/drawingml/2006/main" xmlns:r="http://schemas.openxmlformats.org/officeDocument/2006/relationships" xmlns:p="http://schemas.openxmlformats.org/presentationml/2006/main">
+  <p:cSld>
+    <p:spTree>
+      <p:nvGrpSpPr>
+        <p:cNvPr id="1" name=""/>
+        <p:cNvGrpSpPr/>
+        <p:nvPr/>
+      </p:nvGrpSpPr>
+      <p:grpSpPr>
+        <a:xfrm>
+          <a:off x="0" y="0"/>
+          <a:ext cx="0" cy="0"/>
+          <a:chOff x="0" y="0"/>
+          <a:chExt cx="0" cy="0"/>
+        </a:xfrm>
+      </p:grpSpPr>
+      <p:sp>
+        <p:nvSpPr>
+          <p:cNvPr id="2" name="Titel 1"/>
+          <p:cNvSpPr>
+            <a:spLocks noGrp="1"/>
+          </p:cNvSpPr>
+          <p:nvPr>
+            <p:ph type="title"/>
+          </p:nvPr>
+        </p:nvSpPr>
+        <p:spPr/>
+        <p:txBody>
+          <a:bodyPr/>
+          <a:lstStyle/>
+          <a:p>
+            <a:r>
+              <a:rPr lang="de-DE" dirty="0" smtClean="0"/>
+              <a:t>Android Services: Verbinden</a:t>
+            </a:r>
+            <a:endParaRPr lang="de-DE" dirty="0"/>
+          </a:p>
+        </p:txBody>
+      </p:sp>
+      <p:sp>
+        <p:nvSpPr>
+          <p:cNvPr id="3" name="Rechteck 2"/>
+          <p:cNvSpPr/>
+          <p:nvPr/>
+        </p:nvSpPr>
+        <p:spPr>
+          <a:xfrm>
+            <a:off x="-2407311" y="2654233"/>
+            <a:ext cx="8145906" cy="1665185"/>
+          </a:xfrm>
+          <a:prstGeom prst="rect">
+            <a:avLst/>
+          </a:prstGeom>
+          <a:ln w="19050"/>
+        </p:spPr>
+        <p:style>
+          <a:lnRef idx="2">
+            <a:schemeClr val="accent5">
+              <a:shade val="50000"/>
+            </a:schemeClr>
+          </a:lnRef>
+          <a:fillRef idx="1">
+            <a:schemeClr val="accent5"/>
+          </a:fillRef>
+          <a:effectRef idx="0">
+            <a:schemeClr val="accent5"/>
+          </a:effectRef>
+          <a:fontRef idx="minor">
+            <a:schemeClr val="lt1"/>
+          </a:fontRef>
+        </p:style>
+        <p:txBody>
+          <a:bodyPr rtlCol="0" anchor="ctr"/>
+          <a:lstStyle/>
+          <a:p>
+            <a:pPr algn="ctr"/>
+            <a:endParaRPr lang="de-DE" sz="2800" dirty="0" smtClean="0">
+              <a:solidFill>
+                <a:srgbClr val="FFFFFF"/>
+              </a:solidFill>
+            </a:endParaRPr>
+          </a:p>
+        </p:txBody>
+      </p:sp>
+      <p:sp>
+        <p:nvSpPr>
+          <p:cNvPr id="4" name="Abgerundetes Rechteck 3"/>
+          <p:cNvSpPr/>
+          <p:nvPr/>
+        </p:nvSpPr>
+        <p:spPr>
+          <a:xfrm>
+            <a:off x="2858275" y="2888939"/>
+            <a:ext cx="2385265" cy="1125125"/>
+          </a:xfrm>
+          <a:prstGeom prst="roundRect">
+            <a:avLst/>
+          </a:prstGeom>
+          <a:ln/>
+        </p:spPr>
+        <p:style>
+          <a:lnRef idx="2">
+            <a:schemeClr val="accent3">
+              <a:shade val="50000"/>
+            </a:schemeClr>
+          </a:lnRef>
+          <a:fillRef idx="1">
+            <a:schemeClr val="accent3"/>
+          </a:fillRef>
+          <a:effectRef idx="0">
+            <a:schemeClr val="accent3"/>
+          </a:effectRef>
+          <a:fontRef idx="minor">
+            <a:schemeClr val="lt1"/>
+          </a:fontRef>
+        </p:style>
+        <p:txBody>
+          <a:bodyPr rtlCol="0" anchor="ctr"/>
+          <a:lstStyle/>
+          <a:p>
+            <a:pPr algn="ctr"/>
+            <a:r>
+              <a:rPr lang="de-DE" sz="2400" dirty="0" smtClean="0">
+                <a:solidFill>
+                  <a:srgbClr val="FFFFFF"/>
+                </a:solidFill>
+              </a:rPr>
+              <a:t>mit anderen Komponenten verbunden</a:t>
+            </a:r>
+          </a:p>
+        </p:txBody>
+      </p:sp>
+      <p:sp>
+        <p:nvSpPr>
+          <p:cNvPr id="5" name="Rechteck 4"/>
+          <p:cNvSpPr/>
+          <p:nvPr/>
+        </p:nvSpPr>
+        <p:spPr>
+          <a:xfrm>
+            <a:off x="202980" y="3175810"/>
+            <a:ext cx="2222083" cy="523220"/>
+          </a:xfrm>
+          <a:prstGeom prst="rect">
+            <a:avLst/>
+          </a:prstGeom>
+        </p:spPr>
+        <p:txBody>
+          <a:bodyPr wrap="none">
+            <a:spAutoFit/>
+          </a:bodyPr>
+          <a:lstStyle/>
+          <a:p>
+            <a:pPr algn="ctr"/>
+            <a:r>
+              <a:rPr lang="de-DE" sz="2800" dirty="0" smtClean="0">
+                <a:solidFill>
+                  <a:srgbClr val="FFFFFF"/>
+                </a:solidFill>
+              </a:rPr>
+              <a:t>Service aktiv</a:t>
+            </a:r>
+            <a:endParaRPr lang="de-DE" sz="2800" dirty="0">
+              <a:solidFill>
+                <a:srgbClr val="FFFFFF"/>
+              </a:solidFill>
+            </a:endParaRPr>
+          </a:p>
+        </p:txBody>
+      </p:sp>
+      <p:cxnSp>
+        <p:nvCxnSpPr>
+          <p:cNvPr id="6" name="Gerade Verbindung mit Pfeil 5"/>
+          <p:cNvCxnSpPr/>
+          <p:nvPr/>
+        </p:nvCxnSpPr>
+        <p:spPr>
+          <a:xfrm>
+            <a:off x="4017153" y="1358770"/>
+            <a:ext cx="33754" cy="1530169"/>
+          </a:xfrm>
+          <a:prstGeom prst="straightConnector1">
+            <a:avLst/>
+          </a:prstGeom>
+          <a:ln w="57150">
+            <a:tailEnd type="arrow"/>
+          </a:ln>
+        </p:spPr>
+        <p:style>
+          <a:lnRef idx="2">
+            <a:schemeClr val="dk1"/>
+          </a:lnRef>
+          <a:fillRef idx="0">
+            <a:schemeClr val="dk1"/>
+          </a:fillRef>
+          <a:effectRef idx="1">
+            <a:schemeClr val="dk1"/>
+          </a:effectRef>
+          <a:fontRef idx="minor">
+            <a:schemeClr val="tx1"/>
+          </a:fontRef>
+        </p:style>
+      </p:cxnSp>
+      <p:cxnSp>
+        <p:nvCxnSpPr>
+          <p:cNvPr id="8" name="Gerade Verbindung mit Pfeil 7"/>
+          <p:cNvCxnSpPr/>
+          <p:nvPr/>
+        </p:nvCxnSpPr>
+        <p:spPr>
+          <a:xfrm>
+            <a:off x="4073410" y="4014066"/>
+            <a:ext cx="33754" cy="1530169"/>
+          </a:xfrm>
+          <a:prstGeom prst="straightConnector1">
+            <a:avLst/>
+          </a:prstGeom>
+          <a:ln w="57150">
+            <a:tailEnd type="arrow"/>
+          </a:ln>
+        </p:spPr>
+        <p:style>
+          <a:lnRef idx="2">
+            <a:schemeClr val="dk1"/>
+          </a:lnRef>
+          <a:fillRef idx="0">
+            <a:schemeClr val="dk1"/>
+          </a:fillRef>
+          <a:effectRef idx="1">
+            <a:schemeClr val="dk1"/>
+          </a:effectRef>
+          <a:fontRef idx="minor">
+            <a:schemeClr val="tx1"/>
+          </a:fontRef>
+        </p:style>
+      </p:cxnSp>
+      <p:sp>
+        <p:nvSpPr>
+          <p:cNvPr id="10" name="Rechteck 9"/>
+          <p:cNvSpPr/>
+          <p:nvPr/>
+        </p:nvSpPr>
+        <p:spPr>
+          <a:xfrm>
+            <a:off x="6372200" y="1223755"/>
+            <a:ext cx="2385265" cy="4635515"/>
+          </a:xfrm>
+          <a:prstGeom prst="rect">
+            <a:avLst/>
+          </a:prstGeom>
+          <a:ln w="19050"/>
+        </p:spPr>
+        <p:style>
+          <a:lnRef idx="2">
+            <a:schemeClr val="accent5">
+              <a:shade val="50000"/>
+            </a:schemeClr>
+          </a:lnRef>
+          <a:fillRef idx="1">
+            <a:schemeClr val="accent5"/>
+          </a:fillRef>
+          <a:effectRef idx="0">
+            <a:schemeClr val="accent5"/>
+          </a:effectRef>
+          <a:fontRef idx="minor">
+            <a:schemeClr val="lt1"/>
+          </a:fontRef>
+        </p:style>
+        <p:txBody>
+          <a:bodyPr rtlCol="0" anchor="ctr"/>
+          <a:lstStyle/>
+          <a:p>
+            <a:pPr algn="ctr"/>
+            <a:endParaRPr lang="de-DE" dirty="0" smtClean="0">
+              <a:solidFill>
+                <a:srgbClr val="FFFFFF"/>
+              </a:solidFill>
+            </a:endParaRPr>
+          </a:p>
+        </p:txBody>
+      </p:sp>
+      <p:sp>
+        <p:nvSpPr>
+          <p:cNvPr id="7" name="Abgerundetes Rechteck 6"/>
+          <p:cNvSpPr/>
+          <p:nvPr/>
+        </p:nvSpPr>
+        <p:spPr>
+          <a:xfrm>
+            <a:off x="4114089" y="4509120"/>
+            <a:ext cx="4103316" cy="540060"/>
+          </a:xfrm>
+          <a:prstGeom prst="roundRect">
+            <a:avLst/>
+          </a:prstGeom>
+          <a:ln/>
+        </p:spPr>
+        <p:style>
+          <a:lnRef idx="2">
+            <a:schemeClr val="accent1">
+              <a:shade val="50000"/>
+            </a:schemeClr>
+          </a:lnRef>
+          <a:fillRef idx="1">
+            <a:schemeClr val="accent1"/>
+          </a:fillRef>
+          <a:effectRef idx="0">
+            <a:schemeClr val="accent1"/>
+          </a:effectRef>
+          <a:fontRef idx="minor">
+            <a:schemeClr val="lt1"/>
+          </a:fontRef>
+        </p:style>
+        <p:txBody>
+          <a:bodyPr rtlCol="0" anchor="ctr"/>
+          <a:lstStyle/>
+          <a:p>
+            <a:pPr algn="ctr"/>
+            <a:r>
+              <a:rPr lang="de-DE" sz="2400" dirty="0" err="1" smtClean="0">
+                <a:solidFill>
+                  <a:srgbClr val="FFFFFF"/>
+                </a:solidFill>
+              </a:rPr>
+              <a:t>unbindService</a:t>
+            </a:r>
+            <a:r>
+              <a:rPr lang="de-DE" sz="2400" dirty="0" smtClean="0">
+                <a:solidFill>
+                  <a:srgbClr val="FFFFFF"/>
+                </a:solidFill>
+              </a:rPr>
+              <a:t>()</a:t>
+            </a:r>
+          </a:p>
+        </p:txBody>
+      </p:sp>
+      <p:sp>
+        <p:nvSpPr>
+          <p:cNvPr id="9" name="Abgerundetes Rechteck 8"/>
+          <p:cNvSpPr/>
+          <p:nvPr/>
+        </p:nvSpPr>
+        <p:spPr>
+          <a:xfrm>
+            <a:off x="4074541" y="1763815"/>
+            <a:ext cx="4142864" cy="540060"/>
+          </a:xfrm>
+          <a:prstGeom prst="roundRect">
+            <a:avLst/>
+          </a:prstGeom>
+          <a:ln/>
+        </p:spPr>
+        <p:style>
+          <a:lnRef idx="2">
+            <a:schemeClr val="accent1">
+              <a:shade val="50000"/>
+            </a:schemeClr>
+          </a:lnRef>
+          <a:fillRef idx="1">
+            <a:schemeClr val="accent1"/>
+          </a:fillRef>
+          <a:effectRef idx="0">
+            <a:schemeClr val="accent1"/>
+          </a:effectRef>
+          <a:fontRef idx="minor">
+            <a:schemeClr val="lt1"/>
+          </a:fontRef>
+        </p:style>
+        <p:txBody>
+          <a:bodyPr rtlCol="0" anchor="ctr"/>
+          <a:lstStyle/>
+          <a:p>
+            <a:pPr algn="ctr"/>
+            <a:r>
+              <a:rPr lang="de-DE" sz="2400" dirty="0" err="1" smtClean="0">
+                <a:solidFill>
+                  <a:srgbClr val="FFFFFF"/>
+                </a:solidFill>
+              </a:rPr>
+              <a:t>bindService</a:t>
+            </a:r>
+            <a:r>
+              <a:rPr lang="de-DE" sz="2400" dirty="0" smtClean="0">
+                <a:solidFill>
+                  <a:srgbClr val="FFFFFF"/>
+                </a:solidFill>
+              </a:rPr>
+              <a:t>()</a:t>
+            </a:r>
+          </a:p>
+        </p:txBody>
+      </p:sp>
+      <p:sp>
+        <p:nvSpPr>
+          <p:cNvPr id="11" name="Pfeil nach links und rechts 10"/>
+          <p:cNvSpPr/>
+          <p:nvPr/>
+        </p:nvSpPr>
+        <p:spPr>
+          <a:xfrm>
+            <a:off x="5243539" y="2888939"/>
+            <a:ext cx="2973866" cy="1125125"/>
+          </a:xfrm>
+          <a:prstGeom prst="leftRightArrow">
+            <a:avLst/>
+          </a:prstGeom>
+          <a:ln/>
+        </p:spPr>
+        <p:style>
+          <a:lnRef idx="2">
+            <a:schemeClr val="accent1">
+              <a:shade val="50000"/>
+            </a:schemeClr>
+          </a:lnRef>
+          <a:fillRef idx="1">
+            <a:schemeClr val="accent1"/>
+          </a:fillRef>
+          <a:effectRef idx="0">
+            <a:schemeClr val="accent1"/>
+          </a:effectRef>
+          <a:fontRef idx="minor">
+            <a:schemeClr val="lt1"/>
+          </a:fontRef>
+        </p:style>
+        <p:txBody>
+          <a:bodyPr rtlCol="0" anchor="ctr"/>
+          <a:lstStyle/>
+          <a:p>
+            <a:pPr algn="ctr"/>
+            <a:r>
+              <a:rPr lang="de-DE" sz="2400" dirty="0" smtClean="0">
+                <a:solidFill>
+                  <a:srgbClr val="FFFFFF"/>
+                </a:solidFill>
+              </a:rPr>
+              <a:t>Kommunikation</a:t>
+            </a:r>
+          </a:p>
+        </p:txBody>
+      </p:sp>
+    </p:spTree>
+    <p:extLst>
+      <p:ext uri="{BB962C8B-B14F-4D97-AF65-F5344CB8AC3E}">
+        <p14:creationId xmlns:p14="http://schemas.microsoft.com/office/powerpoint/2010/main" val="1366603645"/>
+      </p:ext>
+    </p:extLst>
+  </p:cSld>
+  <p:clrMapOvr>
+    <a:masterClrMapping/>
+  </p:clrMapOvr>
+  <p:timing>
+    <p:tnLst>
+      <p:par>
+        <p:cTn id="1" dur="indefinite" restart="never" nodeType="tmRoot"/>
+      </p:par>
+    </p:tnLst>
+  </p:timing>
+</p:sld>
+</file>
+
+<file path=ppt/slides/slide22.xml><?xml version="1.0" encoding="utf-8"?>
+<p:sld xmlns:a="http://schemas.openxmlformats.org/drawingml/2006/main" xmlns:r="http://schemas.openxmlformats.org/officeDocument/2006/relationships" xmlns:p="http://schemas.openxmlformats.org/presentationml/2006/main">
+  <p:cSld>
+    <p:spTree>
+      <p:nvGrpSpPr>
+        <p:cNvPr id="1" name=""/>
+        <p:cNvGrpSpPr/>
+        <p:nvPr/>
+      </p:nvGrpSpPr>
+      <p:grpSpPr>
+        <a:xfrm>
+          <a:off x="0" y="0"/>
+          <a:ext cx="0" cy="0"/>
+          <a:chOff x="0" y="0"/>
+          <a:chExt cx="0" cy="0"/>
+        </a:xfrm>
+      </p:grpSpPr>
+      <p:sp>
+        <p:nvSpPr>
+          <p:cNvPr id="2" name="Titel 1"/>
+          <p:cNvSpPr>
+            <a:spLocks noGrp="1"/>
+          </p:cNvSpPr>
+          <p:nvPr>
+            <p:ph type="title"/>
+          </p:nvPr>
+        </p:nvSpPr>
+        <p:spPr/>
+        <p:txBody>
+          <a:bodyPr/>
+          <a:lstStyle/>
+          <a:p>
+            <a:r>
+              <a:rPr lang="de-DE" dirty="0" smtClean="0"/>
+              <a:t>Kommunikation</a:t>
+            </a:r>
+            <a:endParaRPr lang="de-DE" dirty="0"/>
+          </a:p>
+        </p:txBody>
+      </p:sp>
+      <p:sp>
+        <p:nvSpPr>
+          <p:cNvPr id="4" name="Inhaltsplatzhalter 3"/>
+          <p:cNvSpPr>
+            <a:spLocks noGrp="1"/>
+          </p:cNvSpPr>
+          <p:nvPr>
+            <p:ph idx="1"/>
+          </p:nvPr>
+        </p:nvSpPr>
+        <p:spPr/>
+        <p:txBody>
+          <a:bodyPr/>
+          <a:lstStyle/>
+          <a:p>
+            <a:pPr marL="457200" indent="-457200">
+              <a:buFont typeface="+mj-lt"/>
+              <a:buAutoNum type="arabicPeriod"/>
+            </a:pPr>
+            <a:r>
+              <a:rPr lang="de-DE" sz="2400" dirty="0" smtClean="0"/>
+              <a:t>Binder</a:t>
+            </a:r>
+          </a:p>
+          <a:p>
+            <a:pPr marL="647700" lvl="1" indent="-457200">
+              <a:buFont typeface="Arial" panose="020B0604020202020204" pitchFamily="34" charset="0"/>
+              <a:buChar char="•"/>
+            </a:pPr>
+            <a:r>
+              <a:rPr lang="de-DE" sz="2400" dirty="0" smtClean="0"/>
+              <a:t>einfach</a:t>
+            </a:r>
+          </a:p>
+          <a:p>
+            <a:pPr marL="647700" lvl="1" indent="-457200">
+              <a:buFont typeface="Arial" panose="020B0604020202020204" pitchFamily="34" charset="0"/>
+              <a:buChar char="•"/>
+            </a:pPr>
+            <a:r>
+              <a:rPr lang="de-DE" sz="2400" dirty="0" smtClean="0"/>
+              <a:t>Service läuft nicht in eigenen Thread</a:t>
+            </a:r>
+          </a:p>
+          <a:p>
+            <a:pPr marL="457200" indent="-457200">
+              <a:buFont typeface="+mj-lt"/>
+              <a:buAutoNum type="arabicPeriod"/>
+            </a:pPr>
+            <a:r>
+              <a:rPr lang="de-DE" sz="2400" dirty="0" smtClean="0"/>
+              <a:t>Messenger</a:t>
+            </a:r>
+          </a:p>
+          <a:p>
+            <a:pPr marL="647700" lvl="1" indent="-457200">
+              <a:buFont typeface="Arial" panose="020B0604020202020204" pitchFamily="34" charset="0"/>
+              <a:buChar char="•"/>
+            </a:pPr>
+            <a:r>
+              <a:rPr lang="de-DE" sz="2400" dirty="0" smtClean="0"/>
+              <a:t>Nachrichten-orientiert</a:t>
+            </a:r>
+          </a:p>
+          <a:p>
+            <a:pPr marL="647700" lvl="1" indent="-457200">
+              <a:buFont typeface="Arial" panose="020B0604020202020204" pitchFamily="34" charset="0"/>
+              <a:buChar char="•"/>
+            </a:pPr>
+            <a:r>
+              <a:rPr lang="de-DE" sz="2400" dirty="0" smtClean="0"/>
+              <a:t>Service läuft in eigenem Thread</a:t>
+            </a:r>
+          </a:p>
+          <a:p>
+            <a:pPr marL="457200" indent="-457200">
+              <a:buFont typeface="+mj-lt"/>
+              <a:buAutoNum type="arabicPeriod"/>
+            </a:pPr>
+            <a:r>
+              <a:rPr lang="de-DE" sz="2400" dirty="0"/>
+              <a:t>AIDL (Android Interface Definition Language) </a:t>
+            </a:r>
+            <a:endParaRPr lang="de-DE" sz="2400" dirty="0" smtClean="0"/>
+          </a:p>
+          <a:p>
+            <a:pPr marL="647700" lvl="1" indent="-457200">
+              <a:buFont typeface="Arial" panose="020B0604020202020204" pitchFamily="34" charset="0"/>
+              <a:buChar char="•"/>
+            </a:pPr>
+            <a:r>
+              <a:rPr lang="de-DE" sz="2400" dirty="0" smtClean="0"/>
+              <a:t>am flexibelsten</a:t>
+            </a:r>
+          </a:p>
+          <a:p>
+            <a:pPr marL="647700" lvl="1" indent="-457200">
+              <a:buFont typeface="Arial" panose="020B0604020202020204" pitchFamily="34" charset="0"/>
+              <a:buChar char="•"/>
+            </a:pPr>
+            <a:r>
+              <a:rPr lang="de-DE" sz="2400" dirty="0" smtClean="0"/>
+              <a:t>Service läuft ggf. in mehreren Threads</a:t>
+            </a:r>
+            <a:endParaRPr lang="de-DE" sz="2400" dirty="0"/>
+          </a:p>
+        </p:txBody>
+      </p:sp>
+    </p:spTree>
+    <p:extLst>
+      <p:ext uri="{BB962C8B-B14F-4D97-AF65-F5344CB8AC3E}">
+        <p14:creationId xmlns:p14="http://schemas.microsoft.com/office/powerpoint/2010/main" val="222023240"/>
+      </p:ext>
+    </p:extLst>
+  </p:cSld>
+  <p:clrMapOvr>
+    <a:masterClrMapping/>
+  </p:clrMapOvr>
+  <p:timing>
+    <p:tnLst>
+      <p:par>
+        <p:cTn id="1" dur="indefinite" restart="never" nodeType="tmRoot"/>
+      </p:par>
+    </p:tnLst>
+  </p:timing>
+</p:sld>
+</file>
+
+<file path=ppt/slides/slide23.xml><?xml version="1.0" encoding="utf-8"?>
+<p:sld xmlns:a="http://schemas.openxmlformats.org/drawingml/2006/main" xmlns:r="http://schemas.openxmlformats.org/officeDocument/2006/relationships" xmlns:p="http://schemas.openxmlformats.org/presentationml/2006/main">
+  <p:cSld>
+    <p:spTree>
+      <p:nvGrpSpPr>
+        <p:cNvPr id="1" name=""/>
+        <p:cNvGrpSpPr/>
+        <p:nvPr/>
+      </p:nvGrpSpPr>
+      <p:grpSpPr>
+        <a:xfrm>
+          <a:off x="0" y="0"/>
+          <a:ext cx="0" cy="0"/>
+          <a:chOff x="0" y="0"/>
+          <a:chExt cx="0" cy="0"/>
+        </a:xfrm>
+      </p:grpSpPr>
+      <p:sp>
+        <p:nvSpPr>
+          <p:cNvPr id="2" name="Titel 1"/>
+          <p:cNvSpPr>
+            <a:spLocks noGrp="1"/>
+          </p:cNvSpPr>
+          <p:nvPr>
+            <p:ph type="title"/>
+          </p:nvPr>
+        </p:nvSpPr>
+        <p:spPr/>
+        <p:txBody>
+          <a:bodyPr/>
+          <a:lstStyle/>
+          <a:p>
+            <a:r>
+              <a:rPr lang="de-DE" dirty="0" err="1" smtClean="0"/>
+              <a:t>InstaMeet</a:t>
+            </a:r>
+            <a:r>
+              <a:rPr lang="de-DE" dirty="0"/>
+              <a:t> </a:t>
+            </a:r>
+            <a:r>
+              <a:rPr lang="de-DE" dirty="0" smtClean="0"/>
+              <a:t>Service</a:t>
+            </a:r>
+            <a:endParaRPr lang="de-DE" dirty="0"/>
+          </a:p>
+        </p:txBody>
+      </p:sp>
+      <p:sp>
+        <p:nvSpPr>
+          <p:cNvPr id="3" name="Rechteck 2"/>
+          <p:cNvSpPr/>
+          <p:nvPr/>
+        </p:nvSpPr>
+        <p:spPr>
+          <a:xfrm>
+            <a:off x="476544" y="2654233"/>
+            <a:ext cx="8145906" cy="1665185"/>
+          </a:xfrm>
+          <a:prstGeom prst="rect">
+            <a:avLst/>
+          </a:prstGeom>
+          <a:ln w="19050"/>
+        </p:spPr>
+        <p:style>
+          <a:lnRef idx="2">
+            <a:schemeClr val="accent5">
+              <a:shade val="50000"/>
+            </a:schemeClr>
+          </a:lnRef>
+          <a:fillRef idx="1">
+            <a:schemeClr val="accent5"/>
+          </a:fillRef>
+          <a:effectRef idx="0">
+            <a:schemeClr val="accent5"/>
+          </a:effectRef>
+          <a:fontRef idx="minor">
+            <a:schemeClr val="lt1"/>
+          </a:fontRef>
+        </p:style>
+        <p:txBody>
+          <a:bodyPr rtlCol="0" anchor="ctr"/>
+          <a:lstStyle/>
+          <a:p>
+            <a:pPr algn="ctr"/>
+            <a:endParaRPr lang="de-DE" sz="2800" dirty="0" smtClean="0">
+              <a:solidFill>
+                <a:srgbClr val="FFFFFF"/>
+              </a:solidFill>
+            </a:endParaRPr>
+          </a:p>
+        </p:txBody>
+      </p:sp>
+      <p:sp>
+        <p:nvSpPr>
+          <p:cNvPr id="4" name="Abgerundetes Rechteck 3"/>
+          <p:cNvSpPr/>
+          <p:nvPr/>
+        </p:nvSpPr>
+        <p:spPr>
+          <a:xfrm>
+            <a:off x="656565" y="3248980"/>
+            <a:ext cx="1800200" cy="450050"/>
+          </a:xfrm>
+          <a:prstGeom prst="roundRect">
+            <a:avLst/>
+          </a:prstGeom>
+          <a:ln/>
+        </p:spPr>
+        <p:style>
+          <a:lnRef idx="2">
+            <a:schemeClr val="accent3">
+              <a:shade val="50000"/>
+            </a:schemeClr>
+          </a:lnRef>
+          <a:fillRef idx="1">
+            <a:schemeClr val="accent3"/>
+          </a:fillRef>
+          <a:effectRef idx="0">
+            <a:schemeClr val="accent3"/>
+          </a:effectRef>
+          <a:fontRef idx="minor">
+            <a:schemeClr val="lt1"/>
+          </a:fontRef>
+        </p:style>
+        <p:txBody>
+          <a:bodyPr rtlCol="0" anchor="ctr"/>
+          <a:lstStyle/>
+          <a:p>
+            <a:pPr algn="ctr"/>
+            <a:r>
+              <a:rPr lang="de-DE" sz="2400" dirty="0" smtClean="0">
+                <a:solidFill>
+                  <a:srgbClr val="FFFFFF"/>
+                </a:solidFill>
+              </a:rPr>
+              <a:t>gestartet</a:t>
+            </a:r>
+          </a:p>
+        </p:txBody>
+      </p:sp>
+      <p:sp>
+        <p:nvSpPr>
+          <p:cNvPr id="5" name="Abgerundetes Rechteck 4"/>
+          <p:cNvSpPr/>
+          <p:nvPr/>
+        </p:nvSpPr>
+        <p:spPr>
+          <a:xfrm>
+            <a:off x="5742130" y="2888939"/>
+            <a:ext cx="2385265" cy="1125125"/>
+          </a:xfrm>
+          <a:prstGeom prst="roundRect">
+            <a:avLst/>
+          </a:prstGeom>
+          <a:ln/>
+        </p:spPr>
+        <p:style>
+          <a:lnRef idx="2">
+            <a:schemeClr val="accent3">
+              <a:shade val="50000"/>
+            </a:schemeClr>
+          </a:lnRef>
+          <a:fillRef idx="1">
+            <a:schemeClr val="accent3"/>
+          </a:fillRef>
+          <a:effectRef idx="0">
+            <a:schemeClr val="accent3"/>
+          </a:effectRef>
+          <a:fontRef idx="minor">
+            <a:schemeClr val="lt1"/>
+          </a:fontRef>
+        </p:style>
+        <p:txBody>
+          <a:bodyPr rtlCol="0" anchor="ctr"/>
+          <a:lstStyle/>
+          <a:p>
+            <a:pPr algn="ctr"/>
+            <a:r>
+              <a:rPr lang="de-DE" sz="2400" dirty="0" smtClean="0">
+                <a:solidFill>
+                  <a:srgbClr val="FFFFFF"/>
+                </a:solidFill>
+              </a:rPr>
+              <a:t>mit anderen Komponenten verbunden</a:t>
+            </a:r>
+          </a:p>
+        </p:txBody>
+      </p:sp>
+      <p:sp>
+        <p:nvSpPr>
+          <p:cNvPr id="6" name="Rechteck 5"/>
+          <p:cNvSpPr/>
+          <p:nvPr/>
+        </p:nvSpPr>
+        <p:spPr>
+          <a:xfrm>
+            <a:off x="3086835" y="3175810"/>
+            <a:ext cx="2222083" cy="523220"/>
+          </a:xfrm>
+          <a:prstGeom prst="rect">
+            <a:avLst/>
+          </a:prstGeom>
+        </p:spPr>
+        <p:txBody>
+          <a:bodyPr wrap="none">
+            <a:spAutoFit/>
+          </a:bodyPr>
+          <a:lstStyle/>
+          <a:p>
+            <a:pPr algn="ctr"/>
+            <a:r>
+              <a:rPr lang="de-DE" sz="2800" dirty="0" smtClean="0">
+                <a:solidFill>
+                  <a:srgbClr val="FFFFFF"/>
+                </a:solidFill>
+              </a:rPr>
+              <a:t>Service aktiv</a:t>
+            </a:r>
+            <a:endParaRPr lang="de-DE" sz="2800" dirty="0">
+              <a:solidFill>
+                <a:srgbClr val="FFFFFF"/>
+              </a:solidFill>
+            </a:endParaRPr>
+          </a:p>
+        </p:txBody>
+      </p:sp>
+      <p:cxnSp>
+        <p:nvCxnSpPr>
+          <p:cNvPr id="7" name="Gerade Verbindung mit Pfeil 6"/>
+          <p:cNvCxnSpPr>
+            <a:endCxn id="4" idx="0"/>
+          </p:cNvCxnSpPr>
+          <p:nvPr/>
+        </p:nvCxnSpPr>
+        <p:spPr>
+          <a:xfrm>
+            <a:off x="1556665" y="1178750"/>
+            <a:ext cx="0" cy="2070230"/>
+          </a:xfrm>
+          <a:prstGeom prst="straightConnector1">
+            <a:avLst/>
+          </a:prstGeom>
+          <a:ln w="57150">
+            <a:tailEnd type="arrow"/>
+          </a:ln>
+        </p:spPr>
+        <p:style>
+          <a:lnRef idx="2">
+            <a:schemeClr val="dk1"/>
+          </a:lnRef>
+          <a:fillRef idx="0">
+            <a:schemeClr val="dk1"/>
+          </a:fillRef>
+          <a:effectRef idx="1">
+            <a:schemeClr val="dk1"/>
+          </a:effectRef>
+          <a:fontRef idx="minor">
+            <a:schemeClr val="tx1"/>
+          </a:fontRef>
+        </p:style>
+      </p:cxnSp>
+      <p:cxnSp>
+        <p:nvCxnSpPr>
+          <p:cNvPr id="8" name="Gerade Verbindung mit Pfeil 7"/>
+          <p:cNvCxnSpPr/>
+          <p:nvPr/>
+        </p:nvCxnSpPr>
+        <p:spPr>
+          <a:xfrm>
+            <a:off x="6901008" y="1358770"/>
+            <a:ext cx="33754" cy="1530169"/>
+          </a:xfrm>
+          <a:prstGeom prst="straightConnector1">
+            <a:avLst/>
+          </a:prstGeom>
+          <a:ln w="57150">
+            <a:tailEnd type="arrow"/>
+          </a:ln>
+        </p:spPr>
+        <p:style>
+          <a:lnRef idx="2">
+            <a:schemeClr val="dk1"/>
+          </a:lnRef>
+          <a:fillRef idx="0">
+            <a:schemeClr val="dk1"/>
+          </a:fillRef>
+          <a:effectRef idx="1">
+            <a:schemeClr val="dk1"/>
+          </a:effectRef>
+          <a:fontRef idx="minor">
+            <a:schemeClr val="tx1"/>
+          </a:fontRef>
+        </p:style>
+      </p:cxnSp>
+      <p:sp>
+        <p:nvSpPr>
+          <p:cNvPr id="9" name="Abgerundetes Rechteck 8"/>
+          <p:cNvSpPr/>
+          <p:nvPr/>
+        </p:nvSpPr>
+        <p:spPr>
+          <a:xfrm>
+            <a:off x="1556665" y="1755275"/>
+            <a:ext cx="2070230" cy="540060"/>
+          </a:xfrm>
+          <a:prstGeom prst="roundRect">
+            <a:avLst/>
+          </a:prstGeom>
+          <a:ln/>
+        </p:spPr>
+        <p:style>
+          <a:lnRef idx="2">
+            <a:schemeClr val="accent1">
+              <a:shade val="50000"/>
+            </a:schemeClr>
+          </a:lnRef>
+          <a:fillRef idx="1">
+            <a:schemeClr val="accent1"/>
+          </a:fillRef>
+          <a:effectRef idx="0">
+            <a:schemeClr val="accent1"/>
+          </a:effectRef>
+          <a:fontRef idx="minor">
+            <a:schemeClr val="lt1"/>
+          </a:fontRef>
+        </p:style>
+        <p:txBody>
+          <a:bodyPr rtlCol="0" anchor="ctr"/>
+          <a:lstStyle/>
+          <a:p>
+            <a:pPr algn="ctr"/>
+            <a:r>
+              <a:rPr lang="de-DE" sz="2400" dirty="0" err="1" smtClean="0">
+                <a:solidFill>
+                  <a:srgbClr val="FFFFFF"/>
+                </a:solidFill>
+              </a:rPr>
+              <a:t>startService</a:t>
+            </a:r>
+            <a:r>
+              <a:rPr lang="de-DE" sz="2400" dirty="0" smtClean="0">
+                <a:solidFill>
+                  <a:srgbClr val="FFFFFF"/>
+                </a:solidFill>
+              </a:rPr>
+              <a:t>()</a:t>
+            </a:r>
+          </a:p>
+        </p:txBody>
+      </p:sp>
+      <p:sp>
+        <p:nvSpPr>
+          <p:cNvPr id="10" name="Abgerundetes Rechteck 9"/>
+          <p:cNvSpPr/>
+          <p:nvPr/>
+        </p:nvSpPr>
+        <p:spPr>
+          <a:xfrm>
+            <a:off x="4549497" y="4509120"/>
+            <a:ext cx="2461502" cy="540060"/>
+          </a:xfrm>
+          <a:prstGeom prst="roundRect">
+            <a:avLst/>
+          </a:prstGeom>
+          <a:ln/>
+        </p:spPr>
+        <p:style>
+          <a:lnRef idx="2">
+            <a:schemeClr val="accent1">
+              <a:shade val="50000"/>
+            </a:schemeClr>
+          </a:lnRef>
+          <a:fillRef idx="1">
+            <a:schemeClr val="accent1"/>
+          </a:fillRef>
+          <a:effectRef idx="0">
+            <a:schemeClr val="accent1"/>
+          </a:effectRef>
+          <a:fontRef idx="minor">
+            <a:schemeClr val="lt1"/>
+          </a:fontRef>
+        </p:style>
+        <p:txBody>
+          <a:bodyPr rtlCol="0" anchor="ctr"/>
+          <a:lstStyle/>
+          <a:p>
+            <a:pPr algn="ctr"/>
+            <a:r>
+              <a:rPr lang="de-DE" sz="2400" dirty="0" err="1" smtClean="0">
+                <a:solidFill>
+                  <a:srgbClr val="FFFFFF"/>
+                </a:solidFill>
+              </a:rPr>
+              <a:t>unbindService</a:t>
+            </a:r>
+            <a:r>
+              <a:rPr lang="de-DE" sz="2400" dirty="0" smtClean="0">
+                <a:solidFill>
+                  <a:srgbClr val="FFFFFF"/>
+                </a:solidFill>
+              </a:rPr>
+              <a:t>()</a:t>
+            </a:r>
+          </a:p>
+        </p:txBody>
+      </p:sp>
+      <p:cxnSp>
+        <p:nvCxnSpPr>
+          <p:cNvPr id="11" name="Gerade Verbindung mit Pfeil 10"/>
+          <p:cNvCxnSpPr/>
+          <p:nvPr/>
+        </p:nvCxnSpPr>
+        <p:spPr>
+          <a:xfrm>
+            <a:off x="1556665" y="3699030"/>
+            <a:ext cx="0" cy="2070230"/>
+          </a:xfrm>
+          <a:prstGeom prst="straightConnector1">
+            <a:avLst/>
+          </a:prstGeom>
+          <a:ln w="57150">
+            <a:tailEnd type="arrow"/>
+          </a:ln>
+        </p:spPr>
+        <p:style>
+          <a:lnRef idx="2">
+            <a:schemeClr val="dk1"/>
+          </a:lnRef>
+          <a:fillRef idx="0">
+            <a:schemeClr val="dk1"/>
+          </a:fillRef>
+          <a:effectRef idx="1">
+            <a:schemeClr val="dk1"/>
+          </a:effectRef>
+          <a:fontRef idx="minor">
+            <a:schemeClr val="tx1"/>
+          </a:fontRef>
+        </p:style>
+      </p:cxnSp>
+      <p:cxnSp>
+        <p:nvCxnSpPr>
+          <p:cNvPr id="12" name="Gerade Verbindung mit Pfeil 11"/>
+          <p:cNvCxnSpPr/>
+          <p:nvPr/>
+        </p:nvCxnSpPr>
+        <p:spPr>
+          <a:xfrm>
+            <a:off x="6957265" y="4014066"/>
+            <a:ext cx="33754" cy="1530169"/>
+          </a:xfrm>
+          <a:prstGeom prst="straightConnector1">
+            <a:avLst/>
+          </a:prstGeom>
+          <a:ln w="57150">
+            <a:tailEnd type="arrow"/>
+          </a:ln>
+        </p:spPr>
+        <p:style>
+          <a:lnRef idx="2">
+            <a:schemeClr val="dk1"/>
+          </a:lnRef>
+          <a:fillRef idx="0">
+            <a:schemeClr val="dk1"/>
+          </a:fillRef>
+          <a:effectRef idx="1">
+            <a:schemeClr val="dk1"/>
+          </a:effectRef>
+          <a:fontRef idx="minor">
+            <a:schemeClr val="tx1"/>
+          </a:fontRef>
+        </p:style>
+      </p:cxnSp>
+      <p:sp>
+        <p:nvSpPr>
+          <p:cNvPr id="13" name="Abgerundetes Rechteck 12"/>
+          <p:cNvSpPr/>
+          <p:nvPr/>
+        </p:nvSpPr>
+        <p:spPr>
+          <a:xfrm>
+            <a:off x="4842030" y="1763815"/>
+            <a:ext cx="2070230" cy="540060"/>
+          </a:xfrm>
+          <a:prstGeom prst="roundRect">
+            <a:avLst/>
+          </a:prstGeom>
+          <a:ln/>
+        </p:spPr>
+        <p:style>
+          <a:lnRef idx="2">
+            <a:schemeClr val="accent1">
+              <a:shade val="50000"/>
+            </a:schemeClr>
+          </a:lnRef>
+          <a:fillRef idx="1">
+            <a:schemeClr val="accent1"/>
+          </a:fillRef>
+          <a:effectRef idx="0">
+            <a:schemeClr val="accent1"/>
+          </a:effectRef>
+          <a:fontRef idx="minor">
+            <a:schemeClr val="lt1"/>
+          </a:fontRef>
+        </p:style>
+        <p:txBody>
+          <a:bodyPr rtlCol="0" anchor="ctr"/>
+          <a:lstStyle/>
+          <a:p>
+            <a:pPr algn="ctr"/>
+            <a:r>
+              <a:rPr lang="de-DE" sz="2400" dirty="0" err="1" smtClean="0">
+                <a:solidFill>
+                  <a:srgbClr val="FFFFFF"/>
+                </a:solidFill>
+              </a:rPr>
+              <a:t>bindService</a:t>
+            </a:r>
+            <a:r>
+              <a:rPr lang="de-DE" sz="2400" dirty="0" smtClean="0">
+                <a:solidFill>
+                  <a:srgbClr val="FFFFFF"/>
+                </a:solidFill>
+              </a:rPr>
+              <a:t>()</a:t>
+            </a:r>
+          </a:p>
+        </p:txBody>
+      </p:sp>
+      <p:sp>
+        <p:nvSpPr>
+          <p:cNvPr id="14" name="Abgerundetes Rechteck 13"/>
+          <p:cNvSpPr/>
+          <p:nvPr/>
+        </p:nvSpPr>
+        <p:spPr>
+          <a:xfrm>
+            <a:off x="1570438" y="4509120"/>
+            <a:ext cx="2461502" cy="882715"/>
+          </a:xfrm>
+          <a:prstGeom prst="roundRect">
+            <a:avLst/>
+          </a:prstGeom>
+          <a:ln/>
+        </p:spPr>
+        <p:style>
+          <a:lnRef idx="2">
+            <a:schemeClr val="accent1">
+              <a:shade val="50000"/>
+            </a:schemeClr>
+          </a:lnRef>
+          <a:fillRef idx="1">
+            <a:schemeClr val="accent1"/>
+          </a:fillRef>
+          <a:effectRef idx="0">
+            <a:schemeClr val="accent1"/>
+          </a:effectRef>
+          <a:fontRef idx="minor">
+            <a:schemeClr val="lt1"/>
+          </a:fontRef>
+        </p:style>
+        <p:txBody>
+          <a:bodyPr rtlCol="0" anchor="ctr"/>
+          <a:lstStyle/>
+          <a:p>
+            <a:pPr algn="ctr"/>
+            <a:r>
+              <a:rPr lang="de-DE" sz="2400" dirty="0" err="1" smtClean="0">
+                <a:solidFill>
+                  <a:srgbClr val="FFFFFF"/>
+                </a:solidFill>
+              </a:rPr>
+              <a:t>stopService</a:t>
+            </a:r>
+            <a:r>
+              <a:rPr lang="de-DE" sz="2400" dirty="0" smtClean="0">
+                <a:solidFill>
+                  <a:srgbClr val="FFFFFF"/>
+                </a:solidFill>
+              </a:rPr>
+              <a:t>()</a:t>
+            </a:r>
+          </a:p>
+          <a:p>
+            <a:pPr algn="ctr"/>
+            <a:r>
+              <a:rPr lang="de-DE" sz="2400" dirty="0" err="1" smtClean="0">
+                <a:solidFill>
+                  <a:srgbClr val="FFFFFF"/>
+                </a:solidFill>
+              </a:rPr>
+              <a:t>stopSelf</a:t>
+            </a:r>
+            <a:r>
+              <a:rPr lang="de-DE" sz="2400" dirty="0" smtClean="0">
+                <a:solidFill>
+                  <a:srgbClr val="FFFFFF"/>
+                </a:solidFill>
+              </a:rPr>
+              <a:t>()</a:t>
+            </a:r>
+          </a:p>
+        </p:txBody>
+      </p:sp>
+      <p:sp>
+        <p:nvSpPr>
+          <p:cNvPr id="16" name="Ovale Legende 15"/>
+          <p:cNvSpPr/>
+          <p:nvPr/>
+        </p:nvSpPr>
+        <p:spPr>
+          <a:xfrm>
+            <a:off x="2755468" y="503675"/>
+            <a:ext cx="2986661" cy="1026575"/>
+          </a:xfrm>
+          <a:prstGeom prst="wedgeEllipseCallout">
+            <a:avLst>
+              <a:gd name="adj1" fmla="val -56552"/>
+              <a:gd name="adj2" fmla="val 77345"/>
+            </a:avLst>
+          </a:prstGeom>
+          <a:ln/>
+        </p:spPr>
+        <p:style>
+          <a:lnRef idx="2">
+            <a:schemeClr val="accent4">
+              <a:shade val="50000"/>
+            </a:schemeClr>
+          </a:lnRef>
+          <a:fillRef idx="1">
+            <a:schemeClr val="accent4"/>
+          </a:fillRef>
+          <a:effectRef idx="0">
+            <a:schemeClr val="accent4"/>
+          </a:effectRef>
+          <a:fontRef idx="minor">
+            <a:schemeClr val="lt1"/>
+          </a:fontRef>
+        </p:style>
+        <p:txBody>
+          <a:bodyPr rtlCol="0" anchor="ctr"/>
+          <a:lstStyle/>
+          <a:p>
+            <a:pPr algn="ctr"/>
+            <a:r>
+              <a:rPr lang="de-DE" sz="2400" dirty="0" smtClean="0">
+                <a:solidFill>
+                  <a:srgbClr val="FFFFFF"/>
+                </a:solidFill>
+              </a:rPr>
+              <a:t>Beim Start des Geräts</a:t>
+            </a:r>
+          </a:p>
+        </p:txBody>
+      </p:sp>
+      <p:cxnSp>
+        <p:nvCxnSpPr>
+          <p:cNvPr id="18" name="Gerade Verbindung 17"/>
+          <p:cNvCxnSpPr/>
+          <p:nvPr/>
+        </p:nvCxnSpPr>
+        <p:spPr>
+          <a:xfrm>
+            <a:off x="881590" y="4319418"/>
+            <a:ext cx="3667907" cy="1449842"/>
+          </a:xfrm>
+          <a:prstGeom prst="line">
+            <a:avLst/>
+          </a:prstGeom>
+          <a:ln w="57150">
+            <a:solidFill>
+              <a:srgbClr val="FF0000"/>
+            </a:solidFill>
+            <a:tailEnd type="none"/>
+          </a:ln>
+        </p:spPr>
+        <p:style>
+          <a:lnRef idx="1">
+            <a:schemeClr val="accent1"/>
+          </a:lnRef>
+          <a:fillRef idx="0">
+            <a:schemeClr val="accent1"/>
+          </a:fillRef>
+          <a:effectRef idx="0">
+            <a:schemeClr val="accent1"/>
+          </a:effectRef>
+          <a:fontRef idx="minor">
+            <a:schemeClr val="tx1"/>
+          </a:fontRef>
+        </p:style>
+      </p:cxnSp>
+      <p:cxnSp>
+        <p:nvCxnSpPr>
+          <p:cNvPr id="20" name="Gerade Verbindung 19"/>
+          <p:cNvCxnSpPr/>
+          <p:nvPr/>
+        </p:nvCxnSpPr>
+        <p:spPr>
+          <a:xfrm flipV="1">
+            <a:off x="881590" y="4194085"/>
+            <a:ext cx="3150350" cy="1575175"/>
+          </a:xfrm>
+          <a:prstGeom prst="line">
+            <a:avLst/>
+          </a:prstGeom>
+          <a:ln w="57150">
+            <a:solidFill>
+              <a:srgbClr val="FF0000"/>
+            </a:solidFill>
+            <a:tailEnd type="none"/>
+          </a:ln>
+        </p:spPr>
+        <p:style>
+          <a:lnRef idx="1">
+            <a:schemeClr val="accent1"/>
+          </a:lnRef>
+          <a:fillRef idx="0">
+            <a:schemeClr val="accent1"/>
+          </a:fillRef>
+          <a:effectRef idx="0">
+            <a:schemeClr val="accent1"/>
+          </a:effectRef>
+          <a:fontRef idx="minor">
+            <a:schemeClr val="tx1"/>
+          </a:fontRef>
+        </p:style>
+      </p:cxnSp>
+      <p:sp>
+        <p:nvSpPr>
+          <p:cNvPr id="21" name="Ovale Legende 20"/>
+          <p:cNvSpPr/>
+          <p:nvPr/>
+        </p:nvSpPr>
+        <p:spPr>
+          <a:xfrm>
+            <a:off x="3914347" y="4878547"/>
+            <a:ext cx="2986661" cy="1026575"/>
+          </a:xfrm>
+          <a:prstGeom prst="wedgeEllipseCallout">
+            <a:avLst>
+              <a:gd name="adj1" fmla="val -72881"/>
+              <a:gd name="adj2" fmla="val -17666"/>
+            </a:avLst>
+          </a:prstGeom>
+          <a:ln/>
+        </p:spPr>
+        <p:style>
+          <a:lnRef idx="2">
+            <a:schemeClr val="accent4">
+              <a:shade val="50000"/>
+            </a:schemeClr>
+          </a:lnRef>
+          <a:fillRef idx="1">
+            <a:schemeClr val="accent4"/>
+          </a:fillRef>
+          <a:effectRef idx="0">
+            <a:schemeClr val="accent4"/>
+          </a:effectRef>
+          <a:fontRef idx="minor">
+            <a:schemeClr val="lt1"/>
+          </a:fontRef>
+        </p:style>
+        <p:txBody>
+          <a:bodyPr rtlCol="0" anchor="ctr"/>
+          <a:lstStyle/>
+          <a:p>
+            <a:pPr algn="ctr"/>
+            <a:r>
+              <a:rPr lang="de-DE" sz="2400" dirty="0" smtClean="0">
+                <a:solidFill>
+                  <a:srgbClr val="FFFFFF"/>
+                </a:solidFill>
+              </a:rPr>
+              <a:t>Läuft ewig</a:t>
+            </a:r>
+          </a:p>
+        </p:txBody>
+      </p:sp>
+      <p:sp>
+        <p:nvSpPr>
+          <p:cNvPr id="23" name="Ovale Legende 22"/>
+          <p:cNvSpPr/>
+          <p:nvPr/>
+        </p:nvSpPr>
+        <p:spPr>
+          <a:xfrm>
+            <a:off x="5634662" y="332195"/>
+            <a:ext cx="3509337" cy="1026575"/>
+          </a:xfrm>
+          <a:prstGeom prst="wedgeEllipseCallout">
+            <a:avLst>
+              <a:gd name="adj1" fmla="val 8589"/>
+              <a:gd name="adj2" fmla="val 199078"/>
+            </a:avLst>
+          </a:prstGeom>
+          <a:ln/>
+        </p:spPr>
+        <p:style>
+          <a:lnRef idx="2">
+            <a:schemeClr val="accent4">
+              <a:shade val="50000"/>
+            </a:schemeClr>
+          </a:lnRef>
+          <a:fillRef idx="1">
+            <a:schemeClr val="accent4"/>
+          </a:fillRef>
+          <a:effectRef idx="0">
+            <a:schemeClr val="accent4"/>
+          </a:effectRef>
+          <a:fontRef idx="minor">
+            <a:schemeClr val="lt1"/>
+          </a:fontRef>
+        </p:style>
+        <p:txBody>
+          <a:bodyPr rtlCol="0" anchor="ctr"/>
+          <a:lstStyle/>
+          <a:p>
+            <a:pPr algn="ctr"/>
+            <a:r>
+              <a:rPr lang="de-DE" sz="2400" dirty="0" smtClean="0">
+                <a:solidFill>
+                  <a:srgbClr val="FFFFFF"/>
+                </a:solidFill>
+              </a:rPr>
+              <a:t>Kommunikation über Binder</a:t>
+            </a:r>
+          </a:p>
+        </p:txBody>
+      </p:sp>
+    </p:spTree>
+    <p:extLst>
+      <p:ext uri="{BB962C8B-B14F-4D97-AF65-F5344CB8AC3E}">
+        <p14:creationId xmlns:p14="http://schemas.microsoft.com/office/powerpoint/2010/main" val="1799769859"/>
+      </p:ext>
+    </p:extLst>
+  </p:cSld>
+  <p:clrMapOvr>
+    <a:masterClrMapping/>
+  </p:clrMapOvr>
+  <p:timing>
+    <p:tnLst>
+      <p:par>
+        <p:cTn id="1" dur="indefinite" restart="never" nodeType="tmRoot"/>
+      </p:par>
+    </p:tnLst>
+  </p:timing>
+</p:sld>
+</file>
+
+<file path=ppt/slides/slide24.xml><?xml version="1.0" encoding="utf-8"?>
+<p:sld xmlns:a="http://schemas.openxmlformats.org/drawingml/2006/main" xmlns:r="http://schemas.openxmlformats.org/officeDocument/2006/relationships" xmlns:p="http://schemas.openxmlformats.org/presentationml/2006/main">
+  <p:cSld>
+    <p:spTree>
+      <p:nvGrpSpPr>
+        <p:cNvPr id="1" name=""/>
+        <p:cNvGrpSpPr/>
+        <p:nvPr/>
+      </p:nvGrpSpPr>
+      <p:grpSpPr>
+        <a:xfrm>
+          <a:off x="0" y="0"/>
+          <a:ext cx="0" cy="0"/>
+          <a:chOff x="0" y="0"/>
+          <a:chExt cx="0" cy="0"/>
+        </a:xfrm>
+      </p:grpSpPr>
+      <p:sp>
+        <p:nvSpPr>
+          <p:cNvPr id="2" name="Titel 1"/>
+          <p:cNvSpPr>
+            <a:spLocks noGrp="1"/>
+          </p:cNvSpPr>
+          <p:nvPr>
+            <p:ph type="title"/>
+          </p:nvPr>
+        </p:nvSpPr>
+        <p:spPr/>
+        <p:txBody>
+          <a:bodyPr/>
+          <a:lstStyle/>
+          <a:p>
+            <a:endParaRPr lang="de-DE" dirty="0"/>
+          </a:p>
+        </p:txBody>
+      </p:sp>
+      <p:sp>
+        <p:nvSpPr>
+          <p:cNvPr id="3" name="Inhaltsplatzhalter 2"/>
+          <p:cNvSpPr>
+            <a:spLocks noGrp="1"/>
+          </p:cNvSpPr>
+          <p:nvPr>
+            <p:ph idx="1"/>
+          </p:nvPr>
+        </p:nvSpPr>
+        <p:spPr>
+          <a:xfrm>
+            <a:off x="384175" y="1042988"/>
+            <a:ext cx="8375650" cy="4772025"/>
+          </a:xfrm>
+        </p:spPr>
+        <p:txBody>
+          <a:bodyPr anchor="ctr"/>
+          <a:lstStyle/>
+          <a:p>
+            <a:pPr algn="ctr"/>
+            <a:r>
+              <a:rPr lang="de-DE" sz="4400" dirty="0" smtClean="0"/>
+              <a:t>Demo</a:t>
+            </a:r>
+            <a:endParaRPr lang="de-DE" sz="4400" dirty="0"/>
+          </a:p>
+        </p:txBody>
+      </p:sp>
+    </p:spTree>
+    <p:extLst>
+      <p:ext uri="{BB962C8B-B14F-4D97-AF65-F5344CB8AC3E}">
+        <p14:creationId xmlns:p14="http://schemas.microsoft.com/office/powerpoint/2010/main" val="1315016961"/>
+      </p:ext>
+    </p:extLst>
   </p:cSld>
   <p:clrMapOvr>
     <a:masterClrMapping/>
@@ -6034,7 +10550,6 @@
               <a:rPr lang="de-DE" sz="2000" dirty="0" smtClean="0"/>
               <a:t>)</a:t>
             </a:r>
-            <a:endParaRPr lang="de-DE" sz="2000" dirty="0" smtClean="0"/>
           </a:p>
           <a:p>
             <a:endParaRPr lang="de-DE" sz="2000" dirty="0" smtClean="0"/>
@@ -6801,6 +11316,289 @@
 </file>
 
 <file path=ppt/theme/theme2.xml><?xml version="1.0" encoding="utf-8"?>
+<a:theme xmlns:a="http://schemas.openxmlformats.org/drawingml/2006/main" name="1_Standarddesign">
+  <a:themeElements>
+    <a:clrScheme name="TU Braunschweig">
+      <a:dk1>
+        <a:srgbClr val="000000"/>
+      </a:dk1>
+      <a:lt1>
+        <a:srgbClr val="FFFFFF"/>
+      </a:lt1>
+      <a:dk2>
+        <a:srgbClr val="000000"/>
+      </a:dk2>
+      <a:lt2>
+        <a:srgbClr val="DDDDDD"/>
+      </a:lt2>
+      <a:accent1>
+        <a:srgbClr val="BE1E3C"/>
+      </a:accent1>
+      <a:accent2>
+        <a:srgbClr val="4DA6CB"/>
+      </a:accent2>
+      <a:accent3>
+        <a:srgbClr val="ADBF4D"/>
+      </a:accent3>
+      <a:accent4>
+        <a:srgbClr val="FA6E00"/>
+      </a:accent4>
+      <a:accent5>
+        <a:srgbClr val="407E97"/>
+      </a:accent5>
+      <a:accent6>
+        <a:srgbClr val="984098"/>
+      </a:accent6>
+      <a:hlink>
+        <a:srgbClr val="BE1E3C"/>
+      </a:hlink>
+      <a:folHlink>
+        <a:srgbClr val="760054"/>
+      </a:folHlink>
+    </a:clrScheme>
+    <a:fontScheme name="Standarddesign">
+      <a:majorFont>
+        <a:latin typeface="Arial"/>
+        <a:ea typeface=""/>
+        <a:cs typeface=""/>
+      </a:majorFont>
+      <a:minorFont>
+        <a:latin typeface="Arial"/>
+        <a:ea typeface=""/>
+        <a:cs typeface=""/>
+      </a:minorFont>
+    </a:fontScheme>
+    <a:fmtScheme name="Galathea">
+      <a:fillStyleLst>
+        <a:solidFill>
+          <a:schemeClr val="phClr"/>
+        </a:solidFill>
+        <a:solidFill>
+          <a:schemeClr val="phClr">
+            <a:tint val="50000"/>
+          </a:schemeClr>
+        </a:solidFill>
+        <a:solidFill>
+          <a:schemeClr val="phClr"/>
+        </a:solidFill>
+      </a:fillStyleLst>
+      <a:lnStyleLst>
+        <a:ln w="10000" cap="flat" cmpd="sng" algn="ctr">
+          <a:solidFill>
+            <a:schemeClr val="phClr"/>
+          </a:solidFill>
+          <a:prstDash val="solid"/>
+        </a:ln>
+        <a:ln w="19050" cap="flat" cmpd="sng" algn="ctr">
+          <a:solidFill>
+            <a:schemeClr val="phClr"/>
+          </a:solidFill>
+          <a:prstDash val="solid"/>
+        </a:ln>
+        <a:ln w="47625" cap="flat" cmpd="dbl" algn="ctr">
+          <a:solidFill>
+            <a:schemeClr val="phClr"/>
+          </a:solidFill>
+          <a:prstDash val="solid"/>
+        </a:ln>
+      </a:lnStyleLst>
+      <a:effectStyleLst>
+        <a:effectStyle>
+          <a:effectLst>
+            <a:outerShdw blurRad="38100" dist="30000" dir="5400000" rotWithShape="0">
+              <a:srgbClr val="000000">
+                <a:alpha val="45000"/>
+              </a:srgbClr>
+            </a:outerShdw>
+          </a:effectLst>
+        </a:effectStyle>
+        <a:effectStyle>
+          <a:effectLst>
+            <a:outerShdw blurRad="38100" dist="30000" dir="5400000" rotWithShape="0">
+              <a:srgbClr val="000000">
+                <a:alpha val="45000"/>
+              </a:srgbClr>
+            </a:outerShdw>
+          </a:effectLst>
+        </a:effectStyle>
+        <a:effectStyle>
+          <a:effectLst>
+            <a:outerShdw blurRad="38100" dist="25400" dir="5400000" rotWithShape="0">
+              <a:srgbClr val="000000">
+                <a:alpha val="35000"/>
+              </a:srgbClr>
+            </a:outerShdw>
+          </a:effectLst>
+          <a:scene3d>
+            <a:camera prst="isometricTopDown" fov="0">
+              <a:rot lat="0" lon="0" rev="0"/>
+            </a:camera>
+            <a:lightRig rig="balanced" dir="t">
+              <a:rot lat="0" lon="0" rev="13800000"/>
+            </a:lightRig>
+          </a:scene3d>
+          <a:sp3d extrusionH="12700" prstMaterial="plastic">
+            <a:bevelT w="38100" h="25400" prst="softRound"/>
+            <a:contourClr>
+              <a:schemeClr val="phClr"/>
+            </a:contourClr>
+          </a:sp3d>
+        </a:effectStyle>
+      </a:effectStyleLst>
+      <a:bgFillStyleLst>
+        <a:solidFill>
+          <a:schemeClr val="phClr"/>
+        </a:solidFill>
+        <a:gradFill rotWithShape="1">
+          <a:gsLst>
+            <a:gs pos="0">
+              <a:schemeClr val="phClr">
+                <a:tint val="40000"/>
+                <a:satMod val="350000"/>
+              </a:schemeClr>
+            </a:gs>
+            <a:gs pos="40000">
+              <a:schemeClr val="phClr">
+                <a:tint val="45000"/>
+                <a:shade val="99000"/>
+                <a:satMod val="350000"/>
+              </a:schemeClr>
+            </a:gs>
+            <a:gs pos="100000">
+              <a:schemeClr val="phClr">
+                <a:shade val="20000"/>
+                <a:satMod val="255000"/>
+              </a:schemeClr>
+            </a:gs>
+          </a:gsLst>
+          <a:path path="circle">
+            <a:fillToRect l="50000" t="-80000" r="50000" b="180000"/>
+          </a:path>
+        </a:gradFill>
+        <a:gradFill rotWithShape="1">
+          <a:gsLst>
+            <a:gs pos="0">
+              <a:schemeClr val="phClr">
+                <a:tint val="80000"/>
+                <a:satMod val="300000"/>
+              </a:schemeClr>
+            </a:gs>
+            <a:gs pos="100000">
+              <a:schemeClr val="phClr">
+                <a:shade val="30000"/>
+                <a:satMod val="200000"/>
+              </a:schemeClr>
+            </a:gs>
+          </a:gsLst>
+          <a:path path="circle">
+            <a:fillToRect l="50000" t="50000" r="50000" b="50000"/>
+          </a:path>
+        </a:gradFill>
+      </a:bgFillStyleLst>
+    </a:fmtScheme>
+  </a:themeElements>
+  <a:objectDefaults>
+    <a:spDef>
+      <a:spPr>
+        <a:ln w="19050"/>
+      </a:spPr>
+      <a:bodyPr rtlCol="0" anchor="ctr"/>
+      <a:lstStyle>
+        <a:defPPr algn="ctr">
+          <a:defRPr dirty="0" smtClean="0"/>
+        </a:defPPr>
+      </a:lstStyle>
+      <a:style>
+        <a:lnRef idx="2">
+          <a:schemeClr val="accent5">
+            <a:shade val="50000"/>
+          </a:schemeClr>
+        </a:lnRef>
+        <a:fillRef idx="1">
+          <a:schemeClr val="accent5"/>
+        </a:fillRef>
+        <a:effectRef idx="0">
+          <a:schemeClr val="accent5"/>
+        </a:effectRef>
+        <a:fontRef idx="minor">
+          <a:schemeClr val="lt1"/>
+        </a:fontRef>
+      </a:style>
+    </a:spDef>
+    <a:lnDef>
+      <a:spPr>
+        <a:ln w="19050">
+          <a:solidFill>
+            <a:schemeClr val="tx1"/>
+          </a:solidFill>
+          <a:tailEnd type="none"/>
+        </a:ln>
+      </a:spPr>
+      <a:bodyPr/>
+      <a:lstStyle/>
+      <a:style>
+        <a:lnRef idx="1">
+          <a:schemeClr val="accent1"/>
+        </a:lnRef>
+        <a:fillRef idx="0">
+          <a:schemeClr val="accent1"/>
+        </a:fillRef>
+        <a:effectRef idx="0">
+          <a:schemeClr val="accent1"/>
+        </a:effectRef>
+        <a:fontRef idx="minor">
+          <a:schemeClr val="tx1"/>
+        </a:fontRef>
+      </a:style>
+    </a:lnDef>
+  </a:objectDefaults>
+  <a:extraClrSchemeLst>
+    <a:extraClrScheme>
+      <a:clrScheme name="TU Braunschweig">
+        <a:dk1>
+          <a:srgbClr val="000000"/>
+        </a:dk1>
+        <a:lt1>
+          <a:srgbClr val="FFFFFF"/>
+        </a:lt1>
+        <a:dk2>
+          <a:srgbClr val="000000"/>
+        </a:dk2>
+        <a:lt2>
+          <a:srgbClr val="DDDDDD"/>
+        </a:lt2>
+        <a:accent1>
+          <a:srgbClr val="BE1E3C"/>
+        </a:accent1>
+        <a:accent2>
+          <a:srgbClr val="4DA6CB"/>
+        </a:accent2>
+        <a:accent3>
+          <a:srgbClr val="ADBF4D"/>
+        </a:accent3>
+        <a:accent4>
+          <a:srgbClr val="FA6E00"/>
+        </a:accent4>
+        <a:accent5>
+          <a:srgbClr val="407E97"/>
+        </a:accent5>
+        <a:accent6>
+          <a:srgbClr val="984098"/>
+        </a:accent6>
+        <a:hlink>
+          <a:srgbClr val="BE1E3C"/>
+        </a:hlink>
+        <a:folHlink>
+          <a:srgbClr val="760054"/>
+        </a:folHlink>
+      </a:clrScheme>
+      <a:clrMap bg1="lt1" tx1="dk1" bg2="lt2" tx2="dk2" accent1="accent1" accent2="accent2" accent3="accent3" accent4="accent4" accent5="accent5" accent6="accent6" hlink="hlink" folHlink="folHlink"/>
+    </a:extraClrScheme>
+  </a:extraClrSchemeLst>
+</a:theme>
+</file>
+
+<file path=ppt/theme/theme3.xml><?xml version="1.0" encoding="utf-8"?>
 <a:theme xmlns:a="http://schemas.openxmlformats.org/drawingml/2006/main" name="Larissa-Design">
   <a:themeElements>
     <a:clrScheme name="">

--- a/Review/Android.pptx
+++ b/Review/Android.pptx
@@ -6,7 +6,7 @@
     <p:sldMasterId id="2147483662" r:id="rId2"/>
   </p:sldMasterIdLst>
   <p:notesMasterIdLst>
-    <p:notesMasterId r:id="rId27"/>
+    <p:notesMasterId r:id="rId22"/>
   </p:notesMasterIdLst>
   <p:sldIdLst>
     <p:sldId id="279" r:id="rId3"/>
@@ -20,19 +20,14 @@
     <p:sldId id="298" r:id="rId11"/>
     <p:sldId id="300" r:id="rId12"/>
     <p:sldId id="301" r:id="rId13"/>
-    <p:sldId id="291" r:id="rId14"/>
-    <p:sldId id="292" r:id="rId15"/>
-    <p:sldId id="293" r:id="rId16"/>
-    <p:sldId id="294" r:id="rId17"/>
-    <p:sldId id="295" r:id="rId18"/>
-    <p:sldId id="296" r:id="rId19"/>
-    <p:sldId id="302" r:id="rId20"/>
-    <p:sldId id="303" r:id="rId21"/>
-    <p:sldId id="304" r:id="rId22"/>
-    <p:sldId id="305" r:id="rId23"/>
-    <p:sldId id="306" r:id="rId24"/>
-    <p:sldId id="307" r:id="rId25"/>
-    <p:sldId id="308" r:id="rId26"/>
+    <p:sldId id="296" r:id="rId14"/>
+    <p:sldId id="302" r:id="rId15"/>
+    <p:sldId id="303" r:id="rId16"/>
+    <p:sldId id="304" r:id="rId17"/>
+    <p:sldId id="305" r:id="rId18"/>
+    <p:sldId id="306" r:id="rId19"/>
+    <p:sldId id="307" r:id="rId20"/>
+    <p:sldId id="308" r:id="rId21"/>
   </p:sldIdLst>
   <p:sldSz cx="9144000" cy="6858000" type="screen4x3"/>
   <p:notesSz cx="7099300" cy="10234613"/>
@@ -5082,9 +5077,9 @@
       </p:grpSpPr>
       <p:sp>
         <p:nvSpPr>
-          <p:cNvPr id="4" name="Titel 3"/>
+          <p:cNvPr id="20485" name="Rectangle 5"/>
           <p:cNvSpPr>
-            <a:spLocks noGrp="1"/>
+            <a:spLocks noGrp="1" noChangeArrowheads="1"/>
           </p:cNvSpPr>
           <p:nvPr>
             <p:ph type="title"/>
@@ -5096,12 +5091,12 @@
           <a:lstStyle/>
           <a:p>
             <a:r>
-              <a:rPr lang="de-DE" dirty="0"/>
-              <a:t>Android-App – </a:t>
+              <a:rPr lang="de-DE" dirty="0" err="1" smtClean="0"/>
+              <a:t>InstaMeet</a:t>
             </a:r>
             <a:r>
               <a:rPr lang="de-DE" dirty="0" smtClean="0"/>
-              <a:t>Hauptbildschirm</a:t>
+              <a:t> – aktueller Stand</a:t>
             </a:r>
             <a:endParaRPr lang="de-DE" dirty="0"/>
           </a:p>
@@ -5109,109 +5104,121 @@
       </p:sp>
       <p:sp>
         <p:nvSpPr>
-          <p:cNvPr id="5" name="Inhaltsplatzhalter 4"/>
+          <p:cNvPr id="20486" name="Rectangle 6"/>
           <p:cNvSpPr>
-            <a:spLocks noGrp="1"/>
+            <a:spLocks noGrp="1" noChangeArrowheads="1"/>
           </p:cNvSpPr>
           <p:nvPr>
-            <p:ph idx="1"/>
+            <p:ph type="body" idx="1"/>
           </p:nvPr>
         </p:nvSpPr>
-        <p:spPr/>
+        <p:spPr>
+          <a:xfrm>
+            <a:off x="431800" y="1079500"/>
+            <a:ext cx="8375650" cy="4772025"/>
+          </a:xfrm>
+          <a:noFill/>
+        </p:spPr>
         <p:txBody>
           <a:bodyPr/>
           <a:lstStyle/>
           <a:p>
-            <a:endParaRPr lang="de-DE" dirty="0"/>
-          </a:p>
-        </p:txBody>
-      </p:sp>
-      <p:pic>
-        <p:nvPicPr>
-          <p:cNvPr id="1027" name="Picture 3" descr="C:\Users\Bjoern\Documents\Studium\AndroidLab\Präsentation\contacts.png"/>
-          <p:cNvPicPr>
-            <a:picLocks noChangeAspect="1" noChangeArrowheads="1"/>
-          </p:cNvPicPr>
-          <p:nvPr/>
-        </p:nvPicPr>
-        <p:blipFill>
-          <a:blip r:embed="rId2">
-            <a:extLst>
-              <a:ext uri="{28A0092B-C50C-407E-A947-70E740481C1C}">
-                <a14:useLocalDpi xmlns:a14="http://schemas.microsoft.com/office/drawing/2010/main" val="0"/>
-              </a:ext>
-            </a:extLst>
-          </a:blip>
-          <a:srcRect/>
-          <a:stretch>
-            <a:fillRect/>
-          </a:stretch>
-        </p:blipFill>
-        <p:spPr bwMode="auto">
-          <a:xfrm>
-            <a:off x="1002739" y="1016321"/>
-            <a:ext cx="3169952" cy="4527914"/>
-          </a:xfrm>
-          <a:prstGeom prst="rect">
-            <a:avLst/>
-          </a:prstGeom>
-          <a:noFill/>
-          <a:extLst>
-            <a:ext uri="{909E8E84-426E-40DD-AFC4-6F175D3DCCD1}">
-              <a14:hiddenFill xmlns:a14="http://schemas.microsoft.com/office/drawing/2010/main">
-                <a:solidFill>
-                  <a:srgbClr val="FFFFFF"/>
-                </a:solidFill>
-              </a14:hiddenFill>
-            </a:ext>
-          </a:extLst>
-        </p:spPr>
-      </p:pic>
-      <p:pic>
-        <p:nvPicPr>
-          <p:cNvPr id="1028" name="Picture 4" descr="C:\Users\Bjoern\Documents\Studium\AndroidLab\Präsentation\map.png"/>
-          <p:cNvPicPr>
-            <a:picLocks noChangeAspect="1" noChangeArrowheads="1"/>
-          </p:cNvPicPr>
-          <p:nvPr/>
-        </p:nvPicPr>
-        <p:blipFill>
-          <a:blip r:embed="rId3">
-            <a:extLst>
-              <a:ext uri="{28A0092B-C50C-407E-A947-70E740481C1C}">
-                <a14:useLocalDpi xmlns:a14="http://schemas.microsoft.com/office/drawing/2010/main" val="0"/>
-              </a:ext>
-            </a:extLst>
-          </a:blip>
-          <a:srcRect/>
-          <a:stretch>
-            <a:fillRect/>
-          </a:stretch>
-        </p:blipFill>
-        <p:spPr bwMode="auto">
-          <a:xfrm>
-            <a:off x="4504150" y="1015128"/>
-            <a:ext cx="3169952" cy="4507274"/>
-          </a:xfrm>
-          <a:prstGeom prst="rect">
-            <a:avLst/>
-          </a:prstGeom>
-          <a:noFill/>
-          <a:extLst>
-            <a:ext uri="{909E8E84-426E-40DD-AFC4-6F175D3DCCD1}">
-              <a14:hiddenFill xmlns:a14="http://schemas.microsoft.com/office/drawing/2010/main">
-                <a:solidFill>
-                  <a:srgbClr val="FFFFFF"/>
-                </a:solidFill>
-              </a14:hiddenFill>
-            </a:ext>
-          </a:extLst>
-        </p:spPr>
-      </p:pic>
+            <a:pPr marL="285750" indent="-285750">
+              <a:buFont typeface="Arial" panose="020B0604020202020204" pitchFamily="34" charset="0"/>
+              <a:buChar char="•"/>
+            </a:pPr>
+            <a:endParaRPr lang="de-DE" sz="2000" dirty="0" smtClean="0"/>
+          </a:p>
+          <a:p>
+            <a:pPr marL="285750" indent="-285750">
+              <a:buFont typeface="Arial" panose="020B0604020202020204" pitchFamily="34" charset="0"/>
+              <a:buChar char="•"/>
+            </a:pPr>
+            <a:r>
+              <a:rPr lang="de-DE" sz="2000" dirty="0" smtClean="0"/>
+              <a:t>Server-Backend </a:t>
+            </a:r>
+          </a:p>
+          <a:p>
+            <a:pPr marL="533400" lvl="1" indent="-342900"/>
+            <a:r>
+              <a:rPr lang="de-DE" sz="2000" dirty="0" smtClean="0"/>
+              <a:t>Businesslogik weitgehend fertig</a:t>
+            </a:r>
+          </a:p>
+          <a:p>
+            <a:pPr marL="533400" lvl="1" indent="-342900"/>
+            <a:r>
+              <a:rPr lang="de-DE" sz="2000" dirty="0" smtClean="0"/>
+              <a:t>Umstellung </a:t>
+            </a:r>
+            <a:r>
+              <a:rPr lang="de-DE" sz="2000" smtClean="0"/>
+              <a:t>auf TCP-Server in </a:t>
+            </a:r>
+            <a:r>
+              <a:rPr lang="de-DE" sz="2000" dirty="0" smtClean="0"/>
+              <a:t>Bearbeitung</a:t>
+            </a:r>
+          </a:p>
+          <a:p>
+            <a:pPr marL="533400" lvl="1" indent="-342900"/>
+            <a:r>
+              <a:rPr lang="de-DE" sz="2000" dirty="0" smtClean="0"/>
+              <a:t>Verschlüsselung zwischen Client\Server noch ausstehend</a:t>
+            </a:r>
+          </a:p>
+          <a:p>
+            <a:endParaRPr lang="de-DE" sz="2000" dirty="0" smtClean="0"/>
+          </a:p>
+          <a:p>
+            <a:pPr marL="285750" indent="-285750">
+              <a:buFont typeface="Arial" panose="020B0604020202020204" pitchFamily="34" charset="0"/>
+              <a:buChar char="•"/>
+            </a:pPr>
+            <a:r>
+              <a:rPr lang="de-DE" sz="2000" dirty="0" smtClean="0"/>
+              <a:t>Android Client</a:t>
+            </a:r>
+          </a:p>
+          <a:p>
+            <a:pPr marL="514350" lvl="2" indent="-342900">
+              <a:buClrTx/>
+            </a:pPr>
+            <a:r>
+              <a:rPr lang="de-DE" sz="2000" dirty="0" smtClean="0"/>
+              <a:t>Einbindung der Server-Kommunikation in Bearbeitung</a:t>
+            </a:r>
+          </a:p>
+          <a:p>
+            <a:pPr marL="514350" lvl="2" indent="-342900">
+              <a:buClrTx/>
+            </a:pPr>
+            <a:r>
+              <a:rPr lang="de-DE" sz="2000" dirty="0" smtClean="0"/>
+              <a:t>GUI teilweise fertig, weitere Schritte erst sinnvoll bei nutzbarer Kommunikation</a:t>
+            </a:r>
+          </a:p>
+          <a:p>
+            <a:pPr marL="476250" lvl="1" indent="-285750">
+              <a:buFont typeface="Arial" panose="020B0604020202020204" pitchFamily="34" charset="0"/>
+              <a:buChar char="•"/>
+            </a:pPr>
+            <a:endParaRPr lang="de-DE" sz="2000" dirty="0" smtClean="0"/>
+          </a:p>
+          <a:p>
+            <a:pPr marL="285750" indent="-285750">
+              <a:buFont typeface="Arial" panose="020B0604020202020204" pitchFamily="34" charset="0"/>
+              <a:buChar char="•"/>
+            </a:pPr>
+            <a:endParaRPr lang="de-DE" sz="2000" dirty="0"/>
+          </a:p>
+        </p:txBody>
+      </p:sp>
     </p:spTree>
     <p:extLst>
       <p:ext uri="{BB962C8B-B14F-4D97-AF65-F5344CB8AC3E}">
-        <p14:creationId xmlns:p14="http://schemas.microsoft.com/office/powerpoint/2010/main" val="2706441402"/>
+        <p14:creationId xmlns:p14="http://schemas.microsoft.com/office/powerpoint/2010/main" val="1881054510"/>
       </p:ext>
     </p:extLst>
   </p:cSld>
@@ -5261,34 +5268,16 @@
           <a:lstStyle/>
           <a:p>
             <a:r>
-              <a:rPr lang="de-DE" dirty="0"/>
-              <a:t>Android-App – Chat</a:t>
-            </a:r>
-          </a:p>
-        </p:txBody>
-      </p:sp>
-      <p:sp>
-        <p:nvSpPr>
-          <p:cNvPr id="3" name="Inhaltsplatzhalter 2"/>
-          <p:cNvSpPr>
-            <a:spLocks noGrp="1"/>
-          </p:cNvSpPr>
-          <p:nvPr>
-            <p:ph idx="1"/>
-          </p:nvPr>
-        </p:nvSpPr>
-        <p:spPr/>
-        <p:txBody>
-          <a:bodyPr/>
-          <a:lstStyle/>
-          <a:p>
+              <a:rPr lang="de-DE" dirty="0" smtClean="0"/>
+              <a:t>Architektur</a:t>
+            </a:r>
             <a:endParaRPr lang="de-DE" dirty="0"/>
           </a:p>
         </p:txBody>
       </p:sp>
       <p:pic>
         <p:nvPicPr>
-          <p:cNvPr id="5" name="Picture 3" descr="C:\Users\Bjoern\Documents\Studium\AndroidLab\Präsentation\contacts.png"/>
+          <p:cNvPr id="4" name="Picture 3" descr="C:\Users\Bjoern\Documents\Studium\AndroidLab\Präsentation\contacts.png"/>
           <p:cNvPicPr>
             <a:picLocks noChangeAspect="1" noChangeArrowheads="1"/>
           </p:cNvPicPr>
@@ -5309,8 +5298,8 @@
         </p:blipFill>
         <p:spPr bwMode="auto">
           <a:xfrm>
-            <a:off x="386535" y="998730"/>
-            <a:ext cx="2453491" cy="3504532"/>
+            <a:off x="1961710" y="3320317"/>
+            <a:ext cx="1556945" cy="2223918"/>
           </a:xfrm>
           <a:prstGeom prst="rect">
             <a:avLst/>
@@ -5329,7 +5318,7 @@
       </p:pic>
       <p:pic>
         <p:nvPicPr>
-          <p:cNvPr id="6" name="Picture 2" descr="C:\Users\Bjoern\Documents\Studium\AndroidLab\Präsentation\chat.png"/>
+          <p:cNvPr id="6" name="Picture 4" descr="C:\Users\Bjoern\Documents\Studium\AndroidLab\Präsentation\map.png"/>
           <p:cNvPicPr>
             <a:picLocks noChangeAspect="1" noChangeArrowheads="1"/>
           </p:cNvPicPr>
@@ -5350,8 +5339,8 @@
         </p:blipFill>
         <p:spPr bwMode="auto">
           <a:xfrm>
-            <a:off x="5232723" y="1023822"/>
-            <a:ext cx="3164702" cy="4520413"/>
+            <a:off x="3086835" y="3455241"/>
+            <a:ext cx="1556945" cy="2213781"/>
           </a:xfrm>
           <a:prstGeom prst="rect">
             <a:avLst/>
@@ -5370,7 +5359,7 @@
       </p:pic>
       <p:pic>
         <p:nvPicPr>
-          <p:cNvPr id="10" name="Picture 4" descr="C:\Users\Bjoern\Documents\Studium\AndroidLab\Präsentation\map.png"/>
+          <p:cNvPr id="5" name="Picture 2" descr="C:\Users\Bjoern\Documents\Studium\AndroidLab\Präsentation\chat.png"/>
           <p:cNvPicPr>
             <a:picLocks noChangeAspect="1" noChangeArrowheads="1"/>
           </p:cNvPicPr>
@@ -5391,8 +5380,8 @@
         </p:blipFill>
         <p:spPr bwMode="auto">
           <a:xfrm>
-            <a:off x="1556665" y="2145688"/>
-            <a:ext cx="2453491" cy="3488557"/>
+            <a:off x="4211960" y="3609020"/>
+            <a:ext cx="1536712" cy="2195017"/>
           </a:xfrm>
           <a:prstGeom prst="rect">
             <a:avLst/>
@@ -5411,17 +5400,118 @@
       </p:pic>
       <p:sp>
         <p:nvSpPr>
-          <p:cNvPr id="9" name="Eingekerbter Pfeil nach rechts 8"/>
+          <p:cNvPr id="7" name="Rechteck 6"/>
           <p:cNvSpPr/>
           <p:nvPr/>
         </p:nvSpPr>
         <p:spPr>
           <a:xfrm>
-            <a:off x="2411760" y="1560623"/>
-            <a:ext cx="2837588" cy="585065"/>
-          </a:xfrm>
-          <a:prstGeom prst="notchedRightArrow">
+            <a:off x="5344599" y="3744035"/>
+            <a:ext cx="1477651" cy="2205245"/>
+          </a:xfrm>
+          <a:prstGeom prst="rect">
             <a:avLst/>
+          </a:prstGeom>
+          <a:solidFill>
+            <a:schemeClr val="accent3">
+              <a:lumMod val="20000"/>
+              <a:lumOff val="80000"/>
+            </a:schemeClr>
+          </a:solidFill>
+          <a:ln/>
+        </p:spPr>
+        <p:style>
+          <a:lnRef idx="2">
+            <a:schemeClr val="accent2"/>
+          </a:lnRef>
+          <a:fillRef idx="1">
+            <a:schemeClr val="lt1"/>
+          </a:fillRef>
+          <a:effectRef idx="0">
+            <a:schemeClr val="accent2"/>
+          </a:effectRef>
+          <a:fontRef idx="minor">
+            <a:schemeClr val="dk1"/>
+          </a:fontRef>
+        </p:style>
+        <p:txBody>
+          <a:bodyPr rtlCol="0" anchor="ctr"/>
+          <a:lstStyle/>
+          <a:p>
+            <a:pPr algn="ctr"/>
+            <a:r>
+              <a:rPr lang="de-DE" sz="2400" dirty="0" smtClean="0">
+                <a:solidFill>
+                  <a:srgbClr val="000000"/>
+                </a:solidFill>
+              </a:rPr>
+              <a:t>…</a:t>
+            </a:r>
+          </a:p>
+        </p:txBody>
+      </p:sp>
+      <p:sp>
+        <p:nvSpPr>
+          <p:cNvPr id="8" name="Rechteck 7"/>
+          <p:cNvSpPr/>
+          <p:nvPr/>
+        </p:nvSpPr>
+        <p:spPr>
+          <a:xfrm>
+            <a:off x="1556665" y="2483895"/>
+            <a:ext cx="6120680" cy="630070"/>
+          </a:xfrm>
+          <a:prstGeom prst="rect">
+            <a:avLst/>
+          </a:prstGeom>
+          <a:ln/>
+        </p:spPr>
+        <p:style>
+          <a:lnRef idx="1">
+            <a:schemeClr val="accent1"/>
+          </a:lnRef>
+          <a:fillRef idx="2">
+            <a:schemeClr val="accent1"/>
+          </a:fillRef>
+          <a:effectRef idx="1">
+            <a:schemeClr val="accent1"/>
+          </a:effectRef>
+          <a:fontRef idx="minor">
+            <a:schemeClr val="dk1"/>
+          </a:fontRef>
+        </p:style>
+        <p:txBody>
+          <a:bodyPr rtlCol="0" anchor="ctr"/>
+          <a:lstStyle/>
+          <a:p>
+            <a:pPr algn="ctr"/>
+            <a:r>
+              <a:rPr lang="de-DE" sz="2400" dirty="0" smtClean="0">
+                <a:solidFill>
+                  <a:srgbClr val="000000"/>
+                </a:solidFill>
+              </a:rPr>
+              <a:t>Service</a:t>
+            </a:r>
+          </a:p>
+        </p:txBody>
+      </p:sp>
+      <p:sp>
+        <p:nvSpPr>
+          <p:cNvPr id="11" name="Pfeil nach oben und unten 10"/>
+          <p:cNvSpPr/>
+          <p:nvPr/>
+        </p:nvSpPr>
+        <p:spPr>
+          <a:xfrm>
+            <a:off x="2588509" y="3068960"/>
+            <a:ext cx="273301" cy="855094"/>
+          </a:xfrm>
+          <a:prstGeom prst="upDownArrow">
+            <a:avLst>
+              <a:gd name="adj1" fmla="val 28825"/>
+              <a:gd name="adj2" fmla="val 30750"/>
+            </a:avLst>
           </a:prstGeom>
           <a:ln w="19050"/>
         </p:spPr>
@@ -5446,23 +5536,30 @@
           <a:lstStyle/>
           <a:p>
             <a:pPr algn="ctr"/>
-            <a:endParaRPr lang="de-DE" dirty="0" smtClean="0"/>
-          </a:p>
-        </p:txBody>
-      </p:sp>
-      <p:sp>
-        <p:nvSpPr>
-          <p:cNvPr id="11" name="Eingekerbter Pfeil nach rechts 10"/>
+            <a:endParaRPr lang="de-DE" dirty="0" smtClean="0">
+              <a:solidFill>
+                <a:srgbClr val="FFFFFF"/>
+              </a:solidFill>
+            </a:endParaRPr>
+          </a:p>
+        </p:txBody>
+      </p:sp>
+      <p:sp>
+        <p:nvSpPr>
+          <p:cNvPr id="12" name="Pfeil nach oben und unten 11"/>
           <p:cNvSpPr/>
           <p:nvPr/>
         </p:nvSpPr>
         <p:spPr>
           <a:xfrm>
-            <a:off x="3539158" y="3945323"/>
-            <a:ext cx="1710190" cy="585065"/>
-          </a:xfrm>
-          <a:prstGeom prst="notchedRightArrow">
-            <a:avLst/>
+            <a:off x="3865307" y="3068960"/>
+            <a:ext cx="273301" cy="855094"/>
+          </a:xfrm>
+          <a:prstGeom prst="upDownArrow">
+            <a:avLst>
+              <a:gd name="adj1" fmla="val 28825"/>
+              <a:gd name="adj2" fmla="val 30750"/>
+            </a:avLst>
           </a:prstGeom>
           <a:ln w="19050"/>
         </p:spPr>
@@ -5487,14 +5584,203 @@
           <a:lstStyle/>
           <a:p>
             <a:pPr algn="ctr"/>
-            <a:endParaRPr lang="de-DE" dirty="0" smtClean="0"/>
+            <a:endParaRPr lang="de-DE" dirty="0" smtClean="0">
+              <a:solidFill>
+                <a:srgbClr val="FFFFFF"/>
+              </a:solidFill>
+            </a:endParaRPr>
+          </a:p>
+        </p:txBody>
+      </p:sp>
+      <p:sp>
+        <p:nvSpPr>
+          <p:cNvPr id="13" name="Pfeil nach oben und unten 12"/>
+          <p:cNvSpPr/>
+          <p:nvPr/>
+        </p:nvSpPr>
+        <p:spPr>
+          <a:xfrm>
+            <a:off x="4906055" y="3068960"/>
+            <a:ext cx="273301" cy="855094"/>
+          </a:xfrm>
+          <a:prstGeom prst="upDownArrow">
+            <a:avLst>
+              <a:gd name="adj1" fmla="val 28825"/>
+              <a:gd name="adj2" fmla="val 30750"/>
+            </a:avLst>
+          </a:prstGeom>
+          <a:ln w="19050"/>
+        </p:spPr>
+        <p:style>
+          <a:lnRef idx="2">
+            <a:schemeClr val="accent5">
+              <a:shade val="50000"/>
+            </a:schemeClr>
+          </a:lnRef>
+          <a:fillRef idx="1">
+            <a:schemeClr val="accent5"/>
+          </a:fillRef>
+          <a:effectRef idx="0">
+            <a:schemeClr val="accent5"/>
+          </a:effectRef>
+          <a:fontRef idx="minor">
+            <a:schemeClr val="lt1"/>
+          </a:fontRef>
+        </p:style>
+        <p:txBody>
+          <a:bodyPr rtlCol="0" anchor="ctr"/>
+          <a:lstStyle/>
+          <a:p>
+            <a:pPr algn="ctr"/>
+            <a:endParaRPr lang="de-DE" dirty="0" smtClean="0">
+              <a:solidFill>
+                <a:srgbClr val="FFFFFF"/>
+              </a:solidFill>
+            </a:endParaRPr>
+          </a:p>
+        </p:txBody>
+      </p:sp>
+      <p:sp>
+        <p:nvSpPr>
+          <p:cNvPr id="14" name="Pfeil nach oben und unten 13"/>
+          <p:cNvSpPr/>
+          <p:nvPr/>
+        </p:nvSpPr>
+        <p:spPr>
+          <a:xfrm>
+            <a:off x="5918879" y="3068959"/>
+            <a:ext cx="273301" cy="855095"/>
+          </a:xfrm>
+          <a:prstGeom prst="upDownArrow">
+            <a:avLst>
+              <a:gd name="adj1" fmla="val 28825"/>
+              <a:gd name="adj2" fmla="val 30750"/>
+            </a:avLst>
+          </a:prstGeom>
+          <a:ln w="19050"/>
+        </p:spPr>
+        <p:style>
+          <a:lnRef idx="2">
+            <a:schemeClr val="accent5">
+              <a:shade val="50000"/>
+            </a:schemeClr>
+          </a:lnRef>
+          <a:fillRef idx="1">
+            <a:schemeClr val="accent5"/>
+          </a:fillRef>
+          <a:effectRef idx="0">
+            <a:schemeClr val="accent5"/>
+          </a:effectRef>
+          <a:fontRef idx="minor">
+            <a:schemeClr val="lt1"/>
+          </a:fontRef>
+        </p:style>
+        <p:txBody>
+          <a:bodyPr rtlCol="0" anchor="ctr"/>
+          <a:lstStyle/>
+          <a:p>
+            <a:pPr algn="ctr"/>
+            <a:endParaRPr lang="de-DE" dirty="0" smtClean="0">
+              <a:solidFill>
+                <a:srgbClr val="FFFFFF"/>
+              </a:solidFill>
+            </a:endParaRPr>
+          </a:p>
+        </p:txBody>
+      </p:sp>
+      <p:pic>
+        <p:nvPicPr>
+          <p:cNvPr id="2050" name="Picture 2" descr="http://icons.iconarchive.com/icons/icons-land/vista-hardware-devices/256/Home-Server-icon.png"/>
+          <p:cNvPicPr>
+            <a:picLocks noChangeAspect="1" noChangeArrowheads="1"/>
+          </p:cNvPicPr>
+          <p:nvPr/>
+        </p:nvPicPr>
+        <p:blipFill>
+          <a:blip r:embed="rId5">
+            <a:extLst>
+              <a:ext uri="{28A0092B-C50C-407E-A947-70E740481C1C}">
+                <a14:useLocalDpi xmlns:a14="http://schemas.microsoft.com/office/drawing/2010/main" val="0"/>
+              </a:ext>
+            </a:extLst>
+          </a:blip>
+          <a:srcRect/>
+          <a:stretch>
+            <a:fillRect/>
+          </a:stretch>
+        </p:blipFill>
+        <p:spPr bwMode="auto">
+          <a:xfrm>
+            <a:off x="3920947" y="593685"/>
+            <a:ext cx="1445665" cy="1445665"/>
+          </a:xfrm>
+          <a:prstGeom prst="rect">
+            <a:avLst/>
+          </a:prstGeom>
+          <a:noFill/>
+          <a:extLst>
+            <a:ext uri="{909E8E84-426E-40DD-AFC4-6F175D3DCCD1}">
+              <a14:hiddenFill xmlns:a14="http://schemas.microsoft.com/office/drawing/2010/main">
+                <a:solidFill>
+                  <a:srgbClr val="FFFFFF"/>
+                </a:solidFill>
+              </a14:hiddenFill>
+            </a:ext>
+          </a:extLst>
+        </p:spPr>
+      </p:pic>
+      <p:sp>
+        <p:nvSpPr>
+          <p:cNvPr id="10" name="Pfeil nach oben und unten 9"/>
+          <p:cNvSpPr/>
+          <p:nvPr/>
+        </p:nvSpPr>
+        <p:spPr>
+          <a:xfrm>
+            <a:off x="4480354" y="1853825"/>
+            <a:ext cx="273301" cy="720079"/>
+          </a:xfrm>
+          <a:prstGeom prst="upDownArrow">
+            <a:avLst>
+              <a:gd name="adj1" fmla="val 28825"/>
+              <a:gd name="adj2" fmla="val 30750"/>
+            </a:avLst>
+          </a:prstGeom>
+          <a:ln w="19050"/>
+        </p:spPr>
+        <p:style>
+          <a:lnRef idx="2">
+            <a:schemeClr val="accent5">
+              <a:shade val="50000"/>
+            </a:schemeClr>
+          </a:lnRef>
+          <a:fillRef idx="1">
+            <a:schemeClr val="accent5"/>
+          </a:fillRef>
+          <a:effectRef idx="0">
+            <a:schemeClr val="accent5"/>
+          </a:effectRef>
+          <a:fontRef idx="minor">
+            <a:schemeClr val="lt1"/>
+          </a:fontRef>
+        </p:style>
+        <p:txBody>
+          <a:bodyPr rtlCol="0" anchor="ctr"/>
+          <a:lstStyle/>
+          <a:p>
+            <a:pPr algn="ctr"/>
+            <a:endParaRPr lang="de-DE" dirty="0" smtClean="0">
+              <a:solidFill>
+                <a:srgbClr val="FFFFFF"/>
+              </a:solidFill>
+            </a:endParaRPr>
           </a:p>
         </p:txBody>
       </p:sp>
     </p:spTree>
     <p:extLst>
       <p:ext uri="{BB962C8B-B14F-4D97-AF65-F5344CB8AC3E}">
-        <p14:creationId xmlns:p14="http://schemas.microsoft.com/office/powerpoint/2010/main" val="2578856166"/>
+        <p14:creationId xmlns:p14="http://schemas.microsoft.com/office/powerpoint/2010/main" val="2992768944"/>
       </p:ext>
     </p:extLst>
   </p:cSld>
@@ -5544,9 +5830,10 @@
           <a:lstStyle/>
           <a:p>
             <a:r>
-              <a:rPr lang="de-DE" dirty="0"/>
-              <a:t>Android-App – Veranstaltungen</a:t>
-            </a:r>
+              <a:rPr lang="de-DE" dirty="0" smtClean="0"/>
+              <a:t>Android Services</a:t>
+            </a:r>
+            <a:endParaRPr lang="de-DE" dirty="0"/>
           </a:p>
         </p:txBody>
       </p:sp>
@@ -5565,233 +5852,87 @@
           <a:bodyPr/>
           <a:lstStyle/>
           <a:p>
-            <a:endParaRPr lang="de-DE"/>
-          </a:p>
-        </p:txBody>
-      </p:sp>
-      <p:pic>
-        <p:nvPicPr>
-          <p:cNvPr id="4" name="Picture 4" descr="C:\Users\Bjoern\Documents\Studium\AndroidLab\Präsentation\map.png"/>
-          <p:cNvPicPr>
-            <a:picLocks noChangeAspect="1" noChangeArrowheads="1"/>
-          </p:cNvPicPr>
-          <p:nvPr/>
-        </p:nvPicPr>
-        <p:blipFill>
-          <a:blip r:embed="rId2">
-            <a:extLst>
-              <a:ext uri="{28A0092B-C50C-407E-A947-70E740481C1C}">
-                <a14:useLocalDpi xmlns:a14="http://schemas.microsoft.com/office/drawing/2010/main" val="0"/>
-              </a:ext>
-            </a:extLst>
-          </a:blip>
-          <a:srcRect/>
-          <a:stretch>
-            <a:fillRect/>
-          </a:stretch>
-        </p:blipFill>
-        <p:spPr bwMode="auto">
-          <a:xfrm>
-            <a:off x="476545" y="1088740"/>
-            <a:ext cx="2655295" cy="3775496"/>
-          </a:xfrm>
-          <a:prstGeom prst="rect">
-            <a:avLst/>
-          </a:prstGeom>
-          <a:noFill/>
-          <a:extLst>
-            <a:ext uri="{909E8E84-426E-40DD-AFC4-6F175D3DCCD1}">
-              <a14:hiddenFill xmlns:a14="http://schemas.microsoft.com/office/drawing/2010/main">
-                <a:solidFill>
-                  <a:srgbClr val="FFFFFF"/>
-                </a:solidFill>
-              </a14:hiddenFill>
-            </a:ext>
-          </a:extLst>
-        </p:spPr>
-      </p:pic>
-      <p:sp>
-        <p:nvSpPr>
-          <p:cNvPr id="5" name="Rechteck 4"/>
-          <p:cNvSpPr/>
-          <p:nvPr/>
-        </p:nvSpPr>
-        <p:spPr>
-          <a:xfrm>
-            <a:off x="1916705" y="2483894"/>
-            <a:ext cx="2232839" cy="3280441"/>
-          </a:xfrm>
-          <a:prstGeom prst="rect">
-            <a:avLst/>
-          </a:prstGeom>
-          <a:solidFill>
-            <a:schemeClr val="accent3">
-              <a:lumMod val="20000"/>
-              <a:lumOff val="80000"/>
-            </a:schemeClr>
-          </a:solidFill>
-          <a:ln/>
-        </p:spPr>
-        <p:style>
-          <a:lnRef idx="2">
-            <a:schemeClr val="accent2"/>
-          </a:lnRef>
-          <a:fillRef idx="1">
-            <a:schemeClr val="lt1"/>
-          </a:fillRef>
-          <a:effectRef idx="0">
-            <a:schemeClr val="accent2"/>
-          </a:effectRef>
-          <a:fontRef idx="minor">
-            <a:schemeClr val="dk1"/>
-          </a:fontRef>
-        </p:style>
-        <p:txBody>
-          <a:bodyPr rtlCol="0" anchor="ctr"/>
-          <a:lstStyle/>
-          <a:p>
-            <a:pPr algn="ctr"/>
             <a:r>
               <a:rPr lang="de-DE" sz="2400" dirty="0" smtClean="0"/>
-              <a:t>Liste</a:t>
-            </a:r>
-          </a:p>
-        </p:txBody>
-      </p:sp>
-      <p:sp>
-        <p:nvSpPr>
-          <p:cNvPr id="6" name="Rechteck 5"/>
-          <p:cNvSpPr/>
-          <p:nvPr/>
-        </p:nvSpPr>
-        <p:spPr>
-          <a:xfrm>
-            <a:off x="5067055" y="1155772"/>
-            <a:ext cx="3105345" cy="4415411"/>
-          </a:xfrm>
-          <a:prstGeom prst="rect">
-            <a:avLst/>
-          </a:prstGeom>
-          <a:solidFill>
-            <a:schemeClr val="accent3">
-              <a:lumMod val="20000"/>
-              <a:lumOff val="80000"/>
-            </a:schemeClr>
-          </a:solidFill>
-          <a:ln/>
-        </p:spPr>
-        <p:style>
-          <a:lnRef idx="2">
-            <a:schemeClr val="accent2"/>
-          </a:lnRef>
-          <a:fillRef idx="1">
-            <a:schemeClr val="lt1"/>
-          </a:fillRef>
-          <a:effectRef idx="0">
-            <a:schemeClr val="accent2"/>
-          </a:effectRef>
-          <a:fontRef idx="minor">
-            <a:schemeClr val="dk1"/>
-          </a:fontRef>
-        </p:style>
-        <p:txBody>
-          <a:bodyPr rtlCol="0" anchor="ctr"/>
-          <a:lstStyle/>
-          <a:p>
-            <a:pPr algn="ctr"/>
+              <a:t>Idee:</a:t>
+            </a:r>
+          </a:p>
+          <a:p>
+            <a:pPr marL="342900" indent="-342900">
+              <a:buFont typeface="Arial" panose="020B0604020202020204" pitchFamily="34" charset="0"/>
+              <a:buChar char="•"/>
+            </a:pPr>
             <a:r>
               <a:rPr lang="de-DE" sz="2400" dirty="0" smtClean="0"/>
-              <a:t>Veranstaltung</a:t>
-            </a:r>
-          </a:p>
-        </p:txBody>
-      </p:sp>
-      <p:sp>
-        <p:nvSpPr>
-          <p:cNvPr id="7" name="Eingekerbter Pfeil nach rechts 6"/>
-          <p:cNvSpPr/>
-          <p:nvPr/>
-        </p:nvSpPr>
-        <p:spPr>
-          <a:xfrm>
-            <a:off x="2411760" y="1808820"/>
-            <a:ext cx="2837588" cy="585065"/>
-          </a:xfrm>
-          <a:prstGeom prst="notchedRightArrow">
-            <a:avLst/>
-          </a:prstGeom>
-          <a:ln w="19050"/>
-        </p:spPr>
-        <p:style>
-          <a:lnRef idx="2">
-            <a:schemeClr val="accent5">
-              <a:shade val="50000"/>
-            </a:schemeClr>
-          </a:lnRef>
-          <a:fillRef idx="1">
-            <a:schemeClr val="accent5"/>
-          </a:fillRef>
-          <a:effectRef idx="0">
-            <a:schemeClr val="accent5"/>
-          </a:effectRef>
-          <a:fontRef idx="minor">
-            <a:schemeClr val="lt1"/>
-          </a:fontRef>
-        </p:style>
-        <p:txBody>
-          <a:bodyPr rtlCol="0" anchor="ctr"/>
-          <a:lstStyle/>
-          <a:p>
-            <a:pPr algn="ctr"/>
-            <a:endParaRPr lang="de-DE" dirty="0" smtClean="0"/>
-          </a:p>
-        </p:txBody>
-      </p:sp>
-      <p:sp>
-        <p:nvSpPr>
-          <p:cNvPr id="8" name="Eingekerbter Pfeil nach rechts 7"/>
-          <p:cNvSpPr/>
-          <p:nvPr/>
-        </p:nvSpPr>
-        <p:spPr>
-          <a:xfrm>
-            <a:off x="3539158" y="3945323"/>
-            <a:ext cx="1710190" cy="585065"/>
-          </a:xfrm>
-          <a:prstGeom prst="notchedRightArrow">
-            <a:avLst/>
-          </a:prstGeom>
-          <a:ln w="19050"/>
-        </p:spPr>
-        <p:style>
-          <a:lnRef idx="2">
-            <a:schemeClr val="accent5">
-              <a:shade val="50000"/>
-            </a:schemeClr>
-          </a:lnRef>
-          <a:fillRef idx="1">
-            <a:schemeClr val="accent5"/>
-          </a:fillRef>
-          <a:effectRef idx="0">
-            <a:schemeClr val="accent5"/>
-          </a:effectRef>
-          <a:fontRef idx="minor">
-            <a:schemeClr val="lt1"/>
-          </a:fontRef>
-        </p:style>
-        <p:txBody>
-          <a:bodyPr rtlCol="0" anchor="ctr"/>
-          <a:lstStyle/>
-          <a:p>
-            <a:pPr algn="ctr"/>
-            <a:endParaRPr lang="de-DE" dirty="0" smtClean="0"/>
+              <a:t>Bearbeitet komplexere Aufgaben</a:t>
+            </a:r>
+          </a:p>
+          <a:p>
+            <a:pPr marL="342900" indent="-342900">
+              <a:buFont typeface="Arial" panose="020B0604020202020204" pitchFamily="34" charset="0"/>
+              <a:buChar char="•"/>
+            </a:pPr>
+            <a:r>
+              <a:rPr lang="de-DE" sz="2400" dirty="0" smtClean="0"/>
+              <a:t>Läuft im Hintergrund</a:t>
+            </a:r>
+          </a:p>
+          <a:p>
+            <a:pPr marL="342900" indent="-342900">
+              <a:buFont typeface="Arial" panose="020B0604020202020204" pitchFamily="34" charset="0"/>
+              <a:buChar char="•"/>
+            </a:pPr>
+            <a:r>
+              <a:rPr lang="de-DE" sz="2400" dirty="0" smtClean="0"/>
+              <a:t>Hat keine eigene UI</a:t>
+            </a:r>
+          </a:p>
+          <a:p>
+            <a:endParaRPr lang="de-DE" sz="2400" dirty="0"/>
+          </a:p>
+          <a:p>
+            <a:r>
+              <a:rPr lang="de-DE" sz="2400" dirty="0" smtClean="0"/>
+              <a:t>Beispiele:</a:t>
+            </a:r>
+          </a:p>
+          <a:p>
+            <a:pPr marL="342900" indent="-342900">
+              <a:buFont typeface="Arial" panose="020B0604020202020204" pitchFamily="34" charset="0"/>
+              <a:buChar char="•"/>
+            </a:pPr>
+            <a:r>
+              <a:rPr lang="de-DE" sz="2400" dirty="0" smtClean="0"/>
+              <a:t>Herunterladen von Daten aus dem Internet</a:t>
+            </a:r>
+          </a:p>
+          <a:p>
+            <a:pPr marL="342900" indent="-342900">
+              <a:buFont typeface="Arial" panose="020B0604020202020204" pitchFamily="34" charset="0"/>
+              <a:buChar char="•"/>
+            </a:pPr>
+            <a:r>
+              <a:rPr lang="de-DE" sz="2400" dirty="0" smtClean="0"/>
+              <a:t>Abspielen von Musik</a:t>
+            </a:r>
+          </a:p>
+          <a:p>
+            <a:pPr marL="342900" indent="-342900">
+              <a:buFont typeface="Arial" panose="020B0604020202020204" pitchFamily="34" charset="0"/>
+              <a:buChar char="•"/>
+            </a:pPr>
+            <a:r>
+              <a:rPr lang="de-DE" sz="2400" dirty="0" smtClean="0"/>
+              <a:t>Verarbeiten von Dateien</a:t>
+            </a:r>
+            <a:endParaRPr lang="de-DE" sz="2400" dirty="0"/>
           </a:p>
         </p:txBody>
       </p:sp>
     </p:spTree>
     <p:extLst>
       <p:ext uri="{BB962C8B-B14F-4D97-AF65-F5344CB8AC3E}">
-        <p14:creationId xmlns:p14="http://schemas.microsoft.com/office/powerpoint/2010/main" val="567908974"/>
+        <p14:creationId xmlns:p14="http://schemas.microsoft.com/office/powerpoint/2010/main" val="3912646582"/>
       </p:ext>
     </p:extLst>
   </p:cSld>
@@ -5841,283 +5982,34 @@
           <a:lstStyle/>
           <a:p>
             <a:r>
-              <a:rPr lang="de-DE" dirty="0"/>
-              <a:t>Android-App – Architektur</a:t>
-            </a:r>
-          </a:p>
-        </p:txBody>
-      </p:sp>
-      <p:pic>
-        <p:nvPicPr>
-          <p:cNvPr id="4" name="Picture 3" descr="C:\Users\Bjoern\Documents\Studium\AndroidLab\Präsentation\contacts.png"/>
-          <p:cNvPicPr>
-            <a:picLocks noChangeAspect="1" noChangeArrowheads="1"/>
-          </p:cNvPicPr>
+              <a:rPr lang="de-DE" dirty="0" smtClean="0"/>
+              <a:t>Android Services: </a:t>
+            </a:r>
+            <a:r>
+              <a:rPr lang="de-DE" dirty="0" err="1" smtClean="0"/>
+              <a:t>Lifecycle</a:t>
+            </a:r>
+            <a:r>
+              <a:rPr lang="de-DE" dirty="0" smtClean="0"/>
+              <a:t> </a:t>
+            </a:r>
+            <a:endParaRPr lang="de-DE" dirty="0"/>
+          </a:p>
+        </p:txBody>
+      </p:sp>
+      <p:sp>
+        <p:nvSpPr>
+          <p:cNvPr id="24" name="Rechteck 23"/>
+          <p:cNvSpPr/>
           <p:nvPr/>
-        </p:nvPicPr>
-        <p:blipFill>
-          <a:blip r:embed="rId2">
-            <a:extLst>
-              <a:ext uri="{28A0092B-C50C-407E-A947-70E740481C1C}">
-                <a14:useLocalDpi xmlns:a14="http://schemas.microsoft.com/office/drawing/2010/main" val="0"/>
-              </a:ext>
-            </a:extLst>
-          </a:blip>
-          <a:srcRect/>
-          <a:stretch>
-            <a:fillRect/>
-          </a:stretch>
-        </p:blipFill>
-        <p:spPr bwMode="auto">
-          <a:xfrm>
-            <a:off x="1961710" y="3320317"/>
-            <a:ext cx="1556945" cy="2223918"/>
+        </p:nvSpPr>
+        <p:spPr>
+          <a:xfrm>
+            <a:off x="476544" y="2654233"/>
+            <a:ext cx="8145906" cy="1665185"/>
           </a:xfrm>
           <a:prstGeom prst="rect">
             <a:avLst/>
-          </a:prstGeom>
-          <a:noFill/>
-          <a:extLst>
-            <a:ext uri="{909E8E84-426E-40DD-AFC4-6F175D3DCCD1}">
-              <a14:hiddenFill xmlns:a14="http://schemas.microsoft.com/office/drawing/2010/main">
-                <a:solidFill>
-                  <a:srgbClr val="FFFFFF"/>
-                </a:solidFill>
-              </a14:hiddenFill>
-            </a:ext>
-          </a:extLst>
-        </p:spPr>
-      </p:pic>
-      <p:pic>
-        <p:nvPicPr>
-          <p:cNvPr id="6" name="Picture 4" descr="C:\Users\Bjoern\Documents\Studium\AndroidLab\Präsentation\map.png"/>
-          <p:cNvPicPr>
-            <a:picLocks noChangeAspect="1" noChangeArrowheads="1"/>
-          </p:cNvPicPr>
-          <p:nvPr/>
-        </p:nvPicPr>
-        <p:blipFill>
-          <a:blip r:embed="rId3">
-            <a:extLst>
-              <a:ext uri="{28A0092B-C50C-407E-A947-70E740481C1C}">
-                <a14:useLocalDpi xmlns:a14="http://schemas.microsoft.com/office/drawing/2010/main" val="0"/>
-              </a:ext>
-            </a:extLst>
-          </a:blip>
-          <a:srcRect/>
-          <a:stretch>
-            <a:fillRect/>
-          </a:stretch>
-        </p:blipFill>
-        <p:spPr bwMode="auto">
-          <a:xfrm>
-            <a:off x="3086835" y="3455241"/>
-            <a:ext cx="1556945" cy="2213781"/>
-          </a:xfrm>
-          <a:prstGeom prst="rect">
-            <a:avLst/>
-          </a:prstGeom>
-          <a:noFill/>
-          <a:extLst>
-            <a:ext uri="{909E8E84-426E-40DD-AFC4-6F175D3DCCD1}">
-              <a14:hiddenFill xmlns:a14="http://schemas.microsoft.com/office/drawing/2010/main">
-                <a:solidFill>
-                  <a:srgbClr val="FFFFFF"/>
-                </a:solidFill>
-              </a14:hiddenFill>
-            </a:ext>
-          </a:extLst>
-        </p:spPr>
-      </p:pic>
-      <p:pic>
-        <p:nvPicPr>
-          <p:cNvPr id="5" name="Picture 2" descr="C:\Users\Bjoern\Documents\Studium\AndroidLab\Präsentation\chat.png"/>
-          <p:cNvPicPr>
-            <a:picLocks noChangeAspect="1" noChangeArrowheads="1"/>
-          </p:cNvPicPr>
-          <p:nvPr/>
-        </p:nvPicPr>
-        <p:blipFill>
-          <a:blip r:embed="rId4">
-            <a:extLst>
-              <a:ext uri="{28A0092B-C50C-407E-A947-70E740481C1C}">
-                <a14:useLocalDpi xmlns:a14="http://schemas.microsoft.com/office/drawing/2010/main" val="0"/>
-              </a:ext>
-            </a:extLst>
-          </a:blip>
-          <a:srcRect/>
-          <a:stretch>
-            <a:fillRect/>
-          </a:stretch>
-        </p:blipFill>
-        <p:spPr bwMode="auto">
-          <a:xfrm>
-            <a:off x="4211960" y="3609020"/>
-            <a:ext cx="1536712" cy="2195017"/>
-          </a:xfrm>
-          <a:prstGeom prst="rect">
-            <a:avLst/>
-          </a:prstGeom>
-          <a:noFill/>
-          <a:extLst>
-            <a:ext uri="{909E8E84-426E-40DD-AFC4-6F175D3DCCD1}">
-              <a14:hiddenFill xmlns:a14="http://schemas.microsoft.com/office/drawing/2010/main">
-                <a:solidFill>
-                  <a:srgbClr val="FFFFFF"/>
-                </a:solidFill>
-              </a14:hiddenFill>
-            </a:ext>
-          </a:extLst>
-        </p:spPr>
-      </p:pic>
-      <p:sp>
-        <p:nvSpPr>
-          <p:cNvPr id="7" name="Rechteck 6"/>
-          <p:cNvSpPr/>
-          <p:nvPr/>
-        </p:nvSpPr>
-        <p:spPr>
-          <a:xfrm>
-            <a:off x="5344599" y="3744035"/>
-            <a:ext cx="1477651" cy="2205245"/>
-          </a:xfrm>
-          <a:prstGeom prst="rect">
-            <a:avLst/>
-          </a:prstGeom>
-          <a:solidFill>
-            <a:schemeClr val="accent3">
-              <a:lumMod val="20000"/>
-              <a:lumOff val="80000"/>
-            </a:schemeClr>
-          </a:solidFill>
-          <a:ln/>
-        </p:spPr>
-        <p:style>
-          <a:lnRef idx="2">
-            <a:schemeClr val="accent2"/>
-          </a:lnRef>
-          <a:fillRef idx="1">
-            <a:schemeClr val="lt1"/>
-          </a:fillRef>
-          <a:effectRef idx="0">
-            <a:schemeClr val="accent2"/>
-          </a:effectRef>
-          <a:fontRef idx="minor">
-            <a:schemeClr val="dk1"/>
-          </a:fontRef>
-        </p:style>
-        <p:txBody>
-          <a:bodyPr rtlCol="0" anchor="ctr"/>
-          <a:lstStyle/>
-          <a:p>
-            <a:pPr algn="ctr"/>
-            <a:r>
-              <a:rPr lang="de-DE" sz="2400" dirty="0" smtClean="0"/>
-              <a:t>…</a:t>
-            </a:r>
-          </a:p>
-        </p:txBody>
-      </p:sp>
-      <p:sp>
-        <p:nvSpPr>
-          <p:cNvPr id="8" name="Rechteck 7"/>
-          <p:cNvSpPr/>
-          <p:nvPr/>
-        </p:nvSpPr>
-        <p:spPr>
-          <a:xfrm>
-            <a:off x="1556665" y="2483895"/>
-            <a:ext cx="6120680" cy="630070"/>
-          </a:xfrm>
-          <a:prstGeom prst="rect">
-            <a:avLst/>
-          </a:prstGeom>
-          <a:ln/>
-        </p:spPr>
-        <p:style>
-          <a:lnRef idx="1">
-            <a:schemeClr val="accent1"/>
-          </a:lnRef>
-          <a:fillRef idx="2">
-            <a:schemeClr val="accent1"/>
-          </a:fillRef>
-          <a:effectRef idx="1">
-            <a:schemeClr val="accent1"/>
-          </a:effectRef>
-          <a:fontRef idx="minor">
-            <a:schemeClr val="dk1"/>
-          </a:fontRef>
-        </p:style>
-        <p:txBody>
-          <a:bodyPr rtlCol="0" anchor="ctr"/>
-          <a:lstStyle/>
-          <a:p>
-            <a:pPr algn="ctr"/>
-            <a:r>
-              <a:rPr lang="de-DE" dirty="0" smtClean="0"/>
-              <a:t>Service</a:t>
-            </a:r>
-          </a:p>
-        </p:txBody>
-      </p:sp>
-      <p:sp>
-        <p:nvSpPr>
-          <p:cNvPr id="9" name="Rechteck 8"/>
-          <p:cNvSpPr/>
-          <p:nvPr/>
-        </p:nvSpPr>
-        <p:spPr>
-          <a:xfrm>
-            <a:off x="1511660" y="1268760"/>
-            <a:ext cx="6165685" cy="630070"/>
-          </a:xfrm>
-          <a:prstGeom prst="rect">
-            <a:avLst/>
-          </a:prstGeom>
-          <a:ln/>
-        </p:spPr>
-        <p:style>
-          <a:lnRef idx="1">
-            <a:schemeClr val="accent2"/>
-          </a:lnRef>
-          <a:fillRef idx="2">
-            <a:schemeClr val="accent2"/>
-          </a:fillRef>
-          <a:effectRef idx="1">
-            <a:schemeClr val="accent2"/>
-          </a:effectRef>
-          <a:fontRef idx="minor">
-            <a:schemeClr val="dk1"/>
-          </a:fontRef>
-        </p:style>
-        <p:txBody>
-          <a:bodyPr rtlCol="0" anchor="ctr"/>
-          <a:lstStyle/>
-          <a:p>
-            <a:pPr algn="ctr"/>
-            <a:r>
-              <a:rPr lang="de-DE" dirty="0" smtClean="0"/>
-              <a:t>Server</a:t>
-            </a:r>
-          </a:p>
-        </p:txBody>
-      </p:sp>
-      <p:sp>
-        <p:nvSpPr>
-          <p:cNvPr id="10" name="Pfeil nach oben und unten 9"/>
-          <p:cNvSpPr/>
-          <p:nvPr/>
-        </p:nvSpPr>
-        <p:spPr>
-          <a:xfrm>
-            <a:off x="4480354" y="1853825"/>
-            <a:ext cx="273301" cy="720079"/>
-          </a:xfrm>
-          <a:prstGeom prst="upDownArrow">
-            <a:avLst>
-              <a:gd name="adj1" fmla="val 28825"/>
-              <a:gd name="adj2" fmla="val 30750"/>
-            </a:avLst>
           </a:prstGeom>
           <a:ln w="19050"/>
         </p:spPr>
@@ -6142,40 +6034,41 @@
           <a:lstStyle/>
           <a:p>
             <a:pPr algn="ctr"/>
-            <a:endParaRPr lang="de-DE" dirty="0" smtClean="0"/>
-          </a:p>
-        </p:txBody>
-      </p:sp>
-      <p:sp>
-        <p:nvSpPr>
-          <p:cNvPr id="11" name="Pfeil nach oben und unten 10"/>
+            <a:endParaRPr lang="de-DE" sz="2800" dirty="0" smtClean="0">
+              <a:solidFill>
+                <a:srgbClr val="FFFFFF"/>
+              </a:solidFill>
+            </a:endParaRPr>
+          </a:p>
+        </p:txBody>
+      </p:sp>
+      <p:sp>
+        <p:nvSpPr>
+          <p:cNvPr id="25" name="Abgerundetes Rechteck 24"/>
           <p:cNvSpPr/>
           <p:nvPr/>
         </p:nvSpPr>
         <p:spPr>
           <a:xfrm>
-            <a:off x="2588509" y="3068960"/>
-            <a:ext cx="273301" cy="855094"/>
-          </a:xfrm>
-          <a:prstGeom prst="upDownArrow">
-            <a:avLst>
-              <a:gd name="adj1" fmla="val 28825"/>
-              <a:gd name="adj2" fmla="val 30750"/>
-            </a:avLst>
-          </a:prstGeom>
-          <a:ln w="19050"/>
+            <a:off x="656565" y="3248980"/>
+            <a:ext cx="1800200" cy="450050"/>
+          </a:xfrm>
+          <a:prstGeom prst="roundRect">
+            <a:avLst/>
+          </a:prstGeom>
+          <a:ln/>
         </p:spPr>
         <p:style>
           <a:lnRef idx="2">
-            <a:schemeClr val="accent5">
+            <a:schemeClr val="accent3">
               <a:shade val="50000"/>
             </a:schemeClr>
           </a:lnRef>
           <a:fillRef idx="1">
-            <a:schemeClr val="accent5"/>
+            <a:schemeClr val="accent3"/>
           </a:fillRef>
           <a:effectRef idx="0">
-            <a:schemeClr val="accent5"/>
+            <a:schemeClr val="accent3"/>
           </a:effectRef>
           <a:fontRef idx="minor">
             <a:schemeClr val="lt1"/>
@@ -6186,40 +6079,44 @@
           <a:lstStyle/>
           <a:p>
             <a:pPr algn="ctr"/>
-            <a:endParaRPr lang="de-DE" dirty="0" smtClean="0"/>
-          </a:p>
-        </p:txBody>
-      </p:sp>
-      <p:sp>
-        <p:nvSpPr>
-          <p:cNvPr id="12" name="Pfeil nach oben und unten 11"/>
+            <a:r>
+              <a:rPr lang="de-DE" sz="2400" dirty="0" smtClean="0">
+                <a:solidFill>
+                  <a:srgbClr val="FFFFFF"/>
+                </a:solidFill>
+              </a:rPr>
+              <a:t>gestartet</a:t>
+            </a:r>
+          </a:p>
+        </p:txBody>
+      </p:sp>
+      <p:sp>
+        <p:nvSpPr>
+          <p:cNvPr id="26" name="Abgerundetes Rechteck 25"/>
           <p:cNvSpPr/>
           <p:nvPr/>
         </p:nvSpPr>
         <p:spPr>
           <a:xfrm>
-            <a:off x="3865307" y="3068960"/>
-            <a:ext cx="273301" cy="855094"/>
-          </a:xfrm>
-          <a:prstGeom prst="upDownArrow">
-            <a:avLst>
-              <a:gd name="adj1" fmla="val 28825"/>
-              <a:gd name="adj2" fmla="val 30750"/>
-            </a:avLst>
-          </a:prstGeom>
-          <a:ln w="19050"/>
+            <a:off x="5742130" y="2888939"/>
+            <a:ext cx="2385265" cy="1125125"/>
+          </a:xfrm>
+          <a:prstGeom prst="roundRect">
+            <a:avLst/>
+          </a:prstGeom>
+          <a:ln/>
         </p:spPr>
         <p:style>
           <a:lnRef idx="2">
-            <a:schemeClr val="accent5">
+            <a:schemeClr val="accent3">
               <a:shade val="50000"/>
             </a:schemeClr>
           </a:lnRef>
           <a:fillRef idx="1">
-            <a:schemeClr val="accent5"/>
+            <a:schemeClr val="accent3"/>
           </a:fillRef>
           <a:effectRef idx="0">
-            <a:schemeClr val="accent5"/>
+            <a:schemeClr val="accent3"/>
           </a:effectRef>
           <a:fontRef idx="minor">
             <a:schemeClr val="lt1"/>
@@ -6230,40 +6127,150 @@
           <a:lstStyle/>
           <a:p>
             <a:pPr algn="ctr"/>
-            <a:endParaRPr lang="de-DE" dirty="0" smtClean="0"/>
-          </a:p>
-        </p:txBody>
-      </p:sp>
-      <p:sp>
-        <p:nvSpPr>
-          <p:cNvPr id="13" name="Pfeil nach oben und unten 12"/>
+            <a:r>
+              <a:rPr lang="de-DE" sz="2400" dirty="0" smtClean="0">
+                <a:solidFill>
+                  <a:srgbClr val="FFFFFF"/>
+                </a:solidFill>
+              </a:rPr>
+              <a:t>mit anderen Komponenten verbunden</a:t>
+            </a:r>
+          </a:p>
+        </p:txBody>
+      </p:sp>
+      <p:sp>
+        <p:nvSpPr>
+          <p:cNvPr id="27" name="Rechteck 26"/>
           <p:cNvSpPr/>
           <p:nvPr/>
         </p:nvSpPr>
         <p:spPr>
           <a:xfrm>
-            <a:off x="4906055" y="3068960"/>
-            <a:ext cx="273301" cy="855094"/>
-          </a:xfrm>
-          <a:prstGeom prst="upDownArrow">
-            <a:avLst>
-              <a:gd name="adj1" fmla="val 28825"/>
-              <a:gd name="adj2" fmla="val 30750"/>
-            </a:avLst>
-          </a:prstGeom>
-          <a:ln w="19050"/>
+            <a:off x="3086835" y="3175810"/>
+            <a:ext cx="2222083" cy="523220"/>
+          </a:xfrm>
+          <a:prstGeom prst="rect">
+            <a:avLst/>
+          </a:prstGeom>
+        </p:spPr>
+        <p:txBody>
+          <a:bodyPr wrap="none">
+            <a:spAutoFit/>
+          </a:bodyPr>
+          <a:lstStyle/>
+          <a:p>
+            <a:pPr algn="ctr"/>
+            <a:r>
+              <a:rPr lang="de-DE" sz="2800" dirty="0" smtClean="0">
+                <a:solidFill>
+                  <a:srgbClr val="FFFFFF"/>
+                </a:solidFill>
+              </a:rPr>
+              <a:t>Service aktiv</a:t>
+            </a:r>
+            <a:endParaRPr lang="de-DE" sz="2800" dirty="0">
+              <a:solidFill>
+                <a:srgbClr val="FFFFFF"/>
+              </a:solidFill>
+            </a:endParaRPr>
+          </a:p>
+        </p:txBody>
+      </p:sp>
+      <p:cxnSp>
+        <p:nvCxnSpPr>
+          <p:cNvPr id="28" name="Gerade Verbindung mit Pfeil 27"/>
+          <p:cNvCxnSpPr>
+            <a:endCxn id="25" idx="0"/>
+          </p:cNvCxnSpPr>
+          <p:nvPr/>
+        </p:nvCxnSpPr>
+        <p:spPr>
+          <a:xfrm>
+            <a:off x="1556665" y="1178750"/>
+            <a:ext cx="0" cy="2070230"/>
+          </a:xfrm>
+          <a:prstGeom prst="straightConnector1">
+            <a:avLst/>
+          </a:prstGeom>
+          <a:ln w="57150">
+            <a:tailEnd type="arrow"/>
+          </a:ln>
         </p:spPr>
         <p:style>
           <a:lnRef idx="2">
-            <a:schemeClr val="accent5">
+            <a:schemeClr val="dk1"/>
+          </a:lnRef>
+          <a:fillRef idx="0">
+            <a:schemeClr val="dk1"/>
+          </a:fillRef>
+          <a:effectRef idx="1">
+            <a:schemeClr val="dk1"/>
+          </a:effectRef>
+          <a:fontRef idx="minor">
+            <a:schemeClr val="tx1"/>
+          </a:fontRef>
+        </p:style>
+      </p:cxnSp>
+      <p:cxnSp>
+        <p:nvCxnSpPr>
+          <p:cNvPr id="29" name="Gerade Verbindung mit Pfeil 28"/>
+          <p:cNvCxnSpPr/>
+          <p:nvPr/>
+        </p:nvCxnSpPr>
+        <p:spPr>
+          <a:xfrm>
+            <a:off x="6901008" y="1358770"/>
+            <a:ext cx="33754" cy="1530169"/>
+          </a:xfrm>
+          <a:prstGeom prst="straightConnector1">
+            <a:avLst/>
+          </a:prstGeom>
+          <a:ln w="57150">
+            <a:tailEnd type="arrow"/>
+          </a:ln>
+        </p:spPr>
+        <p:style>
+          <a:lnRef idx="2">
+            <a:schemeClr val="dk1"/>
+          </a:lnRef>
+          <a:fillRef idx="0">
+            <a:schemeClr val="dk1"/>
+          </a:fillRef>
+          <a:effectRef idx="1">
+            <a:schemeClr val="dk1"/>
+          </a:effectRef>
+          <a:fontRef idx="minor">
+            <a:schemeClr val="tx1"/>
+          </a:fontRef>
+        </p:style>
+      </p:cxnSp>
+      <p:sp>
+        <p:nvSpPr>
+          <p:cNvPr id="30" name="Abgerundetes Rechteck 29"/>
+          <p:cNvSpPr/>
+          <p:nvPr/>
+        </p:nvSpPr>
+        <p:spPr>
+          <a:xfrm>
+            <a:off x="1556665" y="1755275"/>
+            <a:ext cx="2070230" cy="540060"/>
+          </a:xfrm>
+          <a:prstGeom prst="roundRect">
+            <a:avLst/>
+          </a:prstGeom>
+          <a:ln/>
+        </p:spPr>
+        <p:style>
+          <a:lnRef idx="2">
+            <a:schemeClr val="accent1">
               <a:shade val="50000"/>
             </a:schemeClr>
           </a:lnRef>
           <a:fillRef idx="1">
-            <a:schemeClr val="accent5"/>
+            <a:schemeClr val="accent1"/>
           </a:fillRef>
           <a:effectRef idx="0">
-            <a:schemeClr val="accent5"/>
+            <a:schemeClr val="accent1"/>
           </a:effectRef>
           <a:fontRef idx="minor">
             <a:schemeClr val="lt1"/>
@@ -6274,40 +6281,52 @@
           <a:lstStyle/>
           <a:p>
             <a:pPr algn="ctr"/>
-            <a:endParaRPr lang="de-DE" dirty="0" smtClean="0"/>
-          </a:p>
-        </p:txBody>
-      </p:sp>
-      <p:sp>
-        <p:nvSpPr>
-          <p:cNvPr id="14" name="Pfeil nach oben und unten 13"/>
+            <a:r>
+              <a:rPr lang="de-DE" sz="2400" dirty="0" err="1" smtClean="0">
+                <a:solidFill>
+                  <a:srgbClr val="FFFFFF"/>
+                </a:solidFill>
+              </a:rPr>
+              <a:t>startService</a:t>
+            </a:r>
+            <a:r>
+              <a:rPr lang="de-DE" sz="2400" dirty="0" smtClean="0">
+                <a:solidFill>
+                  <a:srgbClr val="FFFFFF"/>
+                </a:solidFill>
+              </a:rPr>
+              <a:t>()</a:t>
+            </a:r>
+          </a:p>
+        </p:txBody>
+      </p:sp>
+      <p:sp>
+        <p:nvSpPr>
+          <p:cNvPr id="31" name="Abgerundetes Rechteck 30"/>
           <p:cNvSpPr/>
           <p:nvPr/>
         </p:nvSpPr>
         <p:spPr>
           <a:xfrm>
-            <a:off x="5918879" y="3068959"/>
-            <a:ext cx="273301" cy="855095"/>
-          </a:xfrm>
-          <a:prstGeom prst="upDownArrow">
-            <a:avLst>
-              <a:gd name="adj1" fmla="val 28825"/>
-              <a:gd name="adj2" fmla="val 30750"/>
-            </a:avLst>
-          </a:prstGeom>
-          <a:ln w="19050"/>
+            <a:off x="4549497" y="4509120"/>
+            <a:ext cx="2461502" cy="540060"/>
+          </a:xfrm>
+          <a:prstGeom prst="roundRect">
+            <a:avLst/>
+          </a:prstGeom>
+          <a:ln/>
         </p:spPr>
         <p:style>
           <a:lnRef idx="2">
-            <a:schemeClr val="accent5">
+            <a:schemeClr val="accent1">
               <a:shade val="50000"/>
             </a:schemeClr>
           </a:lnRef>
           <a:fillRef idx="1">
-            <a:schemeClr val="accent5"/>
+            <a:schemeClr val="accent1"/>
           </a:fillRef>
           <a:effectRef idx="0">
-            <a:schemeClr val="accent5"/>
+            <a:schemeClr val="accent1"/>
           </a:effectRef>
           <a:fontRef idx="minor">
             <a:schemeClr val="lt1"/>
@@ -6318,14 +6337,226 @@
           <a:lstStyle/>
           <a:p>
             <a:pPr algn="ctr"/>
-            <a:endParaRPr lang="de-DE" dirty="0" smtClean="0"/>
+            <a:r>
+              <a:rPr lang="de-DE" sz="2400" dirty="0" err="1" smtClean="0">
+                <a:solidFill>
+                  <a:srgbClr val="FFFFFF"/>
+                </a:solidFill>
+              </a:rPr>
+              <a:t>unbindService</a:t>
+            </a:r>
+            <a:r>
+              <a:rPr lang="de-DE" sz="2400" dirty="0" smtClean="0">
+                <a:solidFill>
+                  <a:srgbClr val="FFFFFF"/>
+                </a:solidFill>
+              </a:rPr>
+              <a:t>()</a:t>
+            </a:r>
+          </a:p>
+        </p:txBody>
+      </p:sp>
+      <p:cxnSp>
+        <p:nvCxnSpPr>
+          <p:cNvPr id="32" name="Gerade Verbindung mit Pfeil 31"/>
+          <p:cNvCxnSpPr/>
+          <p:nvPr/>
+        </p:nvCxnSpPr>
+        <p:spPr>
+          <a:xfrm>
+            <a:off x="1556665" y="3699030"/>
+            <a:ext cx="0" cy="2070230"/>
+          </a:xfrm>
+          <a:prstGeom prst="straightConnector1">
+            <a:avLst/>
+          </a:prstGeom>
+          <a:ln w="57150">
+            <a:tailEnd type="arrow"/>
+          </a:ln>
+        </p:spPr>
+        <p:style>
+          <a:lnRef idx="2">
+            <a:schemeClr val="dk1"/>
+          </a:lnRef>
+          <a:fillRef idx="0">
+            <a:schemeClr val="dk1"/>
+          </a:fillRef>
+          <a:effectRef idx="1">
+            <a:schemeClr val="dk1"/>
+          </a:effectRef>
+          <a:fontRef idx="minor">
+            <a:schemeClr val="tx1"/>
+          </a:fontRef>
+        </p:style>
+      </p:cxnSp>
+      <p:cxnSp>
+        <p:nvCxnSpPr>
+          <p:cNvPr id="33" name="Gerade Verbindung mit Pfeil 32"/>
+          <p:cNvCxnSpPr/>
+          <p:nvPr/>
+        </p:nvCxnSpPr>
+        <p:spPr>
+          <a:xfrm>
+            <a:off x="6957265" y="4014066"/>
+            <a:ext cx="33754" cy="1530169"/>
+          </a:xfrm>
+          <a:prstGeom prst="straightConnector1">
+            <a:avLst/>
+          </a:prstGeom>
+          <a:ln w="57150">
+            <a:tailEnd type="arrow"/>
+          </a:ln>
+        </p:spPr>
+        <p:style>
+          <a:lnRef idx="2">
+            <a:schemeClr val="dk1"/>
+          </a:lnRef>
+          <a:fillRef idx="0">
+            <a:schemeClr val="dk1"/>
+          </a:fillRef>
+          <a:effectRef idx="1">
+            <a:schemeClr val="dk1"/>
+          </a:effectRef>
+          <a:fontRef idx="minor">
+            <a:schemeClr val="tx1"/>
+          </a:fontRef>
+        </p:style>
+      </p:cxnSp>
+      <p:sp>
+        <p:nvSpPr>
+          <p:cNvPr id="34" name="Abgerundetes Rechteck 33"/>
+          <p:cNvSpPr/>
+          <p:nvPr/>
+        </p:nvSpPr>
+        <p:spPr>
+          <a:xfrm>
+            <a:off x="4842030" y="1763815"/>
+            <a:ext cx="2070230" cy="540060"/>
+          </a:xfrm>
+          <a:prstGeom prst="roundRect">
+            <a:avLst/>
+          </a:prstGeom>
+          <a:ln/>
+        </p:spPr>
+        <p:style>
+          <a:lnRef idx="2">
+            <a:schemeClr val="accent1">
+              <a:shade val="50000"/>
+            </a:schemeClr>
+          </a:lnRef>
+          <a:fillRef idx="1">
+            <a:schemeClr val="accent1"/>
+          </a:fillRef>
+          <a:effectRef idx="0">
+            <a:schemeClr val="accent1"/>
+          </a:effectRef>
+          <a:fontRef idx="minor">
+            <a:schemeClr val="lt1"/>
+          </a:fontRef>
+        </p:style>
+        <p:txBody>
+          <a:bodyPr rtlCol="0" anchor="ctr"/>
+          <a:lstStyle/>
+          <a:p>
+            <a:pPr algn="ctr"/>
+            <a:r>
+              <a:rPr lang="de-DE" sz="2400" dirty="0" err="1" smtClean="0">
+                <a:solidFill>
+                  <a:srgbClr val="FFFFFF"/>
+                </a:solidFill>
+              </a:rPr>
+              <a:t>bindService</a:t>
+            </a:r>
+            <a:r>
+              <a:rPr lang="de-DE" sz="2400" dirty="0" smtClean="0">
+                <a:solidFill>
+                  <a:srgbClr val="FFFFFF"/>
+                </a:solidFill>
+              </a:rPr>
+              <a:t>()</a:t>
+            </a:r>
+          </a:p>
+        </p:txBody>
+      </p:sp>
+      <p:sp>
+        <p:nvSpPr>
+          <p:cNvPr id="35" name="Abgerundetes Rechteck 34"/>
+          <p:cNvSpPr/>
+          <p:nvPr/>
+        </p:nvSpPr>
+        <p:spPr>
+          <a:xfrm>
+            <a:off x="1570438" y="4509120"/>
+            <a:ext cx="2461502" cy="882715"/>
+          </a:xfrm>
+          <a:prstGeom prst="roundRect">
+            <a:avLst/>
+          </a:prstGeom>
+          <a:ln/>
+        </p:spPr>
+        <p:style>
+          <a:lnRef idx="2">
+            <a:schemeClr val="accent1">
+              <a:shade val="50000"/>
+            </a:schemeClr>
+          </a:lnRef>
+          <a:fillRef idx="1">
+            <a:schemeClr val="accent1"/>
+          </a:fillRef>
+          <a:effectRef idx="0">
+            <a:schemeClr val="accent1"/>
+          </a:effectRef>
+          <a:fontRef idx="minor">
+            <a:schemeClr val="lt1"/>
+          </a:fontRef>
+        </p:style>
+        <p:txBody>
+          <a:bodyPr rtlCol="0" anchor="ctr"/>
+          <a:lstStyle/>
+          <a:p>
+            <a:pPr algn="ctr"/>
+            <a:r>
+              <a:rPr lang="de-DE" sz="2400" dirty="0" err="1" smtClean="0">
+                <a:solidFill>
+                  <a:srgbClr val="FFFFFF"/>
+                </a:solidFill>
+              </a:rPr>
+              <a:t>stopService</a:t>
+            </a:r>
+            <a:r>
+              <a:rPr lang="de-DE" sz="2400" dirty="0" smtClean="0">
+                <a:solidFill>
+                  <a:srgbClr val="FFFFFF"/>
+                </a:solidFill>
+              </a:rPr>
+              <a:t>()</a:t>
+            </a:r>
+          </a:p>
+          <a:p>
+            <a:pPr algn="ctr"/>
+            <a:r>
+              <a:rPr lang="de-DE" sz="2400" dirty="0" err="1" smtClean="0">
+                <a:solidFill>
+                  <a:srgbClr val="FFFFFF"/>
+                </a:solidFill>
+              </a:rPr>
+              <a:t>stopSelf</a:t>
+            </a:r>
+            <a:r>
+              <a:rPr lang="de-DE" sz="2400" dirty="0" smtClean="0">
+                <a:solidFill>
+                  <a:srgbClr val="FFFFFF"/>
+                </a:solidFill>
+              </a:rPr>
+              <a:t>()</a:t>
+            </a:r>
           </a:p>
         </p:txBody>
       </p:sp>
     </p:spTree>
     <p:extLst>
       <p:ext uri="{BB962C8B-B14F-4D97-AF65-F5344CB8AC3E}">
-        <p14:creationId xmlns:p14="http://schemas.microsoft.com/office/powerpoint/2010/main" val="4252364172"/>
+        <p14:creationId xmlns:p14="http://schemas.microsoft.com/office/powerpoint/2010/main" val="2728520049"/>
       </p:ext>
     </p:extLst>
   </p:cSld>
@@ -6361,7 +6592,7 @@
       </p:grpSpPr>
       <p:sp>
         <p:nvSpPr>
-          <p:cNvPr id="3" name="Titel 2"/>
+          <p:cNvPr id="2" name="Titel 1"/>
           <p:cNvSpPr>
             <a:spLocks noGrp="1"/>
           </p:cNvSpPr>
@@ -6375,100 +6606,419 @@
           <a:lstStyle/>
           <a:p>
             <a:r>
-              <a:rPr lang="de-DE" dirty="0"/>
-              <a:t>Android-App – Service</a:t>
-            </a:r>
-          </a:p>
-        </p:txBody>
-      </p:sp>
-      <p:sp>
-        <p:nvSpPr>
-          <p:cNvPr id="4" name="Inhaltsplatzhalter 3"/>
-          <p:cNvSpPr>
-            <a:spLocks noGrp="1"/>
-          </p:cNvSpPr>
-          <p:nvPr>
-            <p:ph idx="1"/>
-          </p:nvPr>
-        </p:nvSpPr>
-        <p:spPr/>
-        <p:txBody>
-          <a:bodyPr/>
-          <a:lstStyle/>
-          <a:p>
-            <a:pPr marL="285750" indent="-285750">
-              <a:buFont typeface="Arial" panose="020B0604020202020204" pitchFamily="34" charset="0"/>
-              <a:buChar char="•"/>
-            </a:pPr>
-            <a:r>
-              <a:rPr lang="de-DE" sz="2000" dirty="0" smtClean="0"/>
-              <a:t>Wird beim Boot gestartet</a:t>
-            </a:r>
-          </a:p>
-          <a:p>
-            <a:pPr marL="285750" indent="-285750">
-              <a:buFont typeface="Arial" panose="020B0604020202020204" pitchFamily="34" charset="0"/>
-              <a:buChar char="•"/>
-            </a:pPr>
-            <a:r>
-              <a:rPr lang="de-DE" sz="2000" dirty="0" smtClean="0"/>
-              <a:t>Läuft permanent im Hintergrund</a:t>
-            </a:r>
-          </a:p>
-          <a:p>
-            <a:pPr marL="285750" indent="-285750">
-              <a:buFont typeface="Arial" panose="020B0604020202020204" pitchFamily="34" charset="0"/>
-              <a:buChar char="•"/>
-            </a:pPr>
-            <a:r>
-              <a:rPr lang="de-DE" sz="2000" dirty="0" smtClean="0"/>
-              <a:t>Kommuniziert mit dem Server</a:t>
-            </a:r>
-          </a:p>
-          <a:p>
-            <a:pPr marL="285750" indent="-285750">
-              <a:buFont typeface="Arial" panose="020B0604020202020204" pitchFamily="34" charset="0"/>
-              <a:buChar char="•"/>
-            </a:pPr>
-            <a:r>
-              <a:rPr lang="de-DE" sz="2000" dirty="0" smtClean="0"/>
-              <a:t>Speichert die abgerufenen Daten</a:t>
-            </a:r>
-          </a:p>
-          <a:p>
-            <a:pPr marL="285750" indent="-285750">
-              <a:buFont typeface="Arial" panose="020B0604020202020204" pitchFamily="34" charset="0"/>
-              <a:buChar char="•"/>
-            </a:pPr>
-            <a:r>
-              <a:rPr lang="de-DE" sz="2000" dirty="0" smtClean="0"/>
-              <a:t>„</a:t>
-            </a:r>
-            <a:r>
-              <a:rPr lang="de-DE" sz="2000" dirty="0" err="1" smtClean="0"/>
-              <a:t>Activities</a:t>
-            </a:r>
-            <a:r>
-              <a:rPr lang="de-DE" sz="2000" dirty="0" smtClean="0"/>
-              <a:t>“ können diese Daten abrufen und anzeigen</a:t>
-            </a:r>
-          </a:p>
-          <a:p>
-            <a:pPr marL="285750" indent="-285750">
-              <a:buFont typeface="Arial" panose="020B0604020202020204" pitchFamily="34" charset="0"/>
-              <a:buChar char="•"/>
-            </a:pPr>
-            <a:endParaRPr lang="de-DE" sz="2000" dirty="0" smtClean="0"/>
-          </a:p>
-          <a:p>
-            <a:endParaRPr lang="de-DE" sz="2000" dirty="0"/>
+              <a:rPr lang="de-DE" dirty="0" smtClean="0"/>
+              <a:t>Android Services: Verbinden</a:t>
+            </a:r>
+            <a:endParaRPr lang="de-DE" dirty="0"/>
+          </a:p>
+        </p:txBody>
+      </p:sp>
+      <p:sp>
+        <p:nvSpPr>
+          <p:cNvPr id="3" name="Rechteck 2"/>
+          <p:cNvSpPr/>
+          <p:nvPr/>
+        </p:nvSpPr>
+        <p:spPr>
+          <a:xfrm>
+            <a:off x="-2407311" y="2654233"/>
+            <a:ext cx="8145906" cy="1665185"/>
+          </a:xfrm>
+          <a:prstGeom prst="rect">
+            <a:avLst/>
+          </a:prstGeom>
+          <a:ln w="19050"/>
+        </p:spPr>
+        <p:style>
+          <a:lnRef idx="2">
+            <a:schemeClr val="accent5">
+              <a:shade val="50000"/>
+            </a:schemeClr>
+          </a:lnRef>
+          <a:fillRef idx="1">
+            <a:schemeClr val="accent5"/>
+          </a:fillRef>
+          <a:effectRef idx="0">
+            <a:schemeClr val="accent5"/>
+          </a:effectRef>
+          <a:fontRef idx="minor">
+            <a:schemeClr val="lt1"/>
+          </a:fontRef>
+        </p:style>
+        <p:txBody>
+          <a:bodyPr rtlCol="0" anchor="ctr"/>
+          <a:lstStyle/>
+          <a:p>
+            <a:pPr algn="ctr"/>
+            <a:endParaRPr lang="de-DE" sz="2800" dirty="0" smtClean="0">
+              <a:solidFill>
+                <a:srgbClr val="FFFFFF"/>
+              </a:solidFill>
+            </a:endParaRPr>
+          </a:p>
+        </p:txBody>
+      </p:sp>
+      <p:sp>
+        <p:nvSpPr>
+          <p:cNvPr id="4" name="Abgerundetes Rechteck 3"/>
+          <p:cNvSpPr/>
+          <p:nvPr/>
+        </p:nvSpPr>
+        <p:spPr>
+          <a:xfrm>
+            <a:off x="2858275" y="2888939"/>
+            <a:ext cx="2385265" cy="1125125"/>
+          </a:xfrm>
+          <a:prstGeom prst="roundRect">
+            <a:avLst/>
+          </a:prstGeom>
+          <a:ln/>
+        </p:spPr>
+        <p:style>
+          <a:lnRef idx="2">
+            <a:schemeClr val="accent3">
+              <a:shade val="50000"/>
+            </a:schemeClr>
+          </a:lnRef>
+          <a:fillRef idx="1">
+            <a:schemeClr val="accent3"/>
+          </a:fillRef>
+          <a:effectRef idx="0">
+            <a:schemeClr val="accent3"/>
+          </a:effectRef>
+          <a:fontRef idx="minor">
+            <a:schemeClr val="lt1"/>
+          </a:fontRef>
+        </p:style>
+        <p:txBody>
+          <a:bodyPr rtlCol="0" anchor="ctr"/>
+          <a:lstStyle/>
+          <a:p>
+            <a:pPr algn="ctr"/>
+            <a:r>
+              <a:rPr lang="de-DE" sz="2400" dirty="0" smtClean="0">
+                <a:solidFill>
+                  <a:srgbClr val="FFFFFF"/>
+                </a:solidFill>
+              </a:rPr>
+              <a:t>mit anderen Komponenten verbunden</a:t>
+            </a:r>
+          </a:p>
+        </p:txBody>
+      </p:sp>
+      <p:sp>
+        <p:nvSpPr>
+          <p:cNvPr id="5" name="Rechteck 4"/>
+          <p:cNvSpPr/>
+          <p:nvPr/>
+        </p:nvSpPr>
+        <p:spPr>
+          <a:xfrm>
+            <a:off x="202980" y="3175810"/>
+            <a:ext cx="2222083" cy="523220"/>
+          </a:xfrm>
+          <a:prstGeom prst="rect">
+            <a:avLst/>
+          </a:prstGeom>
+        </p:spPr>
+        <p:txBody>
+          <a:bodyPr wrap="none">
+            <a:spAutoFit/>
+          </a:bodyPr>
+          <a:lstStyle/>
+          <a:p>
+            <a:pPr algn="ctr"/>
+            <a:r>
+              <a:rPr lang="de-DE" sz="2800" dirty="0" smtClean="0">
+                <a:solidFill>
+                  <a:srgbClr val="FFFFFF"/>
+                </a:solidFill>
+              </a:rPr>
+              <a:t>Service aktiv</a:t>
+            </a:r>
+            <a:endParaRPr lang="de-DE" sz="2800" dirty="0">
+              <a:solidFill>
+                <a:srgbClr val="FFFFFF"/>
+              </a:solidFill>
+            </a:endParaRPr>
+          </a:p>
+        </p:txBody>
+      </p:sp>
+      <p:cxnSp>
+        <p:nvCxnSpPr>
+          <p:cNvPr id="6" name="Gerade Verbindung mit Pfeil 5"/>
+          <p:cNvCxnSpPr/>
+          <p:nvPr/>
+        </p:nvCxnSpPr>
+        <p:spPr>
+          <a:xfrm>
+            <a:off x="4017153" y="1358770"/>
+            <a:ext cx="33754" cy="1530169"/>
+          </a:xfrm>
+          <a:prstGeom prst="straightConnector1">
+            <a:avLst/>
+          </a:prstGeom>
+          <a:ln w="57150">
+            <a:tailEnd type="arrow"/>
+          </a:ln>
+        </p:spPr>
+        <p:style>
+          <a:lnRef idx="2">
+            <a:schemeClr val="dk1"/>
+          </a:lnRef>
+          <a:fillRef idx="0">
+            <a:schemeClr val="dk1"/>
+          </a:fillRef>
+          <a:effectRef idx="1">
+            <a:schemeClr val="dk1"/>
+          </a:effectRef>
+          <a:fontRef idx="minor">
+            <a:schemeClr val="tx1"/>
+          </a:fontRef>
+        </p:style>
+      </p:cxnSp>
+      <p:cxnSp>
+        <p:nvCxnSpPr>
+          <p:cNvPr id="8" name="Gerade Verbindung mit Pfeil 7"/>
+          <p:cNvCxnSpPr/>
+          <p:nvPr/>
+        </p:nvCxnSpPr>
+        <p:spPr>
+          <a:xfrm>
+            <a:off x="4073410" y="4014066"/>
+            <a:ext cx="33754" cy="1530169"/>
+          </a:xfrm>
+          <a:prstGeom prst="straightConnector1">
+            <a:avLst/>
+          </a:prstGeom>
+          <a:ln w="57150">
+            <a:tailEnd type="arrow"/>
+          </a:ln>
+        </p:spPr>
+        <p:style>
+          <a:lnRef idx="2">
+            <a:schemeClr val="dk1"/>
+          </a:lnRef>
+          <a:fillRef idx="0">
+            <a:schemeClr val="dk1"/>
+          </a:fillRef>
+          <a:effectRef idx="1">
+            <a:schemeClr val="dk1"/>
+          </a:effectRef>
+          <a:fontRef idx="minor">
+            <a:schemeClr val="tx1"/>
+          </a:fontRef>
+        </p:style>
+      </p:cxnSp>
+      <p:sp>
+        <p:nvSpPr>
+          <p:cNvPr id="10" name="Rechteck 9"/>
+          <p:cNvSpPr/>
+          <p:nvPr/>
+        </p:nvSpPr>
+        <p:spPr>
+          <a:xfrm>
+            <a:off x="6372200" y="1223755"/>
+            <a:ext cx="2385265" cy="4635515"/>
+          </a:xfrm>
+          <a:prstGeom prst="rect">
+            <a:avLst/>
+          </a:prstGeom>
+          <a:ln w="19050"/>
+        </p:spPr>
+        <p:style>
+          <a:lnRef idx="2">
+            <a:schemeClr val="accent5">
+              <a:shade val="50000"/>
+            </a:schemeClr>
+          </a:lnRef>
+          <a:fillRef idx="1">
+            <a:schemeClr val="accent5"/>
+          </a:fillRef>
+          <a:effectRef idx="0">
+            <a:schemeClr val="accent5"/>
+          </a:effectRef>
+          <a:fontRef idx="minor">
+            <a:schemeClr val="lt1"/>
+          </a:fontRef>
+        </p:style>
+        <p:txBody>
+          <a:bodyPr rtlCol="0" anchor="ctr"/>
+          <a:lstStyle/>
+          <a:p>
+            <a:pPr algn="ctr"/>
+            <a:endParaRPr lang="de-DE" dirty="0" smtClean="0">
+              <a:solidFill>
+                <a:srgbClr val="FFFFFF"/>
+              </a:solidFill>
+            </a:endParaRPr>
+          </a:p>
+        </p:txBody>
+      </p:sp>
+      <p:sp>
+        <p:nvSpPr>
+          <p:cNvPr id="7" name="Abgerundetes Rechteck 6"/>
+          <p:cNvSpPr/>
+          <p:nvPr/>
+        </p:nvSpPr>
+        <p:spPr>
+          <a:xfrm>
+            <a:off x="4114089" y="4509120"/>
+            <a:ext cx="4103316" cy="540060"/>
+          </a:xfrm>
+          <a:prstGeom prst="roundRect">
+            <a:avLst/>
+          </a:prstGeom>
+          <a:ln/>
+        </p:spPr>
+        <p:style>
+          <a:lnRef idx="2">
+            <a:schemeClr val="accent1">
+              <a:shade val="50000"/>
+            </a:schemeClr>
+          </a:lnRef>
+          <a:fillRef idx="1">
+            <a:schemeClr val="accent1"/>
+          </a:fillRef>
+          <a:effectRef idx="0">
+            <a:schemeClr val="accent1"/>
+          </a:effectRef>
+          <a:fontRef idx="minor">
+            <a:schemeClr val="lt1"/>
+          </a:fontRef>
+        </p:style>
+        <p:txBody>
+          <a:bodyPr rtlCol="0" anchor="ctr"/>
+          <a:lstStyle/>
+          <a:p>
+            <a:pPr algn="ctr"/>
+            <a:r>
+              <a:rPr lang="de-DE" sz="2400" dirty="0" err="1" smtClean="0">
+                <a:solidFill>
+                  <a:srgbClr val="FFFFFF"/>
+                </a:solidFill>
+              </a:rPr>
+              <a:t>unbindService</a:t>
+            </a:r>
+            <a:r>
+              <a:rPr lang="de-DE" sz="2400" dirty="0" smtClean="0">
+                <a:solidFill>
+                  <a:srgbClr val="FFFFFF"/>
+                </a:solidFill>
+              </a:rPr>
+              <a:t>()</a:t>
+            </a:r>
+          </a:p>
+        </p:txBody>
+      </p:sp>
+      <p:sp>
+        <p:nvSpPr>
+          <p:cNvPr id="9" name="Abgerundetes Rechteck 8"/>
+          <p:cNvSpPr/>
+          <p:nvPr/>
+        </p:nvSpPr>
+        <p:spPr>
+          <a:xfrm>
+            <a:off x="4074541" y="1763815"/>
+            <a:ext cx="4142864" cy="540060"/>
+          </a:xfrm>
+          <a:prstGeom prst="roundRect">
+            <a:avLst/>
+          </a:prstGeom>
+          <a:ln/>
+        </p:spPr>
+        <p:style>
+          <a:lnRef idx="2">
+            <a:schemeClr val="accent1">
+              <a:shade val="50000"/>
+            </a:schemeClr>
+          </a:lnRef>
+          <a:fillRef idx="1">
+            <a:schemeClr val="accent1"/>
+          </a:fillRef>
+          <a:effectRef idx="0">
+            <a:schemeClr val="accent1"/>
+          </a:effectRef>
+          <a:fontRef idx="minor">
+            <a:schemeClr val="lt1"/>
+          </a:fontRef>
+        </p:style>
+        <p:txBody>
+          <a:bodyPr rtlCol="0" anchor="ctr"/>
+          <a:lstStyle/>
+          <a:p>
+            <a:pPr algn="ctr"/>
+            <a:r>
+              <a:rPr lang="de-DE" sz="2400" dirty="0" err="1" smtClean="0">
+                <a:solidFill>
+                  <a:srgbClr val="FFFFFF"/>
+                </a:solidFill>
+              </a:rPr>
+              <a:t>bindService</a:t>
+            </a:r>
+            <a:r>
+              <a:rPr lang="de-DE" sz="2400" dirty="0" smtClean="0">
+                <a:solidFill>
+                  <a:srgbClr val="FFFFFF"/>
+                </a:solidFill>
+              </a:rPr>
+              <a:t>()</a:t>
+            </a:r>
+          </a:p>
+        </p:txBody>
+      </p:sp>
+      <p:sp>
+        <p:nvSpPr>
+          <p:cNvPr id="11" name="Pfeil nach links und rechts 10"/>
+          <p:cNvSpPr/>
+          <p:nvPr/>
+        </p:nvSpPr>
+        <p:spPr>
+          <a:xfrm>
+            <a:off x="5243539" y="2888939"/>
+            <a:ext cx="2973866" cy="1125125"/>
+          </a:xfrm>
+          <a:prstGeom prst="leftRightArrow">
+            <a:avLst/>
+          </a:prstGeom>
+          <a:ln/>
+        </p:spPr>
+        <p:style>
+          <a:lnRef idx="2">
+            <a:schemeClr val="accent1">
+              <a:shade val="50000"/>
+            </a:schemeClr>
+          </a:lnRef>
+          <a:fillRef idx="1">
+            <a:schemeClr val="accent1"/>
+          </a:fillRef>
+          <a:effectRef idx="0">
+            <a:schemeClr val="accent1"/>
+          </a:effectRef>
+          <a:fontRef idx="minor">
+            <a:schemeClr val="lt1"/>
+          </a:fontRef>
+        </p:style>
+        <p:txBody>
+          <a:bodyPr rtlCol="0" anchor="ctr"/>
+          <a:lstStyle/>
+          <a:p>
+            <a:pPr algn="ctr"/>
+            <a:r>
+              <a:rPr lang="de-DE" sz="2400" dirty="0" smtClean="0">
+                <a:solidFill>
+                  <a:srgbClr val="FFFFFF"/>
+                </a:solidFill>
+              </a:rPr>
+              <a:t>Kommunikation</a:t>
+            </a:r>
           </a:p>
         </p:txBody>
       </p:sp>
     </p:spTree>
     <p:extLst>
       <p:ext uri="{BB962C8B-B14F-4D97-AF65-F5344CB8AC3E}">
-        <p14:creationId xmlns:p14="http://schemas.microsoft.com/office/powerpoint/2010/main" val="3454981330"/>
+        <p14:creationId xmlns:p14="http://schemas.microsoft.com/office/powerpoint/2010/main" val="1366603645"/>
       </p:ext>
     </p:extLst>
   </p:cSld>
@@ -6504,9 +7054,9 @@
       </p:grpSpPr>
       <p:sp>
         <p:nvSpPr>
-          <p:cNvPr id="20485" name="Rectangle 5"/>
+          <p:cNvPr id="2" name="Titel 1"/>
           <p:cNvSpPr>
-            <a:spLocks noGrp="1" noChangeArrowheads="1"/>
+            <a:spLocks noGrp="1"/>
           </p:cNvSpPr>
           <p:nvPr>
             <p:ph type="title"/>
@@ -6518,12 +7068,8 @@
           <a:lstStyle/>
           <a:p>
             <a:r>
-              <a:rPr lang="de-DE" dirty="0" err="1" smtClean="0"/>
-              <a:t>InstaMeet</a:t>
-            </a:r>
-            <a:r>
               <a:rPr lang="de-DE" dirty="0" smtClean="0"/>
-              <a:t> – aktueller Stand</a:t>
+              <a:t>Kommunikation</a:t>
             </a:r>
             <a:endParaRPr lang="de-DE" dirty="0"/>
           </a:p>
@@ -6531,121 +7077,116 @@
       </p:sp>
       <p:sp>
         <p:nvSpPr>
-          <p:cNvPr id="20486" name="Rectangle 6"/>
+          <p:cNvPr id="4" name="Inhaltsplatzhalter 3"/>
           <p:cNvSpPr>
-            <a:spLocks noGrp="1" noChangeArrowheads="1"/>
+            <a:spLocks noGrp="1"/>
           </p:cNvSpPr>
           <p:nvPr>
-            <p:ph type="body" idx="1"/>
+            <p:ph idx="1"/>
           </p:nvPr>
         </p:nvSpPr>
-        <p:spPr>
-          <a:xfrm>
-            <a:off x="431800" y="1079500"/>
-            <a:ext cx="8375650" cy="4772025"/>
-          </a:xfrm>
-          <a:noFill/>
-        </p:spPr>
+        <p:spPr/>
         <p:txBody>
           <a:bodyPr/>
           <a:lstStyle/>
           <a:p>
-            <a:pPr marL="285750" indent="-285750">
+            <a:pPr marL="457200" indent="-457200">
+              <a:buFont typeface="+mj-lt"/>
+              <a:buAutoNum type="arabicPeriod"/>
+            </a:pPr>
+            <a:r>
+              <a:rPr lang="de-DE" sz="2400" dirty="0" smtClean="0"/>
+              <a:t>Binder</a:t>
+            </a:r>
+          </a:p>
+          <a:p>
+            <a:pPr marL="647700" lvl="1" indent="-457200">
               <a:buFont typeface="Arial" panose="020B0604020202020204" pitchFamily="34" charset="0"/>
               <a:buChar char="•"/>
             </a:pPr>
-            <a:endParaRPr lang="de-DE" sz="2000" dirty="0" smtClean="0"/>
-          </a:p>
-          <a:p>
-            <a:pPr marL="285750" indent="-285750">
+            <a:r>
+              <a:rPr lang="de-DE" sz="2400" dirty="0" smtClean="0"/>
+              <a:t>einfach</a:t>
+            </a:r>
+          </a:p>
+          <a:p>
+            <a:pPr marL="647700" lvl="1" indent="-457200">
               <a:buFont typeface="Arial" panose="020B0604020202020204" pitchFamily="34" charset="0"/>
               <a:buChar char="•"/>
             </a:pPr>
             <a:r>
-              <a:rPr lang="de-DE" sz="2000" dirty="0" smtClean="0"/>
-              <a:t>Server-Backend </a:t>
-            </a:r>
-          </a:p>
-          <a:p>
-            <a:pPr marL="533400" lvl="1" indent="-342900"/>
-            <a:r>
-              <a:rPr lang="de-DE" sz="2000" dirty="0" smtClean="0"/>
-              <a:t>Businesslogik weitgehend fertig</a:t>
-            </a:r>
-          </a:p>
-          <a:p>
-            <a:pPr marL="533400" lvl="1" indent="-342900"/>
-            <a:r>
-              <a:rPr lang="de-DE" sz="2000" dirty="0" smtClean="0"/>
-              <a:t>Umstellung </a:t>
-            </a:r>
-            <a:r>
-              <a:rPr lang="de-DE" sz="2000" smtClean="0"/>
-              <a:t>auf TCP-Server in </a:t>
-            </a:r>
-            <a:r>
-              <a:rPr lang="de-DE" sz="2000" dirty="0" smtClean="0"/>
-              <a:t>Bearbeitung</a:t>
-            </a:r>
-          </a:p>
-          <a:p>
-            <a:pPr marL="533400" lvl="1" indent="-342900"/>
-            <a:r>
-              <a:rPr lang="de-DE" sz="2000" dirty="0" smtClean="0"/>
-              <a:t>Verschlüsselung zwischen Client\Server noch ausstehend</a:t>
-            </a:r>
-          </a:p>
-          <a:p>
-            <a:endParaRPr lang="de-DE" sz="2000" dirty="0" smtClean="0"/>
-          </a:p>
-          <a:p>
-            <a:pPr marL="285750" indent="-285750">
+              <a:rPr lang="de-DE" sz="2400" dirty="0" smtClean="0"/>
+              <a:t>Service läuft nicht in eigenen Thread</a:t>
+            </a:r>
+          </a:p>
+          <a:p>
+            <a:pPr marL="457200" indent="-457200">
+              <a:buFont typeface="+mj-lt"/>
+              <a:buAutoNum type="arabicPeriod"/>
+            </a:pPr>
+            <a:r>
+              <a:rPr lang="de-DE" sz="2400" dirty="0" smtClean="0"/>
+              <a:t>Messenger</a:t>
+            </a:r>
+          </a:p>
+          <a:p>
+            <a:pPr marL="647700" lvl="1" indent="-457200">
               <a:buFont typeface="Arial" panose="020B0604020202020204" pitchFamily="34" charset="0"/>
               <a:buChar char="•"/>
             </a:pPr>
             <a:r>
-              <a:rPr lang="de-DE" sz="2000" dirty="0" smtClean="0"/>
-              <a:t>Android Client</a:t>
-            </a:r>
-          </a:p>
-          <a:p>
-            <a:pPr marL="514350" lvl="2" indent="-342900">
-              <a:buClrTx/>
-            </a:pPr>
-            <a:r>
-              <a:rPr lang="de-DE" sz="2000" dirty="0" smtClean="0"/>
-              <a:t>Einbindung der Server-Kommunikation in Bearbeitung</a:t>
-            </a:r>
-          </a:p>
-          <a:p>
-            <a:pPr marL="514350" lvl="2" indent="-342900">
-              <a:buClrTx/>
-            </a:pPr>
-            <a:r>
-              <a:rPr lang="de-DE" sz="2000" dirty="0" smtClean="0"/>
-              <a:t>GUI teilweise fertig, weitere Schritte erst sinnvoll bei nutzbarer Kommunikation</a:t>
-            </a:r>
-          </a:p>
-          <a:p>
-            <a:pPr marL="476250" lvl="1" indent="-285750">
+              <a:rPr lang="de-DE" sz="2400" dirty="0" smtClean="0"/>
+              <a:t>Nachrichten-orientiert</a:t>
+            </a:r>
+          </a:p>
+          <a:p>
+            <a:pPr marL="647700" lvl="1" indent="-457200">
               <a:buFont typeface="Arial" panose="020B0604020202020204" pitchFamily="34" charset="0"/>
               <a:buChar char="•"/>
             </a:pPr>
-            <a:endParaRPr lang="de-DE" sz="2000" dirty="0" smtClean="0"/>
-          </a:p>
-          <a:p>
-            <a:pPr marL="285750" indent="-285750">
+            <a:r>
+              <a:rPr lang="de-DE" sz="2400" dirty="0" smtClean="0"/>
+              <a:t>Service läuft in eigenem Thread</a:t>
+            </a:r>
+          </a:p>
+          <a:p>
+            <a:pPr marL="457200" indent="-457200">
+              <a:buFont typeface="+mj-lt"/>
+              <a:buAutoNum type="arabicPeriod"/>
+            </a:pPr>
+            <a:r>
+              <a:rPr lang="de-DE" sz="2400" dirty="0"/>
+              <a:t>AIDL (Android Interface Definition Language) </a:t>
+            </a:r>
+            <a:endParaRPr lang="de-DE" sz="2400" dirty="0" smtClean="0"/>
+          </a:p>
+          <a:p>
+            <a:pPr marL="647700" lvl="1" indent="-457200">
               <a:buFont typeface="Arial" panose="020B0604020202020204" pitchFamily="34" charset="0"/>
               <a:buChar char="•"/>
             </a:pPr>
-            <a:endParaRPr lang="de-DE" sz="2000" dirty="0"/>
+            <a:r>
+              <a:rPr lang="de-DE" sz="2400" dirty="0" smtClean="0"/>
+              <a:t>am flexibelsten</a:t>
+            </a:r>
+          </a:p>
+          <a:p>
+            <a:pPr marL="647700" lvl="1" indent="-457200">
+              <a:buFont typeface="Arial" panose="020B0604020202020204" pitchFamily="34" charset="0"/>
+              <a:buChar char="•"/>
+            </a:pPr>
+            <a:r>
+              <a:rPr lang="de-DE" sz="2400" dirty="0" smtClean="0"/>
+              <a:t>Service läuft ggf. in mehreren Threads</a:t>
+            </a:r>
+            <a:endParaRPr lang="de-DE" sz="2400" dirty="0"/>
           </a:p>
         </p:txBody>
       </p:sp>
     </p:spTree>
     <p:extLst>
       <p:ext uri="{BB962C8B-B14F-4D97-AF65-F5344CB8AC3E}">
-        <p14:creationId xmlns:p14="http://schemas.microsoft.com/office/powerpoint/2010/main" val="1881054510"/>
+        <p14:creationId xmlns:p14="http://schemas.microsoft.com/office/powerpoint/2010/main" val="222023240"/>
       </p:ext>
     </p:extLst>
   </p:cSld>
@@ -6695,250 +7236,34 @@
           <a:lstStyle/>
           <a:p>
             <a:r>
+              <a:rPr lang="de-DE" dirty="0" err="1" smtClean="0"/>
+              <a:t>InstaMeet</a:t>
+            </a:r>
+            <a:r>
+              <a:rPr lang="de-DE" dirty="0"/>
+              <a:t> </a:t>
+            </a:r>
+            <a:r>
               <a:rPr lang="de-DE" dirty="0" smtClean="0"/>
-              <a:t>Architektur</a:t>
+              <a:t>Service</a:t>
             </a:r>
             <a:endParaRPr lang="de-DE" dirty="0"/>
           </a:p>
         </p:txBody>
       </p:sp>
-      <p:pic>
-        <p:nvPicPr>
-          <p:cNvPr id="4" name="Picture 3" descr="C:\Users\Bjoern\Documents\Studium\AndroidLab\Präsentation\contacts.png"/>
-          <p:cNvPicPr>
-            <a:picLocks noChangeAspect="1" noChangeArrowheads="1"/>
-          </p:cNvPicPr>
+      <p:sp>
+        <p:nvSpPr>
+          <p:cNvPr id="3" name="Rechteck 2"/>
+          <p:cNvSpPr/>
           <p:nvPr/>
-        </p:nvPicPr>
-        <p:blipFill>
-          <a:blip r:embed="rId2">
-            <a:extLst>
-              <a:ext uri="{28A0092B-C50C-407E-A947-70E740481C1C}">
-                <a14:useLocalDpi xmlns:a14="http://schemas.microsoft.com/office/drawing/2010/main" val="0"/>
-              </a:ext>
-            </a:extLst>
-          </a:blip>
-          <a:srcRect/>
-          <a:stretch>
-            <a:fillRect/>
-          </a:stretch>
-        </p:blipFill>
-        <p:spPr bwMode="auto">
-          <a:xfrm>
-            <a:off x="1961710" y="3320317"/>
-            <a:ext cx="1556945" cy="2223918"/>
+        </p:nvSpPr>
+        <p:spPr>
+          <a:xfrm>
+            <a:off x="476544" y="2654233"/>
+            <a:ext cx="8145906" cy="1665185"/>
           </a:xfrm>
           <a:prstGeom prst="rect">
             <a:avLst/>
-          </a:prstGeom>
-          <a:noFill/>
-          <a:extLst>
-            <a:ext uri="{909E8E84-426E-40DD-AFC4-6F175D3DCCD1}">
-              <a14:hiddenFill xmlns:a14="http://schemas.microsoft.com/office/drawing/2010/main">
-                <a:solidFill>
-                  <a:srgbClr val="FFFFFF"/>
-                </a:solidFill>
-              </a14:hiddenFill>
-            </a:ext>
-          </a:extLst>
-        </p:spPr>
-      </p:pic>
-      <p:pic>
-        <p:nvPicPr>
-          <p:cNvPr id="6" name="Picture 4" descr="C:\Users\Bjoern\Documents\Studium\AndroidLab\Präsentation\map.png"/>
-          <p:cNvPicPr>
-            <a:picLocks noChangeAspect="1" noChangeArrowheads="1"/>
-          </p:cNvPicPr>
-          <p:nvPr/>
-        </p:nvPicPr>
-        <p:blipFill>
-          <a:blip r:embed="rId3">
-            <a:extLst>
-              <a:ext uri="{28A0092B-C50C-407E-A947-70E740481C1C}">
-                <a14:useLocalDpi xmlns:a14="http://schemas.microsoft.com/office/drawing/2010/main" val="0"/>
-              </a:ext>
-            </a:extLst>
-          </a:blip>
-          <a:srcRect/>
-          <a:stretch>
-            <a:fillRect/>
-          </a:stretch>
-        </p:blipFill>
-        <p:spPr bwMode="auto">
-          <a:xfrm>
-            <a:off x="3086835" y="3455241"/>
-            <a:ext cx="1556945" cy="2213781"/>
-          </a:xfrm>
-          <a:prstGeom prst="rect">
-            <a:avLst/>
-          </a:prstGeom>
-          <a:noFill/>
-          <a:extLst>
-            <a:ext uri="{909E8E84-426E-40DD-AFC4-6F175D3DCCD1}">
-              <a14:hiddenFill xmlns:a14="http://schemas.microsoft.com/office/drawing/2010/main">
-                <a:solidFill>
-                  <a:srgbClr val="FFFFFF"/>
-                </a:solidFill>
-              </a14:hiddenFill>
-            </a:ext>
-          </a:extLst>
-        </p:spPr>
-      </p:pic>
-      <p:pic>
-        <p:nvPicPr>
-          <p:cNvPr id="5" name="Picture 2" descr="C:\Users\Bjoern\Documents\Studium\AndroidLab\Präsentation\chat.png"/>
-          <p:cNvPicPr>
-            <a:picLocks noChangeAspect="1" noChangeArrowheads="1"/>
-          </p:cNvPicPr>
-          <p:nvPr/>
-        </p:nvPicPr>
-        <p:blipFill>
-          <a:blip r:embed="rId4">
-            <a:extLst>
-              <a:ext uri="{28A0092B-C50C-407E-A947-70E740481C1C}">
-                <a14:useLocalDpi xmlns:a14="http://schemas.microsoft.com/office/drawing/2010/main" val="0"/>
-              </a:ext>
-            </a:extLst>
-          </a:blip>
-          <a:srcRect/>
-          <a:stretch>
-            <a:fillRect/>
-          </a:stretch>
-        </p:blipFill>
-        <p:spPr bwMode="auto">
-          <a:xfrm>
-            <a:off x="4211960" y="3609020"/>
-            <a:ext cx="1536712" cy="2195017"/>
-          </a:xfrm>
-          <a:prstGeom prst="rect">
-            <a:avLst/>
-          </a:prstGeom>
-          <a:noFill/>
-          <a:extLst>
-            <a:ext uri="{909E8E84-426E-40DD-AFC4-6F175D3DCCD1}">
-              <a14:hiddenFill xmlns:a14="http://schemas.microsoft.com/office/drawing/2010/main">
-                <a:solidFill>
-                  <a:srgbClr val="FFFFFF"/>
-                </a:solidFill>
-              </a14:hiddenFill>
-            </a:ext>
-          </a:extLst>
-        </p:spPr>
-      </p:pic>
-      <p:sp>
-        <p:nvSpPr>
-          <p:cNvPr id="7" name="Rechteck 6"/>
-          <p:cNvSpPr/>
-          <p:nvPr/>
-        </p:nvSpPr>
-        <p:spPr>
-          <a:xfrm>
-            <a:off x="5344599" y="3744035"/>
-            <a:ext cx="1477651" cy="2205245"/>
-          </a:xfrm>
-          <a:prstGeom prst="rect">
-            <a:avLst/>
-          </a:prstGeom>
-          <a:solidFill>
-            <a:schemeClr val="accent3">
-              <a:lumMod val="20000"/>
-              <a:lumOff val="80000"/>
-            </a:schemeClr>
-          </a:solidFill>
-          <a:ln/>
-        </p:spPr>
-        <p:style>
-          <a:lnRef idx="2">
-            <a:schemeClr val="accent2"/>
-          </a:lnRef>
-          <a:fillRef idx="1">
-            <a:schemeClr val="lt1"/>
-          </a:fillRef>
-          <a:effectRef idx="0">
-            <a:schemeClr val="accent2"/>
-          </a:effectRef>
-          <a:fontRef idx="minor">
-            <a:schemeClr val="dk1"/>
-          </a:fontRef>
-        </p:style>
-        <p:txBody>
-          <a:bodyPr rtlCol="0" anchor="ctr"/>
-          <a:lstStyle/>
-          <a:p>
-            <a:pPr algn="ctr"/>
-            <a:r>
-              <a:rPr lang="de-DE" sz="2400" dirty="0" smtClean="0">
-                <a:solidFill>
-                  <a:srgbClr val="000000"/>
-                </a:solidFill>
-              </a:rPr>
-              <a:t>…</a:t>
-            </a:r>
-          </a:p>
-        </p:txBody>
-      </p:sp>
-      <p:sp>
-        <p:nvSpPr>
-          <p:cNvPr id="8" name="Rechteck 7"/>
-          <p:cNvSpPr/>
-          <p:nvPr/>
-        </p:nvSpPr>
-        <p:spPr>
-          <a:xfrm>
-            <a:off x="1556665" y="2483895"/>
-            <a:ext cx="6120680" cy="630070"/>
-          </a:xfrm>
-          <a:prstGeom prst="rect">
-            <a:avLst/>
-          </a:prstGeom>
-          <a:ln/>
-        </p:spPr>
-        <p:style>
-          <a:lnRef idx="1">
-            <a:schemeClr val="accent1"/>
-          </a:lnRef>
-          <a:fillRef idx="2">
-            <a:schemeClr val="accent1"/>
-          </a:fillRef>
-          <a:effectRef idx="1">
-            <a:schemeClr val="accent1"/>
-          </a:effectRef>
-          <a:fontRef idx="minor">
-            <a:schemeClr val="dk1"/>
-          </a:fontRef>
-        </p:style>
-        <p:txBody>
-          <a:bodyPr rtlCol="0" anchor="ctr"/>
-          <a:lstStyle/>
-          <a:p>
-            <a:pPr algn="ctr"/>
-            <a:r>
-              <a:rPr lang="de-DE" sz="2400" dirty="0" smtClean="0">
-                <a:solidFill>
-                  <a:srgbClr val="000000"/>
-                </a:solidFill>
-              </a:rPr>
-              <a:t>Service</a:t>
-            </a:r>
-          </a:p>
-        </p:txBody>
-      </p:sp>
-      <p:sp>
-        <p:nvSpPr>
-          <p:cNvPr id="11" name="Pfeil nach oben und unten 10"/>
-          <p:cNvSpPr/>
-          <p:nvPr/>
-        </p:nvSpPr>
-        <p:spPr>
-          <a:xfrm>
-            <a:off x="2588509" y="3068960"/>
-            <a:ext cx="273301" cy="855094"/>
-          </a:xfrm>
-          <a:prstGeom prst="upDownArrow">
-            <a:avLst>
-              <a:gd name="adj1" fmla="val 28825"/>
-              <a:gd name="adj2" fmla="val 30750"/>
-            </a:avLst>
           </a:prstGeom>
           <a:ln w="19050"/>
         </p:spPr>
@@ -6963,7 +7288,7 @@
           <a:lstStyle/>
           <a:p>
             <a:pPr algn="ctr"/>
-            <a:endParaRPr lang="de-DE" dirty="0" smtClean="0">
+            <a:endParaRPr lang="de-DE" sz="2800" dirty="0" smtClean="0">
               <a:solidFill>
                 <a:srgbClr val="FFFFFF"/>
               </a:solidFill>
@@ -6973,34 +7298,31 @@
       </p:sp>
       <p:sp>
         <p:nvSpPr>
-          <p:cNvPr id="12" name="Pfeil nach oben und unten 11"/>
+          <p:cNvPr id="4" name="Abgerundetes Rechteck 3"/>
           <p:cNvSpPr/>
           <p:nvPr/>
         </p:nvSpPr>
         <p:spPr>
           <a:xfrm>
-            <a:off x="3865307" y="3068960"/>
-            <a:ext cx="273301" cy="855094"/>
-          </a:xfrm>
-          <a:prstGeom prst="upDownArrow">
-            <a:avLst>
-              <a:gd name="adj1" fmla="val 28825"/>
-              <a:gd name="adj2" fmla="val 30750"/>
-            </a:avLst>
-          </a:prstGeom>
-          <a:ln w="19050"/>
+            <a:off x="656565" y="3248980"/>
+            <a:ext cx="1800200" cy="450050"/>
+          </a:xfrm>
+          <a:prstGeom prst="roundRect">
+            <a:avLst/>
+          </a:prstGeom>
+          <a:ln/>
         </p:spPr>
         <p:style>
           <a:lnRef idx="2">
-            <a:schemeClr val="accent5">
+            <a:schemeClr val="accent3">
               <a:shade val="50000"/>
             </a:schemeClr>
           </a:lnRef>
           <a:fillRef idx="1">
-            <a:schemeClr val="accent5"/>
+            <a:schemeClr val="accent3"/>
           </a:fillRef>
           <a:effectRef idx="0">
-            <a:schemeClr val="accent5"/>
+            <a:schemeClr val="accent3"/>
           </a:effectRef>
           <a:fontRef idx="minor">
             <a:schemeClr val="lt1"/>
@@ -7011,44 +7333,44 @@
           <a:lstStyle/>
           <a:p>
             <a:pPr algn="ctr"/>
-            <a:endParaRPr lang="de-DE" dirty="0" smtClean="0">
-              <a:solidFill>
-                <a:srgbClr val="FFFFFF"/>
-              </a:solidFill>
-            </a:endParaRPr>
-          </a:p>
-        </p:txBody>
-      </p:sp>
-      <p:sp>
-        <p:nvSpPr>
-          <p:cNvPr id="13" name="Pfeil nach oben und unten 12"/>
+            <a:r>
+              <a:rPr lang="de-DE" sz="2400" dirty="0" smtClean="0">
+                <a:solidFill>
+                  <a:srgbClr val="FFFFFF"/>
+                </a:solidFill>
+              </a:rPr>
+              <a:t>gestartet</a:t>
+            </a:r>
+          </a:p>
+        </p:txBody>
+      </p:sp>
+      <p:sp>
+        <p:nvSpPr>
+          <p:cNvPr id="5" name="Abgerundetes Rechteck 4"/>
           <p:cNvSpPr/>
           <p:nvPr/>
         </p:nvSpPr>
         <p:spPr>
           <a:xfrm>
-            <a:off x="4906055" y="3068960"/>
-            <a:ext cx="273301" cy="855094"/>
-          </a:xfrm>
-          <a:prstGeom prst="upDownArrow">
-            <a:avLst>
-              <a:gd name="adj1" fmla="val 28825"/>
-              <a:gd name="adj2" fmla="val 30750"/>
-            </a:avLst>
-          </a:prstGeom>
-          <a:ln w="19050"/>
+            <a:off x="5742130" y="2888939"/>
+            <a:ext cx="2385265" cy="1125125"/>
+          </a:xfrm>
+          <a:prstGeom prst="roundRect">
+            <a:avLst/>
+          </a:prstGeom>
+          <a:ln/>
         </p:spPr>
         <p:style>
           <a:lnRef idx="2">
-            <a:schemeClr val="accent5">
+            <a:schemeClr val="accent3">
               <a:shade val="50000"/>
             </a:schemeClr>
           </a:lnRef>
           <a:fillRef idx="1">
-            <a:schemeClr val="accent5"/>
+            <a:schemeClr val="accent3"/>
           </a:fillRef>
           <a:effectRef idx="0">
-            <a:schemeClr val="accent5"/>
+            <a:schemeClr val="accent3"/>
           </a:effectRef>
           <a:fontRef idx="minor">
             <a:schemeClr val="lt1"/>
@@ -7059,7 +7381,48 @@
           <a:lstStyle/>
           <a:p>
             <a:pPr algn="ctr"/>
-            <a:endParaRPr lang="de-DE" dirty="0" smtClean="0">
+            <a:r>
+              <a:rPr lang="de-DE" sz="2400" dirty="0" smtClean="0">
+                <a:solidFill>
+                  <a:srgbClr val="FFFFFF"/>
+                </a:solidFill>
+              </a:rPr>
+              <a:t>mit anderen Komponenten verbunden</a:t>
+            </a:r>
+          </a:p>
+        </p:txBody>
+      </p:sp>
+      <p:sp>
+        <p:nvSpPr>
+          <p:cNvPr id="6" name="Rechteck 5"/>
+          <p:cNvSpPr/>
+          <p:nvPr/>
+        </p:nvSpPr>
+        <p:spPr>
+          <a:xfrm>
+            <a:off x="3086835" y="3175810"/>
+            <a:ext cx="2222083" cy="523220"/>
+          </a:xfrm>
+          <a:prstGeom prst="rect">
+            <a:avLst/>
+          </a:prstGeom>
+        </p:spPr>
+        <p:txBody>
+          <a:bodyPr wrap="none">
+            <a:spAutoFit/>
+          </a:bodyPr>
+          <a:lstStyle/>
+          <a:p>
+            <a:pPr algn="ctr"/>
+            <a:r>
+              <a:rPr lang="de-DE" sz="2800" dirty="0" smtClean="0">
+                <a:solidFill>
+                  <a:srgbClr val="FFFFFF"/>
+                </a:solidFill>
+              </a:rPr>
+              <a:t>Service aktiv</a:t>
+            </a:r>
+            <a:endParaRPr lang="de-DE" sz="2800" dirty="0">
               <a:solidFill>
                 <a:srgbClr val="FFFFFF"/>
               </a:solidFill>
@@ -7067,36 +7430,101 @@
           </a:p>
         </p:txBody>
       </p:sp>
-      <p:sp>
-        <p:nvSpPr>
-          <p:cNvPr id="14" name="Pfeil nach oben und unten 13"/>
+      <p:cxnSp>
+        <p:nvCxnSpPr>
+          <p:cNvPr id="7" name="Gerade Verbindung mit Pfeil 6"/>
+          <p:cNvCxnSpPr>
+            <a:endCxn id="4" idx="0"/>
+          </p:cNvCxnSpPr>
+          <p:nvPr/>
+        </p:nvCxnSpPr>
+        <p:spPr>
+          <a:xfrm>
+            <a:off x="1556665" y="1178750"/>
+            <a:ext cx="0" cy="2070230"/>
+          </a:xfrm>
+          <a:prstGeom prst="straightConnector1">
+            <a:avLst/>
+          </a:prstGeom>
+          <a:ln w="57150">
+            <a:tailEnd type="arrow"/>
+          </a:ln>
+        </p:spPr>
+        <p:style>
+          <a:lnRef idx="2">
+            <a:schemeClr val="dk1"/>
+          </a:lnRef>
+          <a:fillRef idx="0">
+            <a:schemeClr val="dk1"/>
+          </a:fillRef>
+          <a:effectRef idx="1">
+            <a:schemeClr val="dk1"/>
+          </a:effectRef>
+          <a:fontRef idx="minor">
+            <a:schemeClr val="tx1"/>
+          </a:fontRef>
+        </p:style>
+      </p:cxnSp>
+      <p:cxnSp>
+        <p:nvCxnSpPr>
+          <p:cNvPr id="8" name="Gerade Verbindung mit Pfeil 7"/>
+          <p:cNvCxnSpPr/>
+          <p:nvPr/>
+        </p:nvCxnSpPr>
+        <p:spPr>
+          <a:xfrm>
+            <a:off x="6901008" y="1358770"/>
+            <a:ext cx="33754" cy="1530169"/>
+          </a:xfrm>
+          <a:prstGeom prst="straightConnector1">
+            <a:avLst/>
+          </a:prstGeom>
+          <a:ln w="57150">
+            <a:tailEnd type="arrow"/>
+          </a:ln>
+        </p:spPr>
+        <p:style>
+          <a:lnRef idx="2">
+            <a:schemeClr val="dk1"/>
+          </a:lnRef>
+          <a:fillRef idx="0">
+            <a:schemeClr val="dk1"/>
+          </a:fillRef>
+          <a:effectRef idx="1">
+            <a:schemeClr val="dk1"/>
+          </a:effectRef>
+          <a:fontRef idx="minor">
+            <a:schemeClr val="tx1"/>
+          </a:fontRef>
+        </p:style>
+      </p:cxnSp>
+      <p:sp>
+        <p:nvSpPr>
+          <p:cNvPr id="9" name="Abgerundetes Rechteck 8"/>
           <p:cNvSpPr/>
           <p:nvPr/>
         </p:nvSpPr>
         <p:spPr>
           <a:xfrm>
-            <a:off x="5918879" y="3068959"/>
-            <a:ext cx="273301" cy="855095"/>
-          </a:xfrm>
-          <a:prstGeom prst="upDownArrow">
-            <a:avLst>
-              <a:gd name="adj1" fmla="val 28825"/>
-              <a:gd name="adj2" fmla="val 30750"/>
-            </a:avLst>
-          </a:prstGeom>
-          <a:ln w="19050"/>
+            <a:off x="1556665" y="1755275"/>
+            <a:ext cx="2070230" cy="540060"/>
+          </a:xfrm>
+          <a:prstGeom prst="roundRect">
+            <a:avLst/>
+          </a:prstGeom>
+          <a:ln/>
         </p:spPr>
         <p:style>
           <a:lnRef idx="2">
-            <a:schemeClr val="accent5">
+            <a:schemeClr val="accent1">
               <a:shade val="50000"/>
             </a:schemeClr>
           </a:lnRef>
           <a:fillRef idx="1">
-            <a:schemeClr val="accent5"/>
+            <a:schemeClr val="accent1"/>
           </a:fillRef>
           <a:effectRef idx="0">
-            <a:schemeClr val="accent5"/>
+            <a:schemeClr val="accent1"/>
           </a:effectRef>
           <a:fontRef idx="minor">
             <a:schemeClr val="lt1"/>
@@ -7107,85 +7535,52 @@
           <a:lstStyle/>
           <a:p>
             <a:pPr algn="ctr"/>
-            <a:endParaRPr lang="de-DE" dirty="0" smtClean="0">
-              <a:solidFill>
-                <a:srgbClr val="FFFFFF"/>
-              </a:solidFill>
-            </a:endParaRPr>
-          </a:p>
-        </p:txBody>
-      </p:sp>
-      <p:pic>
-        <p:nvPicPr>
-          <p:cNvPr id="2050" name="Picture 2" descr="http://icons.iconarchive.com/icons/icons-land/vista-hardware-devices/256/Home-Server-icon.png"/>
-          <p:cNvPicPr>
-            <a:picLocks noChangeAspect="1" noChangeArrowheads="1"/>
-          </p:cNvPicPr>
-          <p:nvPr/>
-        </p:nvPicPr>
-        <p:blipFill>
-          <a:blip r:embed="rId5">
-            <a:extLst>
-              <a:ext uri="{28A0092B-C50C-407E-A947-70E740481C1C}">
-                <a14:useLocalDpi xmlns:a14="http://schemas.microsoft.com/office/drawing/2010/main" val="0"/>
-              </a:ext>
-            </a:extLst>
-          </a:blip>
-          <a:srcRect/>
-          <a:stretch>
-            <a:fillRect/>
-          </a:stretch>
-        </p:blipFill>
-        <p:spPr bwMode="auto">
-          <a:xfrm>
-            <a:off x="3920947" y="593685"/>
-            <a:ext cx="1445665" cy="1445665"/>
-          </a:xfrm>
-          <a:prstGeom prst="rect">
-            <a:avLst/>
-          </a:prstGeom>
-          <a:noFill/>
-          <a:extLst>
-            <a:ext uri="{909E8E84-426E-40DD-AFC4-6F175D3DCCD1}">
-              <a14:hiddenFill xmlns:a14="http://schemas.microsoft.com/office/drawing/2010/main">
+            <a:r>
+              <a:rPr lang="de-DE" sz="2400" dirty="0" err="1" smtClean="0">
                 <a:solidFill>
                   <a:srgbClr val="FFFFFF"/>
                 </a:solidFill>
-              </a14:hiddenFill>
-            </a:ext>
-          </a:extLst>
-        </p:spPr>
-      </p:pic>
-      <p:sp>
-        <p:nvSpPr>
-          <p:cNvPr id="10" name="Pfeil nach oben und unten 9"/>
+              </a:rPr>
+              <a:t>startService</a:t>
+            </a:r>
+            <a:r>
+              <a:rPr lang="de-DE" sz="2400" dirty="0" smtClean="0">
+                <a:solidFill>
+                  <a:srgbClr val="FFFFFF"/>
+                </a:solidFill>
+              </a:rPr>
+              <a:t>()</a:t>
+            </a:r>
+          </a:p>
+        </p:txBody>
+      </p:sp>
+      <p:sp>
+        <p:nvSpPr>
+          <p:cNvPr id="10" name="Abgerundetes Rechteck 9"/>
           <p:cNvSpPr/>
           <p:nvPr/>
         </p:nvSpPr>
         <p:spPr>
           <a:xfrm>
-            <a:off x="4480354" y="1853825"/>
-            <a:ext cx="273301" cy="720079"/>
-          </a:xfrm>
-          <a:prstGeom prst="upDownArrow">
-            <a:avLst>
-              <a:gd name="adj1" fmla="val 28825"/>
-              <a:gd name="adj2" fmla="val 30750"/>
-            </a:avLst>
-          </a:prstGeom>
-          <a:ln w="19050"/>
+            <a:off x="4549497" y="4509120"/>
+            <a:ext cx="2461502" cy="540060"/>
+          </a:xfrm>
+          <a:prstGeom prst="roundRect">
+            <a:avLst/>
+          </a:prstGeom>
+          <a:ln/>
         </p:spPr>
         <p:style>
           <a:lnRef idx="2">
-            <a:schemeClr val="accent5">
+            <a:schemeClr val="accent1">
               <a:shade val="50000"/>
             </a:schemeClr>
           </a:lnRef>
           <a:fillRef idx="1">
-            <a:schemeClr val="accent5"/>
+            <a:schemeClr val="accent1"/>
           </a:fillRef>
           <a:effectRef idx="0">
-            <a:schemeClr val="accent5"/>
+            <a:schemeClr val="accent1"/>
           </a:effectRef>
           <a:fontRef idx="minor">
             <a:schemeClr val="lt1"/>
@@ -7196,18 +7591,451 @@
           <a:lstStyle/>
           <a:p>
             <a:pPr algn="ctr"/>
-            <a:endParaRPr lang="de-DE" dirty="0" smtClean="0">
-              <a:solidFill>
-                <a:srgbClr val="FFFFFF"/>
-              </a:solidFill>
-            </a:endParaRPr>
+            <a:r>
+              <a:rPr lang="de-DE" sz="2400" dirty="0" err="1" smtClean="0">
+                <a:solidFill>
+                  <a:srgbClr val="FFFFFF"/>
+                </a:solidFill>
+              </a:rPr>
+              <a:t>unbindService</a:t>
+            </a:r>
+            <a:r>
+              <a:rPr lang="de-DE" sz="2400" dirty="0" smtClean="0">
+                <a:solidFill>
+                  <a:srgbClr val="FFFFFF"/>
+                </a:solidFill>
+              </a:rPr>
+              <a:t>()</a:t>
+            </a:r>
+          </a:p>
+        </p:txBody>
+      </p:sp>
+      <p:cxnSp>
+        <p:nvCxnSpPr>
+          <p:cNvPr id="11" name="Gerade Verbindung mit Pfeil 10"/>
+          <p:cNvCxnSpPr/>
+          <p:nvPr/>
+        </p:nvCxnSpPr>
+        <p:spPr>
+          <a:xfrm>
+            <a:off x="1556665" y="3699030"/>
+            <a:ext cx="0" cy="2070230"/>
+          </a:xfrm>
+          <a:prstGeom prst="straightConnector1">
+            <a:avLst/>
+          </a:prstGeom>
+          <a:ln w="57150">
+            <a:tailEnd type="arrow"/>
+          </a:ln>
+        </p:spPr>
+        <p:style>
+          <a:lnRef idx="2">
+            <a:schemeClr val="dk1"/>
+          </a:lnRef>
+          <a:fillRef idx="0">
+            <a:schemeClr val="dk1"/>
+          </a:fillRef>
+          <a:effectRef idx="1">
+            <a:schemeClr val="dk1"/>
+          </a:effectRef>
+          <a:fontRef idx="minor">
+            <a:schemeClr val="tx1"/>
+          </a:fontRef>
+        </p:style>
+      </p:cxnSp>
+      <p:cxnSp>
+        <p:nvCxnSpPr>
+          <p:cNvPr id="12" name="Gerade Verbindung mit Pfeil 11"/>
+          <p:cNvCxnSpPr/>
+          <p:nvPr/>
+        </p:nvCxnSpPr>
+        <p:spPr>
+          <a:xfrm>
+            <a:off x="6957265" y="4014066"/>
+            <a:ext cx="33754" cy="1530169"/>
+          </a:xfrm>
+          <a:prstGeom prst="straightConnector1">
+            <a:avLst/>
+          </a:prstGeom>
+          <a:ln w="57150">
+            <a:tailEnd type="arrow"/>
+          </a:ln>
+        </p:spPr>
+        <p:style>
+          <a:lnRef idx="2">
+            <a:schemeClr val="dk1"/>
+          </a:lnRef>
+          <a:fillRef idx="0">
+            <a:schemeClr val="dk1"/>
+          </a:fillRef>
+          <a:effectRef idx="1">
+            <a:schemeClr val="dk1"/>
+          </a:effectRef>
+          <a:fontRef idx="minor">
+            <a:schemeClr val="tx1"/>
+          </a:fontRef>
+        </p:style>
+      </p:cxnSp>
+      <p:sp>
+        <p:nvSpPr>
+          <p:cNvPr id="13" name="Abgerundetes Rechteck 12"/>
+          <p:cNvSpPr/>
+          <p:nvPr/>
+        </p:nvSpPr>
+        <p:spPr>
+          <a:xfrm>
+            <a:off x="4842030" y="1763815"/>
+            <a:ext cx="2070230" cy="540060"/>
+          </a:xfrm>
+          <a:prstGeom prst="roundRect">
+            <a:avLst/>
+          </a:prstGeom>
+          <a:ln/>
+        </p:spPr>
+        <p:style>
+          <a:lnRef idx="2">
+            <a:schemeClr val="accent1">
+              <a:shade val="50000"/>
+            </a:schemeClr>
+          </a:lnRef>
+          <a:fillRef idx="1">
+            <a:schemeClr val="accent1"/>
+          </a:fillRef>
+          <a:effectRef idx="0">
+            <a:schemeClr val="accent1"/>
+          </a:effectRef>
+          <a:fontRef idx="minor">
+            <a:schemeClr val="lt1"/>
+          </a:fontRef>
+        </p:style>
+        <p:txBody>
+          <a:bodyPr rtlCol="0" anchor="ctr"/>
+          <a:lstStyle/>
+          <a:p>
+            <a:pPr algn="ctr"/>
+            <a:r>
+              <a:rPr lang="de-DE" sz="2400" dirty="0" err="1" smtClean="0">
+                <a:solidFill>
+                  <a:srgbClr val="FFFFFF"/>
+                </a:solidFill>
+              </a:rPr>
+              <a:t>bindService</a:t>
+            </a:r>
+            <a:r>
+              <a:rPr lang="de-DE" sz="2400" dirty="0" smtClean="0">
+                <a:solidFill>
+                  <a:srgbClr val="FFFFFF"/>
+                </a:solidFill>
+              </a:rPr>
+              <a:t>()</a:t>
+            </a:r>
+          </a:p>
+        </p:txBody>
+      </p:sp>
+      <p:sp>
+        <p:nvSpPr>
+          <p:cNvPr id="14" name="Abgerundetes Rechteck 13"/>
+          <p:cNvSpPr/>
+          <p:nvPr/>
+        </p:nvSpPr>
+        <p:spPr>
+          <a:xfrm>
+            <a:off x="1570438" y="4509120"/>
+            <a:ext cx="2461502" cy="882715"/>
+          </a:xfrm>
+          <a:prstGeom prst="roundRect">
+            <a:avLst/>
+          </a:prstGeom>
+          <a:ln/>
+        </p:spPr>
+        <p:style>
+          <a:lnRef idx="2">
+            <a:schemeClr val="accent1">
+              <a:shade val="50000"/>
+            </a:schemeClr>
+          </a:lnRef>
+          <a:fillRef idx="1">
+            <a:schemeClr val="accent1"/>
+          </a:fillRef>
+          <a:effectRef idx="0">
+            <a:schemeClr val="accent1"/>
+          </a:effectRef>
+          <a:fontRef idx="minor">
+            <a:schemeClr val="lt1"/>
+          </a:fontRef>
+        </p:style>
+        <p:txBody>
+          <a:bodyPr rtlCol="0" anchor="ctr"/>
+          <a:lstStyle/>
+          <a:p>
+            <a:pPr algn="ctr"/>
+            <a:r>
+              <a:rPr lang="de-DE" sz="2400" dirty="0" err="1" smtClean="0">
+                <a:solidFill>
+                  <a:srgbClr val="FFFFFF"/>
+                </a:solidFill>
+              </a:rPr>
+              <a:t>stopService</a:t>
+            </a:r>
+            <a:r>
+              <a:rPr lang="de-DE" sz="2400" dirty="0" smtClean="0">
+                <a:solidFill>
+                  <a:srgbClr val="FFFFFF"/>
+                </a:solidFill>
+              </a:rPr>
+              <a:t>()</a:t>
+            </a:r>
+          </a:p>
+          <a:p>
+            <a:pPr algn="ctr"/>
+            <a:r>
+              <a:rPr lang="de-DE" sz="2400" dirty="0" err="1" smtClean="0">
+                <a:solidFill>
+                  <a:srgbClr val="FFFFFF"/>
+                </a:solidFill>
+              </a:rPr>
+              <a:t>stopSelf</a:t>
+            </a:r>
+            <a:r>
+              <a:rPr lang="de-DE" sz="2400" dirty="0" smtClean="0">
+                <a:solidFill>
+                  <a:srgbClr val="FFFFFF"/>
+                </a:solidFill>
+              </a:rPr>
+              <a:t>()</a:t>
+            </a:r>
+          </a:p>
+        </p:txBody>
+      </p:sp>
+      <p:sp>
+        <p:nvSpPr>
+          <p:cNvPr id="16" name="Ovale Legende 15"/>
+          <p:cNvSpPr/>
+          <p:nvPr/>
+        </p:nvSpPr>
+        <p:spPr>
+          <a:xfrm>
+            <a:off x="2755468" y="503675"/>
+            <a:ext cx="2986661" cy="1026575"/>
+          </a:xfrm>
+          <a:prstGeom prst="wedgeEllipseCallout">
+            <a:avLst>
+              <a:gd name="adj1" fmla="val -56552"/>
+              <a:gd name="adj2" fmla="val 77345"/>
+            </a:avLst>
+          </a:prstGeom>
+          <a:ln/>
+        </p:spPr>
+        <p:style>
+          <a:lnRef idx="2">
+            <a:schemeClr val="accent4">
+              <a:shade val="50000"/>
+            </a:schemeClr>
+          </a:lnRef>
+          <a:fillRef idx="1">
+            <a:schemeClr val="accent4"/>
+          </a:fillRef>
+          <a:effectRef idx="0">
+            <a:schemeClr val="accent4"/>
+          </a:effectRef>
+          <a:fontRef idx="minor">
+            <a:schemeClr val="lt1"/>
+          </a:fontRef>
+        </p:style>
+        <p:txBody>
+          <a:bodyPr rtlCol="0" anchor="ctr"/>
+          <a:lstStyle/>
+          <a:p>
+            <a:pPr algn="ctr"/>
+            <a:r>
+              <a:rPr lang="de-DE" sz="2400" dirty="0" smtClean="0">
+                <a:solidFill>
+                  <a:srgbClr val="FFFFFF"/>
+                </a:solidFill>
+              </a:rPr>
+              <a:t>Beim Start des Geräts</a:t>
+            </a:r>
+          </a:p>
+        </p:txBody>
+      </p:sp>
+      <p:cxnSp>
+        <p:nvCxnSpPr>
+          <p:cNvPr id="18" name="Gerade Verbindung 17"/>
+          <p:cNvCxnSpPr/>
+          <p:nvPr/>
+        </p:nvCxnSpPr>
+        <p:spPr>
+          <a:xfrm>
+            <a:off x="881590" y="4319418"/>
+            <a:ext cx="3667907" cy="1449842"/>
+          </a:xfrm>
+          <a:prstGeom prst="line">
+            <a:avLst/>
+          </a:prstGeom>
+          <a:ln w="57150">
+            <a:solidFill>
+              <a:srgbClr val="FF0000"/>
+            </a:solidFill>
+            <a:tailEnd type="none"/>
+          </a:ln>
+        </p:spPr>
+        <p:style>
+          <a:lnRef idx="1">
+            <a:schemeClr val="accent1"/>
+          </a:lnRef>
+          <a:fillRef idx="0">
+            <a:schemeClr val="accent1"/>
+          </a:fillRef>
+          <a:effectRef idx="0">
+            <a:schemeClr val="accent1"/>
+          </a:effectRef>
+          <a:fontRef idx="minor">
+            <a:schemeClr val="tx1"/>
+          </a:fontRef>
+        </p:style>
+      </p:cxnSp>
+      <p:cxnSp>
+        <p:nvCxnSpPr>
+          <p:cNvPr id="20" name="Gerade Verbindung 19"/>
+          <p:cNvCxnSpPr/>
+          <p:nvPr/>
+        </p:nvCxnSpPr>
+        <p:spPr>
+          <a:xfrm flipV="1">
+            <a:off x="881590" y="4194085"/>
+            <a:ext cx="3150350" cy="1575175"/>
+          </a:xfrm>
+          <a:prstGeom prst="line">
+            <a:avLst/>
+          </a:prstGeom>
+          <a:ln w="57150">
+            <a:solidFill>
+              <a:srgbClr val="FF0000"/>
+            </a:solidFill>
+            <a:tailEnd type="none"/>
+          </a:ln>
+        </p:spPr>
+        <p:style>
+          <a:lnRef idx="1">
+            <a:schemeClr val="accent1"/>
+          </a:lnRef>
+          <a:fillRef idx="0">
+            <a:schemeClr val="accent1"/>
+          </a:fillRef>
+          <a:effectRef idx="0">
+            <a:schemeClr val="accent1"/>
+          </a:effectRef>
+          <a:fontRef idx="minor">
+            <a:schemeClr val="tx1"/>
+          </a:fontRef>
+        </p:style>
+      </p:cxnSp>
+      <p:sp>
+        <p:nvSpPr>
+          <p:cNvPr id="21" name="Ovale Legende 20"/>
+          <p:cNvSpPr/>
+          <p:nvPr/>
+        </p:nvSpPr>
+        <p:spPr>
+          <a:xfrm>
+            <a:off x="3914347" y="4878547"/>
+            <a:ext cx="2986661" cy="1026575"/>
+          </a:xfrm>
+          <a:prstGeom prst="wedgeEllipseCallout">
+            <a:avLst>
+              <a:gd name="adj1" fmla="val -72881"/>
+              <a:gd name="adj2" fmla="val -17666"/>
+            </a:avLst>
+          </a:prstGeom>
+          <a:ln/>
+        </p:spPr>
+        <p:style>
+          <a:lnRef idx="2">
+            <a:schemeClr val="accent4">
+              <a:shade val="50000"/>
+            </a:schemeClr>
+          </a:lnRef>
+          <a:fillRef idx="1">
+            <a:schemeClr val="accent4"/>
+          </a:fillRef>
+          <a:effectRef idx="0">
+            <a:schemeClr val="accent4"/>
+          </a:effectRef>
+          <a:fontRef idx="minor">
+            <a:schemeClr val="lt1"/>
+          </a:fontRef>
+        </p:style>
+        <p:txBody>
+          <a:bodyPr rtlCol="0" anchor="ctr"/>
+          <a:lstStyle/>
+          <a:p>
+            <a:pPr algn="ctr"/>
+            <a:r>
+              <a:rPr lang="de-DE" sz="2400" dirty="0" smtClean="0">
+                <a:solidFill>
+                  <a:srgbClr val="FFFFFF"/>
+                </a:solidFill>
+              </a:rPr>
+              <a:t>Läuft ewig</a:t>
+            </a:r>
+          </a:p>
+        </p:txBody>
+      </p:sp>
+      <p:sp>
+        <p:nvSpPr>
+          <p:cNvPr id="23" name="Ovale Legende 22"/>
+          <p:cNvSpPr/>
+          <p:nvPr/>
+        </p:nvSpPr>
+        <p:spPr>
+          <a:xfrm>
+            <a:off x="5634662" y="332195"/>
+            <a:ext cx="3509337" cy="1026575"/>
+          </a:xfrm>
+          <a:prstGeom prst="wedgeEllipseCallout">
+            <a:avLst>
+              <a:gd name="adj1" fmla="val 8589"/>
+              <a:gd name="adj2" fmla="val 199078"/>
+            </a:avLst>
+          </a:prstGeom>
+          <a:ln/>
+        </p:spPr>
+        <p:style>
+          <a:lnRef idx="2">
+            <a:schemeClr val="accent4">
+              <a:shade val="50000"/>
+            </a:schemeClr>
+          </a:lnRef>
+          <a:fillRef idx="1">
+            <a:schemeClr val="accent4"/>
+          </a:fillRef>
+          <a:effectRef idx="0">
+            <a:schemeClr val="accent4"/>
+          </a:effectRef>
+          <a:fontRef idx="minor">
+            <a:schemeClr val="lt1"/>
+          </a:fontRef>
+        </p:style>
+        <p:txBody>
+          <a:bodyPr rtlCol="0" anchor="ctr"/>
+          <a:lstStyle/>
+          <a:p>
+            <a:pPr algn="ctr"/>
+            <a:r>
+              <a:rPr lang="de-DE" sz="2400" dirty="0" smtClean="0">
+                <a:solidFill>
+                  <a:srgbClr val="FFFFFF"/>
+                </a:solidFill>
+              </a:rPr>
+              <a:t>Kommunikation über Binder</a:t>
+            </a:r>
           </a:p>
         </p:txBody>
       </p:sp>
     </p:spTree>
     <p:extLst>
       <p:ext uri="{BB962C8B-B14F-4D97-AF65-F5344CB8AC3E}">
-        <p14:creationId xmlns:p14="http://schemas.microsoft.com/office/powerpoint/2010/main" val="2992768944"/>
+        <p14:creationId xmlns:p14="http://schemas.microsoft.com/office/powerpoint/2010/main" val="1799769859"/>
       </p:ext>
     </p:extLst>
   </p:cSld>
@@ -7256,10 +8084,6 @@
           <a:bodyPr/>
           <a:lstStyle/>
           <a:p>
-            <a:r>
-              <a:rPr lang="de-DE" dirty="0" smtClean="0"/>
-              <a:t>Android Services</a:t>
-            </a:r>
             <a:endParaRPr lang="de-DE" dirty="0"/>
           </a:p>
         </p:txBody>
@@ -7274,92 +8098,29 @@
             <p:ph idx="1"/>
           </p:nvPr>
         </p:nvSpPr>
-        <p:spPr/>
-        <p:txBody>
-          <a:bodyPr/>
-          <a:lstStyle/>
-          <a:p>
-            <a:r>
-              <a:rPr lang="de-DE" sz="2400" dirty="0" smtClean="0"/>
-              <a:t>Idee:</a:t>
-            </a:r>
-          </a:p>
-          <a:p>
-            <a:pPr marL="342900" indent="-342900">
-              <a:buFont typeface="Arial" panose="020B0604020202020204" pitchFamily="34" charset="0"/>
-              <a:buChar char="•"/>
-            </a:pPr>
-            <a:r>
-              <a:rPr lang="de-DE" sz="2400" dirty="0" smtClean="0"/>
-              <a:t>Bearbeitet komplexere Aufgaben</a:t>
-            </a:r>
-          </a:p>
-          <a:p>
-            <a:pPr marL="342900" indent="-342900">
-              <a:buFont typeface="Arial" panose="020B0604020202020204" pitchFamily="34" charset="0"/>
-              <a:buChar char="•"/>
-            </a:pPr>
-            <a:r>
-              <a:rPr lang="de-DE" sz="2400" dirty="0" smtClean="0"/>
-              <a:t>Läuft im Hintergrund</a:t>
-            </a:r>
-          </a:p>
-          <a:p>
-            <a:pPr marL="342900" indent="-342900">
-              <a:buFont typeface="Arial" panose="020B0604020202020204" pitchFamily="34" charset="0"/>
-              <a:buChar char="•"/>
-            </a:pPr>
-            <a:r>
-              <a:rPr lang="de-DE" sz="2400" dirty="0" smtClean="0"/>
-              <a:t>Hat keine eigene UI</a:t>
-            </a:r>
-          </a:p>
-          <a:p>
-            <a:endParaRPr lang="de-DE" sz="2400" dirty="0"/>
-          </a:p>
-          <a:p>
-            <a:r>
-              <a:rPr lang="de-DE" sz="2400" dirty="0" smtClean="0"/>
-              <a:t>Beispiele:</a:t>
-            </a:r>
-          </a:p>
-          <a:p>
-            <a:pPr marL="342900" indent="-342900">
-              <a:buFont typeface="Arial" panose="020B0604020202020204" pitchFamily="34" charset="0"/>
-              <a:buChar char="•"/>
-            </a:pPr>
-            <a:r>
-              <a:rPr lang="de-DE" sz="2400" dirty="0" smtClean="0"/>
-              <a:t>Herunterladen von Daten aus dem Internet</a:t>
-            </a:r>
-          </a:p>
-          <a:p>
-            <a:pPr marL="342900" indent="-342900">
-              <a:buFont typeface="Arial" panose="020B0604020202020204" pitchFamily="34" charset="0"/>
-              <a:buChar char="•"/>
-            </a:pPr>
-            <a:r>
-              <a:rPr lang="de-DE" sz="2400" dirty="0" smtClean="0"/>
-              <a:t>Abspielen von Musik</a:t>
-            </a:r>
-          </a:p>
-          <a:p>
-            <a:pPr marL="342900" indent="-342900">
-              <a:buFont typeface="Arial" panose="020B0604020202020204" pitchFamily="34" charset="0"/>
-              <a:buChar char="•"/>
-            </a:pPr>
-            <a:r>
-              <a:rPr lang="de-DE" sz="2400" dirty="0" smtClean="0"/>
-              <a:t>Verarbeiten von Dateien</a:t>
-            </a:r>
-            <a:endParaRPr lang="de-DE" sz="2400" dirty="0"/>
+        <p:spPr>
+          <a:xfrm>
+            <a:off x="384175" y="1042988"/>
+            <a:ext cx="8375650" cy="4772025"/>
+          </a:xfrm>
+        </p:spPr>
+        <p:txBody>
+          <a:bodyPr anchor="ctr"/>
+          <a:lstStyle/>
+          <a:p>
+            <a:pPr algn="ctr"/>
+            <a:r>
+              <a:rPr lang="de-DE" sz="4400" dirty="0" smtClean="0"/>
+              <a:t>Demo</a:t>
+            </a:r>
+            <a:endParaRPr lang="de-DE" sz="4400" dirty="0"/>
           </a:p>
         </p:txBody>
       </p:sp>
     </p:spTree>
     <p:extLst>
       <p:ext uri="{BB962C8B-B14F-4D97-AF65-F5344CB8AC3E}">
-        <p14:creationId xmlns:p14="http://schemas.microsoft.com/office/powerpoint/2010/main" val="3912646582"/>
+        <p14:creationId xmlns:p14="http://schemas.microsoft.com/office/powerpoint/2010/main" val="1315016961"/>
       </p:ext>
     </p:extLst>
   </p:cSld>
@@ -7532,2194 +8293,6 @@
         </p:txBody>
       </p:sp>
     </p:spTree>
-  </p:cSld>
-  <p:clrMapOvr>
-    <a:masterClrMapping/>
-  </p:clrMapOvr>
-  <p:timing>
-    <p:tnLst>
-      <p:par>
-        <p:cTn id="1" dur="indefinite" restart="never" nodeType="tmRoot"/>
-      </p:par>
-    </p:tnLst>
-  </p:timing>
-</p:sld>
-</file>
-
-<file path=ppt/slides/slide20.xml><?xml version="1.0" encoding="utf-8"?>
-<p:sld xmlns:a="http://schemas.openxmlformats.org/drawingml/2006/main" xmlns:r="http://schemas.openxmlformats.org/officeDocument/2006/relationships" xmlns:p="http://schemas.openxmlformats.org/presentationml/2006/main">
-  <p:cSld>
-    <p:spTree>
-      <p:nvGrpSpPr>
-        <p:cNvPr id="1" name=""/>
-        <p:cNvGrpSpPr/>
-        <p:nvPr/>
-      </p:nvGrpSpPr>
-      <p:grpSpPr>
-        <a:xfrm>
-          <a:off x="0" y="0"/>
-          <a:ext cx="0" cy="0"/>
-          <a:chOff x="0" y="0"/>
-          <a:chExt cx="0" cy="0"/>
-        </a:xfrm>
-      </p:grpSpPr>
-      <p:sp>
-        <p:nvSpPr>
-          <p:cNvPr id="2" name="Titel 1"/>
-          <p:cNvSpPr>
-            <a:spLocks noGrp="1"/>
-          </p:cNvSpPr>
-          <p:nvPr>
-            <p:ph type="title"/>
-          </p:nvPr>
-        </p:nvSpPr>
-        <p:spPr/>
-        <p:txBody>
-          <a:bodyPr/>
-          <a:lstStyle/>
-          <a:p>
-            <a:r>
-              <a:rPr lang="de-DE" dirty="0" smtClean="0"/>
-              <a:t>Android Services: </a:t>
-            </a:r>
-            <a:r>
-              <a:rPr lang="de-DE" dirty="0" err="1" smtClean="0"/>
-              <a:t>Lifecycle</a:t>
-            </a:r>
-            <a:r>
-              <a:rPr lang="de-DE" dirty="0" smtClean="0"/>
-              <a:t> </a:t>
-            </a:r>
-            <a:endParaRPr lang="de-DE" dirty="0"/>
-          </a:p>
-        </p:txBody>
-      </p:sp>
-      <p:sp>
-        <p:nvSpPr>
-          <p:cNvPr id="24" name="Rechteck 23"/>
-          <p:cNvSpPr/>
-          <p:nvPr/>
-        </p:nvSpPr>
-        <p:spPr>
-          <a:xfrm>
-            <a:off x="476544" y="2654233"/>
-            <a:ext cx="8145906" cy="1665185"/>
-          </a:xfrm>
-          <a:prstGeom prst="rect">
-            <a:avLst/>
-          </a:prstGeom>
-          <a:ln w="19050"/>
-        </p:spPr>
-        <p:style>
-          <a:lnRef idx="2">
-            <a:schemeClr val="accent5">
-              <a:shade val="50000"/>
-            </a:schemeClr>
-          </a:lnRef>
-          <a:fillRef idx="1">
-            <a:schemeClr val="accent5"/>
-          </a:fillRef>
-          <a:effectRef idx="0">
-            <a:schemeClr val="accent5"/>
-          </a:effectRef>
-          <a:fontRef idx="minor">
-            <a:schemeClr val="lt1"/>
-          </a:fontRef>
-        </p:style>
-        <p:txBody>
-          <a:bodyPr rtlCol="0" anchor="ctr"/>
-          <a:lstStyle/>
-          <a:p>
-            <a:pPr algn="ctr"/>
-            <a:endParaRPr lang="de-DE" sz="2800" dirty="0" smtClean="0">
-              <a:solidFill>
-                <a:srgbClr val="FFFFFF"/>
-              </a:solidFill>
-            </a:endParaRPr>
-          </a:p>
-        </p:txBody>
-      </p:sp>
-      <p:sp>
-        <p:nvSpPr>
-          <p:cNvPr id="25" name="Abgerundetes Rechteck 24"/>
-          <p:cNvSpPr/>
-          <p:nvPr/>
-        </p:nvSpPr>
-        <p:spPr>
-          <a:xfrm>
-            <a:off x="656565" y="3248980"/>
-            <a:ext cx="1800200" cy="450050"/>
-          </a:xfrm>
-          <a:prstGeom prst="roundRect">
-            <a:avLst/>
-          </a:prstGeom>
-          <a:ln/>
-        </p:spPr>
-        <p:style>
-          <a:lnRef idx="2">
-            <a:schemeClr val="accent3">
-              <a:shade val="50000"/>
-            </a:schemeClr>
-          </a:lnRef>
-          <a:fillRef idx="1">
-            <a:schemeClr val="accent3"/>
-          </a:fillRef>
-          <a:effectRef idx="0">
-            <a:schemeClr val="accent3"/>
-          </a:effectRef>
-          <a:fontRef idx="minor">
-            <a:schemeClr val="lt1"/>
-          </a:fontRef>
-        </p:style>
-        <p:txBody>
-          <a:bodyPr rtlCol="0" anchor="ctr"/>
-          <a:lstStyle/>
-          <a:p>
-            <a:pPr algn="ctr"/>
-            <a:r>
-              <a:rPr lang="de-DE" sz="2400" dirty="0" smtClean="0">
-                <a:solidFill>
-                  <a:srgbClr val="FFFFFF"/>
-                </a:solidFill>
-              </a:rPr>
-              <a:t>gestartet</a:t>
-            </a:r>
-          </a:p>
-        </p:txBody>
-      </p:sp>
-      <p:sp>
-        <p:nvSpPr>
-          <p:cNvPr id="26" name="Abgerundetes Rechteck 25"/>
-          <p:cNvSpPr/>
-          <p:nvPr/>
-        </p:nvSpPr>
-        <p:spPr>
-          <a:xfrm>
-            <a:off x="5742130" y="2888939"/>
-            <a:ext cx="2385265" cy="1125125"/>
-          </a:xfrm>
-          <a:prstGeom prst="roundRect">
-            <a:avLst/>
-          </a:prstGeom>
-          <a:ln/>
-        </p:spPr>
-        <p:style>
-          <a:lnRef idx="2">
-            <a:schemeClr val="accent3">
-              <a:shade val="50000"/>
-            </a:schemeClr>
-          </a:lnRef>
-          <a:fillRef idx="1">
-            <a:schemeClr val="accent3"/>
-          </a:fillRef>
-          <a:effectRef idx="0">
-            <a:schemeClr val="accent3"/>
-          </a:effectRef>
-          <a:fontRef idx="minor">
-            <a:schemeClr val="lt1"/>
-          </a:fontRef>
-        </p:style>
-        <p:txBody>
-          <a:bodyPr rtlCol="0" anchor="ctr"/>
-          <a:lstStyle/>
-          <a:p>
-            <a:pPr algn="ctr"/>
-            <a:r>
-              <a:rPr lang="de-DE" sz="2400" dirty="0" smtClean="0">
-                <a:solidFill>
-                  <a:srgbClr val="FFFFFF"/>
-                </a:solidFill>
-              </a:rPr>
-              <a:t>mit anderen Komponenten verbunden</a:t>
-            </a:r>
-          </a:p>
-        </p:txBody>
-      </p:sp>
-      <p:sp>
-        <p:nvSpPr>
-          <p:cNvPr id="27" name="Rechteck 26"/>
-          <p:cNvSpPr/>
-          <p:nvPr/>
-        </p:nvSpPr>
-        <p:spPr>
-          <a:xfrm>
-            <a:off x="3086835" y="3175810"/>
-            <a:ext cx="2222083" cy="523220"/>
-          </a:xfrm>
-          <a:prstGeom prst="rect">
-            <a:avLst/>
-          </a:prstGeom>
-        </p:spPr>
-        <p:txBody>
-          <a:bodyPr wrap="none">
-            <a:spAutoFit/>
-          </a:bodyPr>
-          <a:lstStyle/>
-          <a:p>
-            <a:pPr algn="ctr"/>
-            <a:r>
-              <a:rPr lang="de-DE" sz="2800" dirty="0" smtClean="0">
-                <a:solidFill>
-                  <a:srgbClr val="FFFFFF"/>
-                </a:solidFill>
-              </a:rPr>
-              <a:t>Service aktiv</a:t>
-            </a:r>
-            <a:endParaRPr lang="de-DE" sz="2800" dirty="0">
-              <a:solidFill>
-                <a:srgbClr val="FFFFFF"/>
-              </a:solidFill>
-            </a:endParaRPr>
-          </a:p>
-        </p:txBody>
-      </p:sp>
-      <p:cxnSp>
-        <p:nvCxnSpPr>
-          <p:cNvPr id="28" name="Gerade Verbindung mit Pfeil 27"/>
-          <p:cNvCxnSpPr>
-            <a:endCxn id="25" idx="0"/>
-          </p:cNvCxnSpPr>
-          <p:nvPr/>
-        </p:nvCxnSpPr>
-        <p:spPr>
-          <a:xfrm>
-            <a:off x="1556665" y="1178750"/>
-            <a:ext cx="0" cy="2070230"/>
-          </a:xfrm>
-          <a:prstGeom prst="straightConnector1">
-            <a:avLst/>
-          </a:prstGeom>
-          <a:ln w="57150">
-            <a:tailEnd type="arrow"/>
-          </a:ln>
-        </p:spPr>
-        <p:style>
-          <a:lnRef idx="2">
-            <a:schemeClr val="dk1"/>
-          </a:lnRef>
-          <a:fillRef idx="0">
-            <a:schemeClr val="dk1"/>
-          </a:fillRef>
-          <a:effectRef idx="1">
-            <a:schemeClr val="dk1"/>
-          </a:effectRef>
-          <a:fontRef idx="minor">
-            <a:schemeClr val="tx1"/>
-          </a:fontRef>
-        </p:style>
-      </p:cxnSp>
-      <p:cxnSp>
-        <p:nvCxnSpPr>
-          <p:cNvPr id="29" name="Gerade Verbindung mit Pfeil 28"/>
-          <p:cNvCxnSpPr/>
-          <p:nvPr/>
-        </p:nvCxnSpPr>
-        <p:spPr>
-          <a:xfrm>
-            <a:off x="6901008" y="1358770"/>
-            <a:ext cx="33754" cy="1530169"/>
-          </a:xfrm>
-          <a:prstGeom prst="straightConnector1">
-            <a:avLst/>
-          </a:prstGeom>
-          <a:ln w="57150">
-            <a:tailEnd type="arrow"/>
-          </a:ln>
-        </p:spPr>
-        <p:style>
-          <a:lnRef idx="2">
-            <a:schemeClr val="dk1"/>
-          </a:lnRef>
-          <a:fillRef idx="0">
-            <a:schemeClr val="dk1"/>
-          </a:fillRef>
-          <a:effectRef idx="1">
-            <a:schemeClr val="dk1"/>
-          </a:effectRef>
-          <a:fontRef idx="minor">
-            <a:schemeClr val="tx1"/>
-          </a:fontRef>
-        </p:style>
-      </p:cxnSp>
-      <p:sp>
-        <p:nvSpPr>
-          <p:cNvPr id="30" name="Abgerundetes Rechteck 29"/>
-          <p:cNvSpPr/>
-          <p:nvPr/>
-        </p:nvSpPr>
-        <p:spPr>
-          <a:xfrm>
-            <a:off x="1556665" y="1755275"/>
-            <a:ext cx="2070230" cy="540060"/>
-          </a:xfrm>
-          <a:prstGeom prst="roundRect">
-            <a:avLst/>
-          </a:prstGeom>
-          <a:ln/>
-        </p:spPr>
-        <p:style>
-          <a:lnRef idx="2">
-            <a:schemeClr val="accent1">
-              <a:shade val="50000"/>
-            </a:schemeClr>
-          </a:lnRef>
-          <a:fillRef idx="1">
-            <a:schemeClr val="accent1"/>
-          </a:fillRef>
-          <a:effectRef idx="0">
-            <a:schemeClr val="accent1"/>
-          </a:effectRef>
-          <a:fontRef idx="minor">
-            <a:schemeClr val="lt1"/>
-          </a:fontRef>
-        </p:style>
-        <p:txBody>
-          <a:bodyPr rtlCol="0" anchor="ctr"/>
-          <a:lstStyle/>
-          <a:p>
-            <a:pPr algn="ctr"/>
-            <a:r>
-              <a:rPr lang="de-DE" sz="2400" dirty="0" err="1" smtClean="0">
-                <a:solidFill>
-                  <a:srgbClr val="FFFFFF"/>
-                </a:solidFill>
-              </a:rPr>
-              <a:t>startService</a:t>
-            </a:r>
-            <a:r>
-              <a:rPr lang="de-DE" sz="2400" dirty="0" smtClean="0">
-                <a:solidFill>
-                  <a:srgbClr val="FFFFFF"/>
-                </a:solidFill>
-              </a:rPr>
-              <a:t>()</a:t>
-            </a:r>
-          </a:p>
-        </p:txBody>
-      </p:sp>
-      <p:sp>
-        <p:nvSpPr>
-          <p:cNvPr id="31" name="Abgerundetes Rechteck 30"/>
-          <p:cNvSpPr/>
-          <p:nvPr/>
-        </p:nvSpPr>
-        <p:spPr>
-          <a:xfrm>
-            <a:off x="4549497" y="4509120"/>
-            <a:ext cx="2461502" cy="540060"/>
-          </a:xfrm>
-          <a:prstGeom prst="roundRect">
-            <a:avLst/>
-          </a:prstGeom>
-          <a:ln/>
-        </p:spPr>
-        <p:style>
-          <a:lnRef idx="2">
-            <a:schemeClr val="accent1">
-              <a:shade val="50000"/>
-            </a:schemeClr>
-          </a:lnRef>
-          <a:fillRef idx="1">
-            <a:schemeClr val="accent1"/>
-          </a:fillRef>
-          <a:effectRef idx="0">
-            <a:schemeClr val="accent1"/>
-          </a:effectRef>
-          <a:fontRef idx="minor">
-            <a:schemeClr val="lt1"/>
-          </a:fontRef>
-        </p:style>
-        <p:txBody>
-          <a:bodyPr rtlCol="0" anchor="ctr"/>
-          <a:lstStyle/>
-          <a:p>
-            <a:pPr algn="ctr"/>
-            <a:r>
-              <a:rPr lang="de-DE" sz="2400" dirty="0" err="1" smtClean="0">
-                <a:solidFill>
-                  <a:srgbClr val="FFFFFF"/>
-                </a:solidFill>
-              </a:rPr>
-              <a:t>unbindService</a:t>
-            </a:r>
-            <a:r>
-              <a:rPr lang="de-DE" sz="2400" dirty="0" smtClean="0">
-                <a:solidFill>
-                  <a:srgbClr val="FFFFFF"/>
-                </a:solidFill>
-              </a:rPr>
-              <a:t>()</a:t>
-            </a:r>
-          </a:p>
-        </p:txBody>
-      </p:sp>
-      <p:cxnSp>
-        <p:nvCxnSpPr>
-          <p:cNvPr id="32" name="Gerade Verbindung mit Pfeil 31"/>
-          <p:cNvCxnSpPr/>
-          <p:nvPr/>
-        </p:nvCxnSpPr>
-        <p:spPr>
-          <a:xfrm>
-            <a:off x="1556665" y="3699030"/>
-            <a:ext cx="0" cy="2070230"/>
-          </a:xfrm>
-          <a:prstGeom prst="straightConnector1">
-            <a:avLst/>
-          </a:prstGeom>
-          <a:ln w="57150">
-            <a:tailEnd type="arrow"/>
-          </a:ln>
-        </p:spPr>
-        <p:style>
-          <a:lnRef idx="2">
-            <a:schemeClr val="dk1"/>
-          </a:lnRef>
-          <a:fillRef idx="0">
-            <a:schemeClr val="dk1"/>
-          </a:fillRef>
-          <a:effectRef idx="1">
-            <a:schemeClr val="dk1"/>
-          </a:effectRef>
-          <a:fontRef idx="minor">
-            <a:schemeClr val="tx1"/>
-          </a:fontRef>
-        </p:style>
-      </p:cxnSp>
-      <p:cxnSp>
-        <p:nvCxnSpPr>
-          <p:cNvPr id="33" name="Gerade Verbindung mit Pfeil 32"/>
-          <p:cNvCxnSpPr/>
-          <p:nvPr/>
-        </p:nvCxnSpPr>
-        <p:spPr>
-          <a:xfrm>
-            <a:off x="6957265" y="4014066"/>
-            <a:ext cx="33754" cy="1530169"/>
-          </a:xfrm>
-          <a:prstGeom prst="straightConnector1">
-            <a:avLst/>
-          </a:prstGeom>
-          <a:ln w="57150">
-            <a:tailEnd type="arrow"/>
-          </a:ln>
-        </p:spPr>
-        <p:style>
-          <a:lnRef idx="2">
-            <a:schemeClr val="dk1"/>
-          </a:lnRef>
-          <a:fillRef idx="0">
-            <a:schemeClr val="dk1"/>
-          </a:fillRef>
-          <a:effectRef idx="1">
-            <a:schemeClr val="dk1"/>
-          </a:effectRef>
-          <a:fontRef idx="minor">
-            <a:schemeClr val="tx1"/>
-          </a:fontRef>
-        </p:style>
-      </p:cxnSp>
-      <p:sp>
-        <p:nvSpPr>
-          <p:cNvPr id="34" name="Abgerundetes Rechteck 33"/>
-          <p:cNvSpPr/>
-          <p:nvPr/>
-        </p:nvSpPr>
-        <p:spPr>
-          <a:xfrm>
-            <a:off x="4842030" y="1763815"/>
-            <a:ext cx="2070230" cy="540060"/>
-          </a:xfrm>
-          <a:prstGeom prst="roundRect">
-            <a:avLst/>
-          </a:prstGeom>
-          <a:ln/>
-        </p:spPr>
-        <p:style>
-          <a:lnRef idx="2">
-            <a:schemeClr val="accent1">
-              <a:shade val="50000"/>
-            </a:schemeClr>
-          </a:lnRef>
-          <a:fillRef idx="1">
-            <a:schemeClr val="accent1"/>
-          </a:fillRef>
-          <a:effectRef idx="0">
-            <a:schemeClr val="accent1"/>
-          </a:effectRef>
-          <a:fontRef idx="minor">
-            <a:schemeClr val="lt1"/>
-          </a:fontRef>
-        </p:style>
-        <p:txBody>
-          <a:bodyPr rtlCol="0" anchor="ctr"/>
-          <a:lstStyle/>
-          <a:p>
-            <a:pPr algn="ctr"/>
-            <a:r>
-              <a:rPr lang="de-DE" sz="2400" dirty="0" err="1" smtClean="0">
-                <a:solidFill>
-                  <a:srgbClr val="FFFFFF"/>
-                </a:solidFill>
-              </a:rPr>
-              <a:t>bindService</a:t>
-            </a:r>
-            <a:r>
-              <a:rPr lang="de-DE" sz="2400" dirty="0" smtClean="0">
-                <a:solidFill>
-                  <a:srgbClr val="FFFFFF"/>
-                </a:solidFill>
-              </a:rPr>
-              <a:t>()</a:t>
-            </a:r>
-          </a:p>
-        </p:txBody>
-      </p:sp>
-      <p:sp>
-        <p:nvSpPr>
-          <p:cNvPr id="35" name="Abgerundetes Rechteck 34"/>
-          <p:cNvSpPr/>
-          <p:nvPr/>
-        </p:nvSpPr>
-        <p:spPr>
-          <a:xfrm>
-            <a:off x="1570438" y="4509120"/>
-            <a:ext cx="2461502" cy="882715"/>
-          </a:xfrm>
-          <a:prstGeom prst="roundRect">
-            <a:avLst/>
-          </a:prstGeom>
-          <a:ln/>
-        </p:spPr>
-        <p:style>
-          <a:lnRef idx="2">
-            <a:schemeClr val="accent1">
-              <a:shade val="50000"/>
-            </a:schemeClr>
-          </a:lnRef>
-          <a:fillRef idx="1">
-            <a:schemeClr val="accent1"/>
-          </a:fillRef>
-          <a:effectRef idx="0">
-            <a:schemeClr val="accent1"/>
-          </a:effectRef>
-          <a:fontRef idx="minor">
-            <a:schemeClr val="lt1"/>
-          </a:fontRef>
-        </p:style>
-        <p:txBody>
-          <a:bodyPr rtlCol="0" anchor="ctr"/>
-          <a:lstStyle/>
-          <a:p>
-            <a:pPr algn="ctr"/>
-            <a:r>
-              <a:rPr lang="de-DE" sz="2400" dirty="0" err="1" smtClean="0">
-                <a:solidFill>
-                  <a:srgbClr val="FFFFFF"/>
-                </a:solidFill>
-              </a:rPr>
-              <a:t>stopService</a:t>
-            </a:r>
-            <a:r>
-              <a:rPr lang="de-DE" sz="2400" dirty="0" smtClean="0">
-                <a:solidFill>
-                  <a:srgbClr val="FFFFFF"/>
-                </a:solidFill>
-              </a:rPr>
-              <a:t>()</a:t>
-            </a:r>
-          </a:p>
-          <a:p>
-            <a:pPr algn="ctr"/>
-            <a:r>
-              <a:rPr lang="de-DE" sz="2400" dirty="0" err="1" smtClean="0">
-                <a:solidFill>
-                  <a:srgbClr val="FFFFFF"/>
-                </a:solidFill>
-              </a:rPr>
-              <a:t>stopSelf</a:t>
-            </a:r>
-            <a:r>
-              <a:rPr lang="de-DE" sz="2400" dirty="0" smtClean="0">
-                <a:solidFill>
-                  <a:srgbClr val="FFFFFF"/>
-                </a:solidFill>
-              </a:rPr>
-              <a:t>()</a:t>
-            </a:r>
-          </a:p>
-        </p:txBody>
-      </p:sp>
-    </p:spTree>
-    <p:extLst>
-      <p:ext uri="{BB962C8B-B14F-4D97-AF65-F5344CB8AC3E}">
-        <p14:creationId xmlns:p14="http://schemas.microsoft.com/office/powerpoint/2010/main" val="2728520049"/>
-      </p:ext>
-    </p:extLst>
-  </p:cSld>
-  <p:clrMapOvr>
-    <a:masterClrMapping/>
-  </p:clrMapOvr>
-  <p:timing>
-    <p:tnLst>
-      <p:par>
-        <p:cTn id="1" dur="indefinite" restart="never" nodeType="tmRoot"/>
-      </p:par>
-    </p:tnLst>
-  </p:timing>
-</p:sld>
-</file>
-
-<file path=ppt/slides/slide21.xml><?xml version="1.0" encoding="utf-8"?>
-<p:sld xmlns:a="http://schemas.openxmlformats.org/drawingml/2006/main" xmlns:r="http://schemas.openxmlformats.org/officeDocument/2006/relationships" xmlns:p="http://schemas.openxmlformats.org/presentationml/2006/main">
-  <p:cSld>
-    <p:spTree>
-      <p:nvGrpSpPr>
-        <p:cNvPr id="1" name=""/>
-        <p:cNvGrpSpPr/>
-        <p:nvPr/>
-      </p:nvGrpSpPr>
-      <p:grpSpPr>
-        <a:xfrm>
-          <a:off x="0" y="0"/>
-          <a:ext cx="0" cy="0"/>
-          <a:chOff x="0" y="0"/>
-          <a:chExt cx="0" cy="0"/>
-        </a:xfrm>
-      </p:grpSpPr>
-      <p:sp>
-        <p:nvSpPr>
-          <p:cNvPr id="2" name="Titel 1"/>
-          <p:cNvSpPr>
-            <a:spLocks noGrp="1"/>
-          </p:cNvSpPr>
-          <p:nvPr>
-            <p:ph type="title"/>
-          </p:nvPr>
-        </p:nvSpPr>
-        <p:spPr/>
-        <p:txBody>
-          <a:bodyPr/>
-          <a:lstStyle/>
-          <a:p>
-            <a:r>
-              <a:rPr lang="de-DE" dirty="0" smtClean="0"/>
-              <a:t>Android Services: Verbinden</a:t>
-            </a:r>
-            <a:endParaRPr lang="de-DE" dirty="0"/>
-          </a:p>
-        </p:txBody>
-      </p:sp>
-      <p:sp>
-        <p:nvSpPr>
-          <p:cNvPr id="3" name="Rechteck 2"/>
-          <p:cNvSpPr/>
-          <p:nvPr/>
-        </p:nvSpPr>
-        <p:spPr>
-          <a:xfrm>
-            <a:off x="-2407311" y="2654233"/>
-            <a:ext cx="8145906" cy="1665185"/>
-          </a:xfrm>
-          <a:prstGeom prst="rect">
-            <a:avLst/>
-          </a:prstGeom>
-          <a:ln w="19050"/>
-        </p:spPr>
-        <p:style>
-          <a:lnRef idx="2">
-            <a:schemeClr val="accent5">
-              <a:shade val="50000"/>
-            </a:schemeClr>
-          </a:lnRef>
-          <a:fillRef idx="1">
-            <a:schemeClr val="accent5"/>
-          </a:fillRef>
-          <a:effectRef idx="0">
-            <a:schemeClr val="accent5"/>
-          </a:effectRef>
-          <a:fontRef idx="minor">
-            <a:schemeClr val="lt1"/>
-          </a:fontRef>
-        </p:style>
-        <p:txBody>
-          <a:bodyPr rtlCol="0" anchor="ctr"/>
-          <a:lstStyle/>
-          <a:p>
-            <a:pPr algn="ctr"/>
-            <a:endParaRPr lang="de-DE" sz="2800" dirty="0" smtClean="0">
-              <a:solidFill>
-                <a:srgbClr val="FFFFFF"/>
-              </a:solidFill>
-            </a:endParaRPr>
-          </a:p>
-        </p:txBody>
-      </p:sp>
-      <p:sp>
-        <p:nvSpPr>
-          <p:cNvPr id="4" name="Abgerundetes Rechteck 3"/>
-          <p:cNvSpPr/>
-          <p:nvPr/>
-        </p:nvSpPr>
-        <p:spPr>
-          <a:xfrm>
-            <a:off x="2858275" y="2888939"/>
-            <a:ext cx="2385265" cy="1125125"/>
-          </a:xfrm>
-          <a:prstGeom prst="roundRect">
-            <a:avLst/>
-          </a:prstGeom>
-          <a:ln/>
-        </p:spPr>
-        <p:style>
-          <a:lnRef idx="2">
-            <a:schemeClr val="accent3">
-              <a:shade val="50000"/>
-            </a:schemeClr>
-          </a:lnRef>
-          <a:fillRef idx="1">
-            <a:schemeClr val="accent3"/>
-          </a:fillRef>
-          <a:effectRef idx="0">
-            <a:schemeClr val="accent3"/>
-          </a:effectRef>
-          <a:fontRef idx="minor">
-            <a:schemeClr val="lt1"/>
-          </a:fontRef>
-        </p:style>
-        <p:txBody>
-          <a:bodyPr rtlCol="0" anchor="ctr"/>
-          <a:lstStyle/>
-          <a:p>
-            <a:pPr algn="ctr"/>
-            <a:r>
-              <a:rPr lang="de-DE" sz="2400" dirty="0" smtClean="0">
-                <a:solidFill>
-                  <a:srgbClr val="FFFFFF"/>
-                </a:solidFill>
-              </a:rPr>
-              <a:t>mit anderen Komponenten verbunden</a:t>
-            </a:r>
-          </a:p>
-        </p:txBody>
-      </p:sp>
-      <p:sp>
-        <p:nvSpPr>
-          <p:cNvPr id="5" name="Rechteck 4"/>
-          <p:cNvSpPr/>
-          <p:nvPr/>
-        </p:nvSpPr>
-        <p:spPr>
-          <a:xfrm>
-            <a:off x="202980" y="3175810"/>
-            <a:ext cx="2222083" cy="523220"/>
-          </a:xfrm>
-          <a:prstGeom prst="rect">
-            <a:avLst/>
-          </a:prstGeom>
-        </p:spPr>
-        <p:txBody>
-          <a:bodyPr wrap="none">
-            <a:spAutoFit/>
-          </a:bodyPr>
-          <a:lstStyle/>
-          <a:p>
-            <a:pPr algn="ctr"/>
-            <a:r>
-              <a:rPr lang="de-DE" sz="2800" dirty="0" smtClean="0">
-                <a:solidFill>
-                  <a:srgbClr val="FFFFFF"/>
-                </a:solidFill>
-              </a:rPr>
-              <a:t>Service aktiv</a:t>
-            </a:r>
-            <a:endParaRPr lang="de-DE" sz="2800" dirty="0">
-              <a:solidFill>
-                <a:srgbClr val="FFFFFF"/>
-              </a:solidFill>
-            </a:endParaRPr>
-          </a:p>
-        </p:txBody>
-      </p:sp>
-      <p:cxnSp>
-        <p:nvCxnSpPr>
-          <p:cNvPr id="6" name="Gerade Verbindung mit Pfeil 5"/>
-          <p:cNvCxnSpPr/>
-          <p:nvPr/>
-        </p:nvCxnSpPr>
-        <p:spPr>
-          <a:xfrm>
-            <a:off x="4017153" y="1358770"/>
-            <a:ext cx="33754" cy="1530169"/>
-          </a:xfrm>
-          <a:prstGeom prst="straightConnector1">
-            <a:avLst/>
-          </a:prstGeom>
-          <a:ln w="57150">
-            <a:tailEnd type="arrow"/>
-          </a:ln>
-        </p:spPr>
-        <p:style>
-          <a:lnRef idx="2">
-            <a:schemeClr val="dk1"/>
-          </a:lnRef>
-          <a:fillRef idx="0">
-            <a:schemeClr val="dk1"/>
-          </a:fillRef>
-          <a:effectRef idx="1">
-            <a:schemeClr val="dk1"/>
-          </a:effectRef>
-          <a:fontRef idx="minor">
-            <a:schemeClr val="tx1"/>
-          </a:fontRef>
-        </p:style>
-      </p:cxnSp>
-      <p:cxnSp>
-        <p:nvCxnSpPr>
-          <p:cNvPr id="8" name="Gerade Verbindung mit Pfeil 7"/>
-          <p:cNvCxnSpPr/>
-          <p:nvPr/>
-        </p:nvCxnSpPr>
-        <p:spPr>
-          <a:xfrm>
-            <a:off x="4073410" y="4014066"/>
-            <a:ext cx="33754" cy="1530169"/>
-          </a:xfrm>
-          <a:prstGeom prst="straightConnector1">
-            <a:avLst/>
-          </a:prstGeom>
-          <a:ln w="57150">
-            <a:tailEnd type="arrow"/>
-          </a:ln>
-        </p:spPr>
-        <p:style>
-          <a:lnRef idx="2">
-            <a:schemeClr val="dk1"/>
-          </a:lnRef>
-          <a:fillRef idx="0">
-            <a:schemeClr val="dk1"/>
-          </a:fillRef>
-          <a:effectRef idx="1">
-            <a:schemeClr val="dk1"/>
-          </a:effectRef>
-          <a:fontRef idx="minor">
-            <a:schemeClr val="tx1"/>
-          </a:fontRef>
-        </p:style>
-      </p:cxnSp>
-      <p:sp>
-        <p:nvSpPr>
-          <p:cNvPr id="10" name="Rechteck 9"/>
-          <p:cNvSpPr/>
-          <p:nvPr/>
-        </p:nvSpPr>
-        <p:spPr>
-          <a:xfrm>
-            <a:off x="6372200" y="1223755"/>
-            <a:ext cx="2385265" cy="4635515"/>
-          </a:xfrm>
-          <a:prstGeom prst="rect">
-            <a:avLst/>
-          </a:prstGeom>
-          <a:ln w="19050"/>
-        </p:spPr>
-        <p:style>
-          <a:lnRef idx="2">
-            <a:schemeClr val="accent5">
-              <a:shade val="50000"/>
-            </a:schemeClr>
-          </a:lnRef>
-          <a:fillRef idx="1">
-            <a:schemeClr val="accent5"/>
-          </a:fillRef>
-          <a:effectRef idx="0">
-            <a:schemeClr val="accent5"/>
-          </a:effectRef>
-          <a:fontRef idx="minor">
-            <a:schemeClr val="lt1"/>
-          </a:fontRef>
-        </p:style>
-        <p:txBody>
-          <a:bodyPr rtlCol="0" anchor="ctr"/>
-          <a:lstStyle/>
-          <a:p>
-            <a:pPr algn="ctr"/>
-            <a:endParaRPr lang="de-DE" dirty="0" smtClean="0">
-              <a:solidFill>
-                <a:srgbClr val="FFFFFF"/>
-              </a:solidFill>
-            </a:endParaRPr>
-          </a:p>
-        </p:txBody>
-      </p:sp>
-      <p:sp>
-        <p:nvSpPr>
-          <p:cNvPr id="7" name="Abgerundetes Rechteck 6"/>
-          <p:cNvSpPr/>
-          <p:nvPr/>
-        </p:nvSpPr>
-        <p:spPr>
-          <a:xfrm>
-            <a:off x="4114089" y="4509120"/>
-            <a:ext cx="4103316" cy="540060"/>
-          </a:xfrm>
-          <a:prstGeom prst="roundRect">
-            <a:avLst/>
-          </a:prstGeom>
-          <a:ln/>
-        </p:spPr>
-        <p:style>
-          <a:lnRef idx="2">
-            <a:schemeClr val="accent1">
-              <a:shade val="50000"/>
-            </a:schemeClr>
-          </a:lnRef>
-          <a:fillRef idx="1">
-            <a:schemeClr val="accent1"/>
-          </a:fillRef>
-          <a:effectRef idx="0">
-            <a:schemeClr val="accent1"/>
-          </a:effectRef>
-          <a:fontRef idx="minor">
-            <a:schemeClr val="lt1"/>
-          </a:fontRef>
-        </p:style>
-        <p:txBody>
-          <a:bodyPr rtlCol="0" anchor="ctr"/>
-          <a:lstStyle/>
-          <a:p>
-            <a:pPr algn="ctr"/>
-            <a:r>
-              <a:rPr lang="de-DE" sz="2400" dirty="0" err="1" smtClean="0">
-                <a:solidFill>
-                  <a:srgbClr val="FFFFFF"/>
-                </a:solidFill>
-              </a:rPr>
-              <a:t>unbindService</a:t>
-            </a:r>
-            <a:r>
-              <a:rPr lang="de-DE" sz="2400" dirty="0" smtClean="0">
-                <a:solidFill>
-                  <a:srgbClr val="FFFFFF"/>
-                </a:solidFill>
-              </a:rPr>
-              <a:t>()</a:t>
-            </a:r>
-          </a:p>
-        </p:txBody>
-      </p:sp>
-      <p:sp>
-        <p:nvSpPr>
-          <p:cNvPr id="9" name="Abgerundetes Rechteck 8"/>
-          <p:cNvSpPr/>
-          <p:nvPr/>
-        </p:nvSpPr>
-        <p:spPr>
-          <a:xfrm>
-            <a:off x="4074541" y="1763815"/>
-            <a:ext cx="4142864" cy="540060"/>
-          </a:xfrm>
-          <a:prstGeom prst="roundRect">
-            <a:avLst/>
-          </a:prstGeom>
-          <a:ln/>
-        </p:spPr>
-        <p:style>
-          <a:lnRef idx="2">
-            <a:schemeClr val="accent1">
-              <a:shade val="50000"/>
-            </a:schemeClr>
-          </a:lnRef>
-          <a:fillRef idx="1">
-            <a:schemeClr val="accent1"/>
-          </a:fillRef>
-          <a:effectRef idx="0">
-            <a:schemeClr val="accent1"/>
-          </a:effectRef>
-          <a:fontRef idx="minor">
-            <a:schemeClr val="lt1"/>
-          </a:fontRef>
-        </p:style>
-        <p:txBody>
-          <a:bodyPr rtlCol="0" anchor="ctr"/>
-          <a:lstStyle/>
-          <a:p>
-            <a:pPr algn="ctr"/>
-            <a:r>
-              <a:rPr lang="de-DE" sz="2400" dirty="0" err="1" smtClean="0">
-                <a:solidFill>
-                  <a:srgbClr val="FFFFFF"/>
-                </a:solidFill>
-              </a:rPr>
-              <a:t>bindService</a:t>
-            </a:r>
-            <a:r>
-              <a:rPr lang="de-DE" sz="2400" dirty="0" smtClean="0">
-                <a:solidFill>
-                  <a:srgbClr val="FFFFFF"/>
-                </a:solidFill>
-              </a:rPr>
-              <a:t>()</a:t>
-            </a:r>
-          </a:p>
-        </p:txBody>
-      </p:sp>
-      <p:sp>
-        <p:nvSpPr>
-          <p:cNvPr id="11" name="Pfeil nach links und rechts 10"/>
-          <p:cNvSpPr/>
-          <p:nvPr/>
-        </p:nvSpPr>
-        <p:spPr>
-          <a:xfrm>
-            <a:off x="5243539" y="2888939"/>
-            <a:ext cx="2973866" cy="1125125"/>
-          </a:xfrm>
-          <a:prstGeom prst="leftRightArrow">
-            <a:avLst/>
-          </a:prstGeom>
-          <a:ln/>
-        </p:spPr>
-        <p:style>
-          <a:lnRef idx="2">
-            <a:schemeClr val="accent1">
-              <a:shade val="50000"/>
-            </a:schemeClr>
-          </a:lnRef>
-          <a:fillRef idx="1">
-            <a:schemeClr val="accent1"/>
-          </a:fillRef>
-          <a:effectRef idx="0">
-            <a:schemeClr val="accent1"/>
-          </a:effectRef>
-          <a:fontRef idx="minor">
-            <a:schemeClr val="lt1"/>
-          </a:fontRef>
-        </p:style>
-        <p:txBody>
-          <a:bodyPr rtlCol="0" anchor="ctr"/>
-          <a:lstStyle/>
-          <a:p>
-            <a:pPr algn="ctr"/>
-            <a:r>
-              <a:rPr lang="de-DE" sz="2400" dirty="0" smtClean="0">
-                <a:solidFill>
-                  <a:srgbClr val="FFFFFF"/>
-                </a:solidFill>
-              </a:rPr>
-              <a:t>Kommunikation</a:t>
-            </a:r>
-          </a:p>
-        </p:txBody>
-      </p:sp>
-    </p:spTree>
-    <p:extLst>
-      <p:ext uri="{BB962C8B-B14F-4D97-AF65-F5344CB8AC3E}">
-        <p14:creationId xmlns:p14="http://schemas.microsoft.com/office/powerpoint/2010/main" val="1366603645"/>
-      </p:ext>
-    </p:extLst>
-  </p:cSld>
-  <p:clrMapOvr>
-    <a:masterClrMapping/>
-  </p:clrMapOvr>
-  <p:timing>
-    <p:tnLst>
-      <p:par>
-        <p:cTn id="1" dur="indefinite" restart="never" nodeType="tmRoot"/>
-      </p:par>
-    </p:tnLst>
-  </p:timing>
-</p:sld>
-</file>
-
-<file path=ppt/slides/slide22.xml><?xml version="1.0" encoding="utf-8"?>
-<p:sld xmlns:a="http://schemas.openxmlformats.org/drawingml/2006/main" xmlns:r="http://schemas.openxmlformats.org/officeDocument/2006/relationships" xmlns:p="http://schemas.openxmlformats.org/presentationml/2006/main">
-  <p:cSld>
-    <p:spTree>
-      <p:nvGrpSpPr>
-        <p:cNvPr id="1" name=""/>
-        <p:cNvGrpSpPr/>
-        <p:nvPr/>
-      </p:nvGrpSpPr>
-      <p:grpSpPr>
-        <a:xfrm>
-          <a:off x="0" y="0"/>
-          <a:ext cx="0" cy="0"/>
-          <a:chOff x="0" y="0"/>
-          <a:chExt cx="0" cy="0"/>
-        </a:xfrm>
-      </p:grpSpPr>
-      <p:sp>
-        <p:nvSpPr>
-          <p:cNvPr id="2" name="Titel 1"/>
-          <p:cNvSpPr>
-            <a:spLocks noGrp="1"/>
-          </p:cNvSpPr>
-          <p:nvPr>
-            <p:ph type="title"/>
-          </p:nvPr>
-        </p:nvSpPr>
-        <p:spPr/>
-        <p:txBody>
-          <a:bodyPr/>
-          <a:lstStyle/>
-          <a:p>
-            <a:r>
-              <a:rPr lang="de-DE" dirty="0" smtClean="0"/>
-              <a:t>Kommunikation</a:t>
-            </a:r>
-            <a:endParaRPr lang="de-DE" dirty="0"/>
-          </a:p>
-        </p:txBody>
-      </p:sp>
-      <p:sp>
-        <p:nvSpPr>
-          <p:cNvPr id="4" name="Inhaltsplatzhalter 3"/>
-          <p:cNvSpPr>
-            <a:spLocks noGrp="1"/>
-          </p:cNvSpPr>
-          <p:nvPr>
-            <p:ph idx="1"/>
-          </p:nvPr>
-        </p:nvSpPr>
-        <p:spPr/>
-        <p:txBody>
-          <a:bodyPr/>
-          <a:lstStyle/>
-          <a:p>
-            <a:pPr marL="457200" indent="-457200">
-              <a:buFont typeface="+mj-lt"/>
-              <a:buAutoNum type="arabicPeriod"/>
-            </a:pPr>
-            <a:r>
-              <a:rPr lang="de-DE" sz="2400" dirty="0" smtClean="0"/>
-              <a:t>Binder</a:t>
-            </a:r>
-          </a:p>
-          <a:p>
-            <a:pPr marL="647700" lvl="1" indent="-457200">
-              <a:buFont typeface="Arial" panose="020B0604020202020204" pitchFamily="34" charset="0"/>
-              <a:buChar char="•"/>
-            </a:pPr>
-            <a:r>
-              <a:rPr lang="de-DE" sz="2400" dirty="0" smtClean="0"/>
-              <a:t>einfach</a:t>
-            </a:r>
-          </a:p>
-          <a:p>
-            <a:pPr marL="647700" lvl="1" indent="-457200">
-              <a:buFont typeface="Arial" panose="020B0604020202020204" pitchFamily="34" charset="0"/>
-              <a:buChar char="•"/>
-            </a:pPr>
-            <a:r>
-              <a:rPr lang="de-DE" sz="2400" dirty="0" smtClean="0"/>
-              <a:t>Service läuft nicht in eigenen Thread</a:t>
-            </a:r>
-          </a:p>
-          <a:p>
-            <a:pPr marL="457200" indent="-457200">
-              <a:buFont typeface="+mj-lt"/>
-              <a:buAutoNum type="arabicPeriod"/>
-            </a:pPr>
-            <a:r>
-              <a:rPr lang="de-DE" sz="2400" dirty="0" smtClean="0"/>
-              <a:t>Messenger</a:t>
-            </a:r>
-          </a:p>
-          <a:p>
-            <a:pPr marL="647700" lvl="1" indent="-457200">
-              <a:buFont typeface="Arial" panose="020B0604020202020204" pitchFamily="34" charset="0"/>
-              <a:buChar char="•"/>
-            </a:pPr>
-            <a:r>
-              <a:rPr lang="de-DE" sz="2400" dirty="0" smtClean="0"/>
-              <a:t>Nachrichten-orientiert</a:t>
-            </a:r>
-          </a:p>
-          <a:p>
-            <a:pPr marL="647700" lvl="1" indent="-457200">
-              <a:buFont typeface="Arial" panose="020B0604020202020204" pitchFamily="34" charset="0"/>
-              <a:buChar char="•"/>
-            </a:pPr>
-            <a:r>
-              <a:rPr lang="de-DE" sz="2400" dirty="0" smtClean="0"/>
-              <a:t>Service läuft in eigenem Thread</a:t>
-            </a:r>
-          </a:p>
-          <a:p>
-            <a:pPr marL="457200" indent="-457200">
-              <a:buFont typeface="+mj-lt"/>
-              <a:buAutoNum type="arabicPeriod"/>
-            </a:pPr>
-            <a:r>
-              <a:rPr lang="de-DE" sz="2400" dirty="0"/>
-              <a:t>AIDL (Android Interface Definition Language) </a:t>
-            </a:r>
-            <a:endParaRPr lang="de-DE" sz="2400" dirty="0" smtClean="0"/>
-          </a:p>
-          <a:p>
-            <a:pPr marL="647700" lvl="1" indent="-457200">
-              <a:buFont typeface="Arial" panose="020B0604020202020204" pitchFamily="34" charset="0"/>
-              <a:buChar char="•"/>
-            </a:pPr>
-            <a:r>
-              <a:rPr lang="de-DE" sz="2400" dirty="0" smtClean="0"/>
-              <a:t>am flexibelsten</a:t>
-            </a:r>
-          </a:p>
-          <a:p>
-            <a:pPr marL="647700" lvl="1" indent="-457200">
-              <a:buFont typeface="Arial" panose="020B0604020202020204" pitchFamily="34" charset="0"/>
-              <a:buChar char="•"/>
-            </a:pPr>
-            <a:r>
-              <a:rPr lang="de-DE" sz="2400" dirty="0" smtClean="0"/>
-              <a:t>Service läuft ggf. in mehreren Threads</a:t>
-            </a:r>
-            <a:endParaRPr lang="de-DE" sz="2400" dirty="0"/>
-          </a:p>
-        </p:txBody>
-      </p:sp>
-    </p:spTree>
-    <p:extLst>
-      <p:ext uri="{BB962C8B-B14F-4D97-AF65-F5344CB8AC3E}">
-        <p14:creationId xmlns:p14="http://schemas.microsoft.com/office/powerpoint/2010/main" val="222023240"/>
-      </p:ext>
-    </p:extLst>
-  </p:cSld>
-  <p:clrMapOvr>
-    <a:masterClrMapping/>
-  </p:clrMapOvr>
-  <p:timing>
-    <p:tnLst>
-      <p:par>
-        <p:cTn id="1" dur="indefinite" restart="never" nodeType="tmRoot"/>
-      </p:par>
-    </p:tnLst>
-  </p:timing>
-</p:sld>
-</file>
-
-<file path=ppt/slides/slide23.xml><?xml version="1.0" encoding="utf-8"?>
-<p:sld xmlns:a="http://schemas.openxmlformats.org/drawingml/2006/main" xmlns:r="http://schemas.openxmlformats.org/officeDocument/2006/relationships" xmlns:p="http://schemas.openxmlformats.org/presentationml/2006/main">
-  <p:cSld>
-    <p:spTree>
-      <p:nvGrpSpPr>
-        <p:cNvPr id="1" name=""/>
-        <p:cNvGrpSpPr/>
-        <p:nvPr/>
-      </p:nvGrpSpPr>
-      <p:grpSpPr>
-        <a:xfrm>
-          <a:off x="0" y="0"/>
-          <a:ext cx="0" cy="0"/>
-          <a:chOff x="0" y="0"/>
-          <a:chExt cx="0" cy="0"/>
-        </a:xfrm>
-      </p:grpSpPr>
-      <p:sp>
-        <p:nvSpPr>
-          <p:cNvPr id="2" name="Titel 1"/>
-          <p:cNvSpPr>
-            <a:spLocks noGrp="1"/>
-          </p:cNvSpPr>
-          <p:nvPr>
-            <p:ph type="title"/>
-          </p:nvPr>
-        </p:nvSpPr>
-        <p:spPr/>
-        <p:txBody>
-          <a:bodyPr/>
-          <a:lstStyle/>
-          <a:p>
-            <a:r>
-              <a:rPr lang="de-DE" dirty="0" err="1" smtClean="0"/>
-              <a:t>InstaMeet</a:t>
-            </a:r>
-            <a:r>
-              <a:rPr lang="de-DE" dirty="0"/>
-              <a:t> </a:t>
-            </a:r>
-            <a:r>
-              <a:rPr lang="de-DE" dirty="0" smtClean="0"/>
-              <a:t>Service</a:t>
-            </a:r>
-            <a:endParaRPr lang="de-DE" dirty="0"/>
-          </a:p>
-        </p:txBody>
-      </p:sp>
-      <p:sp>
-        <p:nvSpPr>
-          <p:cNvPr id="3" name="Rechteck 2"/>
-          <p:cNvSpPr/>
-          <p:nvPr/>
-        </p:nvSpPr>
-        <p:spPr>
-          <a:xfrm>
-            <a:off x="476544" y="2654233"/>
-            <a:ext cx="8145906" cy="1665185"/>
-          </a:xfrm>
-          <a:prstGeom prst="rect">
-            <a:avLst/>
-          </a:prstGeom>
-          <a:ln w="19050"/>
-        </p:spPr>
-        <p:style>
-          <a:lnRef idx="2">
-            <a:schemeClr val="accent5">
-              <a:shade val="50000"/>
-            </a:schemeClr>
-          </a:lnRef>
-          <a:fillRef idx="1">
-            <a:schemeClr val="accent5"/>
-          </a:fillRef>
-          <a:effectRef idx="0">
-            <a:schemeClr val="accent5"/>
-          </a:effectRef>
-          <a:fontRef idx="minor">
-            <a:schemeClr val="lt1"/>
-          </a:fontRef>
-        </p:style>
-        <p:txBody>
-          <a:bodyPr rtlCol="0" anchor="ctr"/>
-          <a:lstStyle/>
-          <a:p>
-            <a:pPr algn="ctr"/>
-            <a:endParaRPr lang="de-DE" sz="2800" dirty="0" smtClean="0">
-              <a:solidFill>
-                <a:srgbClr val="FFFFFF"/>
-              </a:solidFill>
-            </a:endParaRPr>
-          </a:p>
-        </p:txBody>
-      </p:sp>
-      <p:sp>
-        <p:nvSpPr>
-          <p:cNvPr id="4" name="Abgerundetes Rechteck 3"/>
-          <p:cNvSpPr/>
-          <p:nvPr/>
-        </p:nvSpPr>
-        <p:spPr>
-          <a:xfrm>
-            <a:off x="656565" y="3248980"/>
-            <a:ext cx="1800200" cy="450050"/>
-          </a:xfrm>
-          <a:prstGeom prst="roundRect">
-            <a:avLst/>
-          </a:prstGeom>
-          <a:ln/>
-        </p:spPr>
-        <p:style>
-          <a:lnRef idx="2">
-            <a:schemeClr val="accent3">
-              <a:shade val="50000"/>
-            </a:schemeClr>
-          </a:lnRef>
-          <a:fillRef idx="1">
-            <a:schemeClr val="accent3"/>
-          </a:fillRef>
-          <a:effectRef idx="0">
-            <a:schemeClr val="accent3"/>
-          </a:effectRef>
-          <a:fontRef idx="minor">
-            <a:schemeClr val="lt1"/>
-          </a:fontRef>
-        </p:style>
-        <p:txBody>
-          <a:bodyPr rtlCol="0" anchor="ctr"/>
-          <a:lstStyle/>
-          <a:p>
-            <a:pPr algn="ctr"/>
-            <a:r>
-              <a:rPr lang="de-DE" sz="2400" dirty="0" smtClean="0">
-                <a:solidFill>
-                  <a:srgbClr val="FFFFFF"/>
-                </a:solidFill>
-              </a:rPr>
-              <a:t>gestartet</a:t>
-            </a:r>
-          </a:p>
-        </p:txBody>
-      </p:sp>
-      <p:sp>
-        <p:nvSpPr>
-          <p:cNvPr id="5" name="Abgerundetes Rechteck 4"/>
-          <p:cNvSpPr/>
-          <p:nvPr/>
-        </p:nvSpPr>
-        <p:spPr>
-          <a:xfrm>
-            <a:off x="5742130" y="2888939"/>
-            <a:ext cx="2385265" cy="1125125"/>
-          </a:xfrm>
-          <a:prstGeom prst="roundRect">
-            <a:avLst/>
-          </a:prstGeom>
-          <a:ln/>
-        </p:spPr>
-        <p:style>
-          <a:lnRef idx="2">
-            <a:schemeClr val="accent3">
-              <a:shade val="50000"/>
-            </a:schemeClr>
-          </a:lnRef>
-          <a:fillRef idx="1">
-            <a:schemeClr val="accent3"/>
-          </a:fillRef>
-          <a:effectRef idx="0">
-            <a:schemeClr val="accent3"/>
-          </a:effectRef>
-          <a:fontRef idx="minor">
-            <a:schemeClr val="lt1"/>
-          </a:fontRef>
-        </p:style>
-        <p:txBody>
-          <a:bodyPr rtlCol="0" anchor="ctr"/>
-          <a:lstStyle/>
-          <a:p>
-            <a:pPr algn="ctr"/>
-            <a:r>
-              <a:rPr lang="de-DE" sz="2400" dirty="0" smtClean="0">
-                <a:solidFill>
-                  <a:srgbClr val="FFFFFF"/>
-                </a:solidFill>
-              </a:rPr>
-              <a:t>mit anderen Komponenten verbunden</a:t>
-            </a:r>
-          </a:p>
-        </p:txBody>
-      </p:sp>
-      <p:sp>
-        <p:nvSpPr>
-          <p:cNvPr id="6" name="Rechteck 5"/>
-          <p:cNvSpPr/>
-          <p:nvPr/>
-        </p:nvSpPr>
-        <p:spPr>
-          <a:xfrm>
-            <a:off x="3086835" y="3175810"/>
-            <a:ext cx="2222083" cy="523220"/>
-          </a:xfrm>
-          <a:prstGeom prst="rect">
-            <a:avLst/>
-          </a:prstGeom>
-        </p:spPr>
-        <p:txBody>
-          <a:bodyPr wrap="none">
-            <a:spAutoFit/>
-          </a:bodyPr>
-          <a:lstStyle/>
-          <a:p>
-            <a:pPr algn="ctr"/>
-            <a:r>
-              <a:rPr lang="de-DE" sz="2800" dirty="0" smtClean="0">
-                <a:solidFill>
-                  <a:srgbClr val="FFFFFF"/>
-                </a:solidFill>
-              </a:rPr>
-              <a:t>Service aktiv</a:t>
-            </a:r>
-            <a:endParaRPr lang="de-DE" sz="2800" dirty="0">
-              <a:solidFill>
-                <a:srgbClr val="FFFFFF"/>
-              </a:solidFill>
-            </a:endParaRPr>
-          </a:p>
-        </p:txBody>
-      </p:sp>
-      <p:cxnSp>
-        <p:nvCxnSpPr>
-          <p:cNvPr id="7" name="Gerade Verbindung mit Pfeil 6"/>
-          <p:cNvCxnSpPr>
-            <a:endCxn id="4" idx="0"/>
-          </p:cNvCxnSpPr>
-          <p:nvPr/>
-        </p:nvCxnSpPr>
-        <p:spPr>
-          <a:xfrm>
-            <a:off x="1556665" y="1178750"/>
-            <a:ext cx="0" cy="2070230"/>
-          </a:xfrm>
-          <a:prstGeom prst="straightConnector1">
-            <a:avLst/>
-          </a:prstGeom>
-          <a:ln w="57150">
-            <a:tailEnd type="arrow"/>
-          </a:ln>
-        </p:spPr>
-        <p:style>
-          <a:lnRef idx="2">
-            <a:schemeClr val="dk1"/>
-          </a:lnRef>
-          <a:fillRef idx="0">
-            <a:schemeClr val="dk1"/>
-          </a:fillRef>
-          <a:effectRef idx="1">
-            <a:schemeClr val="dk1"/>
-          </a:effectRef>
-          <a:fontRef idx="minor">
-            <a:schemeClr val="tx1"/>
-          </a:fontRef>
-        </p:style>
-      </p:cxnSp>
-      <p:cxnSp>
-        <p:nvCxnSpPr>
-          <p:cNvPr id="8" name="Gerade Verbindung mit Pfeil 7"/>
-          <p:cNvCxnSpPr/>
-          <p:nvPr/>
-        </p:nvCxnSpPr>
-        <p:spPr>
-          <a:xfrm>
-            <a:off x="6901008" y="1358770"/>
-            <a:ext cx="33754" cy="1530169"/>
-          </a:xfrm>
-          <a:prstGeom prst="straightConnector1">
-            <a:avLst/>
-          </a:prstGeom>
-          <a:ln w="57150">
-            <a:tailEnd type="arrow"/>
-          </a:ln>
-        </p:spPr>
-        <p:style>
-          <a:lnRef idx="2">
-            <a:schemeClr val="dk1"/>
-          </a:lnRef>
-          <a:fillRef idx="0">
-            <a:schemeClr val="dk1"/>
-          </a:fillRef>
-          <a:effectRef idx="1">
-            <a:schemeClr val="dk1"/>
-          </a:effectRef>
-          <a:fontRef idx="minor">
-            <a:schemeClr val="tx1"/>
-          </a:fontRef>
-        </p:style>
-      </p:cxnSp>
-      <p:sp>
-        <p:nvSpPr>
-          <p:cNvPr id="9" name="Abgerundetes Rechteck 8"/>
-          <p:cNvSpPr/>
-          <p:nvPr/>
-        </p:nvSpPr>
-        <p:spPr>
-          <a:xfrm>
-            <a:off x="1556665" y="1755275"/>
-            <a:ext cx="2070230" cy="540060"/>
-          </a:xfrm>
-          <a:prstGeom prst="roundRect">
-            <a:avLst/>
-          </a:prstGeom>
-          <a:ln/>
-        </p:spPr>
-        <p:style>
-          <a:lnRef idx="2">
-            <a:schemeClr val="accent1">
-              <a:shade val="50000"/>
-            </a:schemeClr>
-          </a:lnRef>
-          <a:fillRef idx="1">
-            <a:schemeClr val="accent1"/>
-          </a:fillRef>
-          <a:effectRef idx="0">
-            <a:schemeClr val="accent1"/>
-          </a:effectRef>
-          <a:fontRef idx="minor">
-            <a:schemeClr val="lt1"/>
-          </a:fontRef>
-        </p:style>
-        <p:txBody>
-          <a:bodyPr rtlCol="0" anchor="ctr"/>
-          <a:lstStyle/>
-          <a:p>
-            <a:pPr algn="ctr"/>
-            <a:r>
-              <a:rPr lang="de-DE" sz="2400" dirty="0" err="1" smtClean="0">
-                <a:solidFill>
-                  <a:srgbClr val="FFFFFF"/>
-                </a:solidFill>
-              </a:rPr>
-              <a:t>startService</a:t>
-            </a:r>
-            <a:r>
-              <a:rPr lang="de-DE" sz="2400" dirty="0" smtClean="0">
-                <a:solidFill>
-                  <a:srgbClr val="FFFFFF"/>
-                </a:solidFill>
-              </a:rPr>
-              <a:t>()</a:t>
-            </a:r>
-          </a:p>
-        </p:txBody>
-      </p:sp>
-      <p:sp>
-        <p:nvSpPr>
-          <p:cNvPr id="10" name="Abgerundetes Rechteck 9"/>
-          <p:cNvSpPr/>
-          <p:nvPr/>
-        </p:nvSpPr>
-        <p:spPr>
-          <a:xfrm>
-            <a:off x="4549497" y="4509120"/>
-            <a:ext cx="2461502" cy="540060"/>
-          </a:xfrm>
-          <a:prstGeom prst="roundRect">
-            <a:avLst/>
-          </a:prstGeom>
-          <a:ln/>
-        </p:spPr>
-        <p:style>
-          <a:lnRef idx="2">
-            <a:schemeClr val="accent1">
-              <a:shade val="50000"/>
-            </a:schemeClr>
-          </a:lnRef>
-          <a:fillRef idx="1">
-            <a:schemeClr val="accent1"/>
-          </a:fillRef>
-          <a:effectRef idx="0">
-            <a:schemeClr val="accent1"/>
-          </a:effectRef>
-          <a:fontRef idx="minor">
-            <a:schemeClr val="lt1"/>
-          </a:fontRef>
-        </p:style>
-        <p:txBody>
-          <a:bodyPr rtlCol="0" anchor="ctr"/>
-          <a:lstStyle/>
-          <a:p>
-            <a:pPr algn="ctr"/>
-            <a:r>
-              <a:rPr lang="de-DE" sz="2400" dirty="0" err="1" smtClean="0">
-                <a:solidFill>
-                  <a:srgbClr val="FFFFFF"/>
-                </a:solidFill>
-              </a:rPr>
-              <a:t>unbindService</a:t>
-            </a:r>
-            <a:r>
-              <a:rPr lang="de-DE" sz="2400" dirty="0" smtClean="0">
-                <a:solidFill>
-                  <a:srgbClr val="FFFFFF"/>
-                </a:solidFill>
-              </a:rPr>
-              <a:t>()</a:t>
-            </a:r>
-          </a:p>
-        </p:txBody>
-      </p:sp>
-      <p:cxnSp>
-        <p:nvCxnSpPr>
-          <p:cNvPr id="11" name="Gerade Verbindung mit Pfeil 10"/>
-          <p:cNvCxnSpPr/>
-          <p:nvPr/>
-        </p:nvCxnSpPr>
-        <p:spPr>
-          <a:xfrm>
-            <a:off x="1556665" y="3699030"/>
-            <a:ext cx="0" cy="2070230"/>
-          </a:xfrm>
-          <a:prstGeom prst="straightConnector1">
-            <a:avLst/>
-          </a:prstGeom>
-          <a:ln w="57150">
-            <a:tailEnd type="arrow"/>
-          </a:ln>
-        </p:spPr>
-        <p:style>
-          <a:lnRef idx="2">
-            <a:schemeClr val="dk1"/>
-          </a:lnRef>
-          <a:fillRef idx="0">
-            <a:schemeClr val="dk1"/>
-          </a:fillRef>
-          <a:effectRef idx="1">
-            <a:schemeClr val="dk1"/>
-          </a:effectRef>
-          <a:fontRef idx="minor">
-            <a:schemeClr val="tx1"/>
-          </a:fontRef>
-        </p:style>
-      </p:cxnSp>
-      <p:cxnSp>
-        <p:nvCxnSpPr>
-          <p:cNvPr id="12" name="Gerade Verbindung mit Pfeil 11"/>
-          <p:cNvCxnSpPr/>
-          <p:nvPr/>
-        </p:nvCxnSpPr>
-        <p:spPr>
-          <a:xfrm>
-            <a:off x="6957265" y="4014066"/>
-            <a:ext cx="33754" cy="1530169"/>
-          </a:xfrm>
-          <a:prstGeom prst="straightConnector1">
-            <a:avLst/>
-          </a:prstGeom>
-          <a:ln w="57150">
-            <a:tailEnd type="arrow"/>
-          </a:ln>
-        </p:spPr>
-        <p:style>
-          <a:lnRef idx="2">
-            <a:schemeClr val="dk1"/>
-          </a:lnRef>
-          <a:fillRef idx="0">
-            <a:schemeClr val="dk1"/>
-          </a:fillRef>
-          <a:effectRef idx="1">
-            <a:schemeClr val="dk1"/>
-          </a:effectRef>
-          <a:fontRef idx="minor">
-            <a:schemeClr val="tx1"/>
-          </a:fontRef>
-        </p:style>
-      </p:cxnSp>
-      <p:sp>
-        <p:nvSpPr>
-          <p:cNvPr id="13" name="Abgerundetes Rechteck 12"/>
-          <p:cNvSpPr/>
-          <p:nvPr/>
-        </p:nvSpPr>
-        <p:spPr>
-          <a:xfrm>
-            <a:off x="4842030" y="1763815"/>
-            <a:ext cx="2070230" cy="540060"/>
-          </a:xfrm>
-          <a:prstGeom prst="roundRect">
-            <a:avLst/>
-          </a:prstGeom>
-          <a:ln/>
-        </p:spPr>
-        <p:style>
-          <a:lnRef idx="2">
-            <a:schemeClr val="accent1">
-              <a:shade val="50000"/>
-            </a:schemeClr>
-          </a:lnRef>
-          <a:fillRef idx="1">
-            <a:schemeClr val="accent1"/>
-          </a:fillRef>
-          <a:effectRef idx="0">
-            <a:schemeClr val="accent1"/>
-          </a:effectRef>
-          <a:fontRef idx="minor">
-            <a:schemeClr val="lt1"/>
-          </a:fontRef>
-        </p:style>
-        <p:txBody>
-          <a:bodyPr rtlCol="0" anchor="ctr"/>
-          <a:lstStyle/>
-          <a:p>
-            <a:pPr algn="ctr"/>
-            <a:r>
-              <a:rPr lang="de-DE" sz="2400" dirty="0" err="1" smtClean="0">
-                <a:solidFill>
-                  <a:srgbClr val="FFFFFF"/>
-                </a:solidFill>
-              </a:rPr>
-              <a:t>bindService</a:t>
-            </a:r>
-            <a:r>
-              <a:rPr lang="de-DE" sz="2400" dirty="0" smtClean="0">
-                <a:solidFill>
-                  <a:srgbClr val="FFFFFF"/>
-                </a:solidFill>
-              </a:rPr>
-              <a:t>()</a:t>
-            </a:r>
-          </a:p>
-        </p:txBody>
-      </p:sp>
-      <p:sp>
-        <p:nvSpPr>
-          <p:cNvPr id="14" name="Abgerundetes Rechteck 13"/>
-          <p:cNvSpPr/>
-          <p:nvPr/>
-        </p:nvSpPr>
-        <p:spPr>
-          <a:xfrm>
-            <a:off x="1570438" y="4509120"/>
-            <a:ext cx="2461502" cy="882715"/>
-          </a:xfrm>
-          <a:prstGeom prst="roundRect">
-            <a:avLst/>
-          </a:prstGeom>
-          <a:ln/>
-        </p:spPr>
-        <p:style>
-          <a:lnRef idx="2">
-            <a:schemeClr val="accent1">
-              <a:shade val="50000"/>
-            </a:schemeClr>
-          </a:lnRef>
-          <a:fillRef idx="1">
-            <a:schemeClr val="accent1"/>
-          </a:fillRef>
-          <a:effectRef idx="0">
-            <a:schemeClr val="accent1"/>
-          </a:effectRef>
-          <a:fontRef idx="minor">
-            <a:schemeClr val="lt1"/>
-          </a:fontRef>
-        </p:style>
-        <p:txBody>
-          <a:bodyPr rtlCol="0" anchor="ctr"/>
-          <a:lstStyle/>
-          <a:p>
-            <a:pPr algn="ctr"/>
-            <a:r>
-              <a:rPr lang="de-DE" sz="2400" dirty="0" err="1" smtClean="0">
-                <a:solidFill>
-                  <a:srgbClr val="FFFFFF"/>
-                </a:solidFill>
-              </a:rPr>
-              <a:t>stopService</a:t>
-            </a:r>
-            <a:r>
-              <a:rPr lang="de-DE" sz="2400" dirty="0" smtClean="0">
-                <a:solidFill>
-                  <a:srgbClr val="FFFFFF"/>
-                </a:solidFill>
-              </a:rPr>
-              <a:t>()</a:t>
-            </a:r>
-          </a:p>
-          <a:p>
-            <a:pPr algn="ctr"/>
-            <a:r>
-              <a:rPr lang="de-DE" sz="2400" dirty="0" err="1" smtClean="0">
-                <a:solidFill>
-                  <a:srgbClr val="FFFFFF"/>
-                </a:solidFill>
-              </a:rPr>
-              <a:t>stopSelf</a:t>
-            </a:r>
-            <a:r>
-              <a:rPr lang="de-DE" sz="2400" dirty="0" smtClean="0">
-                <a:solidFill>
-                  <a:srgbClr val="FFFFFF"/>
-                </a:solidFill>
-              </a:rPr>
-              <a:t>()</a:t>
-            </a:r>
-          </a:p>
-        </p:txBody>
-      </p:sp>
-      <p:sp>
-        <p:nvSpPr>
-          <p:cNvPr id="16" name="Ovale Legende 15"/>
-          <p:cNvSpPr/>
-          <p:nvPr/>
-        </p:nvSpPr>
-        <p:spPr>
-          <a:xfrm>
-            <a:off x="2755468" y="503675"/>
-            <a:ext cx="2986661" cy="1026575"/>
-          </a:xfrm>
-          <a:prstGeom prst="wedgeEllipseCallout">
-            <a:avLst>
-              <a:gd name="adj1" fmla="val -56552"/>
-              <a:gd name="adj2" fmla="val 77345"/>
-            </a:avLst>
-          </a:prstGeom>
-          <a:ln/>
-        </p:spPr>
-        <p:style>
-          <a:lnRef idx="2">
-            <a:schemeClr val="accent4">
-              <a:shade val="50000"/>
-            </a:schemeClr>
-          </a:lnRef>
-          <a:fillRef idx="1">
-            <a:schemeClr val="accent4"/>
-          </a:fillRef>
-          <a:effectRef idx="0">
-            <a:schemeClr val="accent4"/>
-          </a:effectRef>
-          <a:fontRef idx="minor">
-            <a:schemeClr val="lt1"/>
-          </a:fontRef>
-        </p:style>
-        <p:txBody>
-          <a:bodyPr rtlCol="0" anchor="ctr"/>
-          <a:lstStyle/>
-          <a:p>
-            <a:pPr algn="ctr"/>
-            <a:r>
-              <a:rPr lang="de-DE" sz="2400" dirty="0" smtClean="0">
-                <a:solidFill>
-                  <a:srgbClr val="FFFFFF"/>
-                </a:solidFill>
-              </a:rPr>
-              <a:t>Beim Start des Geräts</a:t>
-            </a:r>
-          </a:p>
-        </p:txBody>
-      </p:sp>
-      <p:cxnSp>
-        <p:nvCxnSpPr>
-          <p:cNvPr id="18" name="Gerade Verbindung 17"/>
-          <p:cNvCxnSpPr/>
-          <p:nvPr/>
-        </p:nvCxnSpPr>
-        <p:spPr>
-          <a:xfrm>
-            <a:off x="881590" y="4319418"/>
-            <a:ext cx="3667907" cy="1449842"/>
-          </a:xfrm>
-          <a:prstGeom prst="line">
-            <a:avLst/>
-          </a:prstGeom>
-          <a:ln w="57150">
-            <a:solidFill>
-              <a:srgbClr val="FF0000"/>
-            </a:solidFill>
-            <a:tailEnd type="none"/>
-          </a:ln>
-        </p:spPr>
-        <p:style>
-          <a:lnRef idx="1">
-            <a:schemeClr val="accent1"/>
-          </a:lnRef>
-          <a:fillRef idx="0">
-            <a:schemeClr val="accent1"/>
-          </a:fillRef>
-          <a:effectRef idx="0">
-            <a:schemeClr val="accent1"/>
-          </a:effectRef>
-          <a:fontRef idx="minor">
-            <a:schemeClr val="tx1"/>
-          </a:fontRef>
-        </p:style>
-      </p:cxnSp>
-      <p:cxnSp>
-        <p:nvCxnSpPr>
-          <p:cNvPr id="20" name="Gerade Verbindung 19"/>
-          <p:cNvCxnSpPr/>
-          <p:nvPr/>
-        </p:nvCxnSpPr>
-        <p:spPr>
-          <a:xfrm flipV="1">
-            <a:off x="881590" y="4194085"/>
-            <a:ext cx="3150350" cy="1575175"/>
-          </a:xfrm>
-          <a:prstGeom prst="line">
-            <a:avLst/>
-          </a:prstGeom>
-          <a:ln w="57150">
-            <a:solidFill>
-              <a:srgbClr val="FF0000"/>
-            </a:solidFill>
-            <a:tailEnd type="none"/>
-          </a:ln>
-        </p:spPr>
-        <p:style>
-          <a:lnRef idx="1">
-            <a:schemeClr val="accent1"/>
-          </a:lnRef>
-          <a:fillRef idx="0">
-            <a:schemeClr val="accent1"/>
-          </a:fillRef>
-          <a:effectRef idx="0">
-            <a:schemeClr val="accent1"/>
-          </a:effectRef>
-          <a:fontRef idx="minor">
-            <a:schemeClr val="tx1"/>
-          </a:fontRef>
-        </p:style>
-      </p:cxnSp>
-      <p:sp>
-        <p:nvSpPr>
-          <p:cNvPr id="21" name="Ovale Legende 20"/>
-          <p:cNvSpPr/>
-          <p:nvPr/>
-        </p:nvSpPr>
-        <p:spPr>
-          <a:xfrm>
-            <a:off x="3914347" y="4878547"/>
-            <a:ext cx="2986661" cy="1026575"/>
-          </a:xfrm>
-          <a:prstGeom prst="wedgeEllipseCallout">
-            <a:avLst>
-              <a:gd name="adj1" fmla="val -72881"/>
-              <a:gd name="adj2" fmla="val -17666"/>
-            </a:avLst>
-          </a:prstGeom>
-          <a:ln/>
-        </p:spPr>
-        <p:style>
-          <a:lnRef idx="2">
-            <a:schemeClr val="accent4">
-              <a:shade val="50000"/>
-            </a:schemeClr>
-          </a:lnRef>
-          <a:fillRef idx="1">
-            <a:schemeClr val="accent4"/>
-          </a:fillRef>
-          <a:effectRef idx="0">
-            <a:schemeClr val="accent4"/>
-          </a:effectRef>
-          <a:fontRef idx="minor">
-            <a:schemeClr val="lt1"/>
-          </a:fontRef>
-        </p:style>
-        <p:txBody>
-          <a:bodyPr rtlCol="0" anchor="ctr"/>
-          <a:lstStyle/>
-          <a:p>
-            <a:pPr algn="ctr"/>
-            <a:r>
-              <a:rPr lang="de-DE" sz="2400" dirty="0" smtClean="0">
-                <a:solidFill>
-                  <a:srgbClr val="FFFFFF"/>
-                </a:solidFill>
-              </a:rPr>
-              <a:t>Läuft ewig</a:t>
-            </a:r>
-          </a:p>
-        </p:txBody>
-      </p:sp>
-      <p:sp>
-        <p:nvSpPr>
-          <p:cNvPr id="23" name="Ovale Legende 22"/>
-          <p:cNvSpPr/>
-          <p:nvPr/>
-        </p:nvSpPr>
-        <p:spPr>
-          <a:xfrm>
-            <a:off x="5634662" y="332195"/>
-            <a:ext cx="3509337" cy="1026575"/>
-          </a:xfrm>
-          <a:prstGeom prst="wedgeEllipseCallout">
-            <a:avLst>
-              <a:gd name="adj1" fmla="val 8589"/>
-              <a:gd name="adj2" fmla="val 199078"/>
-            </a:avLst>
-          </a:prstGeom>
-          <a:ln/>
-        </p:spPr>
-        <p:style>
-          <a:lnRef idx="2">
-            <a:schemeClr val="accent4">
-              <a:shade val="50000"/>
-            </a:schemeClr>
-          </a:lnRef>
-          <a:fillRef idx="1">
-            <a:schemeClr val="accent4"/>
-          </a:fillRef>
-          <a:effectRef idx="0">
-            <a:schemeClr val="accent4"/>
-          </a:effectRef>
-          <a:fontRef idx="minor">
-            <a:schemeClr val="lt1"/>
-          </a:fontRef>
-        </p:style>
-        <p:txBody>
-          <a:bodyPr rtlCol="0" anchor="ctr"/>
-          <a:lstStyle/>
-          <a:p>
-            <a:pPr algn="ctr"/>
-            <a:r>
-              <a:rPr lang="de-DE" sz="2400" dirty="0" smtClean="0">
-                <a:solidFill>
-                  <a:srgbClr val="FFFFFF"/>
-                </a:solidFill>
-              </a:rPr>
-              <a:t>Kommunikation über Binder</a:t>
-            </a:r>
-          </a:p>
-        </p:txBody>
-      </p:sp>
-    </p:spTree>
-    <p:extLst>
-      <p:ext uri="{BB962C8B-B14F-4D97-AF65-F5344CB8AC3E}">
-        <p14:creationId xmlns:p14="http://schemas.microsoft.com/office/powerpoint/2010/main" val="1799769859"/>
-      </p:ext>
-    </p:extLst>
-  </p:cSld>
-  <p:clrMapOvr>
-    <a:masterClrMapping/>
-  </p:clrMapOvr>
-  <p:timing>
-    <p:tnLst>
-      <p:par>
-        <p:cTn id="1" dur="indefinite" restart="never" nodeType="tmRoot"/>
-      </p:par>
-    </p:tnLst>
-  </p:timing>
-</p:sld>
-</file>
-
-<file path=ppt/slides/slide24.xml><?xml version="1.0" encoding="utf-8"?>
-<p:sld xmlns:a="http://schemas.openxmlformats.org/drawingml/2006/main" xmlns:r="http://schemas.openxmlformats.org/officeDocument/2006/relationships" xmlns:p="http://schemas.openxmlformats.org/presentationml/2006/main">
-  <p:cSld>
-    <p:spTree>
-      <p:nvGrpSpPr>
-        <p:cNvPr id="1" name=""/>
-        <p:cNvGrpSpPr/>
-        <p:nvPr/>
-      </p:nvGrpSpPr>
-      <p:grpSpPr>
-        <a:xfrm>
-          <a:off x="0" y="0"/>
-          <a:ext cx="0" cy="0"/>
-          <a:chOff x="0" y="0"/>
-          <a:chExt cx="0" cy="0"/>
-        </a:xfrm>
-      </p:grpSpPr>
-      <p:sp>
-        <p:nvSpPr>
-          <p:cNvPr id="2" name="Titel 1"/>
-          <p:cNvSpPr>
-            <a:spLocks noGrp="1"/>
-          </p:cNvSpPr>
-          <p:nvPr>
-            <p:ph type="title"/>
-          </p:nvPr>
-        </p:nvSpPr>
-        <p:spPr/>
-        <p:txBody>
-          <a:bodyPr/>
-          <a:lstStyle/>
-          <a:p>
-            <a:endParaRPr lang="de-DE" dirty="0"/>
-          </a:p>
-        </p:txBody>
-      </p:sp>
-      <p:sp>
-        <p:nvSpPr>
-          <p:cNvPr id="3" name="Inhaltsplatzhalter 2"/>
-          <p:cNvSpPr>
-            <a:spLocks noGrp="1"/>
-          </p:cNvSpPr>
-          <p:nvPr>
-            <p:ph idx="1"/>
-          </p:nvPr>
-        </p:nvSpPr>
-        <p:spPr>
-          <a:xfrm>
-            <a:off x="384175" y="1042988"/>
-            <a:ext cx="8375650" cy="4772025"/>
-          </a:xfrm>
-        </p:spPr>
-        <p:txBody>
-          <a:bodyPr anchor="ctr"/>
-          <a:lstStyle/>
-          <a:p>
-            <a:pPr algn="ctr"/>
-            <a:r>
-              <a:rPr lang="de-DE" sz="4400" dirty="0" smtClean="0"/>
-              <a:t>Demo</a:t>
-            </a:r>
-            <a:endParaRPr lang="de-DE" sz="4400" dirty="0"/>
-          </a:p>
-        </p:txBody>
-      </p:sp>
-    </p:spTree>
-    <p:extLst>
-      <p:ext uri="{BB962C8B-B14F-4D97-AF65-F5344CB8AC3E}">
-        <p14:creationId xmlns:p14="http://schemas.microsoft.com/office/powerpoint/2010/main" val="1315016961"/>
-      </p:ext>
-    </p:extLst>
   </p:cSld>
   <p:clrMapOvr>
     <a:masterClrMapping/>

--- a/Review/Android.pptx
+++ b/Review/Android.pptx
@@ -6,7 +6,7 @@
     <p:sldMasterId id="2147483662" r:id="rId2"/>
   </p:sldMasterIdLst>
   <p:notesMasterIdLst>
-    <p:notesMasterId r:id="rId22"/>
+    <p:notesMasterId r:id="rId18"/>
   </p:notesMasterIdLst>
   <p:sldIdLst>
     <p:sldId id="279" r:id="rId3"/>
@@ -20,14 +20,10 @@
     <p:sldId id="298" r:id="rId11"/>
     <p:sldId id="300" r:id="rId12"/>
     <p:sldId id="301" r:id="rId13"/>
-    <p:sldId id="296" r:id="rId14"/>
-    <p:sldId id="302" r:id="rId15"/>
-    <p:sldId id="303" r:id="rId16"/>
-    <p:sldId id="304" r:id="rId17"/>
-    <p:sldId id="305" r:id="rId18"/>
-    <p:sldId id="306" r:id="rId19"/>
-    <p:sldId id="307" r:id="rId20"/>
-    <p:sldId id="308" r:id="rId21"/>
+    <p:sldId id="302" r:id="rId14"/>
+    <p:sldId id="303" r:id="rId15"/>
+    <p:sldId id="307" r:id="rId16"/>
+    <p:sldId id="308" r:id="rId17"/>
   </p:sldIdLst>
   <p:sldSz cx="9144000" cy="6858000" type="screen4x3"/>
   <p:notesSz cx="7099300" cy="10234613"/>
@@ -5077,9 +5073,9 @@
       </p:grpSpPr>
       <p:sp>
         <p:nvSpPr>
-          <p:cNvPr id="20485" name="Rectangle 5"/>
+          <p:cNvPr id="2" name="Titel 1"/>
           <p:cNvSpPr>
-            <a:spLocks noGrp="1" noChangeArrowheads="1"/>
+            <a:spLocks noGrp="1"/>
           </p:cNvSpPr>
           <p:nvPr>
             <p:ph type="title"/>
@@ -5091,134 +5087,519 @@
           <a:lstStyle/>
           <a:p>
             <a:r>
-              <a:rPr lang="de-DE" dirty="0" err="1" smtClean="0"/>
-              <a:t>InstaMeet</a:t>
-            </a:r>
-            <a:r>
               <a:rPr lang="de-DE" dirty="0" smtClean="0"/>
-              <a:t> – aktueller Stand</a:t>
+              <a:t>Architektur</a:t>
             </a:r>
             <a:endParaRPr lang="de-DE" dirty="0"/>
           </a:p>
         </p:txBody>
       </p:sp>
-      <p:sp>
-        <p:nvSpPr>
-          <p:cNvPr id="20486" name="Rectangle 6"/>
-          <p:cNvSpPr>
-            <a:spLocks noGrp="1" noChangeArrowheads="1"/>
-          </p:cNvSpPr>
-          <p:nvPr>
-            <p:ph type="body" idx="1"/>
-          </p:nvPr>
+      <p:pic>
+        <p:nvPicPr>
+          <p:cNvPr id="4" name="Picture 3" descr="C:\Users\Bjoern\Documents\Studium\AndroidLab\Präsentation\contacts.png"/>
+          <p:cNvPicPr>
+            <a:picLocks noChangeAspect="1" noChangeArrowheads="1"/>
+          </p:cNvPicPr>
+          <p:nvPr/>
+        </p:nvPicPr>
+        <p:blipFill>
+          <a:blip r:embed="rId2">
+            <a:extLst>
+              <a:ext uri="{28A0092B-C50C-407E-A947-70E740481C1C}">
+                <a14:useLocalDpi xmlns:a14="http://schemas.microsoft.com/office/drawing/2010/main" val="0"/>
+              </a:ext>
+            </a:extLst>
+          </a:blip>
+          <a:srcRect/>
+          <a:stretch>
+            <a:fillRect/>
+          </a:stretch>
+        </p:blipFill>
+        <p:spPr bwMode="auto">
+          <a:xfrm>
+            <a:off x="1961710" y="3320317"/>
+            <a:ext cx="1556945" cy="2223918"/>
+          </a:xfrm>
+          <a:prstGeom prst="rect">
+            <a:avLst/>
+          </a:prstGeom>
+          <a:noFill/>
+          <a:extLst>
+            <a:ext uri="{909E8E84-426E-40DD-AFC4-6F175D3DCCD1}">
+              <a14:hiddenFill xmlns:a14="http://schemas.microsoft.com/office/drawing/2010/main">
+                <a:solidFill>
+                  <a:srgbClr val="FFFFFF"/>
+                </a:solidFill>
+              </a14:hiddenFill>
+            </a:ext>
+          </a:extLst>
+        </p:spPr>
+      </p:pic>
+      <p:pic>
+        <p:nvPicPr>
+          <p:cNvPr id="6" name="Picture 4" descr="C:\Users\Bjoern\Documents\Studium\AndroidLab\Präsentation\map.png"/>
+          <p:cNvPicPr>
+            <a:picLocks noChangeAspect="1" noChangeArrowheads="1"/>
+          </p:cNvPicPr>
+          <p:nvPr/>
+        </p:nvPicPr>
+        <p:blipFill>
+          <a:blip r:embed="rId3">
+            <a:extLst>
+              <a:ext uri="{28A0092B-C50C-407E-A947-70E740481C1C}">
+                <a14:useLocalDpi xmlns:a14="http://schemas.microsoft.com/office/drawing/2010/main" val="0"/>
+              </a:ext>
+            </a:extLst>
+          </a:blip>
+          <a:srcRect/>
+          <a:stretch>
+            <a:fillRect/>
+          </a:stretch>
+        </p:blipFill>
+        <p:spPr bwMode="auto">
+          <a:xfrm>
+            <a:off x="3086835" y="3455241"/>
+            <a:ext cx="1556945" cy="2213781"/>
+          </a:xfrm>
+          <a:prstGeom prst="rect">
+            <a:avLst/>
+          </a:prstGeom>
+          <a:noFill/>
+          <a:extLst>
+            <a:ext uri="{909E8E84-426E-40DD-AFC4-6F175D3DCCD1}">
+              <a14:hiddenFill xmlns:a14="http://schemas.microsoft.com/office/drawing/2010/main">
+                <a:solidFill>
+                  <a:srgbClr val="FFFFFF"/>
+                </a:solidFill>
+              </a14:hiddenFill>
+            </a:ext>
+          </a:extLst>
+        </p:spPr>
+      </p:pic>
+      <p:pic>
+        <p:nvPicPr>
+          <p:cNvPr id="5" name="Picture 2" descr="C:\Users\Bjoern\Documents\Studium\AndroidLab\Präsentation\chat.png"/>
+          <p:cNvPicPr>
+            <a:picLocks noChangeAspect="1" noChangeArrowheads="1"/>
+          </p:cNvPicPr>
+          <p:nvPr/>
+        </p:nvPicPr>
+        <p:blipFill>
+          <a:blip r:embed="rId4">
+            <a:extLst>
+              <a:ext uri="{28A0092B-C50C-407E-A947-70E740481C1C}">
+                <a14:useLocalDpi xmlns:a14="http://schemas.microsoft.com/office/drawing/2010/main" val="0"/>
+              </a:ext>
+            </a:extLst>
+          </a:blip>
+          <a:srcRect/>
+          <a:stretch>
+            <a:fillRect/>
+          </a:stretch>
+        </p:blipFill>
+        <p:spPr bwMode="auto">
+          <a:xfrm>
+            <a:off x="4211960" y="3609020"/>
+            <a:ext cx="1536712" cy="2195017"/>
+          </a:xfrm>
+          <a:prstGeom prst="rect">
+            <a:avLst/>
+          </a:prstGeom>
+          <a:noFill/>
+          <a:extLst>
+            <a:ext uri="{909E8E84-426E-40DD-AFC4-6F175D3DCCD1}">
+              <a14:hiddenFill xmlns:a14="http://schemas.microsoft.com/office/drawing/2010/main">
+                <a:solidFill>
+                  <a:srgbClr val="FFFFFF"/>
+                </a:solidFill>
+              </a14:hiddenFill>
+            </a:ext>
+          </a:extLst>
+        </p:spPr>
+      </p:pic>
+      <p:sp>
+        <p:nvSpPr>
+          <p:cNvPr id="7" name="Rechteck 6"/>
+          <p:cNvSpPr/>
+          <p:nvPr/>
         </p:nvSpPr>
         <p:spPr>
           <a:xfrm>
-            <a:off x="431800" y="1079500"/>
-            <a:ext cx="8375650" cy="4772025"/>
-          </a:xfrm>
+            <a:off x="5344599" y="3744035"/>
+            <a:ext cx="1477651" cy="2205245"/>
+          </a:xfrm>
+          <a:prstGeom prst="rect">
+            <a:avLst/>
+          </a:prstGeom>
+          <a:solidFill>
+            <a:schemeClr val="accent3">
+              <a:lumMod val="20000"/>
+              <a:lumOff val="80000"/>
+            </a:schemeClr>
+          </a:solidFill>
+          <a:ln/>
+        </p:spPr>
+        <p:style>
+          <a:lnRef idx="2">
+            <a:schemeClr val="accent2"/>
+          </a:lnRef>
+          <a:fillRef idx="1">
+            <a:schemeClr val="lt1"/>
+          </a:fillRef>
+          <a:effectRef idx="0">
+            <a:schemeClr val="accent2"/>
+          </a:effectRef>
+          <a:fontRef idx="minor">
+            <a:schemeClr val="dk1"/>
+          </a:fontRef>
+        </p:style>
+        <p:txBody>
+          <a:bodyPr rtlCol="0" anchor="ctr"/>
+          <a:lstStyle/>
+          <a:p>
+            <a:pPr algn="ctr"/>
+            <a:r>
+              <a:rPr lang="de-DE" sz="2400" dirty="0" smtClean="0">
+                <a:solidFill>
+                  <a:srgbClr val="000000"/>
+                </a:solidFill>
+              </a:rPr>
+              <a:t>…</a:t>
+            </a:r>
+          </a:p>
+        </p:txBody>
+      </p:sp>
+      <p:sp>
+        <p:nvSpPr>
+          <p:cNvPr id="8" name="Rechteck 7"/>
+          <p:cNvSpPr/>
+          <p:nvPr/>
+        </p:nvSpPr>
+        <p:spPr>
+          <a:xfrm>
+            <a:off x="1556665" y="2483895"/>
+            <a:ext cx="6120680" cy="630070"/>
+          </a:xfrm>
+          <a:prstGeom prst="rect">
+            <a:avLst/>
+          </a:prstGeom>
+          <a:ln/>
+        </p:spPr>
+        <p:style>
+          <a:lnRef idx="1">
+            <a:schemeClr val="accent1"/>
+          </a:lnRef>
+          <a:fillRef idx="2">
+            <a:schemeClr val="accent1"/>
+          </a:fillRef>
+          <a:effectRef idx="1">
+            <a:schemeClr val="accent1"/>
+          </a:effectRef>
+          <a:fontRef idx="minor">
+            <a:schemeClr val="dk1"/>
+          </a:fontRef>
+        </p:style>
+        <p:txBody>
+          <a:bodyPr rtlCol="0" anchor="ctr"/>
+          <a:lstStyle/>
+          <a:p>
+            <a:pPr algn="ctr"/>
+            <a:r>
+              <a:rPr lang="de-DE" sz="2400" dirty="0" smtClean="0">
+                <a:solidFill>
+                  <a:srgbClr val="000000"/>
+                </a:solidFill>
+              </a:rPr>
+              <a:t>Service</a:t>
+            </a:r>
+          </a:p>
+        </p:txBody>
+      </p:sp>
+      <p:sp>
+        <p:nvSpPr>
+          <p:cNvPr id="11" name="Pfeil nach oben und unten 10"/>
+          <p:cNvSpPr/>
+          <p:nvPr/>
+        </p:nvSpPr>
+        <p:spPr>
+          <a:xfrm>
+            <a:off x="2588509" y="3068960"/>
+            <a:ext cx="273301" cy="855094"/>
+          </a:xfrm>
+          <a:prstGeom prst="upDownArrow">
+            <a:avLst>
+              <a:gd name="adj1" fmla="val 28825"/>
+              <a:gd name="adj2" fmla="val 30750"/>
+            </a:avLst>
+          </a:prstGeom>
+          <a:ln w="19050"/>
+        </p:spPr>
+        <p:style>
+          <a:lnRef idx="2">
+            <a:schemeClr val="accent5">
+              <a:shade val="50000"/>
+            </a:schemeClr>
+          </a:lnRef>
+          <a:fillRef idx="1">
+            <a:schemeClr val="accent5"/>
+          </a:fillRef>
+          <a:effectRef idx="0">
+            <a:schemeClr val="accent5"/>
+          </a:effectRef>
+          <a:fontRef idx="minor">
+            <a:schemeClr val="lt1"/>
+          </a:fontRef>
+        </p:style>
+        <p:txBody>
+          <a:bodyPr rtlCol="0" anchor="ctr"/>
+          <a:lstStyle/>
+          <a:p>
+            <a:pPr algn="ctr"/>
+            <a:endParaRPr lang="de-DE" dirty="0" smtClean="0">
+              <a:solidFill>
+                <a:srgbClr val="FFFFFF"/>
+              </a:solidFill>
+            </a:endParaRPr>
+          </a:p>
+        </p:txBody>
+      </p:sp>
+      <p:sp>
+        <p:nvSpPr>
+          <p:cNvPr id="12" name="Pfeil nach oben und unten 11"/>
+          <p:cNvSpPr/>
+          <p:nvPr/>
+        </p:nvSpPr>
+        <p:spPr>
+          <a:xfrm>
+            <a:off x="3865307" y="3068960"/>
+            <a:ext cx="273301" cy="855094"/>
+          </a:xfrm>
+          <a:prstGeom prst="upDownArrow">
+            <a:avLst>
+              <a:gd name="adj1" fmla="val 28825"/>
+              <a:gd name="adj2" fmla="val 30750"/>
+            </a:avLst>
+          </a:prstGeom>
+          <a:ln w="19050"/>
+        </p:spPr>
+        <p:style>
+          <a:lnRef idx="2">
+            <a:schemeClr val="accent5">
+              <a:shade val="50000"/>
+            </a:schemeClr>
+          </a:lnRef>
+          <a:fillRef idx="1">
+            <a:schemeClr val="accent5"/>
+          </a:fillRef>
+          <a:effectRef idx="0">
+            <a:schemeClr val="accent5"/>
+          </a:effectRef>
+          <a:fontRef idx="minor">
+            <a:schemeClr val="lt1"/>
+          </a:fontRef>
+        </p:style>
+        <p:txBody>
+          <a:bodyPr rtlCol="0" anchor="ctr"/>
+          <a:lstStyle/>
+          <a:p>
+            <a:pPr algn="ctr"/>
+            <a:endParaRPr lang="de-DE" dirty="0" smtClean="0">
+              <a:solidFill>
+                <a:srgbClr val="FFFFFF"/>
+              </a:solidFill>
+            </a:endParaRPr>
+          </a:p>
+        </p:txBody>
+      </p:sp>
+      <p:sp>
+        <p:nvSpPr>
+          <p:cNvPr id="13" name="Pfeil nach oben und unten 12"/>
+          <p:cNvSpPr/>
+          <p:nvPr/>
+        </p:nvSpPr>
+        <p:spPr>
+          <a:xfrm>
+            <a:off x="4906055" y="3068960"/>
+            <a:ext cx="273301" cy="855094"/>
+          </a:xfrm>
+          <a:prstGeom prst="upDownArrow">
+            <a:avLst>
+              <a:gd name="adj1" fmla="val 28825"/>
+              <a:gd name="adj2" fmla="val 30750"/>
+            </a:avLst>
+          </a:prstGeom>
+          <a:ln w="19050"/>
+        </p:spPr>
+        <p:style>
+          <a:lnRef idx="2">
+            <a:schemeClr val="accent5">
+              <a:shade val="50000"/>
+            </a:schemeClr>
+          </a:lnRef>
+          <a:fillRef idx="1">
+            <a:schemeClr val="accent5"/>
+          </a:fillRef>
+          <a:effectRef idx="0">
+            <a:schemeClr val="accent5"/>
+          </a:effectRef>
+          <a:fontRef idx="minor">
+            <a:schemeClr val="lt1"/>
+          </a:fontRef>
+        </p:style>
+        <p:txBody>
+          <a:bodyPr rtlCol="0" anchor="ctr"/>
+          <a:lstStyle/>
+          <a:p>
+            <a:pPr algn="ctr"/>
+            <a:endParaRPr lang="de-DE" dirty="0" smtClean="0">
+              <a:solidFill>
+                <a:srgbClr val="FFFFFF"/>
+              </a:solidFill>
+            </a:endParaRPr>
+          </a:p>
+        </p:txBody>
+      </p:sp>
+      <p:sp>
+        <p:nvSpPr>
+          <p:cNvPr id="14" name="Pfeil nach oben und unten 13"/>
+          <p:cNvSpPr/>
+          <p:nvPr/>
+        </p:nvSpPr>
+        <p:spPr>
+          <a:xfrm>
+            <a:off x="5918879" y="3068959"/>
+            <a:ext cx="273301" cy="855095"/>
+          </a:xfrm>
+          <a:prstGeom prst="upDownArrow">
+            <a:avLst>
+              <a:gd name="adj1" fmla="val 28825"/>
+              <a:gd name="adj2" fmla="val 30750"/>
+            </a:avLst>
+          </a:prstGeom>
+          <a:ln w="19050"/>
+        </p:spPr>
+        <p:style>
+          <a:lnRef idx="2">
+            <a:schemeClr val="accent5">
+              <a:shade val="50000"/>
+            </a:schemeClr>
+          </a:lnRef>
+          <a:fillRef idx="1">
+            <a:schemeClr val="accent5"/>
+          </a:fillRef>
+          <a:effectRef idx="0">
+            <a:schemeClr val="accent5"/>
+          </a:effectRef>
+          <a:fontRef idx="minor">
+            <a:schemeClr val="lt1"/>
+          </a:fontRef>
+        </p:style>
+        <p:txBody>
+          <a:bodyPr rtlCol="0" anchor="ctr"/>
+          <a:lstStyle/>
+          <a:p>
+            <a:pPr algn="ctr"/>
+            <a:endParaRPr lang="de-DE" dirty="0" smtClean="0">
+              <a:solidFill>
+                <a:srgbClr val="FFFFFF"/>
+              </a:solidFill>
+            </a:endParaRPr>
+          </a:p>
+        </p:txBody>
+      </p:sp>
+      <p:pic>
+        <p:nvPicPr>
+          <p:cNvPr id="2050" name="Picture 2" descr="http://icons.iconarchive.com/icons/icons-land/vista-hardware-devices/256/Home-Server-icon.png"/>
+          <p:cNvPicPr>
+            <a:picLocks noChangeAspect="1" noChangeArrowheads="1"/>
+          </p:cNvPicPr>
+          <p:nvPr/>
+        </p:nvPicPr>
+        <p:blipFill>
+          <a:blip r:embed="rId5">
+            <a:extLst>
+              <a:ext uri="{28A0092B-C50C-407E-A947-70E740481C1C}">
+                <a14:useLocalDpi xmlns:a14="http://schemas.microsoft.com/office/drawing/2010/main" val="0"/>
+              </a:ext>
+            </a:extLst>
+          </a:blip>
+          <a:srcRect/>
+          <a:stretch>
+            <a:fillRect/>
+          </a:stretch>
+        </p:blipFill>
+        <p:spPr bwMode="auto">
+          <a:xfrm>
+            <a:off x="3920947" y="593685"/>
+            <a:ext cx="1445665" cy="1445665"/>
+          </a:xfrm>
+          <a:prstGeom prst="rect">
+            <a:avLst/>
+          </a:prstGeom>
           <a:noFill/>
-        </p:spPr>
-        <p:txBody>
-          <a:bodyPr/>
+          <a:extLst>
+            <a:ext uri="{909E8E84-426E-40DD-AFC4-6F175D3DCCD1}">
+              <a14:hiddenFill xmlns:a14="http://schemas.microsoft.com/office/drawing/2010/main">
+                <a:solidFill>
+                  <a:srgbClr val="FFFFFF"/>
+                </a:solidFill>
+              </a14:hiddenFill>
+            </a:ext>
+          </a:extLst>
+        </p:spPr>
+      </p:pic>
+      <p:sp>
+        <p:nvSpPr>
+          <p:cNvPr id="10" name="Pfeil nach oben und unten 9"/>
+          <p:cNvSpPr/>
+          <p:nvPr/>
+        </p:nvSpPr>
+        <p:spPr>
+          <a:xfrm>
+            <a:off x="4480354" y="1853825"/>
+            <a:ext cx="273301" cy="720079"/>
+          </a:xfrm>
+          <a:prstGeom prst="upDownArrow">
+            <a:avLst>
+              <a:gd name="adj1" fmla="val 28825"/>
+              <a:gd name="adj2" fmla="val 30750"/>
+            </a:avLst>
+          </a:prstGeom>
+          <a:ln w="19050"/>
+        </p:spPr>
+        <p:style>
+          <a:lnRef idx="2">
+            <a:schemeClr val="accent5">
+              <a:shade val="50000"/>
+            </a:schemeClr>
+          </a:lnRef>
+          <a:fillRef idx="1">
+            <a:schemeClr val="accent5"/>
+          </a:fillRef>
+          <a:effectRef idx="0">
+            <a:schemeClr val="accent5"/>
+          </a:effectRef>
+          <a:fontRef idx="minor">
+            <a:schemeClr val="lt1"/>
+          </a:fontRef>
+        </p:style>
+        <p:txBody>
+          <a:bodyPr rtlCol="0" anchor="ctr"/>
           <a:lstStyle/>
           <a:p>
-            <a:pPr marL="285750" indent="-285750">
-              <a:buFont typeface="Arial" panose="020B0604020202020204" pitchFamily="34" charset="0"/>
-              <a:buChar char="•"/>
-            </a:pPr>
-            <a:endParaRPr lang="de-DE" sz="2000" dirty="0" smtClean="0"/>
-          </a:p>
-          <a:p>
-            <a:pPr marL="285750" indent="-285750">
-              <a:buFont typeface="Arial" panose="020B0604020202020204" pitchFamily="34" charset="0"/>
-              <a:buChar char="•"/>
-            </a:pPr>
-            <a:r>
-              <a:rPr lang="de-DE" sz="2000" dirty="0" smtClean="0"/>
-              <a:t>Server-Backend </a:t>
-            </a:r>
-          </a:p>
-          <a:p>
-            <a:pPr marL="533400" lvl="1" indent="-342900"/>
-            <a:r>
-              <a:rPr lang="de-DE" sz="2000" dirty="0" smtClean="0"/>
-              <a:t>Businesslogik weitgehend fertig</a:t>
-            </a:r>
-          </a:p>
-          <a:p>
-            <a:pPr marL="533400" lvl="1" indent="-342900"/>
-            <a:r>
-              <a:rPr lang="de-DE" sz="2000" dirty="0" smtClean="0"/>
-              <a:t>Umstellung </a:t>
-            </a:r>
-            <a:r>
-              <a:rPr lang="de-DE" sz="2000" smtClean="0"/>
-              <a:t>auf TCP-Server in </a:t>
-            </a:r>
-            <a:r>
-              <a:rPr lang="de-DE" sz="2000" dirty="0" smtClean="0"/>
-              <a:t>Bearbeitung</a:t>
-            </a:r>
-          </a:p>
-          <a:p>
-            <a:pPr marL="533400" lvl="1" indent="-342900"/>
-            <a:r>
-              <a:rPr lang="de-DE" sz="2000" dirty="0" smtClean="0"/>
-              <a:t>Verschlüsselung zwischen Client\Server noch ausstehend</a:t>
-            </a:r>
-          </a:p>
-          <a:p>
-            <a:endParaRPr lang="de-DE" sz="2000" dirty="0" smtClean="0"/>
-          </a:p>
-          <a:p>
-            <a:pPr marL="285750" indent="-285750">
-              <a:buFont typeface="Arial" panose="020B0604020202020204" pitchFamily="34" charset="0"/>
-              <a:buChar char="•"/>
-            </a:pPr>
-            <a:r>
-              <a:rPr lang="de-DE" sz="2000" dirty="0" smtClean="0"/>
-              <a:t>Android Client</a:t>
-            </a:r>
-          </a:p>
-          <a:p>
-            <a:pPr marL="514350" lvl="2" indent="-342900">
-              <a:buClrTx/>
-            </a:pPr>
-            <a:r>
-              <a:rPr lang="de-DE" sz="2000" dirty="0" smtClean="0"/>
-              <a:t>Einbindung der Server-Kommunikation in Bearbeitung</a:t>
-            </a:r>
-          </a:p>
-          <a:p>
-            <a:pPr marL="514350" lvl="2" indent="-342900">
-              <a:buClrTx/>
-            </a:pPr>
-            <a:r>
-              <a:rPr lang="de-DE" sz="2000" dirty="0" smtClean="0"/>
-              <a:t>GUI teilweise fertig, weitere Schritte erst sinnvoll bei nutzbarer Kommunikation</a:t>
-            </a:r>
-          </a:p>
-          <a:p>
-            <a:pPr marL="476250" lvl="1" indent="-285750">
-              <a:buFont typeface="Arial" panose="020B0604020202020204" pitchFamily="34" charset="0"/>
-              <a:buChar char="•"/>
-            </a:pPr>
-            <a:endParaRPr lang="de-DE" sz="2000" dirty="0" smtClean="0"/>
-          </a:p>
-          <a:p>
-            <a:pPr marL="285750" indent="-285750">
-              <a:buFont typeface="Arial" panose="020B0604020202020204" pitchFamily="34" charset="0"/>
-              <a:buChar char="•"/>
-            </a:pPr>
-            <a:endParaRPr lang="de-DE" sz="2000" dirty="0"/>
+            <a:pPr algn="ctr"/>
+            <a:endParaRPr lang="de-DE" dirty="0" smtClean="0">
+              <a:solidFill>
+                <a:srgbClr val="FFFFFF"/>
+              </a:solidFill>
+            </a:endParaRPr>
           </a:p>
         </p:txBody>
       </p:sp>
     </p:spTree>
     <p:extLst>
       <p:ext uri="{BB962C8B-B14F-4D97-AF65-F5344CB8AC3E}">
-        <p14:creationId xmlns:p14="http://schemas.microsoft.com/office/powerpoint/2010/main" val="1881054510"/>
+        <p14:creationId xmlns:p14="http://schemas.microsoft.com/office/powerpoint/2010/main" val="2992768944"/>
       </p:ext>
     </p:extLst>
   </p:cSld>
@@ -5269,518 +5650,108 @@
           <a:p>
             <a:r>
               <a:rPr lang="de-DE" dirty="0" smtClean="0"/>
-              <a:t>Architektur</a:t>
+              <a:t>Android Services</a:t>
             </a:r>
             <a:endParaRPr lang="de-DE" dirty="0"/>
           </a:p>
         </p:txBody>
       </p:sp>
-      <p:pic>
-        <p:nvPicPr>
-          <p:cNvPr id="4" name="Picture 3" descr="C:\Users\Bjoern\Documents\Studium\AndroidLab\Präsentation\contacts.png"/>
-          <p:cNvPicPr>
-            <a:picLocks noChangeAspect="1" noChangeArrowheads="1"/>
-          </p:cNvPicPr>
-          <p:nvPr/>
-        </p:nvPicPr>
-        <p:blipFill>
-          <a:blip r:embed="rId2">
-            <a:extLst>
-              <a:ext uri="{28A0092B-C50C-407E-A947-70E740481C1C}">
-                <a14:useLocalDpi xmlns:a14="http://schemas.microsoft.com/office/drawing/2010/main" val="0"/>
-              </a:ext>
-            </a:extLst>
-          </a:blip>
-          <a:srcRect/>
-          <a:stretch>
-            <a:fillRect/>
-          </a:stretch>
-        </p:blipFill>
-        <p:spPr bwMode="auto">
-          <a:xfrm>
-            <a:off x="1961710" y="3320317"/>
-            <a:ext cx="1556945" cy="2223918"/>
-          </a:xfrm>
-          <a:prstGeom prst="rect">
-            <a:avLst/>
-          </a:prstGeom>
-          <a:noFill/>
-          <a:extLst>
-            <a:ext uri="{909E8E84-426E-40DD-AFC4-6F175D3DCCD1}">
-              <a14:hiddenFill xmlns:a14="http://schemas.microsoft.com/office/drawing/2010/main">
-                <a:solidFill>
-                  <a:srgbClr val="FFFFFF"/>
-                </a:solidFill>
-              </a14:hiddenFill>
-            </a:ext>
-          </a:extLst>
-        </p:spPr>
-      </p:pic>
-      <p:pic>
-        <p:nvPicPr>
-          <p:cNvPr id="6" name="Picture 4" descr="C:\Users\Bjoern\Documents\Studium\AndroidLab\Präsentation\map.png"/>
-          <p:cNvPicPr>
-            <a:picLocks noChangeAspect="1" noChangeArrowheads="1"/>
-          </p:cNvPicPr>
-          <p:nvPr/>
-        </p:nvPicPr>
-        <p:blipFill>
-          <a:blip r:embed="rId3">
-            <a:extLst>
-              <a:ext uri="{28A0092B-C50C-407E-A947-70E740481C1C}">
-                <a14:useLocalDpi xmlns:a14="http://schemas.microsoft.com/office/drawing/2010/main" val="0"/>
-              </a:ext>
-            </a:extLst>
-          </a:blip>
-          <a:srcRect/>
-          <a:stretch>
-            <a:fillRect/>
-          </a:stretch>
-        </p:blipFill>
-        <p:spPr bwMode="auto">
-          <a:xfrm>
-            <a:off x="3086835" y="3455241"/>
-            <a:ext cx="1556945" cy="2213781"/>
-          </a:xfrm>
-          <a:prstGeom prst="rect">
-            <a:avLst/>
-          </a:prstGeom>
-          <a:noFill/>
-          <a:extLst>
-            <a:ext uri="{909E8E84-426E-40DD-AFC4-6F175D3DCCD1}">
-              <a14:hiddenFill xmlns:a14="http://schemas.microsoft.com/office/drawing/2010/main">
-                <a:solidFill>
-                  <a:srgbClr val="FFFFFF"/>
-                </a:solidFill>
-              </a14:hiddenFill>
-            </a:ext>
-          </a:extLst>
-        </p:spPr>
-      </p:pic>
-      <p:pic>
-        <p:nvPicPr>
-          <p:cNvPr id="5" name="Picture 2" descr="C:\Users\Bjoern\Documents\Studium\AndroidLab\Präsentation\chat.png"/>
-          <p:cNvPicPr>
-            <a:picLocks noChangeAspect="1" noChangeArrowheads="1"/>
-          </p:cNvPicPr>
-          <p:nvPr/>
-        </p:nvPicPr>
-        <p:blipFill>
-          <a:blip r:embed="rId4">
-            <a:extLst>
-              <a:ext uri="{28A0092B-C50C-407E-A947-70E740481C1C}">
-                <a14:useLocalDpi xmlns:a14="http://schemas.microsoft.com/office/drawing/2010/main" val="0"/>
-              </a:ext>
-            </a:extLst>
-          </a:blip>
-          <a:srcRect/>
-          <a:stretch>
-            <a:fillRect/>
-          </a:stretch>
-        </p:blipFill>
-        <p:spPr bwMode="auto">
-          <a:xfrm>
-            <a:off x="4211960" y="3609020"/>
-            <a:ext cx="1536712" cy="2195017"/>
-          </a:xfrm>
-          <a:prstGeom prst="rect">
-            <a:avLst/>
-          </a:prstGeom>
-          <a:noFill/>
-          <a:extLst>
-            <a:ext uri="{909E8E84-426E-40DD-AFC4-6F175D3DCCD1}">
-              <a14:hiddenFill xmlns:a14="http://schemas.microsoft.com/office/drawing/2010/main">
-                <a:solidFill>
-                  <a:srgbClr val="FFFFFF"/>
-                </a:solidFill>
-              </a14:hiddenFill>
-            </a:ext>
-          </a:extLst>
-        </p:spPr>
-      </p:pic>
-      <p:sp>
-        <p:nvSpPr>
-          <p:cNvPr id="7" name="Rechteck 6"/>
-          <p:cNvSpPr/>
-          <p:nvPr/>
-        </p:nvSpPr>
-        <p:spPr>
-          <a:xfrm>
-            <a:off x="5344599" y="3744035"/>
-            <a:ext cx="1477651" cy="2205245"/>
-          </a:xfrm>
-          <a:prstGeom prst="rect">
-            <a:avLst/>
-          </a:prstGeom>
-          <a:solidFill>
-            <a:schemeClr val="accent3">
-              <a:lumMod val="20000"/>
-              <a:lumOff val="80000"/>
-            </a:schemeClr>
-          </a:solidFill>
-          <a:ln/>
-        </p:spPr>
-        <p:style>
-          <a:lnRef idx="2">
-            <a:schemeClr val="accent2"/>
-          </a:lnRef>
-          <a:fillRef idx="1">
-            <a:schemeClr val="lt1"/>
-          </a:fillRef>
-          <a:effectRef idx="0">
-            <a:schemeClr val="accent2"/>
-          </a:effectRef>
-          <a:fontRef idx="minor">
-            <a:schemeClr val="dk1"/>
-          </a:fontRef>
-        </p:style>
-        <p:txBody>
-          <a:bodyPr rtlCol="0" anchor="ctr"/>
+      <p:sp>
+        <p:nvSpPr>
+          <p:cNvPr id="3" name="Inhaltsplatzhalter 2"/>
+          <p:cNvSpPr>
+            <a:spLocks noGrp="1"/>
+          </p:cNvSpPr>
+          <p:nvPr>
+            <p:ph idx="1"/>
+          </p:nvPr>
+        </p:nvSpPr>
+        <p:spPr/>
+        <p:txBody>
+          <a:bodyPr/>
           <a:lstStyle/>
           <a:p>
-            <a:pPr algn="ctr"/>
-            <a:r>
-              <a:rPr lang="de-DE" sz="2400" dirty="0" smtClean="0">
-                <a:solidFill>
-                  <a:srgbClr val="000000"/>
-                </a:solidFill>
-              </a:rPr>
-              <a:t>…</a:t>
-            </a:r>
-          </a:p>
-        </p:txBody>
-      </p:sp>
-      <p:sp>
-        <p:nvSpPr>
-          <p:cNvPr id="8" name="Rechteck 7"/>
-          <p:cNvSpPr/>
-          <p:nvPr/>
-        </p:nvSpPr>
-        <p:spPr>
-          <a:xfrm>
-            <a:off x="1556665" y="2483895"/>
-            <a:ext cx="6120680" cy="630070"/>
-          </a:xfrm>
-          <a:prstGeom prst="rect">
-            <a:avLst/>
-          </a:prstGeom>
-          <a:ln/>
-        </p:spPr>
-        <p:style>
-          <a:lnRef idx="1">
-            <a:schemeClr val="accent1"/>
-          </a:lnRef>
-          <a:fillRef idx="2">
-            <a:schemeClr val="accent1"/>
-          </a:fillRef>
-          <a:effectRef idx="1">
-            <a:schemeClr val="accent1"/>
-          </a:effectRef>
-          <a:fontRef idx="minor">
-            <a:schemeClr val="dk1"/>
-          </a:fontRef>
-        </p:style>
-        <p:txBody>
-          <a:bodyPr rtlCol="0" anchor="ctr"/>
-          <a:lstStyle/>
-          <a:p>
-            <a:pPr algn="ctr"/>
-            <a:r>
-              <a:rPr lang="de-DE" sz="2400" dirty="0" smtClean="0">
-                <a:solidFill>
-                  <a:srgbClr val="000000"/>
-                </a:solidFill>
-              </a:rPr>
-              <a:t>Service</a:t>
-            </a:r>
-          </a:p>
-        </p:txBody>
-      </p:sp>
-      <p:sp>
-        <p:nvSpPr>
-          <p:cNvPr id="11" name="Pfeil nach oben und unten 10"/>
-          <p:cNvSpPr/>
-          <p:nvPr/>
-        </p:nvSpPr>
-        <p:spPr>
-          <a:xfrm>
-            <a:off x="2588509" y="3068960"/>
-            <a:ext cx="273301" cy="855094"/>
-          </a:xfrm>
-          <a:prstGeom prst="upDownArrow">
-            <a:avLst>
-              <a:gd name="adj1" fmla="val 28825"/>
-              <a:gd name="adj2" fmla="val 30750"/>
-            </a:avLst>
-          </a:prstGeom>
-          <a:ln w="19050"/>
-        </p:spPr>
-        <p:style>
-          <a:lnRef idx="2">
-            <a:schemeClr val="accent5">
-              <a:shade val="50000"/>
-            </a:schemeClr>
-          </a:lnRef>
-          <a:fillRef idx="1">
-            <a:schemeClr val="accent5"/>
-          </a:fillRef>
-          <a:effectRef idx="0">
-            <a:schemeClr val="accent5"/>
-          </a:effectRef>
-          <a:fontRef idx="minor">
-            <a:schemeClr val="lt1"/>
-          </a:fontRef>
-        </p:style>
-        <p:txBody>
-          <a:bodyPr rtlCol="0" anchor="ctr"/>
-          <a:lstStyle/>
-          <a:p>
-            <a:pPr algn="ctr"/>
-            <a:endParaRPr lang="de-DE" dirty="0" smtClean="0">
-              <a:solidFill>
-                <a:srgbClr val="FFFFFF"/>
-              </a:solidFill>
-            </a:endParaRPr>
-          </a:p>
-        </p:txBody>
-      </p:sp>
-      <p:sp>
-        <p:nvSpPr>
-          <p:cNvPr id="12" name="Pfeil nach oben und unten 11"/>
-          <p:cNvSpPr/>
-          <p:nvPr/>
-        </p:nvSpPr>
-        <p:spPr>
-          <a:xfrm>
-            <a:off x="3865307" y="3068960"/>
-            <a:ext cx="273301" cy="855094"/>
-          </a:xfrm>
-          <a:prstGeom prst="upDownArrow">
-            <a:avLst>
-              <a:gd name="adj1" fmla="val 28825"/>
-              <a:gd name="adj2" fmla="val 30750"/>
-            </a:avLst>
-          </a:prstGeom>
-          <a:ln w="19050"/>
-        </p:spPr>
-        <p:style>
-          <a:lnRef idx="2">
-            <a:schemeClr val="accent5">
-              <a:shade val="50000"/>
-            </a:schemeClr>
-          </a:lnRef>
-          <a:fillRef idx="1">
-            <a:schemeClr val="accent5"/>
-          </a:fillRef>
-          <a:effectRef idx="0">
-            <a:schemeClr val="accent5"/>
-          </a:effectRef>
-          <a:fontRef idx="minor">
-            <a:schemeClr val="lt1"/>
-          </a:fontRef>
-        </p:style>
-        <p:txBody>
-          <a:bodyPr rtlCol="0" anchor="ctr"/>
-          <a:lstStyle/>
-          <a:p>
-            <a:pPr algn="ctr"/>
-            <a:endParaRPr lang="de-DE" dirty="0" smtClean="0">
-              <a:solidFill>
-                <a:srgbClr val="FFFFFF"/>
-              </a:solidFill>
-            </a:endParaRPr>
-          </a:p>
-        </p:txBody>
-      </p:sp>
-      <p:sp>
-        <p:nvSpPr>
-          <p:cNvPr id="13" name="Pfeil nach oben und unten 12"/>
-          <p:cNvSpPr/>
-          <p:nvPr/>
-        </p:nvSpPr>
-        <p:spPr>
-          <a:xfrm>
-            <a:off x="4906055" y="3068960"/>
-            <a:ext cx="273301" cy="855094"/>
-          </a:xfrm>
-          <a:prstGeom prst="upDownArrow">
-            <a:avLst>
-              <a:gd name="adj1" fmla="val 28825"/>
-              <a:gd name="adj2" fmla="val 30750"/>
-            </a:avLst>
-          </a:prstGeom>
-          <a:ln w="19050"/>
-        </p:spPr>
-        <p:style>
-          <a:lnRef idx="2">
-            <a:schemeClr val="accent5">
-              <a:shade val="50000"/>
-            </a:schemeClr>
-          </a:lnRef>
-          <a:fillRef idx="1">
-            <a:schemeClr val="accent5"/>
-          </a:fillRef>
-          <a:effectRef idx="0">
-            <a:schemeClr val="accent5"/>
-          </a:effectRef>
-          <a:fontRef idx="minor">
-            <a:schemeClr val="lt1"/>
-          </a:fontRef>
-        </p:style>
-        <p:txBody>
-          <a:bodyPr rtlCol="0" anchor="ctr"/>
-          <a:lstStyle/>
-          <a:p>
-            <a:pPr algn="ctr"/>
-            <a:endParaRPr lang="de-DE" dirty="0" smtClean="0">
-              <a:solidFill>
-                <a:srgbClr val="FFFFFF"/>
-              </a:solidFill>
-            </a:endParaRPr>
-          </a:p>
-        </p:txBody>
-      </p:sp>
-      <p:sp>
-        <p:nvSpPr>
-          <p:cNvPr id="14" name="Pfeil nach oben und unten 13"/>
-          <p:cNvSpPr/>
-          <p:nvPr/>
-        </p:nvSpPr>
-        <p:spPr>
-          <a:xfrm>
-            <a:off x="5918879" y="3068959"/>
-            <a:ext cx="273301" cy="855095"/>
-          </a:xfrm>
-          <a:prstGeom prst="upDownArrow">
-            <a:avLst>
-              <a:gd name="adj1" fmla="val 28825"/>
-              <a:gd name="adj2" fmla="val 30750"/>
-            </a:avLst>
-          </a:prstGeom>
-          <a:ln w="19050"/>
-        </p:spPr>
-        <p:style>
-          <a:lnRef idx="2">
-            <a:schemeClr val="accent5">
-              <a:shade val="50000"/>
-            </a:schemeClr>
-          </a:lnRef>
-          <a:fillRef idx="1">
-            <a:schemeClr val="accent5"/>
-          </a:fillRef>
-          <a:effectRef idx="0">
-            <a:schemeClr val="accent5"/>
-          </a:effectRef>
-          <a:fontRef idx="minor">
-            <a:schemeClr val="lt1"/>
-          </a:fontRef>
-        </p:style>
-        <p:txBody>
-          <a:bodyPr rtlCol="0" anchor="ctr"/>
-          <a:lstStyle/>
-          <a:p>
-            <a:pPr algn="ctr"/>
-            <a:endParaRPr lang="de-DE" dirty="0" smtClean="0">
-              <a:solidFill>
-                <a:srgbClr val="FFFFFF"/>
-              </a:solidFill>
-            </a:endParaRPr>
-          </a:p>
-        </p:txBody>
-      </p:sp>
-      <p:pic>
-        <p:nvPicPr>
-          <p:cNvPr id="2050" name="Picture 2" descr="http://icons.iconarchive.com/icons/icons-land/vista-hardware-devices/256/Home-Server-icon.png"/>
-          <p:cNvPicPr>
-            <a:picLocks noChangeAspect="1" noChangeArrowheads="1"/>
-          </p:cNvPicPr>
-          <p:nvPr/>
-        </p:nvPicPr>
-        <p:blipFill>
-          <a:blip r:embed="rId5">
-            <a:extLst>
-              <a:ext uri="{28A0092B-C50C-407E-A947-70E740481C1C}">
-                <a14:useLocalDpi xmlns:a14="http://schemas.microsoft.com/office/drawing/2010/main" val="0"/>
-              </a:ext>
-            </a:extLst>
-          </a:blip>
-          <a:srcRect/>
-          <a:stretch>
-            <a:fillRect/>
-          </a:stretch>
-        </p:blipFill>
-        <p:spPr bwMode="auto">
-          <a:xfrm>
-            <a:off x="3920947" y="593685"/>
-            <a:ext cx="1445665" cy="1445665"/>
-          </a:xfrm>
-          <a:prstGeom prst="rect">
-            <a:avLst/>
-          </a:prstGeom>
-          <a:noFill/>
-          <a:extLst>
-            <a:ext uri="{909E8E84-426E-40DD-AFC4-6F175D3DCCD1}">
-              <a14:hiddenFill xmlns:a14="http://schemas.microsoft.com/office/drawing/2010/main">
-                <a:solidFill>
-                  <a:srgbClr val="FFFFFF"/>
-                </a:solidFill>
-              </a14:hiddenFill>
-            </a:ext>
-          </a:extLst>
-        </p:spPr>
-      </p:pic>
-      <p:sp>
-        <p:nvSpPr>
-          <p:cNvPr id="10" name="Pfeil nach oben und unten 9"/>
-          <p:cNvSpPr/>
-          <p:nvPr/>
-        </p:nvSpPr>
-        <p:spPr>
-          <a:xfrm>
-            <a:off x="4480354" y="1853825"/>
-            <a:ext cx="273301" cy="720079"/>
-          </a:xfrm>
-          <a:prstGeom prst="upDownArrow">
-            <a:avLst>
-              <a:gd name="adj1" fmla="val 28825"/>
-              <a:gd name="adj2" fmla="val 30750"/>
-            </a:avLst>
-          </a:prstGeom>
-          <a:ln w="19050"/>
-        </p:spPr>
-        <p:style>
-          <a:lnRef idx="2">
-            <a:schemeClr val="accent5">
-              <a:shade val="50000"/>
-            </a:schemeClr>
-          </a:lnRef>
-          <a:fillRef idx="1">
-            <a:schemeClr val="accent5"/>
-          </a:fillRef>
-          <a:effectRef idx="0">
-            <a:schemeClr val="accent5"/>
-          </a:effectRef>
-          <a:fontRef idx="minor">
-            <a:schemeClr val="lt1"/>
-          </a:fontRef>
-        </p:style>
-        <p:txBody>
-          <a:bodyPr rtlCol="0" anchor="ctr"/>
-          <a:lstStyle/>
-          <a:p>
-            <a:pPr algn="ctr"/>
-            <a:endParaRPr lang="de-DE" dirty="0" smtClean="0">
-              <a:solidFill>
-                <a:srgbClr val="FFFFFF"/>
-              </a:solidFill>
-            </a:endParaRPr>
+            <a:r>
+              <a:rPr lang="de-DE" sz="2400" dirty="0" smtClean="0"/>
+              <a:t>Idee:</a:t>
+            </a:r>
+          </a:p>
+          <a:p>
+            <a:pPr marL="342900" indent="-342900">
+              <a:buFont typeface="Arial" panose="020B0604020202020204" pitchFamily="34" charset="0"/>
+              <a:buChar char="•"/>
+            </a:pPr>
+            <a:r>
+              <a:rPr lang="de-DE" sz="2400" dirty="0" smtClean="0"/>
+              <a:t>Bearbeitet komplexere Aufgaben</a:t>
+            </a:r>
+          </a:p>
+          <a:p>
+            <a:pPr marL="342900" indent="-342900">
+              <a:buFont typeface="Arial" panose="020B0604020202020204" pitchFamily="34" charset="0"/>
+              <a:buChar char="•"/>
+            </a:pPr>
+            <a:r>
+              <a:rPr lang="de-DE" sz="2400" dirty="0" smtClean="0"/>
+              <a:t>Läuft im Hintergrund</a:t>
+            </a:r>
+          </a:p>
+          <a:p>
+            <a:pPr marL="342900" indent="-342900">
+              <a:buFont typeface="Arial" panose="020B0604020202020204" pitchFamily="34" charset="0"/>
+              <a:buChar char="•"/>
+            </a:pPr>
+            <a:r>
+              <a:rPr lang="de-DE" sz="2400" dirty="0" smtClean="0"/>
+              <a:t>Hat keine eigene UI</a:t>
+            </a:r>
+          </a:p>
+          <a:p>
+            <a:endParaRPr lang="de-DE" sz="2400" dirty="0"/>
+          </a:p>
+          <a:p>
+            <a:r>
+              <a:rPr lang="de-DE" sz="2400" dirty="0" smtClean="0"/>
+              <a:t>Beispiele:</a:t>
+            </a:r>
+          </a:p>
+          <a:p>
+            <a:pPr marL="342900" indent="-342900">
+              <a:buFont typeface="Arial" panose="020B0604020202020204" pitchFamily="34" charset="0"/>
+              <a:buChar char="•"/>
+            </a:pPr>
+            <a:r>
+              <a:rPr lang="de-DE" sz="2400" dirty="0" smtClean="0"/>
+              <a:t>Herunterladen von Daten aus dem Internet</a:t>
+            </a:r>
+          </a:p>
+          <a:p>
+            <a:pPr marL="342900" indent="-342900">
+              <a:buFont typeface="Arial" panose="020B0604020202020204" pitchFamily="34" charset="0"/>
+              <a:buChar char="•"/>
+            </a:pPr>
+            <a:r>
+              <a:rPr lang="de-DE" sz="2400" dirty="0" smtClean="0"/>
+              <a:t>Abspielen von Musik</a:t>
+            </a:r>
+          </a:p>
+          <a:p>
+            <a:pPr marL="342900" indent="-342900">
+              <a:buFont typeface="Arial" panose="020B0604020202020204" pitchFamily="34" charset="0"/>
+              <a:buChar char="•"/>
+            </a:pPr>
+            <a:r>
+              <a:rPr lang="de-DE" sz="2400" dirty="0" smtClean="0"/>
+              <a:t>Verarbeiten von Dateien</a:t>
+            </a:r>
+            <a:endParaRPr lang="de-DE" sz="2400" dirty="0"/>
           </a:p>
         </p:txBody>
       </p:sp>
     </p:spTree>
     <p:extLst>
       <p:ext uri="{BB962C8B-B14F-4D97-AF65-F5344CB8AC3E}">
-        <p14:creationId xmlns:p14="http://schemas.microsoft.com/office/powerpoint/2010/main" val="2992768944"/>
+        <p14:creationId xmlns:p14="http://schemas.microsoft.com/office/powerpoint/2010/main" val="3912646582"/>
       </p:ext>
     </p:extLst>
   </p:cSld>
@@ -5830,1412 +5801,6 @@
           <a:lstStyle/>
           <a:p>
             <a:r>
-              <a:rPr lang="de-DE" dirty="0" smtClean="0"/>
-              <a:t>Android Services</a:t>
-            </a:r>
-            <a:endParaRPr lang="de-DE" dirty="0"/>
-          </a:p>
-        </p:txBody>
-      </p:sp>
-      <p:sp>
-        <p:nvSpPr>
-          <p:cNvPr id="3" name="Inhaltsplatzhalter 2"/>
-          <p:cNvSpPr>
-            <a:spLocks noGrp="1"/>
-          </p:cNvSpPr>
-          <p:nvPr>
-            <p:ph idx="1"/>
-          </p:nvPr>
-        </p:nvSpPr>
-        <p:spPr/>
-        <p:txBody>
-          <a:bodyPr/>
-          <a:lstStyle/>
-          <a:p>
-            <a:r>
-              <a:rPr lang="de-DE" sz="2400" dirty="0" smtClean="0"/>
-              <a:t>Idee:</a:t>
-            </a:r>
-          </a:p>
-          <a:p>
-            <a:pPr marL="342900" indent="-342900">
-              <a:buFont typeface="Arial" panose="020B0604020202020204" pitchFamily="34" charset="0"/>
-              <a:buChar char="•"/>
-            </a:pPr>
-            <a:r>
-              <a:rPr lang="de-DE" sz="2400" dirty="0" smtClean="0"/>
-              <a:t>Bearbeitet komplexere Aufgaben</a:t>
-            </a:r>
-          </a:p>
-          <a:p>
-            <a:pPr marL="342900" indent="-342900">
-              <a:buFont typeface="Arial" panose="020B0604020202020204" pitchFamily="34" charset="0"/>
-              <a:buChar char="•"/>
-            </a:pPr>
-            <a:r>
-              <a:rPr lang="de-DE" sz="2400" dirty="0" smtClean="0"/>
-              <a:t>Läuft im Hintergrund</a:t>
-            </a:r>
-          </a:p>
-          <a:p>
-            <a:pPr marL="342900" indent="-342900">
-              <a:buFont typeface="Arial" panose="020B0604020202020204" pitchFamily="34" charset="0"/>
-              <a:buChar char="•"/>
-            </a:pPr>
-            <a:r>
-              <a:rPr lang="de-DE" sz="2400" dirty="0" smtClean="0"/>
-              <a:t>Hat keine eigene UI</a:t>
-            </a:r>
-          </a:p>
-          <a:p>
-            <a:endParaRPr lang="de-DE" sz="2400" dirty="0"/>
-          </a:p>
-          <a:p>
-            <a:r>
-              <a:rPr lang="de-DE" sz="2400" dirty="0" smtClean="0"/>
-              <a:t>Beispiele:</a:t>
-            </a:r>
-          </a:p>
-          <a:p>
-            <a:pPr marL="342900" indent="-342900">
-              <a:buFont typeface="Arial" panose="020B0604020202020204" pitchFamily="34" charset="0"/>
-              <a:buChar char="•"/>
-            </a:pPr>
-            <a:r>
-              <a:rPr lang="de-DE" sz="2400" dirty="0" smtClean="0"/>
-              <a:t>Herunterladen von Daten aus dem Internet</a:t>
-            </a:r>
-          </a:p>
-          <a:p>
-            <a:pPr marL="342900" indent="-342900">
-              <a:buFont typeface="Arial" panose="020B0604020202020204" pitchFamily="34" charset="0"/>
-              <a:buChar char="•"/>
-            </a:pPr>
-            <a:r>
-              <a:rPr lang="de-DE" sz="2400" dirty="0" smtClean="0"/>
-              <a:t>Abspielen von Musik</a:t>
-            </a:r>
-          </a:p>
-          <a:p>
-            <a:pPr marL="342900" indent="-342900">
-              <a:buFont typeface="Arial" panose="020B0604020202020204" pitchFamily="34" charset="0"/>
-              <a:buChar char="•"/>
-            </a:pPr>
-            <a:r>
-              <a:rPr lang="de-DE" sz="2400" dirty="0" smtClean="0"/>
-              <a:t>Verarbeiten von Dateien</a:t>
-            </a:r>
-            <a:endParaRPr lang="de-DE" sz="2400" dirty="0"/>
-          </a:p>
-        </p:txBody>
-      </p:sp>
-    </p:spTree>
-    <p:extLst>
-      <p:ext uri="{BB962C8B-B14F-4D97-AF65-F5344CB8AC3E}">
-        <p14:creationId xmlns:p14="http://schemas.microsoft.com/office/powerpoint/2010/main" val="3912646582"/>
-      </p:ext>
-    </p:extLst>
-  </p:cSld>
-  <p:clrMapOvr>
-    <a:masterClrMapping/>
-  </p:clrMapOvr>
-  <p:timing>
-    <p:tnLst>
-      <p:par>
-        <p:cTn id="1" dur="indefinite" restart="never" nodeType="tmRoot"/>
-      </p:par>
-    </p:tnLst>
-  </p:timing>
-</p:sld>
-</file>
-
-<file path=ppt/slides/slide15.xml><?xml version="1.0" encoding="utf-8"?>
-<p:sld xmlns:a="http://schemas.openxmlformats.org/drawingml/2006/main" xmlns:r="http://schemas.openxmlformats.org/officeDocument/2006/relationships" xmlns:p="http://schemas.openxmlformats.org/presentationml/2006/main">
-  <p:cSld>
-    <p:spTree>
-      <p:nvGrpSpPr>
-        <p:cNvPr id="1" name=""/>
-        <p:cNvGrpSpPr/>
-        <p:nvPr/>
-      </p:nvGrpSpPr>
-      <p:grpSpPr>
-        <a:xfrm>
-          <a:off x="0" y="0"/>
-          <a:ext cx="0" cy="0"/>
-          <a:chOff x="0" y="0"/>
-          <a:chExt cx="0" cy="0"/>
-        </a:xfrm>
-      </p:grpSpPr>
-      <p:sp>
-        <p:nvSpPr>
-          <p:cNvPr id="2" name="Titel 1"/>
-          <p:cNvSpPr>
-            <a:spLocks noGrp="1"/>
-          </p:cNvSpPr>
-          <p:nvPr>
-            <p:ph type="title"/>
-          </p:nvPr>
-        </p:nvSpPr>
-        <p:spPr/>
-        <p:txBody>
-          <a:bodyPr/>
-          <a:lstStyle/>
-          <a:p>
-            <a:r>
-              <a:rPr lang="de-DE" dirty="0" smtClean="0"/>
-              <a:t>Android Services: </a:t>
-            </a:r>
-            <a:r>
-              <a:rPr lang="de-DE" dirty="0" err="1" smtClean="0"/>
-              <a:t>Lifecycle</a:t>
-            </a:r>
-            <a:r>
-              <a:rPr lang="de-DE" dirty="0" smtClean="0"/>
-              <a:t> </a:t>
-            </a:r>
-            <a:endParaRPr lang="de-DE" dirty="0"/>
-          </a:p>
-        </p:txBody>
-      </p:sp>
-      <p:sp>
-        <p:nvSpPr>
-          <p:cNvPr id="24" name="Rechteck 23"/>
-          <p:cNvSpPr/>
-          <p:nvPr/>
-        </p:nvSpPr>
-        <p:spPr>
-          <a:xfrm>
-            <a:off x="476544" y="2654233"/>
-            <a:ext cx="8145906" cy="1665185"/>
-          </a:xfrm>
-          <a:prstGeom prst="rect">
-            <a:avLst/>
-          </a:prstGeom>
-          <a:ln w="19050"/>
-        </p:spPr>
-        <p:style>
-          <a:lnRef idx="2">
-            <a:schemeClr val="accent5">
-              <a:shade val="50000"/>
-            </a:schemeClr>
-          </a:lnRef>
-          <a:fillRef idx="1">
-            <a:schemeClr val="accent5"/>
-          </a:fillRef>
-          <a:effectRef idx="0">
-            <a:schemeClr val="accent5"/>
-          </a:effectRef>
-          <a:fontRef idx="minor">
-            <a:schemeClr val="lt1"/>
-          </a:fontRef>
-        </p:style>
-        <p:txBody>
-          <a:bodyPr rtlCol="0" anchor="ctr"/>
-          <a:lstStyle/>
-          <a:p>
-            <a:pPr algn="ctr"/>
-            <a:endParaRPr lang="de-DE" sz="2800" dirty="0" smtClean="0">
-              <a:solidFill>
-                <a:srgbClr val="FFFFFF"/>
-              </a:solidFill>
-            </a:endParaRPr>
-          </a:p>
-        </p:txBody>
-      </p:sp>
-      <p:sp>
-        <p:nvSpPr>
-          <p:cNvPr id="25" name="Abgerundetes Rechteck 24"/>
-          <p:cNvSpPr/>
-          <p:nvPr/>
-        </p:nvSpPr>
-        <p:spPr>
-          <a:xfrm>
-            <a:off x="656565" y="3248980"/>
-            <a:ext cx="1800200" cy="450050"/>
-          </a:xfrm>
-          <a:prstGeom prst="roundRect">
-            <a:avLst/>
-          </a:prstGeom>
-          <a:ln/>
-        </p:spPr>
-        <p:style>
-          <a:lnRef idx="2">
-            <a:schemeClr val="accent3">
-              <a:shade val="50000"/>
-            </a:schemeClr>
-          </a:lnRef>
-          <a:fillRef idx="1">
-            <a:schemeClr val="accent3"/>
-          </a:fillRef>
-          <a:effectRef idx="0">
-            <a:schemeClr val="accent3"/>
-          </a:effectRef>
-          <a:fontRef idx="minor">
-            <a:schemeClr val="lt1"/>
-          </a:fontRef>
-        </p:style>
-        <p:txBody>
-          <a:bodyPr rtlCol="0" anchor="ctr"/>
-          <a:lstStyle/>
-          <a:p>
-            <a:pPr algn="ctr"/>
-            <a:r>
-              <a:rPr lang="de-DE" sz="2400" dirty="0" smtClean="0">
-                <a:solidFill>
-                  <a:srgbClr val="FFFFFF"/>
-                </a:solidFill>
-              </a:rPr>
-              <a:t>gestartet</a:t>
-            </a:r>
-          </a:p>
-        </p:txBody>
-      </p:sp>
-      <p:sp>
-        <p:nvSpPr>
-          <p:cNvPr id="26" name="Abgerundetes Rechteck 25"/>
-          <p:cNvSpPr/>
-          <p:nvPr/>
-        </p:nvSpPr>
-        <p:spPr>
-          <a:xfrm>
-            <a:off x="5742130" y="2888939"/>
-            <a:ext cx="2385265" cy="1125125"/>
-          </a:xfrm>
-          <a:prstGeom prst="roundRect">
-            <a:avLst/>
-          </a:prstGeom>
-          <a:ln/>
-        </p:spPr>
-        <p:style>
-          <a:lnRef idx="2">
-            <a:schemeClr val="accent3">
-              <a:shade val="50000"/>
-            </a:schemeClr>
-          </a:lnRef>
-          <a:fillRef idx="1">
-            <a:schemeClr val="accent3"/>
-          </a:fillRef>
-          <a:effectRef idx="0">
-            <a:schemeClr val="accent3"/>
-          </a:effectRef>
-          <a:fontRef idx="minor">
-            <a:schemeClr val="lt1"/>
-          </a:fontRef>
-        </p:style>
-        <p:txBody>
-          <a:bodyPr rtlCol="0" anchor="ctr"/>
-          <a:lstStyle/>
-          <a:p>
-            <a:pPr algn="ctr"/>
-            <a:r>
-              <a:rPr lang="de-DE" sz="2400" dirty="0" smtClean="0">
-                <a:solidFill>
-                  <a:srgbClr val="FFFFFF"/>
-                </a:solidFill>
-              </a:rPr>
-              <a:t>mit anderen Komponenten verbunden</a:t>
-            </a:r>
-          </a:p>
-        </p:txBody>
-      </p:sp>
-      <p:sp>
-        <p:nvSpPr>
-          <p:cNvPr id="27" name="Rechteck 26"/>
-          <p:cNvSpPr/>
-          <p:nvPr/>
-        </p:nvSpPr>
-        <p:spPr>
-          <a:xfrm>
-            <a:off x="3086835" y="3175810"/>
-            <a:ext cx="2222083" cy="523220"/>
-          </a:xfrm>
-          <a:prstGeom prst="rect">
-            <a:avLst/>
-          </a:prstGeom>
-        </p:spPr>
-        <p:txBody>
-          <a:bodyPr wrap="none">
-            <a:spAutoFit/>
-          </a:bodyPr>
-          <a:lstStyle/>
-          <a:p>
-            <a:pPr algn="ctr"/>
-            <a:r>
-              <a:rPr lang="de-DE" sz="2800" dirty="0" smtClean="0">
-                <a:solidFill>
-                  <a:srgbClr val="FFFFFF"/>
-                </a:solidFill>
-              </a:rPr>
-              <a:t>Service aktiv</a:t>
-            </a:r>
-            <a:endParaRPr lang="de-DE" sz="2800" dirty="0">
-              <a:solidFill>
-                <a:srgbClr val="FFFFFF"/>
-              </a:solidFill>
-            </a:endParaRPr>
-          </a:p>
-        </p:txBody>
-      </p:sp>
-      <p:cxnSp>
-        <p:nvCxnSpPr>
-          <p:cNvPr id="28" name="Gerade Verbindung mit Pfeil 27"/>
-          <p:cNvCxnSpPr>
-            <a:endCxn id="25" idx="0"/>
-          </p:cNvCxnSpPr>
-          <p:nvPr/>
-        </p:nvCxnSpPr>
-        <p:spPr>
-          <a:xfrm>
-            <a:off x="1556665" y="1178750"/>
-            <a:ext cx="0" cy="2070230"/>
-          </a:xfrm>
-          <a:prstGeom prst="straightConnector1">
-            <a:avLst/>
-          </a:prstGeom>
-          <a:ln w="57150">
-            <a:tailEnd type="arrow"/>
-          </a:ln>
-        </p:spPr>
-        <p:style>
-          <a:lnRef idx="2">
-            <a:schemeClr val="dk1"/>
-          </a:lnRef>
-          <a:fillRef idx="0">
-            <a:schemeClr val="dk1"/>
-          </a:fillRef>
-          <a:effectRef idx="1">
-            <a:schemeClr val="dk1"/>
-          </a:effectRef>
-          <a:fontRef idx="minor">
-            <a:schemeClr val="tx1"/>
-          </a:fontRef>
-        </p:style>
-      </p:cxnSp>
-      <p:cxnSp>
-        <p:nvCxnSpPr>
-          <p:cNvPr id="29" name="Gerade Verbindung mit Pfeil 28"/>
-          <p:cNvCxnSpPr/>
-          <p:nvPr/>
-        </p:nvCxnSpPr>
-        <p:spPr>
-          <a:xfrm>
-            <a:off x="6901008" y="1358770"/>
-            <a:ext cx="33754" cy="1530169"/>
-          </a:xfrm>
-          <a:prstGeom prst="straightConnector1">
-            <a:avLst/>
-          </a:prstGeom>
-          <a:ln w="57150">
-            <a:tailEnd type="arrow"/>
-          </a:ln>
-        </p:spPr>
-        <p:style>
-          <a:lnRef idx="2">
-            <a:schemeClr val="dk1"/>
-          </a:lnRef>
-          <a:fillRef idx="0">
-            <a:schemeClr val="dk1"/>
-          </a:fillRef>
-          <a:effectRef idx="1">
-            <a:schemeClr val="dk1"/>
-          </a:effectRef>
-          <a:fontRef idx="minor">
-            <a:schemeClr val="tx1"/>
-          </a:fontRef>
-        </p:style>
-      </p:cxnSp>
-      <p:sp>
-        <p:nvSpPr>
-          <p:cNvPr id="30" name="Abgerundetes Rechteck 29"/>
-          <p:cNvSpPr/>
-          <p:nvPr/>
-        </p:nvSpPr>
-        <p:spPr>
-          <a:xfrm>
-            <a:off x="1556665" y="1755275"/>
-            <a:ext cx="2070230" cy="540060"/>
-          </a:xfrm>
-          <a:prstGeom prst="roundRect">
-            <a:avLst/>
-          </a:prstGeom>
-          <a:ln/>
-        </p:spPr>
-        <p:style>
-          <a:lnRef idx="2">
-            <a:schemeClr val="accent1">
-              <a:shade val="50000"/>
-            </a:schemeClr>
-          </a:lnRef>
-          <a:fillRef idx="1">
-            <a:schemeClr val="accent1"/>
-          </a:fillRef>
-          <a:effectRef idx="0">
-            <a:schemeClr val="accent1"/>
-          </a:effectRef>
-          <a:fontRef idx="minor">
-            <a:schemeClr val="lt1"/>
-          </a:fontRef>
-        </p:style>
-        <p:txBody>
-          <a:bodyPr rtlCol="0" anchor="ctr"/>
-          <a:lstStyle/>
-          <a:p>
-            <a:pPr algn="ctr"/>
-            <a:r>
-              <a:rPr lang="de-DE" sz="2400" dirty="0" err="1" smtClean="0">
-                <a:solidFill>
-                  <a:srgbClr val="FFFFFF"/>
-                </a:solidFill>
-              </a:rPr>
-              <a:t>startService</a:t>
-            </a:r>
-            <a:r>
-              <a:rPr lang="de-DE" sz="2400" dirty="0" smtClean="0">
-                <a:solidFill>
-                  <a:srgbClr val="FFFFFF"/>
-                </a:solidFill>
-              </a:rPr>
-              <a:t>()</a:t>
-            </a:r>
-          </a:p>
-        </p:txBody>
-      </p:sp>
-      <p:sp>
-        <p:nvSpPr>
-          <p:cNvPr id="31" name="Abgerundetes Rechteck 30"/>
-          <p:cNvSpPr/>
-          <p:nvPr/>
-        </p:nvSpPr>
-        <p:spPr>
-          <a:xfrm>
-            <a:off x="4549497" y="4509120"/>
-            <a:ext cx="2461502" cy="540060"/>
-          </a:xfrm>
-          <a:prstGeom prst="roundRect">
-            <a:avLst/>
-          </a:prstGeom>
-          <a:ln/>
-        </p:spPr>
-        <p:style>
-          <a:lnRef idx="2">
-            <a:schemeClr val="accent1">
-              <a:shade val="50000"/>
-            </a:schemeClr>
-          </a:lnRef>
-          <a:fillRef idx="1">
-            <a:schemeClr val="accent1"/>
-          </a:fillRef>
-          <a:effectRef idx="0">
-            <a:schemeClr val="accent1"/>
-          </a:effectRef>
-          <a:fontRef idx="minor">
-            <a:schemeClr val="lt1"/>
-          </a:fontRef>
-        </p:style>
-        <p:txBody>
-          <a:bodyPr rtlCol="0" anchor="ctr"/>
-          <a:lstStyle/>
-          <a:p>
-            <a:pPr algn="ctr"/>
-            <a:r>
-              <a:rPr lang="de-DE" sz="2400" dirty="0" err="1" smtClean="0">
-                <a:solidFill>
-                  <a:srgbClr val="FFFFFF"/>
-                </a:solidFill>
-              </a:rPr>
-              <a:t>unbindService</a:t>
-            </a:r>
-            <a:r>
-              <a:rPr lang="de-DE" sz="2400" dirty="0" smtClean="0">
-                <a:solidFill>
-                  <a:srgbClr val="FFFFFF"/>
-                </a:solidFill>
-              </a:rPr>
-              <a:t>()</a:t>
-            </a:r>
-          </a:p>
-        </p:txBody>
-      </p:sp>
-      <p:cxnSp>
-        <p:nvCxnSpPr>
-          <p:cNvPr id="32" name="Gerade Verbindung mit Pfeil 31"/>
-          <p:cNvCxnSpPr/>
-          <p:nvPr/>
-        </p:nvCxnSpPr>
-        <p:spPr>
-          <a:xfrm>
-            <a:off x="1556665" y="3699030"/>
-            <a:ext cx="0" cy="2070230"/>
-          </a:xfrm>
-          <a:prstGeom prst="straightConnector1">
-            <a:avLst/>
-          </a:prstGeom>
-          <a:ln w="57150">
-            <a:tailEnd type="arrow"/>
-          </a:ln>
-        </p:spPr>
-        <p:style>
-          <a:lnRef idx="2">
-            <a:schemeClr val="dk1"/>
-          </a:lnRef>
-          <a:fillRef idx="0">
-            <a:schemeClr val="dk1"/>
-          </a:fillRef>
-          <a:effectRef idx="1">
-            <a:schemeClr val="dk1"/>
-          </a:effectRef>
-          <a:fontRef idx="minor">
-            <a:schemeClr val="tx1"/>
-          </a:fontRef>
-        </p:style>
-      </p:cxnSp>
-      <p:cxnSp>
-        <p:nvCxnSpPr>
-          <p:cNvPr id="33" name="Gerade Verbindung mit Pfeil 32"/>
-          <p:cNvCxnSpPr/>
-          <p:nvPr/>
-        </p:nvCxnSpPr>
-        <p:spPr>
-          <a:xfrm>
-            <a:off x="6957265" y="4014066"/>
-            <a:ext cx="33754" cy="1530169"/>
-          </a:xfrm>
-          <a:prstGeom prst="straightConnector1">
-            <a:avLst/>
-          </a:prstGeom>
-          <a:ln w="57150">
-            <a:tailEnd type="arrow"/>
-          </a:ln>
-        </p:spPr>
-        <p:style>
-          <a:lnRef idx="2">
-            <a:schemeClr val="dk1"/>
-          </a:lnRef>
-          <a:fillRef idx="0">
-            <a:schemeClr val="dk1"/>
-          </a:fillRef>
-          <a:effectRef idx="1">
-            <a:schemeClr val="dk1"/>
-          </a:effectRef>
-          <a:fontRef idx="minor">
-            <a:schemeClr val="tx1"/>
-          </a:fontRef>
-        </p:style>
-      </p:cxnSp>
-      <p:sp>
-        <p:nvSpPr>
-          <p:cNvPr id="34" name="Abgerundetes Rechteck 33"/>
-          <p:cNvSpPr/>
-          <p:nvPr/>
-        </p:nvSpPr>
-        <p:spPr>
-          <a:xfrm>
-            <a:off x="4842030" y="1763815"/>
-            <a:ext cx="2070230" cy="540060"/>
-          </a:xfrm>
-          <a:prstGeom prst="roundRect">
-            <a:avLst/>
-          </a:prstGeom>
-          <a:ln/>
-        </p:spPr>
-        <p:style>
-          <a:lnRef idx="2">
-            <a:schemeClr val="accent1">
-              <a:shade val="50000"/>
-            </a:schemeClr>
-          </a:lnRef>
-          <a:fillRef idx="1">
-            <a:schemeClr val="accent1"/>
-          </a:fillRef>
-          <a:effectRef idx="0">
-            <a:schemeClr val="accent1"/>
-          </a:effectRef>
-          <a:fontRef idx="minor">
-            <a:schemeClr val="lt1"/>
-          </a:fontRef>
-        </p:style>
-        <p:txBody>
-          <a:bodyPr rtlCol="0" anchor="ctr"/>
-          <a:lstStyle/>
-          <a:p>
-            <a:pPr algn="ctr"/>
-            <a:r>
-              <a:rPr lang="de-DE" sz="2400" dirty="0" err="1" smtClean="0">
-                <a:solidFill>
-                  <a:srgbClr val="FFFFFF"/>
-                </a:solidFill>
-              </a:rPr>
-              <a:t>bindService</a:t>
-            </a:r>
-            <a:r>
-              <a:rPr lang="de-DE" sz="2400" dirty="0" smtClean="0">
-                <a:solidFill>
-                  <a:srgbClr val="FFFFFF"/>
-                </a:solidFill>
-              </a:rPr>
-              <a:t>()</a:t>
-            </a:r>
-          </a:p>
-        </p:txBody>
-      </p:sp>
-      <p:sp>
-        <p:nvSpPr>
-          <p:cNvPr id="35" name="Abgerundetes Rechteck 34"/>
-          <p:cNvSpPr/>
-          <p:nvPr/>
-        </p:nvSpPr>
-        <p:spPr>
-          <a:xfrm>
-            <a:off x="1570438" y="4509120"/>
-            <a:ext cx="2461502" cy="882715"/>
-          </a:xfrm>
-          <a:prstGeom prst="roundRect">
-            <a:avLst/>
-          </a:prstGeom>
-          <a:ln/>
-        </p:spPr>
-        <p:style>
-          <a:lnRef idx="2">
-            <a:schemeClr val="accent1">
-              <a:shade val="50000"/>
-            </a:schemeClr>
-          </a:lnRef>
-          <a:fillRef idx="1">
-            <a:schemeClr val="accent1"/>
-          </a:fillRef>
-          <a:effectRef idx="0">
-            <a:schemeClr val="accent1"/>
-          </a:effectRef>
-          <a:fontRef idx="minor">
-            <a:schemeClr val="lt1"/>
-          </a:fontRef>
-        </p:style>
-        <p:txBody>
-          <a:bodyPr rtlCol="0" anchor="ctr"/>
-          <a:lstStyle/>
-          <a:p>
-            <a:pPr algn="ctr"/>
-            <a:r>
-              <a:rPr lang="de-DE" sz="2400" dirty="0" err="1" smtClean="0">
-                <a:solidFill>
-                  <a:srgbClr val="FFFFFF"/>
-                </a:solidFill>
-              </a:rPr>
-              <a:t>stopService</a:t>
-            </a:r>
-            <a:r>
-              <a:rPr lang="de-DE" sz="2400" dirty="0" smtClean="0">
-                <a:solidFill>
-                  <a:srgbClr val="FFFFFF"/>
-                </a:solidFill>
-              </a:rPr>
-              <a:t>()</a:t>
-            </a:r>
-          </a:p>
-          <a:p>
-            <a:pPr algn="ctr"/>
-            <a:r>
-              <a:rPr lang="de-DE" sz="2400" dirty="0" err="1" smtClean="0">
-                <a:solidFill>
-                  <a:srgbClr val="FFFFFF"/>
-                </a:solidFill>
-              </a:rPr>
-              <a:t>stopSelf</a:t>
-            </a:r>
-            <a:r>
-              <a:rPr lang="de-DE" sz="2400" dirty="0" smtClean="0">
-                <a:solidFill>
-                  <a:srgbClr val="FFFFFF"/>
-                </a:solidFill>
-              </a:rPr>
-              <a:t>()</a:t>
-            </a:r>
-          </a:p>
-        </p:txBody>
-      </p:sp>
-    </p:spTree>
-    <p:extLst>
-      <p:ext uri="{BB962C8B-B14F-4D97-AF65-F5344CB8AC3E}">
-        <p14:creationId xmlns:p14="http://schemas.microsoft.com/office/powerpoint/2010/main" val="2728520049"/>
-      </p:ext>
-    </p:extLst>
-  </p:cSld>
-  <p:clrMapOvr>
-    <a:masterClrMapping/>
-  </p:clrMapOvr>
-  <p:timing>
-    <p:tnLst>
-      <p:par>
-        <p:cTn id="1" dur="indefinite" restart="never" nodeType="tmRoot"/>
-      </p:par>
-    </p:tnLst>
-  </p:timing>
-</p:sld>
-</file>
-
-<file path=ppt/slides/slide16.xml><?xml version="1.0" encoding="utf-8"?>
-<p:sld xmlns:a="http://schemas.openxmlformats.org/drawingml/2006/main" xmlns:r="http://schemas.openxmlformats.org/officeDocument/2006/relationships" xmlns:p="http://schemas.openxmlformats.org/presentationml/2006/main">
-  <p:cSld>
-    <p:spTree>
-      <p:nvGrpSpPr>
-        <p:cNvPr id="1" name=""/>
-        <p:cNvGrpSpPr/>
-        <p:nvPr/>
-      </p:nvGrpSpPr>
-      <p:grpSpPr>
-        <a:xfrm>
-          <a:off x="0" y="0"/>
-          <a:ext cx="0" cy="0"/>
-          <a:chOff x="0" y="0"/>
-          <a:chExt cx="0" cy="0"/>
-        </a:xfrm>
-      </p:grpSpPr>
-      <p:sp>
-        <p:nvSpPr>
-          <p:cNvPr id="2" name="Titel 1"/>
-          <p:cNvSpPr>
-            <a:spLocks noGrp="1"/>
-          </p:cNvSpPr>
-          <p:nvPr>
-            <p:ph type="title"/>
-          </p:nvPr>
-        </p:nvSpPr>
-        <p:spPr/>
-        <p:txBody>
-          <a:bodyPr/>
-          <a:lstStyle/>
-          <a:p>
-            <a:r>
-              <a:rPr lang="de-DE" dirty="0" smtClean="0"/>
-              <a:t>Android Services: Verbinden</a:t>
-            </a:r>
-            <a:endParaRPr lang="de-DE" dirty="0"/>
-          </a:p>
-        </p:txBody>
-      </p:sp>
-      <p:sp>
-        <p:nvSpPr>
-          <p:cNvPr id="3" name="Rechteck 2"/>
-          <p:cNvSpPr/>
-          <p:nvPr/>
-        </p:nvSpPr>
-        <p:spPr>
-          <a:xfrm>
-            <a:off x="-2407311" y="2654233"/>
-            <a:ext cx="8145906" cy="1665185"/>
-          </a:xfrm>
-          <a:prstGeom prst="rect">
-            <a:avLst/>
-          </a:prstGeom>
-          <a:ln w="19050"/>
-        </p:spPr>
-        <p:style>
-          <a:lnRef idx="2">
-            <a:schemeClr val="accent5">
-              <a:shade val="50000"/>
-            </a:schemeClr>
-          </a:lnRef>
-          <a:fillRef idx="1">
-            <a:schemeClr val="accent5"/>
-          </a:fillRef>
-          <a:effectRef idx="0">
-            <a:schemeClr val="accent5"/>
-          </a:effectRef>
-          <a:fontRef idx="minor">
-            <a:schemeClr val="lt1"/>
-          </a:fontRef>
-        </p:style>
-        <p:txBody>
-          <a:bodyPr rtlCol="0" anchor="ctr"/>
-          <a:lstStyle/>
-          <a:p>
-            <a:pPr algn="ctr"/>
-            <a:endParaRPr lang="de-DE" sz="2800" dirty="0" smtClean="0">
-              <a:solidFill>
-                <a:srgbClr val="FFFFFF"/>
-              </a:solidFill>
-            </a:endParaRPr>
-          </a:p>
-        </p:txBody>
-      </p:sp>
-      <p:sp>
-        <p:nvSpPr>
-          <p:cNvPr id="4" name="Abgerundetes Rechteck 3"/>
-          <p:cNvSpPr/>
-          <p:nvPr/>
-        </p:nvSpPr>
-        <p:spPr>
-          <a:xfrm>
-            <a:off x="2858275" y="2888939"/>
-            <a:ext cx="2385265" cy="1125125"/>
-          </a:xfrm>
-          <a:prstGeom prst="roundRect">
-            <a:avLst/>
-          </a:prstGeom>
-          <a:ln/>
-        </p:spPr>
-        <p:style>
-          <a:lnRef idx="2">
-            <a:schemeClr val="accent3">
-              <a:shade val="50000"/>
-            </a:schemeClr>
-          </a:lnRef>
-          <a:fillRef idx="1">
-            <a:schemeClr val="accent3"/>
-          </a:fillRef>
-          <a:effectRef idx="0">
-            <a:schemeClr val="accent3"/>
-          </a:effectRef>
-          <a:fontRef idx="minor">
-            <a:schemeClr val="lt1"/>
-          </a:fontRef>
-        </p:style>
-        <p:txBody>
-          <a:bodyPr rtlCol="0" anchor="ctr"/>
-          <a:lstStyle/>
-          <a:p>
-            <a:pPr algn="ctr"/>
-            <a:r>
-              <a:rPr lang="de-DE" sz="2400" dirty="0" smtClean="0">
-                <a:solidFill>
-                  <a:srgbClr val="FFFFFF"/>
-                </a:solidFill>
-              </a:rPr>
-              <a:t>mit anderen Komponenten verbunden</a:t>
-            </a:r>
-          </a:p>
-        </p:txBody>
-      </p:sp>
-      <p:sp>
-        <p:nvSpPr>
-          <p:cNvPr id="5" name="Rechteck 4"/>
-          <p:cNvSpPr/>
-          <p:nvPr/>
-        </p:nvSpPr>
-        <p:spPr>
-          <a:xfrm>
-            <a:off x="202980" y="3175810"/>
-            <a:ext cx="2222083" cy="523220"/>
-          </a:xfrm>
-          <a:prstGeom prst="rect">
-            <a:avLst/>
-          </a:prstGeom>
-        </p:spPr>
-        <p:txBody>
-          <a:bodyPr wrap="none">
-            <a:spAutoFit/>
-          </a:bodyPr>
-          <a:lstStyle/>
-          <a:p>
-            <a:pPr algn="ctr"/>
-            <a:r>
-              <a:rPr lang="de-DE" sz="2800" dirty="0" smtClean="0">
-                <a:solidFill>
-                  <a:srgbClr val="FFFFFF"/>
-                </a:solidFill>
-              </a:rPr>
-              <a:t>Service aktiv</a:t>
-            </a:r>
-            <a:endParaRPr lang="de-DE" sz="2800" dirty="0">
-              <a:solidFill>
-                <a:srgbClr val="FFFFFF"/>
-              </a:solidFill>
-            </a:endParaRPr>
-          </a:p>
-        </p:txBody>
-      </p:sp>
-      <p:cxnSp>
-        <p:nvCxnSpPr>
-          <p:cNvPr id="6" name="Gerade Verbindung mit Pfeil 5"/>
-          <p:cNvCxnSpPr/>
-          <p:nvPr/>
-        </p:nvCxnSpPr>
-        <p:spPr>
-          <a:xfrm>
-            <a:off x="4017153" y="1358770"/>
-            <a:ext cx="33754" cy="1530169"/>
-          </a:xfrm>
-          <a:prstGeom prst="straightConnector1">
-            <a:avLst/>
-          </a:prstGeom>
-          <a:ln w="57150">
-            <a:tailEnd type="arrow"/>
-          </a:ln>
-        </p:spPr>
-        <p:style>
-          <a:lnRef idx="2">
-            <a:schemeClr val="dk1"/>
-          </a:lnRef>
-          <a:fillRef idx="0">
-            <a:schemeClr val="dk1"/>
-          </a:fillRef>
-          <a:effectRef idx="1">
-            <a:schemeClr val="dk1"/>
-          </a:effectRef>
-          <a:fontRef idx="minor">
-            <a:schemeClr val="tx1"/>
-          </a:fontRef>
-        </p:style>
-      </p:cxnSp>
-      <p:cxnSp>
-        <p:nvCxnSpPr>
-          <p:cNvPr id="8" name="Gerade Verbindung mit Pfeil 7"/>
-          <p:cNvCxnSpPr/>
-          <p:nvPr/>
-        </p:nvCxnSpPr>
-        <p:spPr>
-          <a:xfrm>
-            <a:off x="4073410" y="4014066"/>
-            <a:ext cx="33754" cy="1530169"/>
-          </a:xfrm>
-          <a:prstGeom prst="straightConnector1">
-            <a:avLst/>
-          </a:prstGeom>
-          <a:ln w="57150">
-            <a:tailEnd type="arrow"/>
-          </a:ln>
-        </p:spPr>
-        <p:style>
-          <a:lnRef idx="2">
-            <a:schemeClr val="dk1"/>
-          </a:lnRef>
-          <a:fillRef idx="0">
-            <a:schemeClr val="dk1"/>
-          </a:fillRef>
-          <a:effectRef idx="1">
-            <a:schemeClr val="dk1"/>
-          </a:effectRef>
-          <a:fontRef idx="minor">
-            <a:schemeClr val="tx1"/>
-          </a:fontRef>
-        </p:style>
-      </p:cxnSp>
-      <p:sp>
-        <p:nvSpPr>
-          <p:cNvPr id="10" name="Rechteck 9"/>
-          <p:cNvSpPr/>
-          <p:nvPr/>
-        </p:nvSpPr>
-        <p:spPr>
-          <a:xfrm>
-            <a:off x="6372200" y="1223755"/>
-            <a:ext cx="2385265" cy="4635515"/>
-          </a:xfrm>
-          <a:prstGeom prst="rect">
-            <a:avLst/>
-          </a:prstGeom>
-          <a:ln w="19050"/>
-        </p:spPr>
-        <p:style>
-          <a:lnRef idx="2">
-            <a:schemeClr val="accent5">
-              <a:shade val="50000"/>
-            </a:schemeClr>
-          </a:lnRef>
-          <a:fillRef idx="1">
-            <a:schemeClr val="accent5"/>
-          </a:fillRef>
-          <a:effectRef idx="0">
-            <a:schemeClr val="accent5"/>
-          </a:effectRef>
-          <a:fontRef idx="minor">
-            <a:schemeClr val="lt1"/>
-          </a:fontRef>
-        </p:style>
-        <p:txBody>
-          <a:bodyPr rtlCol="0" anchor="ctr"/>
-          <a:lstStyle/>
-          <a:p>
-            <a:pPr algn="ctr"/>
-            <a:endParaRPr lang="de-DE" dirty="0" smtClean="0">
-              <a:solidFill>
-                <a:srgbClr val="FFFFFF"/>
-              </a:solidFill>
-            </a:endParaRPr>
-          </a:p>
-        </p:txBody>
-      </p:sp>
-      <p:sp>
-        <p:nvSpPr>
-          <p:cNvPr id="7" name="Abgerundetes Rechteck 6"/>
-          <p:cNvSpPr/>
-          <p:nvPr/>
-        </p:nvSpPr>
-        <p:spPr>
-          <a:xfrm>
-            <a:off x="4114089" y="4509120"/>
-            <a:ext cx="4103316" cy="540060"/>
-          </a:xfrm>
-          <a:prstGeom prst="roundRect">
-            <a:avLst/>
-          </a:prstGeom>
-          <a:ln/>
-        </p:spPr>
-        <p:style>
-          <a:lnRef idx="2">
-            <a:schemeClr val="accent1">
-              <a:shade val="50000"/>
-            </a:schemeClr>
-          </a:lnRef>
-          <a:fillRef idx="1">
-            <a:schemeClr val="accent1"/>
-          </a:fillRef>
-          <a:effectRef idx="0">
-            <a:schemeClr val="accent1"/>
-          </a:effectRef>
-          <a:fontRef idx="minor">
-            <a:schemeClr val="lt1"/>
-          </a:fontRef>
-        </p:style>
-        <p:txBody>
-          <a:bodyPr rtlCol="0" anchor="ctr"/>
-          <a:lstStyle/>
-          <a:p>
-            <a:pPr algn="ctr"/>
-            <a:r>
-              <a:rPr lang="de-DE" sz="2400" dirty="0" err="1" smtClean="0">
-                <a:solidFill>
-                  <a:srgbClr val="FFFFFF"/>
-                </a:solidFill>
-              </a:rPr>
-              <a:t>unbindService</a:t>
-            </a:r>
-            <a:r>
-              <a:rPr lang="de-DE" sz="2400" dirty="0" smtClean="0">
-                <a:solidFill>
-                  <a:srgbClr val="FFFFFF"/>
-                </a:solidFill>
-              </a:rPr>
-              <a:t>()</a:t>
-            </a:r>
-          </a:p>
-        </p:txBody>
-      </p:sp>
-      <p:sp>
-        <p:nvSpPr>
-          <p:cNvPr id="9" name="Abgerundetes Rechteck 8"/>
-          <p:cNvSpPr/>
-          <p:nvPr/>
-        </p:nvSpPr>
-        <p:spPr>
-          <a:xfrm>
-            <a:off x="4074541" y="1763815"/>
-            <a:ext cx="4142864" cy="540060"/>
-          </a:xfrm>
-          <a:prstGeom prst="roundRect">
-            <a:avLst/>
-          </a:prstGeom>
-          <a:ln/>
-        </p:spPr>
-        <p:style>
-          <a:lnRef idx="2">
-            <a:schemeClr val="accent1">
-              <a:shade val="50000"/>
-            </a:schemeClr>
-          </a:lnRef>
-          <a:fillRef idx="1">
-            <a:schemeClr val="accent1"/>
-          </a:fillRef>
-          <a:effectRef idx="0">
-            <a:schemeClr val="accent1"/>
-          </a:effectRef>
-          <a:fontRef idx="minor">
-            <a:schemeClr val="lt1"/>
-          </a:fontRef>
-        </p:style>
-        <p:txBody>
-          <a:bodyPr rtlCol="0" anchor="ctr"/>
-          <a:lstStyle/>
-          <a:p>
-            <a:pPr algn="ctr"/>
-            <a:r>
-              <a:rPr lang="de-DE" sz="2400" dirty="0" err="1" smtClean="0">
-                <a:solidFill>
-                  <a:srgbClr val="FFFFFF"/>
-                </a:solidFill>
-              </a:rPr>
-              <a:t>bindService</a:t>
-            </a:r>
-            <a:r>
-              <a:rPr lang="de-DE" sz="2400" dirty="0" smtClean="0">
-                <a:solidFill>
-                  <a:srgbClr val="FFFFFF"/>
-                </a:solidFill>
-              </a:rPr>
-              <a:t>()</a:t>
-            </a:r>
-          </a:p>
-        </p:txBody>
-      </p:sp>
-      <p:sp>
-        <p:nvSpPr>
-          <p:cNvPr id="11" name="Pfeil nach links und rechts 10"/>
-          <p:cNvSpPr/>
-          <p:nvPr/>
-        </p:nvSpPr>
-        <p:spPr>
-          <a:xfrm>
-            <a:off x="5243539" y="2888939"/>
-            <a:ext cx="2973866" cy="1125125"/>
-          </a:xfrm>
-          <a:prstGeom prst="leftRightArrow">
-            <a:avLst/>
-          </a:prstGeom>
-          <a:ln/>
-        </p:spPr>
-        <p:style>
-          <a:lnRef idx="2">
-            <a:schemeClr val="accent1">
-              <a:shade val="50000"/>
-            </a:schemeClr>
-          </a:lnRef>
-          <a:fillRef idx="1">
-            <a:schemeClr val="accent1"/>
-          </a:fillRef>
-          <a:effectRef idx="0">
-            <a:schemeClr val="accent1"/>
-          </a:effectRef>
-          <a:fontRef idx="minor">
-            <a:schemeClr val="lt1"/>
-          </a:fontRef>
-        </p:style>
-        <p:txBody>
-          <a:bodyPr rtlCol="0" anchor="ctr"/>
-          <a:lstStyle/>
-          <a:p>
-            <a:pPr algn="ctr"/>
-            <a:r>
-              <a:rPr lang="de-DE" sz="2400" dirty="0" smtClean="0">
-                <a:solidFill>
-                  <a:srgbClr val="FFFFFF"/>
-                </a:solidFill>
-              </a:rPr>
-              <a:t>Kommunikation</a:t>
-            </a:r>
-          </a:p>
-        </p:txBody>
-      </p:sp>
-    </p:spTree>
-    <p:extLst>
-      <p:ext uri="{BB962C8B-B14F-4D97-AF65-F5344CB8AC3E}">
-        <p14:creationId xmlns:p14="http://schemas.microsoft.com/office/powerpoint/2010/main" val="1366603645"/>
-      </p:ext>
-    </p:extLst>
-  </p:cSld>
-  <p:clrMapOvr>
-    <a:masterClrMapping/>
-  </p:clrMapOvr>
-  <p:timing>
-    <p:tnLst>
-      <p:par>
-        <p:cTn id="1" dur="indefinite" restart="never" nodeType="tmRoot"/>
-      </p:par>
-    </p:tnLst>
-  </p:timing>
-</p:sld>
-</file>
-
-<file path=ppt/slides/slide17.xml><?xml version="1.0" encoding="utf-8"?>
-<p:sld xmlns:a="http://schemas.openxmlformats.org/drawingml/2006/main" xmlns:r="http://schemas.openxmlformats.org/officeDocument/2006/relationships" xmlns:p="http://schemas.openxmlformats.org/presentationml/2006/main">
-  <p:cSld>
-    <p:spTree>
-      <p:nvGrpSpPr>
-        <p:cNvPr id="1" name=""/>
-        <p:cNvGrpSpPr/>
-        <p:nvPr/>
-      </p:nvGrpSpPr>
-      <p:grpSpPr>
-        <a:xfrm>
-          <a:off x="0" y="0"/>
-          <a:ext cx="0" cy="0"/>
-          <a:chOff x="0" y="0"/>
-          <a:chExt cx="0" cy="0"/>
-        </a:xfrm>
-      </p:grpSpPr>
-      <p:sp>
-        <p:nvSpPr>
-          <p:cNvPr id="2" name="Titel 1"/>
-          <p:cNvSpPr>
-            <a:spLocks noGrp="1"/>
-          </p:cNvSpPr>
-          <p:nvPr>
-            <p:ph type="title"/>
-          </p:nvPr>
-        </p:nvSpPr>
-        <p:spPr/>
-        <p:txBody>
-          <a:bodyPr/>
-          <a:lstStyle/>
-          <a:p>
-            <a:r>
-              <a:rPr lang="de-DE" dirty="0" smtClean="0"/>
-              <a:t>Kommunikation</a:t>
-            </a:r>
-            <a:endParaRPr lang="de-DE" dirty="0"/>
-          </a:p>
-        </p:txBody>
-      </p:sp>
-      <p:sp>
-        <p:nvSpPr>
-          <p:cNvPr id="4" name="Inhaltsplatzhalter 3"/>
-          <p:cNvSpPr>
-            <a:spLocks noGrp="1"/>
-          </p:cNvSpPr>
-          <p:nvPr>
-            <p:ph idx="1"/>
-          </p:nvPr>
-        </p:nvSpPr>
-        <p:spPr/>
-        <p:txBody>
-          <a:bodyPr/>
-          <a:lstStyle/>
-          <a:p>
-            <a:pPr marL="457200" indent="-457200">
-              <a:buFont typeface="+mj-lt"/>
-              <a:buAutoNum type="arabicPeriod"/>
-            </a:pPr>
-            <a:r>
-              <a:rPr lang="de-DE" sz="2400" dirty="0" smtClean="0"/>
-              <a:t>Binder</a:t>
-            </a:r>
-          </a:p>
-          <a:p>
-            <a:pPr marL="647700" lvl="1" indent="-457200">
-              <a:buFont typeface="Arial" panose="020B0604020202020204" pitchFamily="34" charset="0"/>
-              <a:buChar char="•"/>
-            </a:pPr>
-            <a:r>
-              <a:rPr lang="de-DE" sz="2400" dirty="0" smtClean="0"/>
-              <a:t>einfach</a:t>
-            </a:r>
-          </a:p>
-          <a:p>
-            <a:pPr marL="647700" lvl="1" indent="-457200">
-              <a:buFont typeface="Arial" panose="020B0604020202020204" pitchFamily="34" charset="0"/>
-              <a:buChar char="•"/>
-            </a:pPr>
-            <a:r>
-              <a:rPr lang="de-DE" sz="2400" dirty="0" smtClean="0"/>
-              <a:t>Service läuft nicht in eigenen Thread</a:t>
-            </a:r>
-          </a:p>
-          <a:p>
-            <a:pPr marL="457200" indent="-457200">
-              <a:buFont typeface="+mj-lt"/>
-              <a:buAutoNum type="arabicPeriod"/>
-            </a:pPr>
-            <a:r>
-              <a:rPr lang="de-DE" sz="2400" dirty="0" smtClean="0"/>
-              <a:t>Messenger</a:t>
-            </a:r>
-          </a:p>
-          <a:p>
-            <a:pPr marL="647700" lvl="1" indent="-457200">
-              <a:buFont typeface="Arial" panose="020B0604020202020204" pitchFamily="34" charset="0"/>
-              <a:buChar char="•"/>
-            </a:pPr>
-            <a:r>
-              <a:rPr lang="de-DE" sz="2400" dirty="0" smtClean="0"/>
-              <a:t>Nachrichten-orientiert</a:t>
-            </a:r>
-          </a:p>
-          <a:p>
-            <a:pPr marL="647700" lvl="1" indent="-457200">
-              <a:buFont typeface="Arial" panose="020B0604020202020204" pitchFamily="34" charset="0"/>
-              <a:buChar char="•"/>
-            </a:pPr>
-            <a:r>
-              <a:rPr lang="de-DE" sz="2400" dirty="0" smtClean="0"/>
-              <a:t>Service läuft in eigenem Thread</a:t>
-            </a:r>
-          </a:p>
-          <a:p>
-            <a:pPr marL="457200" indent="-457200">
-              <a:buFont typeface="+mj-lt"/>
-              <a:buAutoNum type="arabicPeriod"/>
-            </a:pPr>
-            <a:r>
-              <a:rPr lang="de-DE" sz="2400" dirty="0"/>
-              <a:t>AIDL (Android Interface Definition Language) </a:t>
-            </a:r>
-            <a:endParaRPr lang="de-DE" sz="2400" dirty="0" smtClean="0"/>
-          </a:p>
-          <a:p>
-            <a:pPr marL="647700" lvl="1" indent="-457200">
-              <a:buFont typeface="Arial" panose="020B0604020202020204" pitchFamily="34" charset="0"/>
-              <a:buChar char="•"/>
-            </a:pPr>
-            <a:r>
-              <a:rPr lang="de-DE" sz="2400" dirty="0" smtClean="0"/>
-              <a:t>am flexibelsten</a:t>
-            </a:r>
-          </a:p>
-          <a:p>
-            <a:pPr marL="647700" lvl="1" indent="-457200">
-              <a:buFont typeface="Arial" panose="020B0604020202020204" pitchFamily="34" charset="0"/>
-              <a:buChar char="•"/>
-            </a:pPr>
-            <a:r>
-              <a:rPr lang="de-DE" sz="2400" dirty="0" smtClean="0"/>
-              <a:t>Service läuft ggf. in mehreren Threads</a:t>
-            </a:r>
-            <a:endParaRPr lang="de-DE" sz="2400" dirty="0"/>
-          </a:p>
-        </p:txBody>
-      </p:sp>
-    </p:spTree>
-    <p:extLst>
-      <p:ext uri="{BB962C8B-B14F-4D97-AF65-F5344CB8AC3E}">
-        <p14:creationId xmlns:p14="http://schemas.microsoft.com/office/powerpoint/2010/main" val="222023240"/>
-      </p:ext>
-    </p:extLst>
-  </p:cSld>
-  <p:clrMapOvr>
-    <a:masterClrMapping/>
-  </p:clrMapOvr>
-  <p:timing>
-    <p:tnLst>
-      <p:par>
-        <p:cTn id="1" dur="indefinite" restart="never" nodeType="tmRoot"/>
-      </p:par>
-    </p:tnLst>
-  </p:timing>
-</p:sld>
-</file>
-
-<file path=ppt/slides/slide18.xml><?xml version="1.0" encoding="utf-8"?>
-<p:sld xmlns:a="http://schemas.openxmlformats.org/drawingml/2006/main" xmlns:r="http://schemas.openxmlformats.org/officeDocument/2006/relationships" xmlns:p="http://schemas.openxmlformats.org/presentationml/2006/main">
-  <p:cSld>
-    <p:spTree>
-      <p:nvGrpSpPr>
-        <p:cNvPr id="1" name=""/>
-        <p:cNvGrpSpPr/>
-        <p:nvPr/>
-      </p:nvGrpSpPr>
-      <p:grpSpPr>
-        <a:xfrm>
-          <a:off x="0" y="0"/>
-          <a:ext cx="0" cy="0"/>
-          <a:chOff x="0" y="0"/>
-          <a:chExt cx="0" cy="0"/>
-        </a:xfrm>
-      </p:grpSpPr>
-      <p:sp>
-        <p:nvSpPr>
-          <p:cNvPr id="2" name="Titel 1"/>
-          <p:cNvSpPr>
-            <a:spLocks noGrp="1"/>
-          </p:cNvSpPr>
-          <p:nvPr>
-            <p:ph type="title"/>
-          </p:nvPr>
-        </p:nvSpPr>
-        <p:spPr/>
-        <p:txBody>
-          <a:bodyPr/>
-          <a:lstStyle/>
-          <a:p>
-            <a:r>
               <a:rPr lang="de-DE" dirty="0" err="1" smtClean="0"/>
               <a:t>InstaMeet</a:t>
             </a:r>
@@ -8052,7 +6617,7 @@
 </p:sld>
 </file>
 
-<file path=ppt/slides/slide19.xml><?xml version="1.0" encoding="utf-8"?>
+<file path=ppt/slides/slide15.xml><?xml version="1.0" encoding="utf-8"?>
 <p:sld xmlns:a="http://schemas.openxmlformats.org/drawingml/2006/main" xmlns:r="http://schemas.openxmlformats.org/officeDocument/2006/relationships" xmlns:p="http://schemas.openxmlformats.org/presentationml/2006/main">
   <p:cSld>
     <p:spTree>

--- a/Review/Android.pptx
+++ b/Review/Android.pptx
@@ -6610,9 +6610,226 @@
   <p:timing>
     <p:tnLst>
       <p:par>
-        <p:cTn id="1" dur="indefinite" restart="never" nodeType="tmRoot"/>
+        <p:cTn id="1" dur="indefinite" restart="never" nodeType="tmRoot">
+          <p:childTnLst>
+            <p:seq concurrent="1" nextAc="seek">
+              <p:cTn id="2" dur="indefinite" nodeType="mainSeq">
+                <p:childTnLst>
+                  <p:par>
+                    <p:cTn id="3" fill="hold">
+                      <p:stCondLst>
+                        <p:cond delay="indefinite"/>
+                      </p:stCondLst>
+                      <p:childTnLst>
+                        <p:par>
+                          <p:cTn id="4" fill="hold">
+                            <p:stCondLst>
+                              <p:cond delay="0"/>
+                            </p:stCondLst>
+                            <p:childTnLst>
+                              <p:par>
+                                <p:cTn id="5" presetID="1" presetClass="entr" presetSubtype="0" fill="hold" grpId="0" nodeType="clickEffect">
+                                  <p:stCondLst>
+                                    <p:cond delay="0"/>
+                                  </p:stCondLst>
+                                  <p:childTnLst>
+                                    <p:set>
+                                      <p:cBhvr>
+                                        <p:cTn id="6" dur="1" fill="hold">
+                                          <p:stCondLst>
+                                            <p:cond delay="0"/>
+                                          </p:stCondLst>
+                                        </p:cTn>
+                                        <p:tgtEl>
+                                          <p:spTgt spid="16"/>
+                                        </p:tgtEl>
+                                        <p:attrNameLst>
+                                          <p:attrName>style.visibility</p:attrName>
+                                        </p:attrNameLst>
+                                      </p:cBhvr>
+                                      <p:to>
+                                        <p:strVal val="visible"/>
+                                      </p:to>
+                                    </p:set>
+                                  </p:childTnLst>
+                                </p:cTn>
+                              </p:par>
+                            </p:childTnLst>
+                          </p:cTn>
+                        </p:par>
+                      </p:childTnLst>
+                    </p:cTn>
+                  </p:par>
+                  <p:par>
+                    <p:cTn id="7" fill="hold">
+                      <p:stCondLst>
+                        <p:cond delay="indefinite"/>
+                      </p:stCondLst>
+                      <p:childTnLst>
+                        <p:par>
+                          <p:cTn id="8" fill="hold">
+                            <p:stCondLst>
+                              <p:cond delay="0"/>
+                            </p:stCondLst>
+                            <p:childTnLst>
+                              <p:par>
+                                <p:cTn id="9" presetID="1" presetClass="entr" presetSubtype="0" fill="hold" nodeType="clickEffect">
+                                  <p:stCondLst>
+                                    <p:cond delay="0"/>
+                                  </p:stCondLst>
+                                  <p:childTnLst>
+                                    <p:set>
+                                      <p:cBhvr>
+                                        <p:cTn id="10" dur="1" fill="hold">
+                                          <p:stCondLst>
+                                            <p:cond delay="0"/>
+                                          </p:stCondLst>
+                                        </p:cTn>
+                                        <p:tgtEl>
+                                          <p:spTgt spid="18"/>
+                                        </p:tgtEl>
+                                        <p:attrNameLst>
+                                          <p:attrName>style.visibility</p:attrName>
+                                        </p:attrNameLst>
+                                      </p:cBhvr>
+                                      <p:to>
+                                        <p:strVal val="visible"/>
+                                      </p:to>
+                                    </p:set>
+                                  </p:childTnLst>
+                                </p:cTn>
+                              </p:par>
+                              <p:par>
+                                <p:cTn id="11" presetID="1" presetClass="entr" presetSubtype="0" fill="hold" nodeType="withEffect">
+                                  <p:stCondLst>
+                                    <p:cond delay="0"/>
+                                  </p:stCondLst>
+                                  <p:childTnLst>
+                                    <p:set>
+                                      <p:cBhvr>
+                                        <p:cTn id="12" dur="1" fill="hold">
+                                          <p:stCondLst>
+                                            <p:cond delay="0"/>
+                                          </p:stCondLst>
+                                        </p:cTn>
+                                        <p:tgtEl>
+                                          <p:spTgt spid="20"/>
+                                        </p:tgtEl>
+                                        <p:attrNameLst>
+                                          <p:attrName>style.visibility</p:attrName>
+                                        </p:attrNameLst>
+                                      </p:cBhvr>
+                                      <p:to>
+                                        <p:strVal val="visible"/>
+                                      </p:to>
+                                    </p:set>
+                                  </p:childTnLst>
+                                </p:cTn>
+                              </p:par>
+                              <p:par>
+                                <p:cTn id="13" presetID="1" presetClass="entr" presetSubtype="0" fill="hold" grpId="0" nodeType="withEffect">
+                                  <p:stCondLst>
+                                    <p:cond delay="0"/>
+                                  </p:stCondLst>
+                                  <p:childTnLst>
+                                    <p:set>
+                                      <p:cBhvr>
+                                        <p:cTn id="14" dur="1" fill="hold">
+                                          <p:stCondLst>
+                                            <p:cond delay="0"/>
+                                          </p:stCondLst>
+                                        </p:cTn>
+                                        <p:tgtEl>
+                                          <p:spTgt spid="21"/>
+                                        </p:tgtEl>
+                                        <p:attrNameLst>
+                                          <p:attrName>style.visibility</p:attrName>
+                                        </p:attrNameLst>
+                                      </p:cBhvr>
+                                      <p:to>
+                                        <p:strVal val="visible"/>
+                                      </p:to>
+                                    </p:set>
+                                  </p:childTnLst>
+                                </p:cTn>
+                              </p:par>
+                            </p:childTnLst>
+                          </p:cTn>
+                        </p:par>
+                      </p:childTnLst>
+                    </p:cTn>
+                  </p:par>
+                  <p:par>
+                    <p:cTn id="15" fill="hold">
+                      <p:stCondLst>
+                        <p:cond delay="indefinite"/>
+                      </p:stCondLst>
+                      <p:childTnLst>
+                        <p:par>
+                          <p:cTn id="16" fill="hold">
+                            <p:stCondLst>
+                              <p:cond delay="0"/>
+                            </p:stCondLst>
+                            <p:childTnLst>
+                              <p:par>
+                                <p:cTn id="17" presetID="1" presetClass="entr" presetSubtype="0" fill="hold" grpId="0" nodeType="clickEffect">
+                                  <p:stCondLst>
+                                    <p:cond delay="0"/>
+                                  </p:stCondLst>
+                                  <p:childTnLst>
+                                    <p:set>
+                                      <p:cBhvr>
+                                        <p:cTn id="18" dur="1" fill="hold">
+                                          <p:stCondLst>
+                                            <p:cond delay="0"/>
+                                          </p:stCondLst>
+                                        </p:cTn>
+                                        <p:tgtEl>
+                                          <p:spTgt spid="23"/>
+                                        </p:tgtEl>
+                                        <p:attrNameLst>
+                                          <p:attrName>style.visibility</p:attrName>
+                                        </p:attrNameLst>
+                                      </p:cBhvr>
+                                      <p:to>
+                                        <p:strVal val="visible"/>
+                                      </p:to>
+                                    </p:set>
+                                  </p:childTnLst>
+                                </p:cTn>
+                              </p:par>
+                            </p:childTnLst>
+                          </p:cTn>
+                        </p:par>
+                      </p:childTnLst>
+                    </p:cTn>
+                  </p:par>
+                </p:childTnLst>
+              </p:cTn>
+              <p:prevCondLst>
+                <p:cond evt="onPrev" delay="0">
+                  <p:tgtEl>
+                    <p:sldTgt/>
+                  </p:tgtEl>
+                </p:cond>
+              </p:prevCondLst>
+              <p:nextCondLst>
+                <p:cond evt="onNext" delay="0">
+                  <p:tgtEl>
+                    <p:sldTgt/>
+                  </p:tgtEl>
+                </p:cond>
+              </p:nextCondLst>
+            </p:seq>
+          </p:childTnLst>
+        </p:cTn>
       </p:par>
     </p:tnLst>
+    <p:bldLst>
+      <p:bldP spid="16" grpId="0" animBg="1"/>
+      <p:bldP spid="21" grpId="0" animBg="1"/>
+      <p:bldP spid="23" grpId="0" animBg="1"/>
+    </p:bldLst>
   </p:timing>
 </p:sld>
 </file>

--- a/Review/Android.pptx
+++ b/Review/Android.pptx
@@ -7068,9 +7068,10 @@
           <a:p>
             <a:pPr marL="533400" lvl="1" indent="-342900"/>
             <a:r>
-              <a:rPr lang="de-DE" sz="2000" dirty="0" smtClean="0"/>
+              <a:rPr lang="de-DE" sz="2000" smtClean="0"/>
               <a:t>Chat</a:t>
             </a:r>
+            <a:endParaRPr lang="de-DE" sz="2000" dirty="0" smtClean="0"/>
           </a:p>
         </p:txBody>
       </p:sp>

--- a/Review/Android.pptx
+++ b/Review/Android.pptx
@@ -6,7 +6,7 @@
     <p:sldMasterId id="2147483662" r:id="rId2"/>
   </p:sldMasterIdLst>
   <p:notesMasterIdLst>
-    <p:notesMasterId r:id="rId18"/>
+    <p:notesMasterId r:id="rId19"/>
   </p:notesMasterIdLst>
   <p:sldIdLst>
     <p:sldId id="279" r:id="rId3"/>
@@ -23,7 +23,8 @@
     <p:sldId id="302" r:id="rId14"/>
     <p:sldId id="303" r:id="rId15"/>
     <p:sldId id="307" r:id="rId16"/>
-    <p:sldId id="308" r:id="rId17"/>
+    <p:sldId id="309" r:id="rId17"/>
+    <p:sldId id="308" r:id="rId18"/>
   </p:sldIdLst>
   <p:sldSz cx="9144000" cy="6858000" type="screen4x3"/>
   <p:notesSz cx="7099300" cy="10234613"/>
@@ -6866,6 +6867,212 @@
           <a:bodyPr/>
           <a:lstStyle/>
           <a:p>
+            <a:r>
+              <a:rPr lang="de-DE" dirty="0" smtClean="0"/>
+              <a:t>Probleme \ </a:t>
+            </a:r>
+            <a:r>
+              <a:rPr lang="de-DE" dirty="0" err="1" smtClean="0"/>
+              <a:t>Lessons</a:t>
+            </a:r>
+            <a:r>
+              <a:rPr lang="de-DE" dirty="0" smtClean="0"/>
+              <a:t> </a:t>
+            </a:r>
+            <a:r>
+              <a:rPr lang="de-DE" dirty="0" err="1" smtClean="0"/>
+              <a:t>learned</a:t>
+            </a:r>
+            <a:endParaRPr lang="de-DE" dirty="0"/>
+          </a:p>
+        </p:txBody>
+      </p:sp>
+      <p:sp>
+        <p:nvSpPr>
+          <p:cNvPr id="3" name="Inhaltsplatzhalter 2"/>
+          <p:cNvSpPr>
+            <a:spLocks noGrp="1"/>
+          </p:cNvSpPr>
+          <p:nvPr>
+            <p:ph idx="1"/>
+          </p:nvPr>
+        </p:nvSpPr>
+        <p:spPr/>
+        <p:txBody>
+          <a:bodyPr/>
+          <a:lstStyle/>
+          <a:p>
+            <a:pPr marL="342900" indent="-342900">
+              <a:buFont typeface="Wingdings" panose="05000000000000000000" pitchFamily="2" charset="2"/>
+              <a:buChar char="§"/>
+            </a:pPr>
+            <a:r>
+              <a:rPr lang="de-DE" sz="2000" dirty="0" smtClean="0"/>
+              <a:t>Umstieg auf </a:t>
+            </a:r>
+            <a:r>
+              <a:rPr lang="de-DE" sz="2000" dirty="0" err="1" smtClean="0"/>
+              <a:t>Protobuf</a:t>
+            </a:r>
+            <a:endParaRPr lang="de-DE" sz="2000" dirty="0" smtClean="0"/>
+          </a:p>
+          <a:p>
+            <a:pPr marL="476250" lvl="1" indent="-285750">
+              <a:buFont typeface="Arial" panose="020B0604020202020204" pitchFamily="34" charset="0"/>
+              <a:buChar char="•"/>
+            </a:pPr>
+            <a:r>
+              <a:rPr lang="de-DE" sz="2000" dirty="0" smtClean="0"/>
+              <a:t>Hohe Anzahl an Nachrichten nötig</a:t>
+            </a:r>
+          </a:p>
+          <a:p>
+            <a:pPr marL="476250" lvl="1" indent="-285750">
+              <a:buFont typeface="Arial" panose="020B0604020202020204" pitchFamily="34" charset="0"/>
+              <a:buChar char="•"/>
+            </a:pPr>
+            <a:r>
+              <a:rPr lang="de-DE" sz="2000" dirty="0" smtClean="0"/>
+              <a:t>Komplizierter als ursprünglich geplanter Web-Service Ansatz</a:t>
+            </a:r>
+          </a:p>
+          <a:p>
+            <a:pPr marL="342900" indent="-342900">
+              <a:buFont typeface="Wingdings" panose="05000000000000000000" pitchFamily="2" charset="2"/>
+              <a:buChar char="§"/>
+            </a:pPr>
+            <a:endParaRPr lang="de-DE" sz="2000" dirty="0"/>
+          </a:p>
+          <a:p>
+            <a:pPr marL="342900" indent="-342900">
+              <a:buFont typeface="Wingdings" panose="05000000000000000000" pitchFamily="2" charset="2"/>
+              <a:buChar char="§"/>
+            </a:pPr>
+            <a:r>
+              <a:rPr lang="de-DE" sz="2000" dirty="0" err="1" smtClean="0"/>
+              <a:t>Asynchronität</a:t>
+            </a:r>
+            <a:r>
+              <a:rPr lang="de-DE" sz="2000" dirty="0" smtClean="0"/>
+              <a:t> im Server und Client</a:t>
+            </a:r>
+          </a:p>
+          <a:p>
+            <a:pPr marL="533400" lvl="1" indent="-342900">
+              <a:buFont typeface="Arial" panose="020B0604020202020204" pitchFamily="34" charset="0"/>
+              <a:buChar char="•"/>
+            </a:pPr>
+            <a:r>
+              <a:rPr lang="de-DE" sz="2000" dirty="0" smtClean="0"/>
+              <a:t>Aufwendigere Behandlung von Nachrichten (z.B. Zuordnung)</a:t>
+            </a:r>
+          </a:p>
+          <a:p>
+            <a:pPr marL="533400" lvl="1" indent="-342900">
+              <a:buFont typeface="Arial" panose="020B0604020202020204" pitchFamily="34" charset="0"/>
+              <a:buChar char="•"/>
+            </a:pPr>
+            <a:endParaRPr lang="de-DE" sz="2000" dirty="0"/>
+          </a:p>
+          <a:p>
+            <a:pPr marL="342900" indent="-342900">
+              <a:buFont typeface="Wingdings" panose="05000000000000000000" pitchFamily="2" charset="2"/>
+              <a:buChar char="§"/>
+            </a:pPr>
+            <a:r>
+              <a:rPr lang="de-DE" sz="2000" dirty="0" smtClean="0"/>
+              <a:t>Service Binding Konzept von Android</a:t>
+            </a:r>
+          </a:p>
+          <a:p>
+            <a:pPr marL="533400" lvl="1" indent="-342900">
+              <a:buFont typeface="Arial" panose="020B0604020202020204" pitchFamily="34" charset="0"/>
+              <a:buChar char="•"/>
+            </a:pPr>
+            <a:r>
+              <a:rPr lang="de-DE" sz="2000" dirty="0" smtClean="0"/>
+              <a:t>Problematisch wenn fast alle </a:t>
+            </a:r>
+            <a:r>
+              <a:rPr lang="de-DE" sz="2000" dirty="0" err="1" smtClean="0"/>
+              <a:t>Activities</a:t>
+            </a:r>
+            <a:r>
+              <a:rPr lang="de-DE" sz="2000" dirty="0" smtClean="0"/>
+              <a:t>\Fragments Zugriff benötigen</a:t>
+            </a:r>
+          </a:p>
+          <a:p>
+            <a:pPr marL="533400" lvl="1" indent="-342900">
+              <a:buFont typeface="Arial" panose="020B0604020202020204" pitchFamily="34" charset="0"/>
+              <a:buChar char="•"/>
+            </a:pPr>
+            <a:r>
+              <a:rPr lang="de-DE" sz="2000" dirty="0" smtClean="0"/>
+              <a:t>Service-Binding asynchron </a:t>
+            </a:r>
+            <a:r>
+              <a:rPr lang="de-DE" sz="2000" dirty="0" smtClean="0">
+                <a:sym typeface="Wingdings" panose="05000000000000000000" pitchFamily="2" charset="2"/>
+              </a:rPr>
+              <a:t> Hohe Fehlergefahr</a:t>
+            </a:r>
+            <a:endParaRPr lang="de-DE" sz="2000" dirty="0"/>
+          </a:p>
+          <a:p>
+            <a:pPr marL="285750" indent="-285750">
+              <a:buFont typeface="Arial" panose="020B0604020202020204" pitchFamily="34" charset="0"/>
+              <a:buChar char="•"/>
+            </a:pPr>
+            <a:endParaRPr lang="de-DE" sz="2000" dirty="0"/>
+          </a:p>
+        </p:txBody>
+      </p:sp>
+    </p:spTree>
+    <p:extLst>
+      <p:ext uri="{BB962C8B-B14F-4D97-AF65-F5344CB8AC3E}">
+        <p14:creationId xmlns:p14="http://schemas.microsoft.com/office/powerpoint/2010/main" val="472126883"/>
+      </p:ext>
+    </p:extLst>
+  </p:cSld>
+  <p:clrMapOvr>
+    <a:masterClrMapping/>
+  </p:clrMapOvr>
+</p:sld>
+</file>
+
+<file path=ppt/slides/slide16.xml><?xml version="1.0" encoding="utf-8"?>
+<p:sld xmlns:a="http://schemas.openxmlformats.org/drawingml/2006/main" xmlns:r="http://schemas.openxmlformats.org/officeDocument/2006/relationships" xmlns:p="http://schemas.openxmlformats.org/presentationml/2006/main">
+  <p:cSld>
+    <p:spTree>
+      <p:nvGrpSpPr>
+        <p:cNvPr id="1" name=""/>
+        <p:cNvGrpSpPr/>
+        <p:nvPr/>
+      </p:nvGrpSpPr>
+      <p:grpSpPr>
+        <a:xfrm>
+          <a:off x="0" y="0"/>
+          <a:ext cx="0" cy="0"/>
+          <a:chOff x="0" y="0"/>
+          <a:chExt cx="0" cy="0"/>
+        </a:xfrm>
+      </p:grpSpPr>
+      <p:sp>
+        <p:nvSpPr>
+          <p:cNvPr id="2" name="Titel 1"/>
+          <p:cNvSpPr>
+            <a:spLocks noGrp="1"/>
+          </p:cNvSpPr>
+          <p:nvPr>
+            <p:ph type="title"/>
+          </p:nvPr>
+        </p:nvSpPr>
+        <p:spPr/>
+        <p:txBody>
+          <a:bodyPr/>
+          <a:lstStyle/>
+          <a:p>
             <a:endParaRPr lang="de-DE" dirty="0"/>
           </a:p>
         </p:txBody>
@@ -7068,7 +7275,7 @@
           <a:p>
             <a:pPr marL="533400" lvl="1" indent="-342900"/>
             <a:r>
-              <a:rPr lang="de-DE" sz="2000" smtClean="0"/>
+              <a:rPr lang="de-DE" sz="2000" dirty="0" smtClean="0"/>
               <a:t>Chat</a:t>
             </a:r>
             <a:endParaRPr lang="de-DE" sz="2000" dirty="0" smtClean="0"/>
